--- a/soutenance_python.pptx
+++ b/soutenance_python.pptx
@@ -121,6 +121,11 @@
     <p:ext uri="{EFAFB233-063F-42B5-8137-9DF3F51BA10A}">
       <p15:sldGuideLst xmlns:p15="http://schemas.microsoft.com/office/powerpoint/2012/main">
         <p15:guide id="1" pos="3840" userDrawn="1">
+          <p15:clr>
+            <a:srgbClr val="A4A3A4"/>
+          </p15:clr>
+        </p15:guide>
+        <p15:guide id="2" orient="horz" pos="2160">
           <p15:clr>
             <a:srgbClr val="A4A3A4"/>
           </p15:clr>
@@ -1085,6 +1090,45 @@
       </pc:sldChg>
     </pc:docChg>
   </pc:docChgLst>
+  <pc:docChgLst>
+    <pc:chgData name="alain desombre" userId="79cdecc42f8c13b8" providerId="LiveId" clId="{E9C843FC-B124-4061-8C89-EE7FD8F3C8A3}"/>
+    <pc:docChg chg="custSel modSld">
+      <pc:chgData name="alain desombre" userId="79cdecc42f8c13b8" providerId="LiveId" clId="{E9C843FC-B124-4061-8C89-EE7FD8F3C8A3}" dt="2020-04-29T16:35:54.631" v="78" actId="313"/>
+      <pc:docMkLst>
+        <pc:docMk/>
+      </pc:docMkLst>
+      <pc:sldChg chg="modSp">
+        <pc:chgData name="alain desombre" userId="79cdecc42f8c13b8" providerId="LiveId" clId="{E9C843FC-B124-4061-8C89-EE7FD8F3C8A3}" dt="2020-04-29T16:35:54.631" v="78" actId="313"/>
+        <pc:sldMkLst>
+          <pc:docMk/>
+          <pc:sldMk cId="3048587470" sldId="268"/>
+        </pc:sldMkLst>
+        <pc:spChg chg="mod">
+          <ac:chgData name="alain desombre" userId="79cdecc42f8c13b8" providerId="LiveId" clId="{E9C843FC-B124-4061-8C89-EE7FD8F3C8A3}" dt="2020-04-29T16:35:54.631" v="78" actId="313"/>
+          <ac:spMkLst>
+            <pc:docMk/>
+            <pc:sldMk cId="3048587470" sldId="268"/>
+            <ac:spMk id="2" creationId="{712AD056-EC7C-4D1F-9D7E-D741D0FEE935}"/>
+          </ac:spMkLst>
+        </pc:spChg>
+      </pc:sldChg>
+      <pc:sldChg chg="modSp">
+        <pc:chgData name="alain desombre" userId="79cdecc42f8c13b8" providerId="LiveId" clId="{E9C843FC-B124-4061-8C89-EE7FD8F3C8A3}" dt="2020-04-29T16:35:07.805" v="76" actId="20577"/>
+        <pc:sldMkLst>
+          <pc:docMk/>
+          <pc:sldMk cId="1150103603" sldId="270"/>
+        </pc:sldMkLst>
+        <pc:spChg chg="mod">
+          <ac:chgData name="alain desombre" userId="79cdecc42f8c13b8" providerId="LiveId" clId="{E9C843FC-B124-4061-8C89-EE7FD8F3C8A3}" dt="2020-04-29T16:35:07.805" v="76" actId="20577"/>
+          <ac:spMkLst>
+            <pc:docMk/>
+            <pc:sldMk cId="1150103603" sldId="270"/>
+            <ac:spMk id="4" creationId="{23FF0368-5B71-4346-8EC9-170C0817FCC0}"/>
+          </ac:spMkLst>
+        </pc:spChg>
+      </pc:sldChg>
+    </pc:docChg>
+  </pc:docChgLst>
 </pc:chgInfo>
 </file>
 
@@ -1395,7 +1439,7 @@
           <a:p>
             <a:fld id="{DFEF7640-E7CA-41C6-BF35-DCCB2ED5DC60}" type="datetimeFigureOut">
               <a:rPr lang="fr-FR" smtClean="0"/>
-              <a:t>28/04/2020</a:t>
+              <a:t>29/04/2020</a:t>
             </a:fld>
             <a:endParaRPr lang="fr-FR"/>
           </a:p>
@@ -1593,7 +1637,7 @@
           <a:p>
             <a:fld id="{DFEF7640-E7CA-41C6-BF35-DCCB2ED5DC60}" type="datetimeFigureOut">
               <a:rPr lang="fr-FR" smtClean="0"/>
-              <a:t>28/04/2020</a:t>
+              <a:t>29/04/2020</a:t>
             </a:fld>
             <a:endParaRPr lang="fr-FR"/>
           </a:p>
@@ -1801,7 +1845,7 @@
           <a:p>
             <a:fld id="{DFEF7640-E7CA-41C6-BF35-DCCB2ED5DC60}" type="datetimeFigureOut">
               <a:rPr lang="fr-FR" smtClean="0"/>
-              <a:t>28/04/2020</a:t>
+              <a:t>29/04/2020</a:t>
             </a:fld>
             <a:endParaRPr lang="fr-FR"/>
           </a:p>
@@ -1999,7 +2043,7 @@
           <a:p>
             <a:fld id="{DFEF7640-E7CA-41C6-BF35-DCCB2ED5DC60}" type="datetimeFigureOut">
               <a:rPr lang="fr-FR" smtClean="0"/>
-              <a:t>28/04/2020</a:t>
+              <a:t>29/04/2020</a:t>
             </a:fld>
             <a:endParaRPr lang="fr-FR"/>
           </a:p>
@@ -2274,7 +2318,7 @@
           <a:p>
             <a:fld id="{DFEF7640-E7CA-41C6-BF35-DCCB2ED5DC60}" type="datetimeFigureOut">
               <a:rPr lang="fr-FR" smtClean="0"/>
-              <a:t>28/04/2020</a:t>
+              <a:t>29/04/2020</a:t>
             </a:fld>
             <a:endParaRPr lang="fr-FR"/>
           </a:p>
@@ -2539,7 +2583,7 @@
           <a:p>
             <a:fld id="{DFEF7640-E7CA-41C6-BF35-DCCB2ED5DC60}" type="datetimeFigureOut">
               <a:rPr lang="fr-FR" smtClean="0"/>
-              <a:t>28/04/2020</a:t>
+              <a:t>29/04/2020</a:t>
             </a:fld>
             <a:endParaRPr lang="fr-FR"/>
           </a:p>
@@ -2951,7 +2995,7 @@
           <a:p>
             <a:fld id="{DFEF7640-E7CA-41C6-BF35-DCCB2ED5DC60}" type="datetimeFigureOut">
               <a:rPr lang="fr-FR" smtClean="0"/>
-              <a:t>28/04/2020</a:t>
+              <a:t>29/04/2020</a:t>
             </a:fld>
             <a:endParaRPr lang="fr-FR"/>
           </a:p>
@@ -3092,7 +3136,7 @@
           <a:p>
             <a:fld id="{DFEF7640-E7CA-41C6-BF35-DCCB2ED5DC60}" type="datetimeFigureOut">
               <a:rPr lang="fr-FR" smtClean="0"/>
-              <a:t>28/04/2020</a:t>
+              <a:t>29/04/2020</a:t>
             </a:fld>
             <a:endParaRPr lang="fr-FR"/>
           </a:p>
@@ -3205,7 +3249,7 @@
           <a:p>
             <a:fld id="{DFEF7640-E7CA-41C6-BF35-DCCB2ED5DC60}" type="datetimeFigureOut">
               <a:rPr lang="fr-FR" smtClean="0"/>
-              <a:t>28/04/2020</a:t>
+              <a:t>29/04/2020</a:t>
             </a:fld>
             <a:endParaRPr lang="fr-FR"/>
           </a:p>
@@ -3516,7 +3560,7 @@
           <a:p>
             <a:fld id="{DFEF7640-E7CA-41C6-BF35-DCCB2ED5DC60}" type="datetimeFigureOut">
               <a:rPr lang="fr-FR" smtClean="0"/>
-              <a:t>28/04/2020</a:t>
+              <a:t>29/04/2020</a:t>
             </a:fld>
             <a:endParaRPr lang="fr-FR"/>
           </a:p>
@@ -3804,7 +3848,7 @@
           <a:p>
             <a:fld id="{DFEF7640-E7CA-41C6-BF35-DCCB2ED5DC60}" type="datetimeFigureOut">
               <a:rPr lang="fr-FR" smtClean="0"/>
-              <a:t>28/04/2020</a:t>
+              <a:t>29/04/2020</a:t>
             </a:fld>
             <a:endParaRPr lang="fr-FR"/>
           </a:p>
@@ -4045,7 +4089,7 @@
           <a:p>
             <a:fld id="{DFEF7640-E7CA-41C6-BF35-DCCB2ED5DC60}" type="datetimeFigureOut">
               <a:rPr lang="fr-FR" smtClean="0"/>
-              <a:t>28/04/2020</a:t>
+              <a:t>29/04/2020</a:t>
             </a:fld>
             <a:endParaRPr lang="fr-FR"/>
           </a:p>
@@ -5305,8 +5349,8 @@
           </a:p>
         </p:txBody>
       </p:sp>
-      <mc:AlternateContent xmlns:mc="http://schemas.openxmlformats.org/markup-compatibility/2006">
-        <mc:Choice xmlns:p14="http://schemas.microsoft.com/office/powerpoint/2010/main" Requires="p14">
+      <mc:AlternateContent xmlns:mc="http://schemas.openxmlformats.org/markup-compatibility/2006" xmlns:p14="http://schemas.microsoft.com/office/powerpoint/2010/main">
+        <mc:Choice Requires="p14">
           <p:contentPart p14:bwMode="auto" r:id="rId2">
             <p14:nvContentPartPr>
               <p14:cNvPr id="3" name="Encre 2">
@@ -5325,7 +5369,7 @@
             </p14:xfrm>
           </p:contentPart>
         </mc:Choice>
-        <mc:Fallback>
+        <mc:Fallback xmlns="">
           <p:pic>
             <p:nvPicPr>
               <p:cNvPr id="3" name="Encre 2">
@@ -5875,8 +5919,8 @@
           </a:p>
         </p:txBody>
       </p:sp>
-      <mc:AlternateContent xmlns:mc="http://schemas.openxmlformats.org/markup-compatibility/2006">
-        <mc:Choice xmlns:p14="http://schemas.microsoft.com/office/powerpoint/2010/main" Requires="p14">
+      <mc:AlternateContent xmlns:mc="http://schemas.openxmlformats.org/markup-compatibility/2006" xmlns:p14="http://schemas.microsoft.com/office/powerpoint/2010/main">
+        <mc:Choice Requires="p14">
           <p:contentPart p14:bwMode="auto" r:id="rId2">
             <p14:nvContentPartPr>
               <p14:cNvPr id="3" name="Encre 2">
@@ -5895,7 +5939,7 @@
             </p14:xfrm>
           </p:contentPart>
         </mc:Choice>
-        <mc:Fallback>
+        <mc:Fallback xmlns="">
           <p:pic>
             <p:nvPicPr>
               <p:cNvPr id="3" name="Encre 2">
@@ -5955,55 +5999,72 @@
           <a:lstStyle/>
           <a:p>
             <a:r>
-              <a:rPr lang="fr-FR"/>
-              <a:t>Quand je lance le jeu au départ je vais crée une classe labyrinthe qui se chargeras de cree le labyrinthe</a:t>
-            </a:r>
-          </a:p>
-          <a:p>
-            <a:r>
-              <a:rPr lang="fr-FR"/>
+              <a:rPr lang="fr-FR" dirty="0"/>
+              <a:t>Quand je lance le jeu au départ je vais crée une classe labyrinthe qui se chargeras de crée le labyrinthe</a:t>
+            </a:r>
+          </a:p>
+          <a:p>
+            <a:r>
+              <a:rPr lang="fr-FR" dirty="0"/>
               <a:t>Je vais chercher mon joueur et pouvoir lancer le jeu pour pouvoir lancer l’affichage</a:t>
             </a:r>
           </a:p>
           <a:p>
             <a:r>
-              <a:rPr lang="fr-FR"/>
-              <a:t>La classe labyrinthe  elle cree un tableau  pour charger celui-ci</a:t>
-            </a:r>
-          </a:p>
-          <a:p>
-            <a:r>
-              <a:rPr lang="fr-FR"/>
-              <a:t>Puis elle vas le charger dans la fonction  load_labyrinth</a:t>
-            </a:r>
-          </a:p>
-          <a:p>
-            <a:r>
-              <a:rPr lang="fr-FR"/>
-              <a:t>Load_labyrnthe prend en parametre l’adresse du fichier map.txt puis va parcourir toute les lignes </a:t>
-            </a:r>
-          </a:p>
-          <a:p>
-            <a:r>
-              <a:rPr lang="fr-FR"/>
+              <a:rPr lang="fr-FR" dirty="0"/>
+              <a:t>La classe labyrinthe  elle crée un tableau  pour charger celui-ci</a:t>
+            </a:r>
+          </a:p>
+          <a:p>
+            <a:r>
+              <a:rPr lang="fr-FR" dirty="0"/>
+              <a:t>Puis elle vas le charger dans la fonction  </a:t>
+            </a:r>
+            <a:r>
+              <a:rPr lang="fr-FR" dirty="0" err="1"/>
+              <a:t>load_labyrinth</a:t>
+            </a:r>
+            <a:endParaRPr lang="fr-FR" dirty="0"/>
+          </a:p>
+          <a:p>
+            <a:r>
+              <a:rPr lang="fr-FR" dirty="0" err="1"/>
+              <a:t>Load_labyrnthe</a:t>
+            </a:r>
+            <a:r>
+              <a:rPr lang="fr-FR" dirty="0"/>
+              <a:t> prend en </a:t>
+            </a:r>
+            <a:r>
+              <a:rPr lang="fr-FR" dirty="0" err="1"/>
+              <a:t>parametre</a:t>
+            </a:r>
+            <a:r>
+              <a:rPr lang="fr-FR" dirty="0"/>
+              <a:t> l’adresse du fichier map.txt puis va parcourir toute les lignes </a:t>
+            </a:r>
+          </a:p>
+          <a:p>
+            <a:r>
+              <a:rPr lang="fr-FR" dirty="0"/>
               <a:t>De celui-ci. Chaque caractere de chaque ligne et verifie si ce n’’est pas  un saut de ligne</a:t>
             </a:r>
           </a:p>
           <a:p>
             <a:r>
-              <a:rPr lang="fr-FR"/>
+              <a:rPr lang="fr-FR" dirty="0"/>
               <a:t>Si le caractere n’est pas un saut de ligne donc il ajoute le caractere # a la ligne du labyrinthe</a:t>
             </a:r>
           </a:p>
           <a:p>
             <a:r>
-              <a:rPr lang="fr-FR"/>
+              <a:rPr lang="fr-FR" dirty="0"/>
               <a:t>Puis on ajoute la ligne au labyrinthe.</a:t>
             </a:r>
           </a:p>
           <a:p>
             <a:r>
-              <a:rPr lang="fr-FR"/>
+              <a:rPr lang="fr-FR" dirty="0"/>
               <a:t> </a:t>
             </a:r>
           </a:p>
@@ -6452,8 +6513,8 @@
           </a:p>
         </p:txBody>
       </p:sp>
-      <mc:AlternateContent xmlns:mc="http://schemas.openxmlformats.org/markup-compatibility/2006">
-        <mc:Choice xmlns:p14="http://schemas.microsoft.com/office/powerpoint/2010/main" Requires="p14">
+      <mc:AlternateContent xmlns:mc="http://schemas.openxmlformats.org/markup-compatibility/2006" xmlns:p14="http://schemas.microsoft.com/office/powerpoint/2010/main">
+        <mc:Choice Requires="p14">
           <p:contentPart p14:bwMode="auto" r:id="rId2">
             <p14:nvContentPartPr>
               <p14:cNvPr id="3" name="Encre 2">
@@ -6472,7 +6533,7 @@
             </p14:xfrm>
           </p:contentPart>
         </mc:Choice>
-        <mc:Fallback>
+        <mc:Fallback xmlns="">
           <p:pic>
             <p:nvPicPr>
               <p:cNvPr id="3" name="Encre 2">
@@ -6518,7 +6579,7 @@
         <p:spPr>
           <a:xfrm>
             <a:off x="802105" y="1090863"/>
-            <a:ext cx="9994232" cy="3970318"/>
+            <a:ext cx="9994232" cy="4247317"/>
           </a:xfrm>
           <a:prstGeom prst="rect">
             <a:avLst/>
@@ -6532,86 +6593,167 @@
           <a:lstStyle/>
           <a:p>
             <a:r>
-              <a:rPr lang="fr-FR"/>
+              <a:rPr lang="fr-FR" dirty="0"/>
               <a:t> </a:t>
             </a:r>
           </a:p>
           <a:p>
             <a:r>
-              <a:rPr lang="fr-FR"/>
-              <a:t>La fonction find_player</a:t>
-            </a:r>
-          </a:p>
-          <a:p>
-            <a:r>
-              <a:rPr lang="fr-FR"/>
-              <a:t>On vas chercher la position de mac giver </a:t>
-            </a:r>
-          </a:p>
-          <a:p>
-            <a:r>
-              <a:rPr lang="fr-FR"/>
-              <a:t>Donc avoir une double boucle for  scrute toutes les ligne et case du labyrinthe pour touve ‘m’ (mac giver)</a:t>
-            </a:r>
-          </a:p>
-          <a:p>
-            <a:r>
-              <a:rPr lang="fr-FR"/>
-              <a:t>Dans le cas on trouve pas ‘m’ la case per default et 0x,0y</a:t>
-            </a:r>
-          </a:p>
-          <a:p>
-            <a:r>
-              <a:rPr lang="fr-FR"/>
+              <a:rPr lang="fr-FR" dirty="0"/>
+              <a:t>La fonction </a:t>
+            </a:r>
+            <a:r>
+              <a:rPr lang="fr-FR" dirty="0" err="1"/>
+              <a:t>find_player</a:t>
+            </a:r>
+            <a:endParaRPr lang="fr-FR" dirty="0"/>
+          </a:p>
+          <a:p>
+            <a:r>
+              <a:rPr lang="fr-FR" dirty="0"/>
+              <a:t>On vas chercher la position de mac </a:t>
+            </a:r>
+            <a:r>
+              <a:rPr lang="fr-FR" dirty="0" err="1"/>
+              <a:t>giver</a:t>
+            </a:r>
+            <a:r>
+              <a:rPr lang="fr-FR" dirty="0"/>
+              <a:t> </a:t>
+            </a:r>
+          </a:p>
+          <a:p>
+            <a:r>
+              <a:rPr lang="fr-FR" dirty="0"/>
+              <a:t>Donc avoir une double boucle for  scrute toutes les ligne et case du labyrinthe pour </a:t>
+            </a:r>
+            <a:r>
+              <a:rPr lang="fr-FR" dirty="0" err="1"/>
+              <a:t>touvé</a:t>
+            </a:r>
+            <a:r>
+              <a:rPr lang="fr-FR" dirty="0"/>
+              <a:t> ‘m’ (mac </a:t>
+            </a:r>
+            <a:r>
+              <a:rPr lang="fr-FR" dirty="0" err="1"/>
+              <a:t>giver</a:t>
+            </a:r>
+            <a:r>
+              <a:rPr lang="fr-FR" dirty="0"/>
+              <a:t>)</a:t>
+            </a:r>
+          </a:p>
+          <a:p>
+            <a:r>
+              <a:rPr lang="fr-FR" dirty="0"/>
+              <a:t>Dans le cas ou  on trouve pas ‘m’ la case par default et 0x,0y</a:t>
+            </a:r>
+          </a:p>
+          <a:p>
+            <a:r>
+              <a:rPr lang="fr-FR" dirty="0"/>
               <a:t>Main</a:t>
             </a:r>
           </a:p>
           <a:p>
             <a:r>
-              <a:rPr lang="fr-FR"/>
-              <a:t>Une fois que le labyrinthe et initialise avec la class Display tous ce que s’occupe pygame </a:t>
-            </a:r>
-          </a:p>
-          <a:p>
-            <a:r>
-              <a:rPr lang="fr-FR"/>
-              <a:t>Initaliser pygame </a:t>
-            </a:r>
-          </a:p>
-          <a:p>
-            <a:r>
-              <a:rPr lang="fr-FR"/>
-              <a:t>Definir la taille d’ecran  </a:t>
-            </a:r>
-          </a:p>
-          <a:p>
-            <a:r>
-              <a:rPr lang="fr-FR"/>
+              <a:rPr lang="fr-FR" dirty="0"/>
+              <a:t>Une fois que le labyrinthe et initialisé avec la class Display</a:t>
+            </a:r>
+          </a:p>
+          <a:p>
+            <a:r>
+              <a:rPr lang="fr-FR" dirty="0"/>
+              <a:t>On </a:t>
+            </a:r>
+            <a:r>
+              <a:rPr lang="fr-FR" dirty="0" err="1"/>
+              <a:t>gére</a:t>
+            </a:r>
+            <a:r>
+              <a:rPr lang="fr-FR" dirty="0"/>
+              <a:t> tous ce qui  s’occupe </a:t>
+            </a:r>
+            <a:r>
+              <a:rPr lang="fr-FR" dirty="0" err="1"/>
+              <a:t>pygame</a:t>
+            </a:r>
+            <a:r>
+              <a:rPr lang="fr-FR" dirty="0"/>
+              <a:t> </a:t>
+            </a:r>
+          </a:p>
+          <a:p>
+            <a:r>
+              <a:rPr lang="fr-FR" dirty="0" err="1"/>
+              <a:t>Initaliser</a:t>
+            </a:r>
+            <a:r>
+              <a:rPr lang="fr-FR" dirty="0"/>
+              <a:t> </a:t>
+            </a:r>
+            <a:r>
+              <a:rPr lang="fr-FR" dirty="0" err="1"/>
+              <a:t>pygame</a:t>
+            </a:r>
+            <a:r>
+              <a:rPr lang="fr-FR" dirty="0"/>
+              <a:t> </a:t>
+            </a:r>
+          </a:p>
+          <a:p>
+            <a:r>
+              <a:rPr lang="fr-FR" dirty="0"/>
+              <a:t>Définir la taille d’</a:t>
+            </a:r>
+            <a:r>
+              <a:rPr lang="fr-FR" dirty="0" err="1"/>
+              <a:t>ecran</a:t>
+            </a:r>
+            <a:r>
+              <a:rPr lang="fr-FR" dirty="0"/>
+              <a:t>  </a:t>
+            </a:r>
+          </a:p>
+          <a:p>
+            <a:r>
+              <a:rPr lang="fr-FR" dirty="0"/>
               <a:t>Cree dictionnaire d assets</a:t>
             </a:r>
           </a:p>
           <a:p>
             <a:r>
-              <a:rPr lang="fr-FR"/>
-              <a:t>Charger les personnages avec  la fontion load_assets</a:t>
-            </a:r>
-          </a:p>
-          <a:p>
-            <a:r>
-              <a:rPr lang="fr-FR"/>
-              <a:t>Chaque assets a une cle qui correspond a une image </a:t>
-            </a:r>
-          </a:p>
-          <a:p>
-            <a:r>
-              <a:rPr lang="fr-FR"/>
-              <a:t>Apres avec la fonction  prepare_assets</a:t>
-            </a:r>
-          </a:p>
-          <a:p>
-            <a:r>
-              <a:rPr lang="fr-FR"/>
-              <a:t>Je gere la dimension de met image la transparence </a:t>
+              <a:rPr lang="fr-FR" dirty="0"/>
+              <a:t>Charger les personnages avec  la fonction </a:t>
+            </a:r>
+            <a:r>
+              <a:rPr lang="fr-FR" dirty="0" err="1"/>
+              <a:t>load_assets</a:t>
+            </a:r>
+            <a:endParaRPr lang="fr-FR" dirty="0"/>
+          </a:p>
+          <a:p>
+            <a:r>
+              <a:rPr lang="fr-FR" dirty="0"/>
+              <a:t>Chaque assets a une clé qui correspond a une image </a:t>
+            </a:r>
+          </a:p>
+          <a:p>
+            <a:r>
+              <a:rPr lang="fr-FR" dirty="0"/>
+              <a:t>Apres avec la fonction  </a:t>
+            </a:r>
+            <a:r>
+              <a:rPr lang="fr-FR" dirty="0" err="1"/>
+              <a:t>prepare_assets</a:t>
+            </a:r>
+            <a:endParaRPr lang="fr-FR" dirty="0"/>
+          </a:p>
+          <a:p>
+            <a:r>
+              <a:rPr lang="fr-FR" dirty="0"/>
+              <a:t>Je gère la dimension et la transparence des images</a:t>
             </a:r>
           </a:p>
         </p:txBody>
@@ -7059,8 +7201,8 @@
           </a:p>
         </p:txBody>
       </p:sp>
-      <mc:AlternateContent xmlns:mc="http://schemas.openxmlformats.org/markup-compatibility/2006">
-        <mc:Choice xmlns:p14="http://schemas.microsoft.com/office/powerpoint/2010/main" Requires="p14">
+      <mc:AlternateContent xmlns:mc="http://schemas.openxmlformats.org/markup-compatibility/2006" xmlns:p14="http://schemas.microsoft.com/office/powerpoint/2010/main">
+        <mc:Choice Requires="p14">
           <p:contentPart p14:bwMode="auto" r:id="rId2">
             <p14:nvContentPartPr>
               <p14:cNvPr id="3" name="Encre 2">
@@ -7079,7 +7221,7 @@
             </p14:xfrm>
           </p:contentPart>
         </mc:Choice>
-        <mc:Fallback>
+        <mc:Fallback xmlns="">
           <p:pic>
             <p:nvPicPr>
               <p:cNvPr id="3" name="Encre 2">
@@ -7687,8 +7829,8 @@
           </a:p>
         </p:txBody>
       </p:sp>
-      <mc:AlternateContent xmlns:mc="http://schemas.openxmlformats.org/markup-compatibility/2006">
-        <mc:Choice xmlns:p14="http://schemas.microsoft.com/office/powerpoint/2010/main" Requires="p14">
+      <mc:AlternateContent xmlns:mc="http://schemas.openxmlformats.org/markup-compatibility/2006" xmlns:p14="http://schemas.microsoft.com/office/powerpoint/2010/main">
+        <mc:Choice Requires="p14">
           <p:contentPart p14:bwMode="auto" r:id="rId2">
             <p14:nvContentPartPr>
               <p14:cNvPr id="3" name="Encre 2">
@@ -7707,7 +7849,7 @@
             </p14:xfrm>
           </p:contentPart>
         </mc:Choice>
-        <mc:Fallback>
+        <mc:Fallback xmlns="">
           <p:pic>
             <p:nvPicPr>
               <p:cNvPr id="3" name="Encre 2">

--- a/soutenance_python.pptx
+++ b/soutenance_python.pptx
@@ -7,18 +7,23 @@
   <p:sldIdLst>
     <p:sldId id="256" r:id="rId2"/>
     <p:sldId id="257" r:id="rId3"/>
-    <p:sldId id="258" r:id="rId4"/>
-    <p:sldId id="261" r:id="rId5"/>
-    <p:sldId id="260" r:id="rId6"/>
-    <p:sldId id="262" r:id="rId7"/>
-    <p:sldId id="263" r:id="rId8"/>
-    <p:sldId id="264" r:id="rId9"/>
-    <p:sldId id="265" r:id="rId10"/>
-    <p:sldId id="266" r:id="rId11"/>
-    <p:sldId id="268" r:id="rId12"/>
-    <p:sldId id="270" r:id="rId13"/>
-    <p:sldId id="269" r:id="rId14"/>
-    <p:sldId id="271" r:id="rId15"/>
+    <p:sldId id="273" r:id="rId4"/>
+    <p:sldId id="274" r:id="rId5"/>
+    <p:sldId id="275" r:id="rId6"/>
+    <p:sldId id="276" r:id="rId7"/>
+    <p:sldId id="258" r:id="rId8"/>
+    <p:sldId id="261" r:id="rId9"/>
+    <p:sldId id="260" r:id="rId10"/>
+    <p:sldId id="262" r:id="rId11"/>
+    <p:sldId id="263" r:id="rId12"/>
+    <p:sldId id="264" r:id="rId13"/>
+    <p:sldId id="265" r:id="rId14"/>
+    <p:sldId id="266" r:id="rId15"/>
+    <p:sldId id="268" r:id="rId16"/>
+    <p:sldId id="270" r:id="rId17"/>
+    <p:sldId id="269" r:id="rId18"/>
+    <p:sldId id="271" r:id="rId19"/>
+    <p:sldId id="272" r:id="rId20"/>
   </p:sldIdLst>
   <p:sldSz cx="12192000" cy="6858000"/>
   <p:notesSz cx="6858000" cy="9144000"/>
@@ -151,17 +156,624 @@
 <file path=ppt/revisionInfo.xml><?xml version="1.0" encoding="utf-8"?>
 <p1510:revInfo xmlns:a="http://schemas.openxmlformats.org/drawingml/2006/main" xmlns:r="http://schemas.openxmlformats.org/officeDocument/2006/relationships" xmlns:p1510="http://schemas.microsoft.com/office/powerpoint/2015/10/main">
   <p1510:revLst>
-    <p1510:client id="{07C2CDCF-8E69-482D-8415-D1D714FE29A3}" v="24" dt="2020-04-29T14:33:51.385"/>
-    <p1510:client id="{16CC47DD-5F52-45A0-9381-E5AB63C4A301}" v="2" dt="2020-04-29T13:49:25.136"/>
-    <p1510:client id="{4439087D-58C0-4318-950B-96C8EC222E8A}" v="160" dt="2020-04-29T14:26:25.382"/>
-    <p1510:client id="{6FCBEC2C-D9B9-487C-96FD-7B5030B25B06}" v="27" dt="2020-04-29T16:13:41.447"/>
-    <p1510:client id="{BF4C9F29-C06B-4AF1-BAEC-F39CB3D7E365}" v="3" dt="2020-04-29T13:45:02.699"/>
+    <p1510:client id="{55C062D2-0DB4-489F-A7C8-95C44F213725}" v="825" dt="2020-05-02T09:15:45.334"/>
+    <p1510:client id="{84B80816-FBFE-46CC-829B-7A96CA802701}" v="77" dt="2020-05-02T09:49:27.094"/>
+    <p1510:client id="{E9C843FC-B124-4061-8C89-EE7FD8F3C8A3}" v="8" dt="2020-05-01T14:04:39.802"/>
+    <p1510:client id="{F1D63990-5919-43D1-AC89-027E19F59A60}" v="501" dt="2020-05-01T08:29:26.057"/>
+    <p1510:client id="{F76F3E65-47E3-4C2C-91A0-0312AEC85931}" v="653" dt="2020-05-02T09:39:45.978"/>
   </p1510:revLst>
 </p1510:revInfo>
 </file>
 
 <file path=ppt/changesInfos/changesInfo1.xml><?xml version="1.0" encoding="utf-8"?>
 <pc:chgInfo xmlns:a="http://schemas.openxmlformats.org/drawingml/2006/main" xmlns:r="http://schemas.openxmlformats.org/officeDocument/2006/relationships" xmlns:ac="http://schemas.microsoft.com/office/drawing/2013/main/command" xmlns:pc="http://schemas.microsoft.com/office/powerpoint/2013/main/command">
+  <pc:docChgLst>
+    <pc:chgData name="alain desombre" userId="79cdecc42f8c13b8" providerId="LiveId" clId="{E9C843FC-B124-4061-8C89-EE7FD8F3C8A3}"/>
+    <pc:docChg chg="custSel addSld delSld modSld sldOrd">
+      <pc:chgData name="alain desombre" userId="79cdecc42f8c13b8" providerId="LiveId" clId="{E9C843FC-B124-4061-8C89-EE7FD8F3C8A3}" dt="2020-05-01T14:07:31.749" v="352" actId="20577"/>
+      <pc:docMkLst>
+        <pc:docMk/>
+      </pc:docMkLst>
+      <pc:sldChg chg="ord">
+        <pc:chgData name="alain desombre" userId="79cdecc42f8c13b8" providerId="LiveId" clId="{E9C843FC-B124-4061-8C89-EE7FD8F3C8A3}" dt="2020-05-01T13:42:37.339" v="96"/>
+        <pc:sldMkLst>
+          <pc:docMk/>
+          <pc:sldMk cId="3870336645" sldId="257"/>
+        </pc:sldMkLst>
+      </pc:sldChg>
+      <pc:sldChg chg="addSp modSp">
+        <pc:chgData name="alain desombre" userId="79cdecc42f8c13b8" providerId="LiveId" clId="{E9C843FC-B124-4061-8C89-EE7FD8F3C8A3}" dt="2020-05-01T14:01:12.433" v="312" actId="20577"/>
+        <pc:sldMkLst>
+          <pc:docMk/>
+          <pc:sldMk cId="2667983443" sldId="258"/>
+        </pc:sldMkLst>
+        <pc:spChg chg="add mod">
+          <ac:chgData name="alain desombre" userId="79cdecc42f8c13b8" providerId="LiveId" clId="{E9C843FC-B124-4061-8C89-EE7FD8F3C8A3}" dt="2020-05-01T14:01:12.433" v="312" actId="20577"/>
+          <ac:spMkLst>
+            <pc:docMk/>
+            <pc:sldMk cId="2667983443" sldId="258"/>
+            <ac:spMk id="14" creationId="{E412B0E6-09D8-476C-82D0-194AE17351B6}"/>
+          </ac:spMkLst>
+        </pc:spChg>
+      </pc:sldChg>
+      <pc:sldChg chg="modSp">
+        <pc:chgData name="alain desombre" userId="79cdecc42f8c13b8" providerId="LiveId" clId="{E9C843FC-B124-4061-8C89-EE7FD8F3C8A3}" dt="2020-04-29T16:35:54.631" v="78" actId="313"/>
+        <pc:sldMkLst>
+          <pc:docMk/>
+          <pc:sldMk cId="3048587470" sldId="268"/>
+        </pc:sldMkLst>
+        <pc:spChg chg="mod">
+          <ac:chgData name="alain desombre" userId="79cdecc42f8c13b8" providerId="LiveId" clId="{E9C843FC-B124-4061-8C89-EE7FD8F3C8A3}" dt="2020-04-29T16:35:54.631" v="78" actId="313"/>
+          <ac:spMkLst>
+            <pc:docMk/>
+            <pc:sldMk cId="3048587470" sldId="268"/>
+            <ac:spMk id="2" creationId="{712AD056-EC7C-4D1F-9D7E-D741D0FEE935}"/>
+          </ac:spMkLst>
+        </pc:spChg>
+      </pc:sldChg>
+      <pc:sldChg chg="modSp">
+        <pc:chgData name="alain desombre" userId="79cdecc42f8c13b8" providerId="LiveId" clId="{E9C843FC-B124-4061-8C89-EE7FD8F3C8A3}" dt="2020-04-29T16:35:07.805" v="76" actId="20577"/>
+        <pc:sldMkLst>
+          <pc:docMk/>
+          <pc:sldMk cId="1150103603" sldId="270"/>
+        </pc:sldMkLst>
+        <pc:spChg chg="mod">
+          <ac:chgData name="alain desombre" userId="79cdecc42f8c13b8" providerId="LiveId" clId="{E9C843FC-B124-4061-8C89-EE7FD8F3C8A3}" dt="2020-04-29T16:35:07.805" v="76" actId="20577"/>
+          <ac:spMkLst>
+            <pc:docMk/>
+            <pc:sldMk cId="1150103603" sldId="270"/>
+            <ac:spMk id="4" creationId="{23FF0368-5B71-4346-8EC9-170C0817FCC0}"/>
+          </ac:spMkLst>
+        </pc:spChg>
+      </pc:sldChg>
+      <pc:sldChg chg="addSp delSp modSp add">
+        <pc:chgData name="alain desombre" userId="79cdecc42f8c13b8" providerId="LiveId" clId="{E9C843FC-B124-4061-8C89-EE7FD8F3C8A3}" dt="2020-05-01T14:01:32.581" v="313" actId="1076"/>
+        <pc:sldMkLst>
+          <pc:docMk/>
+          <pc:sldMk cId="299401932" sldId="273"/>
+        </pc:sldMkLst>
+        <pc:spChg chg="del mod">
+          <ac:chgData name="alain desombre" userId="79cdecc42f8c13b8" providerId="LiveId" clId="{E9C843FC-B124-4061-8C89-EE7FD8F3C8A3}" dt="2020-05-01T13:40:30.778" v="84" actId="21"/>
+          <ac:spMkLst>
+            <pc:docMk/>
+            <pc:sldMk cId="299401932" sldId="273"/>
+            <ac:spMk id="2" creationId="{8C92AAEA-89C1-403B-B2E2-2FB9534FE3CE}"/>
+          </ac:spMkLst>
+        </pc:spChg>
+        <pc:spChg chg="del mod">
+          <ac:chgData name="alain desombre" userId="79cdecc42f8c13b8" providerId="LiveId" clId="{E9C843FC-B124-4061-8C89-EE7FD8F3C8A3}" dt="2020-05-01T13:41:13.234" v="87" actId="21"/>
+          <ac:spMkLst>
+            <pc:docMk/>
+            <pc:sldMk cId="299401932" sldId="273"/>
+            <ac:spMk id="3" creationId="{F03A26FC-CFD0-4E6A-916B-BAB88C1B912A}"/>
+          </ac:spMkLst>
+        </pc:spChg>
+        <pc:spChg chg="add del mod">
+          <ac:chgData name="alain desombre" userId="79cdecc42f8c13b8" providerId="LiveId" clId="{E9C843FC-B124-4061-8C89-EE7FD8F3C8A3}" dt="2020-05-01T13:41:07.277" v="86" actId="21"/>
+          <ac:spMkLst>
+            <pc:docMk/>
+            <pc:sldMk cId="299401932" sldId="273"/>
+            <ac:spMk id="5" creationId="{AC828064-EDC4-4813-A205-F9F7C347F99A}"/>
+          </ac:spMkLst>
+        </pc:spChg>
+        <pc:spChg chg="add del mod">
+          <ac:chgData name="alain desombre" userId="79cdecc42f8c13b8" providerId="LiveId" clId="{E9C843FC-B124-4061-8C89-EE7FD8F3C8A3}" dt="2020-05-01T13:41:26.730" v="88" actId="21"/>
+          <ac:spMkLst>
+            <pc:docMk/>
+            <pc:sldMk cId="299401932" sldId="273"/>
+            <ac:spMk id="7" creationId="{FC717894-EC41-47E8-A786-2C75CDCD7CA8}"/>
+          </ac:spMkLst>
+        </pc:spChg>
+        <pc:spChg chg="add mod">
+          <ac:chgData name="alain desombre" userId="79cdecc42f8c13b8" providerId="LiveId" clId="{E9C843FC-B124-4061-8C89-EE7FD8F3C8A3}" dt="2020-05-01T14:01:32.581" v="313" actId="1076"/>
+          <ac:spMkLst>
+            <pc:docMk/>
+            <pc:sldMk cId="299401932" sldId="273"/>
+            <ac:spMk id="9" creationId="{9B106050-2A1A-48C6-82A6-0213372CAAE1}"/>
+          </ac:spMkLst>
+        </pc:spChg>
+        <pc:spChg chg="add mod">
+          <ac:chgData name="alain desombre" userId="79cdecc42f8c13b8" providerId="LiveId" clId="{E9C843FC-B124-4061-8C89-EE7FD8F3C8A3}" dt="2020-05-01T13:45:55.146" v="145" actId="20577"/>
+          <ac:spMkLst>
+            <pc:docMk/>
+            <pc:sldMk cId="299401932" sldId="273"/>
+            <ac:spMk id="15" creationId="{DDD91E6B-9161-4779-94F7-687C778FAC13}"/>
+          </ac:spMkLst>
+        </pc:spChg>
+      </pc:sldChg>
+      <pc:sldChg chg="new del">
+        <pc:chgData name="alain desombre" userId="79cdecc42f8c13b8" providerId="LiveId" clId="{E9C843FC-B124-4061-8C89-EE7FD8F3C8A3}" dt="2020-05-01T13:39:45.659" v="80" actId="47"/>
+        <pc:sldMkLst>
+          <pc:docMk/>
+          <pc:sldMk cId="970273458" sldId="273"/>
+        </pc:sldMkLst>
+      </pc:sldChg>
+      <pc:sldChg chg="modSp add">
+        <pc:chgData name="alain desombre" userId="79cdecc42f8c13b8" providerId="LiveId" clId="{E9C843FC-B124-4061-8C89-EE7FD8F3C8A3}" dt="2020-05-01T13:59:41.177" v="260" actId="20577"/>
+        <pc:sldMkLst>
+          <pc:docMk/>
+          <pc:sldMk cId="1361226019" sldId="274"/>
+        </pc:sldMkLst>
+        <pc:spChg chg="mod">
+          <ac:chgData name="alain desombre" userId="79cdecc42f8c13b8" providerId="LiveId" clId="{E9C843FC-B124-4061-8C89-EE7FD8F3C8A3}" dt="2020-05-01T13:57:14.521" v="223" actId="14100"/>
+          <ac:spMkLst>
+            <pc:docMk/>
+            <pc:sldMk cId="1361226019" sldId="274"/>
+            <ac:spMk id="2" creationId="{8C92AAEA-89C1-403B-B2E2-2FB9534FE3CE}"/>
+          </ac:spMkLst>
+        </pc:spChg>
+        <pc:spChg chg="mod">
+          <ac:chgData name="alain desombre" userId="79cdecc42f8c13b8" providerId="LiveId" clId="{E9C843FC-B124-4061-8C89-EE7FD8F3C8A3}" dt="2020-05-01T13:59:41.177" v="260" actId="20577"/>
+          <ac:spMkLst>
+            <pc:docMk/>
+            <pc:sldMk cId="1361226019" sldId="274"/>
+            <ac:spMk id="3" creationId="{F03A26FC-CFD0-4E6A-916B-BAB88C1B912A}"/>
+          </ac:spMkLst>
+        </pc:spChg>
+      </pc:sldChg>
+      <pc:sldChg chg="addSp delSp modSp add">
+        <pc:chgData name="alain desombre" userId="79cdecc42f8c13b8" providerId="LiveId" clId="{E9C843FC-B124-4061-8C89-EE7FD8F3C8A3}" dt="2020-05-01T14:07:31.749" v="352" actId="20577"/>
+        <pc:sldMkLst>
+          <pc:docMk/>
+          <pc:sldMk cId="1004045936" sldId="275"/>
+        </pc:sldMkLst>
+        <pc:spChg chg="del mod">
+          <ac:chgData name="alain desombre" userId="79cdecc42f8c13b8" providerId="LiveId" clId="{E9C843FC-B124-4061-8C89-EE7FD8F3C8A3}" dt="2020-05-01T14:04:58.276" v="316" actId="21"/>
+          <ac:spMkLst>
+            <pc:docMk/>
+            <pc:sldMk cId="1004045936" sldId="275"/>
+            <ac:spMk id="2" creationId="{8C92AAEA-89C1-403B-B2E2-2FB9534FE3CE}"/>
+          </ac:spMkLst>
+        </pc:spChg>
+        <pc:spChg chg="del">
+          <ac:chgData name="alain desombre" userId="79cdecc42f8c13b8" providerId="LiveId" clId="{E9C843FC-B124-4061-8C89-EE7FD8F3C8A3}" dt="2020-05-01T14:05:15.059" v="317" actId="21"/>
+          <ac:spMkLst>
+            <pc:docMk/>
+            <pc:sldMk cId="1004045936" sldId="275"/>
+            <ac:spMk id="3" creationId="{F03A26FC-CFD0-4E6A-916B-BAB88C1B912A}"/>
+          </ac:spMkLst>
+        </pc:spChg>
+        <pc:spChg chg="add mod">
+          <ac:chgData name="alain desombre" userId="79cdecc42f8c13b8" providerId="LiveId" clId="{E9C843FC-B124-4061-8C89-EE7FD8F3C8A3}" dt="2020-05-01T14:07:31.749" v="352" actId="20577"/>
+          <ac:spMkLst>
+            <pc:docMk/>
+            <pc:sldMk cId="1004045936" sldId="275"/>
+            <ac:spMk id="5" creationId="{26BF59BB-63C4-4052-9D20-259EEA6FB44F}"/>
+          </ac:spMkLst>
+        </pc:spChg>
+        <pc:spChg chg="add mod">
+          <ac:chgData name="alain desombre" userId="79cdecc42f8c13b8" providerId="LiveId" clId="{E9C843FC-B124-4061-8C89-EE7FD8F3C8A3}" dt="2020-05-01T14:05:55.484" v="325" actId="14100"/>
+          <ac:spMkLst>
+            <pc:docMk/>
+            <pc:sldMk cId="1004045936" sldId="275"/>
+            <ac:spMk id="7" creationId="{9785E89A-3A1A-4FA0-8E59-F8EB50D9330A}"/>
+          </ac:spMkLst>
+        </pc:spChg>
+      </pc:sldChg>
+    </pc:docChg>
+  </pc:docChgLst>
+  <pc:docChgLst>
+    <pc:chgData name="alain desombre" userId="79cdecc42f8c13b8" providerId="Windows Live" clId="Web-{84B80816-FBFE-46CC-829B-7A96CA802701}"/>
+    <pc:docChg chg="modSld">
+      <pc:chgData name="alain desombre" userId="79cdecc42f8c13b8" providerId="Windows Live" clId="Web-{84B80816-FBFE-46CC-829B-7A96CA802701}" dt="2020-05-02T09:49:27.094" v="76" actId="20577"/>
+      <pc:docMkLst>
+        <pc:docMk/>
+      </pc:docMkLst>
+      <pc:sldChg chg="modSp">
+        <pc:chgData name="alain desombre" userId="79cdecc42f8c13b8" providerId="Windows Live" clId="Web-{84B80816-FBFE-46CC-829B-7A96CA802701}" dt="2020-05-02T09:48:46.905" v="74" actId="20577"/>
+        <pc:sldMkLst>
+          <pc:docMk/>
+          <pc:sldMk cId="3870336645" sldId="257"/>
+        </pc:sldMkLst>
+        <pc:spChg chg="mod">
+          <ac:chgData name="alain desombre" userId="79cdecc42f8c13b8" providerId="Windows Live" clId="Web-{84B80816-FBFE-46CC-829B-7A96CA802701}" dt="2020-05-02T09:48:46.905" v="74" actId="20577"/>
+          <ac:spMkLst>
+            <pc:docMk/>
+            <pc:sldMk cId="3870336645" sldId="257"/>
+            <ac:spMk id="5" creationId="{2C7E6AEB-2467-4509-A906-685B370C37A2}"/>
+          </ac:spMkLst>
+        </pc:spChg>
+      </pc:sldChg>
+    </pc:docChg>
+  </pc:docChgLst>
+  <pc:docChgLst>
+    <pc:chgData name="alain desombre" userId="79cdecc42f8c13b8" providerId="Windows Live" clId="Web-{BF4C9F29-C06B-4AF1-BAEC-F39CB3D7E365}"/>
+    <pc:docChg chg="modSld">
+      <pc:chgData name="alain desombre" userId="79cdecc42f8c13b8" providerId="Windows Live" clId="Web-{BF4C9F29-C06B-4AF1-BAEC-F39CB3D7E365}" dt="2020-04-29T13:45:02.699" v="2"/>
+      <pc:docMkLst>
+        <pc:docMk/>
+      </pc:docMkLst>
+      <pc:sldChg chg="addSp delSp modSp">
+        <pc:chgData name="alain desombre" userId="79cdecc42f8c13b8" providerId="Windows Live" clId="Web-{BF4C9F29-C06B-4AF1-BAEC-F39CB3D7E365}" dt="2020-04-29T13:45:02.699" v="2"/>
+        <pc:sldMkLst>
+          <pc:docMk/>
+          <pc:sldMk cId="314404111" sldId="267"/>
+        </pc:sldMkLst>
+        <pc:spChg chg="del">
+          <ac:chgData name="alain desombre" userId="79cdecc42f8c13b8" providerId="Windows Live" clId="Web-{BF4C9F29-C06B-4AF1-BAEC-F39CB3D7E365}" dt="2020-04-29T13:44:50.370" v="0"/>
+          <ac:spMkLst>
+            <pc:docMk/>
+            <pc:sldMk cId="314404111" sldId="267"/>
+            <ac:spMk id="3" creationId="{4060353C-BA9B-4E86-BC68-0651C8557D27}"/>
+          </ac:spMkLst>
+        </pc:spChg>
+        <pc:spChg chg="add mod">
+          <ac:chgData name="alain desombre" userId="79cdecc42f8c13b8" providerId="Windows Live" clId="Web-{BF4C9F29-C06B-4AF1-BAEC-F39CB3D7E365}" dt="2020-04-29T13:45:02.699" v="2"/>
+          <ac:spMkLst>
+            <pc:docMk/>
+            <pc:sldMk cId="314404111" sldId="267"/>
+            <ac:spMk id="6" creationId="{001D15C2-3E77-4173-B3A1-9B94A19EB8C4}"/>
+          </ac:spMkLst>
+        </pc:spChg>
+        <pc:picChg chg="add del mod ord">
+          <ac:chgData name="alain desombre" userId="79cdecc42f8c13b8" providerId="Windows Live" clId="Web-{BF4C9F29-C06B-4AF1-BAEC-F39CB3D7E365}" dt="2020-04-29T13:45:02.699" v="2"/>
+          <ac:picMkLst>
+            <pc:docMk/>
+            <pc:sldMk cId="314404111" sldId="267"/>
+            <ac:picMk id="2" creationId="{FC562FA6-BD02-405E-94C0-A851D3BF2D88}"/>
+          </ac:picMkLst>
+        </pc:picChg>
+      </pc:sldChg>
+    </pc:docChg>
+  </pc:docChgLst>
+  <pc:docChgLst>
+    <pc:chgData name="alain desombre" userId="79cdecc42f8c13b8" providerId="Windows Live" clId="Web-{F76F3E65-47E3-4C2C-91A0-0312AEC85931}"/>
+    <pc:docChg chg="modSld sldOrd">
+      <pc:chgData name="alain desombre" userId="79cdecc42f8c13b8" providerId="Windows Live" clId="Web-{F76F3E65-47E3-4C2C-91A0-0312AEC85931}" dt="2020-05-02T09:39:45.978" v="647" actId="20577"/>
+      <pc:docMkLst>
+        <pc:docMk/>
+      </pc:docMkLst>
+      <pc:sldChg chg="modSp">
+        <pc:chgData name="alain desombre" userId="79cdecc42f8c13b8" providerId="Windows Live" clId="Web-{F76F3E65-47E3-4C2C-91A0-0312AEC85931}" dt="2020-05-02T09:34:11.942" v="602" actId="20577"/>
+        <pc:sldMkLst>
+          <pc:docMk/>
+          <pc:sldMk cId="3870336645" sldId="257"/>
+        </pc:sldMkLst>
+        <pc:spChg chg="mod">
+          <ac:chgData name="alain desombre" userId="79cdecc42f8c13b8" providerId="Windows Live" clId="Web-{F76F3E65-47E3-4C2C-91A0-0312AEC85931}" dt="2020-05-02T09:34:11.942" v="602" actId="20577"/>
+          <ac:spMkLst>
+            <pc:docMk/>
+            <pc:sldMk cId="3870336645" sldId="257"/>
+            <ac:spMk id="2" creationId="{F2219CDD-BE9B-4825-A4FA-CC192FC4D67A}"/>
+          </ac:spMkLst>
+        </pc:spChg>
+      </pc:sldChg>
+      <pc:sldChg chg="modSp">
+        <pc:chgData name="alain desombre" userId="79cdecc42f8c13b8" providerId="Windows Live" clId="Web-{F76F3E65-47E3-4C2C-91A0-0312AEC85931}" dt="2020-05-02T09:23:52.825" v="242" actId="20577"/>
+        <pc:sldMkLst>
+          <pc:docMk/>
+          <pc:sldMk cId="2667983443" sldId="258"/>
+        </pc:sldMkLst>
+        <pc:spChg chg="mod">
+          <ac:chgData name="alain desombre" userId="79cdecc42f8c13b8" providerId="Windows Live" clId="Web-{F76F3E65-47E3-4C2C-91A0-0312AEC85931}" dt="2020-05-02T09:23:52.825" v="242" actId="20577"/>
+          <ac:spMkLst>
+            <pc:docMk/>
+            <pc:sldMk cId="2667983443" sldId="258"/>
+            <ac:spMk id="3" creationId="{4C671AFA-B25D-4338-B990-54B74C9AFD22}"/>
+          </ac:spMkLst>
+        </pc:spChg>
+      </pc:sldChg>
+      <pc:sldChg chg="modSp">
+        <pc:chgData name="alain desombre" userId="79cdecc42f8c13b8" providerId="Windows Live" clId="Web-{F76F3E65-47E3-4C2C-91A0-0312AEC85931}" dt="2020-05-02T09:38:23.479" v="633" actId="14100"/>
+        <pc:sldMkLst>
+          <pc:docMk/>
+          <pc:sldMk cId="3695670337" sldId="261"/>
+        </pc:sldMkLst>
+        <pc:spChg chg="mod">
+          <ac:chgData name="alain desombre" userId="79cdecc42f8c13b8" providerId="Windows Live" clId="Web-{F76F3E65-47E3-4C2C-91A0-0312AEC85931}" dt="2020-05-02T09:38:23.479" v="633" actId="14100"/>
+          <ac:spMkLst>
+            <pc:docMk/>
+            <pc:sldMk cId="3695670337" sldId="261"/>
+            <ac:spMk id="5" creationId="{0088BB0D-E6E1-4FFF-AEDB-5E869B98F97E}"/>
+          </ac:spMkLst>
+        </pc:spChg>
+        <pc:spChg chg="mod">
+          <ac:chgData name="alain desombre" userId="79cdecc42f8c13b8" providerId="Windows Live" clId="Web-{F76F3E65-47E3-4C2C-91A0-0312AEC85931}" dt="2020-05-02T09:24:40.528" v="291" actId="20577"/>
+          <ac:spMkLst>
+            <pc:docMk/>
+            <pc:sldMk cId="3695670337" sldId="261"/>
+            <ac:spMk id="7" creationId="{3DF2A6E0-68DD-4BCD-A951-33299A468893}"/>
+          </ac:spMkLst>
+        </pc:spChg>
+      </pc:sldChg>
+      <pc:sldChg chg="addSp delSp modSp">
+        <pc:chgData name="alain desombre" userId="79cdecc42f8c13b8" providerId="Windows Live" clId="Web-{F76F3E65-47E3-4C2C-91A0-0312AEC85931}" dt="2020-05-02T09:39:45.978" v="646" actId="20577"/>
+        <pc:sldMkLst>
+          <pc:docMk/>
+          <pc:sldMk cId="2228380559" sldId="266"/>
+        </pc:sldMkLst>
+        <pc:spChg chg="mod">
+          <ac:chgData name="alain desombre" userId="79cdecc42f8c13b8" providerId="Windows Live" clId="Web-{F76F3E65-47E3-4C2C-91A0-0312AEC85931}" dt="2020-05-02T09:39:45.978" v="646" actId="20577"/>
+          <ac:spMkLst>
+            <pc:docMk/>
+            <pc:sldMk cId="2228380559" sldId="266"/>
+            <ac:spMk id="7" creationId="{84CD875F-10E8-4D3D-A5D2-35055B8AEC77}"/>
+          </ac:spMkLst>
+        </pc:spChg>
+        <pc:picChg chg="mod">
+          <ac:chgData name="alain desombre" userId="79cdecc42f8c13b8" providerId="Windows Live" clId="Web-{F76F3E65-47E3-4C2C-91A0-0312AEC85931}" dt="2020-05-02T09:39:34.743" v="645" actId="1076"/>
+          <ac:picMkLst>
+            <pc:docMk/>
+            <pc:sldMk cId="2228380559" sldId="266"/>
+            <ac:picMk id="9" creationId="{1DFF6F21-369B-4CC5-84EA-2E47DD0823A0}"/>
+          </ac:picMkLst>
+        </pc:picChg>
+        <pc:inkChg chg="add del">
+          <ac:chgData name="alain desombre" userId="79cdecc42f8c13b8" providerId="Windows Live" clId="Web-{F76F3E65-47E3-4C2C-91A0-0312AEC85931}" dt="2020-05-02T09:37:16.429" v="628"/>
+          <ac:inkMkLst>
+            <pc:docMk/>
+            <pc:sldMk cId="2228380559" sldId="266"/>
+            <ac:inkMk id="2" creationId="{8D2FA46A-02BE-4477-BCEF-D86467117277}"/>
+          </ac:inkMkLst>
+        </pc:inkChg>
+        <pc:inkChg chg="add del">
+          <ac:chgData name="alain desombre" userId="79cdecc42f8c13b8" providerId="Windows Live" clId="Web-{F76F3E65-47E3-4C2C-91A0-0312AEC85931}" dt="2020-05-02T09:37:13.538" v="627"/>
+          <ac:inkMkLst>
+            <pc:docMk/>
+            <pc:sldMk cId="2228380559" sldId="266"/>
+            <ac:inkMk id="4" creationId="{0A6EBDC9-5A4D-4EC8-844F-357ABE5B632E}"/>
+          </ac:inkMkLst>
+        </pc:inkChg>
+        <pc:inkChg chg="add del">
+          <ac:chgData name="alain desombre" userId="79cdecc42f8c13b8" providerId="Windows Live" clId="Web-{F76F3E65-47E3-4C2C-91A0-0312AEC85931}" dt="2020-05-02T09:37:12.008" v="626"/>
+          <ac:inkMkLst>
+            <pc:docMk/>
+            <pc:sldMk cId="2228380559" sldId="266"/>
+            <ac:inkMk id="5" creationId="{FB085EDA-3BC7-4763-B049-24A8D1D9CEEB}"/>
+          </ac:inkMkLst>
+        </pc:inkChg>
+        <pc:inkChg chg="add del">
+          <ac:chgData name="alain desombre" userId="79cdecc42f8c13b8" providerId="Windows Live" clId="Web-{F76F3E65-47E3-4C2C-91A0-0312AEC85931}" dt="2020-05-02T09:37:12.008" v="625"/>
+          <ac:inkMkLst>
+            <pc:docMk/>
+            <pc:sldMk cId="2228380559" sldId="266"/>
+            <ac:inkMk id="6" creationId="{55F296CF-6EBA-468D-A38E-7D1CDA18B33A}"/>
+          </ac:inkMkLst>
+        </pc:inkChg>
+        <pc:inkChg chg="add del">
+          <ac:chgData name="alain desombre" userId="79cdecc42f8c13b8" providerId="Windows Live" clId="Web-{F76F3E65-47E3-4C2C-91A0-0312AEC85931}" dt="2020-05-02T09:37:10.648" v="624"/>
+          <ac:inkMkLst>
+            <pc:docMk/>
+            <pc:sldMk cId="2228380559" sldId="266"/>
+            <ac:inkMk id="14" creationId="{69633C54-29D4-4C36-9F93-6EBE31BA7D46}"/>
+          </ac:inkMkLst>
+        </pc:inkChg>
+        <pc:inkChg chg="add del">
+          <ac:chgData name="alain desombre" userId="79cdecc42f8c13b8" providerId="Windows Live" clId="Web-{F76F3E65-47E3-4C2C-91A0-0312AEC85931}" dt="2020-05-02T09:37:10.648" v="623"/>
+          <ac:inkMkLst>
+            <pc:docMk/>
+            <pc:sldMk cId="2228380559" sldId="266"/>
+            <ac:inkMk id="16" creationId="{2E0A8541-E338-4B4E-9928-1270FF4A4C95}"/>
+          </ac:inkMkLst>
+        </pc:inkChg>
+        <pc:inkChg chg="add del">
+          <ac:chgData name="alain desombre" userId="79cdecc42f8c13b8" providerId="Windows Live" clId="Web-{F76F3E65-47E3-4C2C-91A0-0312AEC85931}" dt="2020-05-02T09:37:08.991" v="622"/>
+          <ac:inkMkLst>
+            <pc:docMk/>
+            <pc:sldMk cId="2228380559" sldId="266"/>
+            <ac:inkMk id="18" creationId="{FDE5BA57-063A-4E54-A60F-835A2DCB182A}"/>
+          </ac:inkMkLst>
+        </pc:inkChg>
+        <pc:inkChg chg="add del">
+          <ac:chgData name="alain desombre" userId="79cdecc42f8c13b8" providerId="Windows Live" clId="Web-{F76F3E65-47E3-4C2C-91A0-0312AEC85931}" dt="2020-05-02T09:37:08.991" v="621"/>
+          <ac:inkMkLst>
+            <pc:docMk/>
+            <pc:sldMk cId="2228380559" sldId="266"/>
+            <ac:inkMk id="19" creationId="{A738DA59-0A77-4A43-B908-81C20FA8F643}"/>
+          </ac:inkMkLst>
+        </pc:inkChg>
+        <pc:inkChg chg="add del">
+          <ac:chgData name="alain desombre" userId="79cdecc42f8c13b8" providerId="Windows Live" clId="Web-{F76F3E65-47E3-4C2C-91A0-0312AEC85931}" dt="2020-05-02T09:38:21.867" v="632"/>
+          <ac:inkMkLst>
+            <pc:docMk/>
+            <pc:sldMk cId="2228380559" sldId="266"/>
+            <ac:inkMk id="20" creationId="{07900DD1-F653-47EA-A944-CC52F9D3A546}"/>
+          </ac:inkMkLst>
+        </pc:inkChg>
+        <pc:inkChg chg="add del">
+          <ac:chgData name="alain desombre" userId="79cdecc42f8c13b8" providerId="Windows Live" clId="Web-{F76F3E65-47E3-4C2C-91A0-0312AEC85931}" dt="2020-05-02T09:39:25.353" v="642"/>
+          <ac:inkMkLst>
+            <pc:docMk/>
+            <pc:sldMk cId="2228380559" sldId="266"/>
+            <ac:inkMk id="21" creationId="{AFBC4A8E-D149-48DF-8401-0A3805C4B223}"/>
+          </ac:inkMkLst>
+        </pc:inkChg>
+        <pc:inkChg chg="add del">
+          <ac:chgData name="alain desombre" userId="79cdecc42f8c13b8" providerId="Windows Live" clId="Web-{F76F3E65-47E3-4C2C-91A0-0312AEC85931}" dt="2020-05-02T09:39:21.884" v="641"/>
+          <ac:inkMkLst>
+            <pc:docMk/>
+            <pc:sldMk cId="2228380559" sldId="266"/>
+            <ac:inkMk id="22" creationId="{A170FD41-3804-41B0-BC21-D9CC9654EDC8}"/>
+          </ac:inkMkLst>
+        </pc:inkChg>
+        <pc:inkChg chg="add del">
+          <ac:chgData name="alain desombre" userId="79cdecc42f8c13b8" providerId="Windows Live" clId="Web-{F76F3E65-47E3-4C2C-91A0-0312AEC85931}" dt="2020-05-02T09:39:20.009" v="640"/>
+          <ac:inkMkLst>
+            <pc:docMk/>
+            <pc:sldMk cId="2228380559" sldId="266"/>
+            <ac:inkMk id="23" creationId="{1BE6430C-2790-4DD7-A963-3983DC303BFD}"/>
+          </ac:inkMkLst>
+        </pc:inkChg>
+      </pc:sldChg>
+      <pc:sldChg chg="addSp modSp">
+        <pc:chgData name="alain desombre" userId="79cdecc42f8c13b8" providerId="Windows Live" clId="Web-{F76F3E65-47E3-4C2C-91A0-0312AEC85931}" dt="2020-05-02T09:33:28.254" v="589" actId="20577"/>
+        <pc:sldMkLst>
+          <pc:docMk/>
+          <pc:sldMk cId="2309381025" sldId="272"/>
+        </pc:sldMkLst>
+        <pc:spChg chg="add mod">
+          <ac:chgData name="alain desombre" userId="79cdecc42f8c13b8" providerId="Windows Live" clId="Web-{F76F3E65-47E3-4C2C-91A0-0312AEC85931}" dt="2020-05-02T09:33:28.254" v="589" actId="20577"/>
+          <ac:spMkLst>
+            <pc:docMk/>
+            <pc:sldMk cId="2309381025" sldId="272"/>
+            <ac:spMk id="2" creationId="{86757BEC-3D12-4E3B-B717-1A040A2040D3}"/>
+          </ac:spMkLst>
+        </pc:spChg>
+        <pc:spChg chg="mod">
+          <ac:chgData name="alain desombre" userId="79cdecc42f8c13b8" providerId="Windows Live" clId="Web-{F76F3E65-47E3-4C2C-91A0-0312AEC85931}" dt="2020-05-02T09:33:06.832" v="585" actId="20577"/>
+          <ac:spMkLst>
+            <pc:docMk/>
+            <pc:sldMk cId="2309381025" sldId="272"/>
+            <ac:spMk id="4" creationId="{67816B53-AEAF-4E92-8D39-D56575A8DEFB}"/>
+          </ac:spMkLst>
+        </pc:spChg>
+      </pc:sldChg>
+      <pc:sldChg chg="modSp">
+        <pc:chgData name="alain desombre" userId="79cdecc42f8c13b8" providerId="Windows Live" clId="Web-{F76F3E65-47E3-4C2C-91A0-0312AEC85931}" dt="2020-05-02T09:34:27.583" v="608" actId="20577"/>
+        <pc:sldMkLst>
+          <pc:docMk/>
+          <pc:sldMk cId="1361226019" sldId="274"/>
+        </pc:sldMkLst>
+        <pc:spChg chg="mod">
+          <ac:chgData name="alain desombre" userId="79cdecc42f8c13b8" providerId="Windows Live" clId="Web-{F76F3E65-47E3-4C2C-91A0-0312AEC85931}" dt="2020-05-02T09:34:27.583" v="608" actId="20577"/>
+          <ac:spMkLst>
+            <pc:docMk/>
+            <pc:sldMk cId="1361226019" sldId="274"/>
+            <ac:spMk id="2" creationId="{8C92AAEA-89C1-403B-B2E2-2FB9534FE3CE}"/>
+          </ac:spMkLst>
+        </pc:spChg>
+        <pc:spChg chg="mod">
+          <ac:chgData name="alain desombre" userId="79cdecc42f8c13b8" providerId="Windows Live" clId="Web-{F76F3E65-47E3-4C2C-91A0-0312AEC85931}" dt="2020-05-02T09:21:11.463" v="138" actId="20577"/>
+          <ac:spMkLst>
+            <pc:docMk/>
+            <pc:sldMk cId="1361226019" sldId="274"/>
+            <ac:spMk id="3" creationId="{F03A26FC-CFD0-4E6A-916B-BAB88C1B912A}"/>
+          </ac:spMkLst>
+        </pc:spChg>
+      </pc:sldChg>
+      <pc:sldChg chg="modSp ord">
+        <pc:chgData name="alain desombre" userId="79cdecc42f8c13b8" providerId="Windows Live" clId="Web-{F76F3E65-47E3-4C2C-91A0-0312AEC85931}" dt="2020-05-02T09:23:14.605" v="236" actId="20577"/>
+        <pc:sldMkLst>
+          <pc:docMk/>
+          <pc:sldMk cId="1004045936" sldId="275"/>
+        </pc:sldMkLst>
+        <pc:spChg chg="mod">
+          <ac:chgData name="alain desombre" userId="79cdecc42f8c13b8" providerId="Windows Live" clId="Web-{F76F3E65-47E3-4C2C-91A0-0312AEC85931}" dt="2020-05-02T09:23:14.605" v="236" actId="20577"/>
+          <ac:spMkLst>
+            <pc:docMk/>
+            <pc:sldMk cId="1004045936" sldId="275"/>
+            <ac:spMk id="2" creationId="{9D69D1C0-2BCA-4B2A-9781-54DCD0D46F1D}"/>
+          </ac:spMkLst>
+        </pc:spChg>
+      </pc:sldChg>
+    </pc:docChg>
+  </pc:docChgLst>
+  <pc:docChgLst>
+    <pc:chgData name="alain desombre" userId="79cdecc42f8c13b8" providerId="Windows Live" clId="Web-{07C2CDCF-8E69-482D-8415-D1D714FE29A3}"/>
+    <pc:docChg chg="modSld">
+      <pc:chgData name="alain desombre" userId="79cdecc42f8c13b8" providerId="Windows Live" clId="Web-{07C2CDCF-8E69-482D-8415-D1D714FE29A3}" dt="2020-04-29T14:33:51.385" v="22" actId="1076"/>
+      <pc:docMkLst>
+        <pc:docMk/>
+      </pc:docMkLst>
+      <pc:sldChg chg="modSp">
+        <pc:chgData name="alain desombre" userId="79cdecc42f8c13b8" providerId="Windows Live" clId="Web-{07C2CDCF-8E69-482D-8415-D1D714FE29A3}" dt="2020-04-29T14:32:33.761" v="12" actId="20577"/>
+        <pc:sldMkLst>
+          <pc:docMk/>
+          <pc:sldMk cId="2826607830" sldId="262"/>
+        </pc:sldMkLst>
+        <pc:spChg chg="mod">
+          <ac:chgData name="alain desombre" userId="79cdecc42f8c13b8" providerId="Windows Live" clId="Web-{07C2CDCF-8E69-482D-8415-D1D714FE29A3}" dt="2020-04-29T14:32:33.761" v="12" actId="20577"/>
+          <ac:spMkLst>
+            <pc:docMk/>
+            <pc:sldMk cId="2826607830" sldId="262"/>
+            <ac:spMk id="6" creationId="{CF3BEA61-58D5-4058-97A7-D81BE3448735}"/>
+          </ac:spMkLst>
+        </pc:spChg>
+      </pc:sldChg>
+      <pc:sldChg chg="modSp">
+        <pc:chgData name="alain desombre" userId="79cdecc42f8c13b8" providerId="Windows Live" clId="Web-{07C2CDCF-8E69-482D-8415-D1D714FE29A3}" dt="2020-04-29T14:32:48.136" v="20" actId="20577"/>
+        <pc:sldMkLst>
+          <pc:docMk/>
+          <pc:sldMk cId="3131725471" sldId="263"/>
+        </pc:sldMkLst>
+        <pc:spChg chg="mod">
+          <ac:chgData name="alain desombre" userId="79cdecc42f8c13b8" providerId="Windows Live" clId="Web-{07C2CDCF-8E69-482D-8415-D1D714FE29A3}" dt="2020-04-29T14:32:48.136" v="20" actId="20577"/>
+          <ac:spMkLst>
+            <pc:docMk/>
+            <pc:sldMk cId="3131725471" sldId="263"/>
+            <ac:spMk id="9" creationId="{9FA4B309-846F-4687-9507-95753C86DE84}"/>
+          </ac:spMkLst>
+        </pc:spChg>
+      </pc:sldChg>
+      <pc:sldChg chg="modSp">
+        <pc:chgData name="alain desombre" userId="79cdecc42f8c13b8" providerId="Windows Live" clId="Web-{07C2CDCF-8E69-482D-8415-D1D714FE29A3}" dt="2020-04-29T14:33:51.385" v="22" actId="1076"/>
+        <pc:sldMkLst>
+          <pc:docMk/>
+          <pc:sldMk cId="2228380559" sldId="266"/>
+        </pc:sldMkLst>
+        <pc:picChg chg="mod">
+          <ac:chgData name="alain desombre" userId="79cdecc42f8c13b8" providerId="Windows Live" clId="Web-{07C2CDCF-8E69-482D-8415-D1D714FE29A3}" dt="2020-04-29T14:33:51.385" v="22" actId="1076"/>
+          <ac:picMkLst>
+            <pc:docMk/>
+            <pc:sldMk cId="2228380559" sldId="266"/>
+            <ac:picMk id="9" creationId="{1DFF6F21-369B-4CC5-84EA-2E47DD0823A0}"/>
+          </ac:picMkLst>
+        </pc:picChg>
+      </pc:sldChg>
+    </pc:docChg>
+  </pc:docChgLst>
+  <pc:docChgLst>
+    <pc:chgData name="alain desombre" userId="79cdecc42f8c13b8" providerId="Windows Live" clId="Web-{F1D63990-5919-43D1-AC89-027E19F59A60}"/>
+    <pc:docChg chg="addSld modSld">
+      <pc:chgData name="alain desombre" userId="79cdecc42f8c13b8" providerId="Windows Live" clId="Web-{F1D63990-5919-43D1-AC89-027E19F59A60}" dt="2020-05-01T08:29:26.057" v="499" actId="20577"/>
+      <pc:docMkLst>
+        <pc:docMk/>
+      </pc:docMkLst>
+      <pc:sldChg chg="modSp">
+        <pc:chgData name="alain desombre" userId="79cdecc42f8c13b8" providerId="Windows Live" clId="Web-{F1D63990-5919-43D1-AC89-027E19F59A60}" dt="2020-05-01T08:20:02.570" v="10" actId="20577"/>
+        <pc:sldMkLst>
+          <pc:docMk/>
+          <pc:sldMk cId="3048587470" sldId="268"/>
+        </pc:sldMkLst>
+        <pc:spChg chg="mod">
+          <ac:chgData name="alain desombre" userId="79cdecc42f8c13b8" providerId="Windows Live" clId="Web-{F1D63990-5919-43D1-AC89-027E19F59A60}" dt="2020-05-01T08:20:02.570" v="10" actId="20577"/>
+          <ac:spMkLst>
+            <pc:docMk/>
+            <pc:sldMk cId="3048587470" sldId="268"/>
+            <ac:spMk id="2" creationId="{712AD056-EC7C-4D1F-9D7E-D741D0FEE935}"/>
+          </ac:spMkLst>
+        </pc:spChg>
+      </pc:sldChg>
+      <pc:sldChg chg="modSp">
+        <pc:chgData name="alain desombre" userId="79cdecc42f8c13b8" providerId="Windows Live" clId="Web-{F1D63990-5919-43D1-AC89-027E19F59A60}" dt="2020-05-01T08:17:50.988" v="6" actId="20577"/>
+        <pc:sldMkLst>
+          <pc:docMk/>
+          <pc:sldMk cId="1150103603" sldId="270"/>
+        </pc:sldMkLst>
+        <pc:spChg chg="mod">
+          <ac:chgData name="alain desombre" userId="79cdecc42f8c13b8" providerId="Windows Live" clId="Web-{F1D63990-5919-43D1-AC89-027E19F59A60}" dt="2020-05-01T08:17:50.988" v="6" actId="20577"/>
+          <ac:spMkLst>
+            <pc:docMk/>
+            <pc:sldMk cId="1150103603" sldId="270"/>
+            <ac:spMk id="4" creationId="{23FF0368-5B71-4346-8EC9-170C0817FCC0}"/>
+          </ac:spMkLst>
+        </pc:spChg>
+      </pc:sldChg>
+      <pc:sldChg chg="addSp delSp modSp add replId">
+        <pc:chgData name="alain desombre" userId="79cdecc42f8c13b8" providerId="Windows Live" clId="Web-{F1D63990-5919-43D1-AC89-027E19F59A60}" dt="2020-05-01T08:28:04.899" v="498" actId="20577"/>
+        <pc:sldMkLst>
+          <pc:docMk/>
+          <pc:sldMk cId="2309381025" sldId="272"/>
+        </pc:sldMkLst>
+        <pc:spChg chg="del mod">
+          <ac:chgData name="alain desombre" userId="79cdecc42f8c13b8" providerId="Windows Live" clId="Web-{F1D63990-5919-43D1-AC89-027E19F59A60}" dt="2020-05-01T08:20:21.680" v="16"/>
+          <ac:spMkLst>
+            <pc:docMk/>
+            <pc:sldMk cId="2309381025" sldId="272"/>
+            <ac:spMk id="2" creationId="{9A5ECF87-F1B0-48E0-801E-0A7FDA3B7418}"/>
+          </ac:spMkLst>
+        </pc:spChg>
+        <pc:spChg chg="add mod">
+          <ac:chgData name="alain desombre" userId="79cdecc42f8c13b8" providerId="Windows Live" clId="Web-{F1D63990-5919-43D1-AC89-027E19F59A60}" dt="2020-05-01T08:28:04.899" v="498" actId="20577"/>
+          <ac:spMkLst>
+            <pc:docMk/>
+            <pc:sldMk cId="2309381025" sldId="272"/>
+            <ac:spMk id="4" creationId="{67816B53-AEAF-4E92-8D39-D56575A8DEFB}"/>
+          </ac:spMkLst>
+        </pc:spChg>
+      </pc:sldChg>
+    </pc:docChg>
+  </pc:docChgLst>
   <pc:docChgLst>
     <pc:chgData name="alain desombre" userId="79cdecc42f8c13b8" providerId="LiveId" clId="{6FCBEC2C-D9B9-487C-96FD-7B5030B25B06}"/>
     <pc:docChg chg="custSel mod addSld delSld modSld sldOrd">
@@ -973,96 +1585,81 @@
     </pc:docChg>
   </pc:docChgLst>
   <pc:docChgLst>
-    <pc:chgData name="alain desombre" userId="79cdecc42f8c13b8" providerId="Windows Live" clId="Web-{BF4C9F29-C06B-4AF1-BAEC-F39CB3D7E365}"/>
-    <pc:docChg chg="modSld">
-      <pc:chgData name="alain desombre" userId="79cdecc42f8c13b8" providerId="Windows Live" clId="Web-{BF4C9F29-C06B-4AF1-BAEC-F39CB3D7E365}" dt="2020-04-29T13:45:02.699" v="2"/>
+    <pc:chgData name="alain desombre" userId="79cdecc42f8c13b8" providerId="Windows Live" clId="Web-{55C062D2-0DB4-489F-A7C8-95C44F213725}"/>
+    <pc:docChg chg="addSld modSld sldOrd">
+      <pc:chgData name="alain desombre" userId="79cdecc42f8c13b8" providerId="Windows Live" clId="Web-{55C062D2-0DB4-489F-A7C8-95C44F213725}" dt="2020-05-02T09:15:45.334" v="821" actId="20577"/>
       <pc:docMkLst>
         <pc:docMk/>
       </pc:docMkLst>
       <pc:sldChg chg="addSp delSp modSp">
-        <pc:chgData name="alain desombre" userId="79cdecc42f8c13b8" providerId="Windows Live" clId="Web-{BF4C9F29-C06B-4AF1-BAEC-F39CB3D7E365}" dt="2020-04-29T13:45:02.699" v="2"/>
+        <pc:chgData name="alain desombre" userId="79cdecc42f8c13b8" providerId="Windows Live" clId="Web-{55C062D2-0DB4-489F-A7C8-95C44F213725}" dt="2020-05-02T08:58:16.414" v="558" actId="1076"/>
         <pc:sldMkLst>
           <pc:docMk/>
-          <pc:sldMk cId="314404111" sldId="267"/>
+          <pc:sldMk cId="1004045936" sldId="275"/>
         </pc:sldMkLst>
-        <pc:spChg chg="del">
-          <ac:chgData name="alain desombre" userId="79cdecc42f8c13b8" providerId="Windows Live" clId="Web-{BF4C9F29-C06B-4AF1-BAEC-F39CB3D7E365}" dt="2020-04-29T13:44:50.370" v="0"/>
+        <pc:spChg chg="add mod">
+          <ac:chgData name="alain desombre" userId="79cdecc42f8c13b8" providerId="Windows Live" clId="Web-{55C062D2-0DB4-489F-A7C8-95C44F213725}" dt="2020-05-02T08:57:57.210" v="555" actId="20577"/>
           <ac:spMkLst>
             <pc:docMk/>
-            <pc:sldMk cId="314404111" sldId="267"/>
-            <ac:spMk id="3" creationId="{4060353C-BA9B-4E86-BC68-0651C8557D27}"/>
+            <pc:sldMk cId="1004045936" sldId="275"/>
+            <ac:spMk id="2" creationId="{9D69D1C0-2BCA-4B2A-9781-54DCD0D46F1D}"/>
+          </ac:spMkLst>
+        </pc:spChg>
+        <pc:spChg chg="mod">
+          <ac:chgData name="alain desombre" userId="79cdecc42f8c13b8" providerId="Windows Live" clId="Web-{55C062D2-0DB4-489F-A7C8-95C44F213725}" dt="2020-05-02T08:58:16.414" v="558" actId="1076"/>
+          <ac:spMkLst>
+            <pc:docMk/>
+            <pc:sldMk cId="1004045936" sldId="275"/>
+            <ac:spMk id="5" creationId="{26BF59BB-63C4-4052-9D20-259EEA6FB44F}"/>
+          </ac:spMkLst>
+        </pc:spChg>
+        <pc:spChg chg="del mod">
+          <ac:chgData name="alain desombre" userId="79cdecc42f8c13b8" providerId="Windows Live" clId="Web-{55C062D2-0DB4-489F-A7C8-95C44F213725}" dt="2020-05-02T08:49:34.735" v="93"/>
+          <ac:spMkLst>
+            <pc:docMk/>
+            <pc:sldMk cId="1004045936" sldId="275"/>
+            <ac:spMk id="7" creationId="{9785E89A-3A1A-4FA0-8E59-F8EB50D9330A}"/>
+          </ac:spMkLst>
+        </pc:spChg>
+      </pc:sldChg>
+      <pc:sldChg chg="addSp delSp modSp add ord replId">
+        <pc:chgData name="alain desombre" userId="79cdecc42f8c13b8" providerId="Windows Live" clId="Web-{55C062D2-0DB4-489F-A7C8-95C44F213725}" dt="2020-05-02T09:15:45.334" v="820" actId="20577"/>
+        <pc:sldMkLst>
+          <pc:docMk/>
+          <pc:sldMk cId="1489990235" sldId="276"/>
+        </pc:sldMkLst>
+        <pc:spChg chg="del mod">
+          <ac:chgData name="alain desombre" userId="79cdecc42f8c13b8" providerId="Windows Live" clId="Web-{55C062D2-0DB4-489F-A7C8-95C44F213725}" dt="2020-05-02T09:00:03.775" v="570"/>
+          <ac:spMkLst>
+            <pc:docMk/>
+            <pc:sldMk cId="1489990235" sldId="276"/>
+            <ac:spMk id="2" creationId="{8C92AAEA-89C1-403B-B2E2-2FB9534FE3CE}"/>
+          </ac:spMkLst>
+        </pc:spChg>
+        <pc:spChg chg="del mod">
+          <ac:chgData name="alain desombre" userId="79cdecc42f8c13b8" providerId="Windows Live" clId="Web-{55C062D2-0DB4-489F-A7C8-95C44F213725}" dt="2020-05-02T08:59:50.806" v="566"/>
+          <ac:spMkLst>
+            <pc:docMk/>
+            <pc:sldMk cId="1489990235" sldId="276"/>
+            <ac:spMk id="3" creationId="{F03A26FC-CFD0-4E6A-916B-BAB88C1B912A}"/>
           </ac:spMkLst>
         </pc:spChg>
         <pc:spChg chg="add mod">
-          <ac:chgData name="alain desombre" userId="79cdecc42f8c13b8" providerId="Windows Live" clId="Web-{BF4C9F29-C06B-4AF1-BAEC-F39CB3D7E365}" dt="2020-04-29T13:45:02.699" v="2"/>
+          <ac:chgData name="alain desombre" userId="79cdecc42f8c13b8" providerId="Windows Live" clId="Web-{55C062D2-0DB4-489F-A7C8-95C44F213725}" dt="2020-05-02T09:15:45.334" v="820" actId="20577"/>
           <ac:spMkLst>
             <pc:docMk/>
-            <pc:sldMk cId="314404111" sldId="267"/>
-            <ac:spMk id="6" creationId="{001D15C2-3E77-4173-B3A1-9B94A19EB8C4}"/>
+            <pc:sldMk cId="1489990235" sldId="276"/>
+            <ac:spMk id="5" creationId="{6175EAC7-E3D9-4EEA-958F-E1AE20A46C30}"/>
           </ac:spMkLst>
         </pc:spChg>
-        <pc:picChg chg="add del mod ord">
-          <ac:chgData name="alain desombre" userId="79cdecc42f8c13b8" providerId="Windows Live" clId="Web-{BF4C9F29-C06B-4AF1-BAEC-F39CB3D7E365}" dt="2020-04-29T13:45:02.699" v="2"/>
-          <ac:picMkLst>
-            <pc:docMk/>
-            <pc:sldMk cId="314404111" sldId="267"/>
-            <ac:picMk id="2" creationId="{FC562FA6-BD02-405E-94C0-A851D3BF2D88}"/>
-          </ac:picMkLst>
-        </pc:picChg>
-      </pc:sldChg>
-    </pc:docChg>
-  </pc:docChgLst>
-  <pc:docChgLst>
-    <pc:chgData name="alain desombre" userId="79cdecc42f8c13b8" providerId="Windows Live" clId="Web-{07C2CDCF-8E69-482D-8415-D1D714FE29A3}"/>
-    <pc:docChg chg="modSld">
-      <pc:chgData name="alain desombre" userId="79cdecc42f8c13b8" providerId="Windows Live" clId="Web-{07C2CDCF-8E69-482D-8415-D1D714FE29A3}" dt="2020-04-29T14:33:51.385" v="22" actId="1076"/>
-      <pc:docMkLst>
-        <pc:docMk/>
-      </pc:docMkLst>
-      <pc:sldChg chg="modSp">
-        <pc:chgData name="alain desombre" userId="79cdecc42f8c13b8" providerId="Windows Live" clId="Web-{07C2CDCF-8E69-482D-8415-D1D714FE29A3}" dt="2020-04-29T14:32:33.761" v="12" actId="20577"/>
-        <pc:sldMkLst>
-          <pc:docMk/>
-          <pc:sldMk cId="2826607830" sldId="262"/>
-        </pc:sldMkLst>
-        <pc:spChg chg="mod">
-          <ac:chgData name="alain desombre" userId="79cdecc42f8c13b8" providerId="Windows Live" clId="Web-{07C2CDCF-8E69-482D-8415-D1D714FE29A3}" dt="2020-04-29T14:32:33.761" v="12" actId="20577"/>
+        <pc:spChg chg="add mod">
+          <ac:chgData name="alain desombre" userId="79cdecc42f8c13b8" providerId="Windows Live" clId="Web-{55C062D2-0DB4-489F-A7C8-95C44F213725}" dt="2020-05-02T09:07:13.671" v="764" actId="20577"/>
           <ac:spMkLst>
             <pc:docMk/>
-            <pc:sldMk cId="2826607830" sldId="262"/>
-            <ac:spMk id="6" creationId="{CF3BEA61-58D5-4058-97A7-D81BE3448735}"/>
+            <pc:sldMk cId="1489990235" sldId="276"/>
+            <ac:spMk id="7" creationId="{139D4D3E-A4CA-45A0-82D8-F1D1C3284BCD}"/>
           </ac:spMkLst>
         </pc:spChg>
-      </pc:sldChg>
-      <pc:sldChg chg="modSp">
-        <pc:chgData name="alain desombre" userId="79cdecc42f8c13b8" providerId="Windows Live" clId="Web-{07C2CDCF-8E69-482D-8415-D1D714FE29A3}" dt="2020-04-29T14:32:48.136" v="20" actId="20577"/>
-        <pc:sldMkLst>
-          <pc:docMk/>
-          <pc:sldMk cId="3131725471" sldId="263"/>
-        </pc:sldMkLst>
-        <pc:spChg chg="mod">
-          <ac:chgData name="alain desombre" userId="79cdecc42f8c13b8" providerId="Windows Live" clId="Web-{07C2CDCF-8E69-482D-8415-D1D714FE29A3}" dt="2020-04-29T14:32:48.136" v="20" actId="20577"/>
-          <ac:spMkLst>
-            <pc:docMk/>
-            <pc:sldMk cId="3131725471" sldId="263"/>
-            <ac:spMk id="9" creationId="{9FA4B309-846F-4687-9507-95753C86DE84}"/>
-          </ac:spMkLst>
-        </pc:spChg>
-      </pc:sldChg>
-      <pc:sldChg chg="modSp">
-        <pc:chgData name="alain desombre" userId="79cdecc42f8c13b8" providerId="Windows Live" clId="Web-{07C2CDCF-8E69-482D-8415-D1D714FE29A3}" dt="2020-04-29T14:33:51.385" v="22" actId="1076"/>
-        <pc:sldMkLst>
-          <pc:docMk/>
-          <pc:sldMk cId="2228380559" sldId="266"/>
-        </pc:sldMkLst>
-        <pc:picChg chg="mod">
-          <ac:chgData name="alain desombre" userId="79cdecc42f8c13b8" providerId="Windows Live" clId="Web-{07C2CDCF-8E69-482D-8415-D1D714FE29A3}" dt="2020-04-29T14:33:51.385" v="22" actId="1076"/>
-          <ac:picMkLst>
-            <pc:docMk/>
-            <pc:sldMk cId="2228380559" sldId="266"/>
-            <ac:picMk id="9" creationId="{1DFF6F21-369B-4CC5-84EA-2E47DD0823A0}"/>
-          </ac:picMkLst>
-        </pc:picChg>
       </pc:sldChg>
     </pc:docChg>
   </pc:docChgLst>
@@ -1085,45 +1682,6 @@
             <pc:docMk/>
             <pc:sldMk cId="314404111" sldId="267"/>
             <ac:spMk id="2" creationId="{B1E71ECC-7304-4463-AFD5-CAE3B9808377}"/>
-          </ac:spMkLst>
-        </pc:spChg>
-      </pc:sldChg>
-    </pc:docChg>
-  </pc:docChgLst>
-  <pc:docChgLst>
-    <pc:chgData name="alain desombre" userId="79cdecc42f8c13b8" providerId="LiveId" clId="{E9C843FC-B124-4061-8C89-EE7FD8F3C8A3}"/>
-    <pc:docChg chg="custSel modSld">
-      <pc:chgData name="alain desombre" userId="79cdecc42f8c13b8" providerId="LiveId" clId="{E9C843FC-B124-4061-8C89-EE7FD8F3C8A3}" dt="2020-04-29T16:35:54.631" v="78" actId="313"/>
-      <pc:docMkLst>
-        <pc:docMk/>
-      </pc:docMkLst>
-      <pc:sldChg chg="modSp">
-        <pc:chgData name="alain desombre" userId="79cdecc42f8c13b8" providerId="LiveId" clId="{E9C843FC-B124-4061-8C89-EE7FD8F3C8A3}" dt="2020-04-29T16:35:54.631" v="78" actId="313"/>
-        <pc:sldMkLst>
-          <pc:docMk/>
-          <pc:sldMk cId="3048587470" sldId="268"/>
-        </pc:sldMkLst>
-        <pc:spChg chg="mod">
-          <ac:chgData name="alain desombre" userId="79cdecc42f8c13b8" providerId="LiveId" clId="{E9C843FC-B124-4061-8C89-EE7FD8F3C8A3}" dt="2020-04-29T16:35:54.631" v="78" actId="313"/>
-          <ac:spMkLst>
-            <pc:docMk/>
-            <pc:sldMk cId="3048587470" sldId="268"/>
-            <ac:spMk id="2" creationId="{712AD056-EC7C-4D1F-9D7E-D741D0FEE935}"/>
-          </ac:spMkLst>
-        </pc:spChg>
-      </pc:sldChg>
-      <pc:sldChg chg="modSp">
-        <pc:chgData name="alain desombre" userId="79cdecc42f8c13b8" providerId="LiveId" clId="{E9C843FC-B124-4061-8C89-EE7FD8F3C8A3}" dt="2020-04-29T16:35:07.805" v="76" actId="20577"/>
-        <pc:sldMkLst>
-          <pc:docMk/>
-          <pc:sldMk cId="1150103603" sldId="270"/>
-        </pc:sldMkLst>
-        <pc:spChg chg="mod">
-          <ac:chgData name="alain desombre" userId="79cdecc42f8c13b8" providerId="LiveId" clId="{E9C843FC-B124-4061-8C89-EE7FD8F3C8A3}" dt="2020-04-29T16:35:07.805" v="76" actId="20577"/>
-          <ac:spMkLst>
-            <pc:docMk/>
-            <pc:sldMk cId="1150103603" sldId="270"/>
-            <ac:spMk id="4" creationId="{23FF0368-5B71-4346-8EC9-170C0817FCC0}"/>
           </ac:spMkLst>
         </pc:spChg>
       </pc:sldChg>
@@ -1292,6 +1850,38 @@
 </inkml:ink>
 </file>
 
+<file path=ppt/ink/ink6.xml><?xml version="1.0" encoding="utf-8"?>
+<inkml:ink xmlns:inkml="http://www.w3.org/2003/InkML">
+  <inkml:definitions>
+    <inkml:context xml:id="ctx0">
+      <inkml:inkSource xml:id="inkSrc0">
+        <inkml:traceFormat>
+          <inkml:channel name="X" type="integer" min="-2.14748E9" max="2.14748E9" units="cm"/>
+          <inkml:channel name="Y" type="integer" min="-2.14748E9" max="2.14748E9" units="cm"/>
+          <inkml:channel name="F" type="integer" max="32767" units="dev"/>
+          <inkml:channel name="OA" type="integer" max="360" units="deg"/>
+          <inkml:channel name="OE" type="integer" max="90" units="deg"/>
+        </inkml:traceFormat>
+        <inkml:channelProperties>
+          <inkml:channelProperty channel="X" name="resolution" value="1000" units="1/cm"/>
+          <inkml:channelProperty channel="Y" name="resolution" value="1000" units="1/cm"/>
+          <inkml:channelProperty channel="F" name="resolution" value="0" units="1/dev"/>
+          <inkml:channelProperty channel="OA" name="resolution" value="1000" units="1/deg"/>
+          <inkml:channelProperty channel="OE" name="resolution" value="1000" units="1/deg"/>
+        </inkml:channelProperties>
+      </inkml:inkSource>
+      <inkml:timestamp xml:id="ts0" timeString="2020-04-29T14:22:21.337"/>
+    </inkml:context>
+    <inkml:brush xml:id="br0">
+      <inkml:brushProperty name="width" value="0.1" units="cm"/>
+      <inkml:brushProperty name="height" value="0.1" units="cm"/>
+      <inkml:brushProperty name="color" value="#E71224"/>
+    </inkml:brush>
+  </inkml:definitions>
+  <inkml:trace contextRef="#ctx0" brushRef="#br0">6000 11212 11999 0 0,'-27'-27'992'0'0,"27"0"-1888"0"0,-27-27-96 0 0,0 54 416 0 0,0-26 320 0 0,1 26-672 0 0,26-27-960 0 0,-27 54 1088 0 0,0-27 384 0 0,54 0-864 0 0,-27 26 128 0 0,27-26 32 0 0,-1 0 192 0 0,1 0-32 0 0,0 27 161 0 0,0-27 799 0 0,0 0 0 0 0,-27 0 0 0 0</inkml:trace>
+</inkml:ink>
+</file>
+
 <file path=ppt/slideLayouts/slideLayout1.xml><?xml version="1.0" encoding="utf-8"?>
 <p:sldLayout xmlns:a="http://schemas.openxmlformats.org/drawingml/2006/main" xmlns:r="http://schemas.openxmlformats.org/officeDocument/2006/relationships" xmlns:p="http://schemas.openxmlformats.org/presentationml/2006/main" type="title" preserve="1">
   <p:cSld name="Diapositive de titre">
@@ -1439,7 +2029,7 @@
           <a:p>
             <a:fld id="{DFEF7640-E7CA-41C6-BF35-DCCB2ED5DC60}" type="datetimeFigureOut">
               <a:rPr lang="fr-FR" smtClean="0"/>
-              <a:t>29/04/2020</a:t>
+              <a:t>02/05/2020</a:t>
             </a:fld>
             <a:endParaRPr lang="fr-FR"/>
           </a:p>
@@ -1637,7 +2227,7 @@
           <a:p>
             <a:fld id="{DFEF7640-E7CA-41C6-BF35-DCCB2ED5DC60}" type="datetimeFigureOut">
               <a:rPr lang="fr-FR" smtClean="0"/>
-              <a:t>29/04/2020</a:t>
+              <a:t>02/05/2020</a:t>
             </a:fld>
             <a:endParaRPr lang="fr-FR"/>
           </a:p>
@@ -1845,7 +2435,7 @@
           <a:p>
             <a:fld id="{DFEF7640-E7CA-41C6-BF35-DCCB2ED5DC60}" type="datetimeFigureOut">
               <a:rPr lang="fr-FR" smtClean="0"/>
-              <a:t>29/04/2020</a:t>
+              <a:t>02/05/2020</a:t>
             </a:fld>
             <a:endParaRPr lang="fr-FR"/>
           </a:p>
@@ -2043,7 +2633,7 @@
           <a:p>
             <a:fld id="{DFEF7640-E7CA-41C6-BF35-DCCB2ED5DC60}" type="datetimeFigureOut">
               <a:rPr lang="fr-FR" smtClean="0"/>
-              <a:t>29/04/2020</a:t>
+              <a:t>02/05/2020</a:t>
             </a:fld>
             <a:endParaRPr lang="fr-FR"/>
           </a:p>
@@ -2318,7 +2908,7 @@
           <a:p>
             <a:fld id="{DFEF7640-E7CA-41C6-BF35-DCCB2ED5DC60}" type="datetimeFigureOut">
               <a:rPr lang="fr-FR" smtClean="0"/>
-              <a:t>29/04/2020</a:t>
+              <a:t>02/05/2020</a:t>
             </a:fld>
             <a:endParaRPr lang="fr-FR"/>
           </a:p>
@@ -2583,7 +3173,7 @@
           <a:p>
             <a:fld id="{DFEF7640-E7CA-41C6-BF35-DCCB2ED5DC60}" type="datetimeFigureOut">
               <a:rPr lang="fr-FR" smtClean="0"/>
-              <a:t>29/04/2020</a:t>
+              <a:t>02/05/2020</a:t>
             </a:fld>
             <a:endParaRPr lang="fr-FR"/>
           </a:p>
@@ -2995,7 +3585,7 @@
           <a:p>
             <a:fld id="{DFEF7640-E7CA-41C6-BF35-DCCB2ED5DC60}" type="datetimeFigureOut">
               <a:rPr lang="fr-FR" smtClean="0"/>
-              <a:t>29/04/2020</a:t>
+              <a:t>02/05/2020</a:t>
             </a:fld>
             <a:endParaRPr lang="fr-FR"/>
           </a:p>
@@ -3136,7 +3726,7 @@
           <a:p>
             <a:fld id="{DFEF7640-E7CA-41C6-BF35-DCCB2ED5DC60}" type="datetimeFigureOut">
               <a:rPr lang="fr-FR" smtClean="0"/>
-              <a:t>29/04/2020</a:t>
+              <a:t>02/05/2020</a:t>
             </a:fld>
             <a:endParaRPr lang="fr-FR"/>
           </a:p>
@@ -3249,7 +3839,7 @@
           <a:p>
             <a:fld id="{DFEF7640-E7CA-41C6-BF35-DCCB2ED5DC60}" type="datetimeFigureOut">
               <a:rPr lang="fr-FR" smtClean="0"/>
-              <a:t>29/04/2020</a:t>
+              <a:t>02/05/2020</a:t>
             </a:fld>
             <a:endParaRPr lang="fr-FR"/>
           </a:p>
@@ -3560,7 +4150,7 @@
           <a:p>
             <a:fld id="{DFEF7640-E7CA-41C6-BF35-DCCB2ED5DC60}" type="datetimeFigureOut">
               <a:rPr lang="fr-FR" smtClean="0"/>
-              <a:t>29/04/2020</a:t>
+              <a:t>02/05/2020</a:t>
             </a:fld>
             <a:endParaRPr lang="fr-FR"/>
           </a:p>
@@ -3848,7 +4438,7 @@
           <a:p>
             <a:fld id="{DFEF7640-E7CA-41C6-BF35-DCCB2ED5DC60}" type="datetimeFigureOut">
               <a:rPr lang="fr-FR" smtClean="0"/>
-              <a:t>29/04/2020</a:t>
+              <a:t>02/05/2020</a:t>
             </a:fld>
             <a:endParaRPr lang="fr-FR"/>
           </a:p>
@@ -4089,7 +4679,7 @@
           <a:p>
             <a:fld id="{DFEF7640-E7CA-41C6-BF35-DCCB2ED5DC60}" type="datetimeFigureOut">
               <a:rPr lang="fr-FR" smtClean="0"/>
-              <a:t>29/04/2020</a:t>
+              <a:t>02/05/2020</a:t>
             </a:fld>
             <a:endParaRPr lang="fr-FR"/>
           </a:p>
@@ -4696,7 +5286,7 @@
           <a:lstStyle/>
           <a:p>
             <a:pPr algn="ctr"/>
-            <a:endParaRPr lang="en-US" dirty="0"/>
+            <a:endParaRPr lang="en-US"/>
           </a:p>
         </p:txBody>
       </p:sp>
@@ -4836,10 +5426,9 @@
           <a:p>
             <a:pPr algn="l"/>
             <a:r>
-              <a:rPr lang="fr-FR" dirty="0"/>
+              <a:rPr lang="fr-FR"/>
               <a:t>Projet Maze(labyrinthe)</a:t>
             </a:r>
-            <a:endParaRPr lang="fr-FR"/>
           </a:p>
         </p:txBody>
       </p:sp>
@@ -5349,63 +5938,47 @@
           </a:p>
         </p:txBody>
       </p:sp>
-      <mc:AlternateContent xmlns:mc="http://schemas.openxmlformats.org/markup-compatibility/2006" xmlns:p14="http://schemas.microsoft.com/office/powerpoint/2010/main">
-        <mc:Choice Requires="p14">
-          <p:contentPart p14:bwMode="auto" r:id="rId2">
-            <p14:nvContentPartPr>
-              <p14:cNvPr id="3" name="Encre 2">
-                <a:extLst>
-                  <a:ext uri="{FF2B5EF4-FFF2-40B4-BE49-F238E27FC236}">
-                    <a16:creationId xmlns:a16="http://schemas.microsoft.com/office/drawing/2014/main" id="{79BEF462-F001-4BD5-9BF8-510F60B60BAA}"/>
-                  </a:ext>
-                </a:extLst>
-              </p14:cNvPr>
-              <p14:cNvContentPartPr/>
-              <p14:nvPr/>
-            </p14:nvContentPartPr>
-            <p14:xfrm>
-              <a:off x="3062467" y="4523772"/>
-              <a:ext cx="66675" cy="57149"/>
-            </p14:xfrm>
-          </p:contentPart>
-        </mc:Choice>
-        <mc:Fallback xmlns="">
-          <p:pic>
-            <p:nvPicPr>
-              <p:cNvPr id="3" name="Encre 2">
-                <a:extLst>
-                  <a:ext uri="{FF2B5EF4-FFF2-40B4-BE49-F238E27FC236}">
-                    <a16:creationId xmlns:a16="http://schemas.microsoft.com/office/drawing/2014/main" id="{79BEF462-F001-4BD5-9BF8-510F60B60BAA}"/>
-                  </a:ext>
-                </a:extLst>
-              </p:cNvPr>
-              <p:cNvPicPr/>
-              <p:nvPr/>
-            </p:nvPicPr>
-            <p:blipFill>
-              <a:blip r:embed="rId3"/>
-              <a:stretch>
-                <a:fillRect/>
-              </a:stretch>
-            </p:blipFill>
-            <p:spPr>
-              <a:xfrm>
-                <a:off x="3044828" y="4506133"/>
-                <a:ext cx="101600" cy="92073"/>
-              </a:xfrm>
-              <a:prstGeom prst="rect">
-                <a:avLst/>
-              </a:prstGeom>
-            </p:spPr>
-          </p:pic>
-        </mc:Fallback>
-      </mc:AlternateContent>
+      <p:pic>
+        <p:nvPicPr>
+          <p:cNvPr id="5" name="Espace réservé du contenu 4">
+            <a:extLst>
+              <a:ext uri="{FF2B5EF4-FFF2-40B4-BE49-F238E27FC236}">
+                <a16:creationId xmlns:a16="http://schemas.microsoft.com/office/drawing/2014/main" id="{FB10A386-39B3-487E-821F-E0C276CBB251}"/>
+              </a:ext>
+            </a:extLst>
+          </p:cNvPr>
+          <p:cNvPicPr>
+            <a:picLocks noGrp="1" noChangeAspect="1"/>
+          </p:cNvPicPr>
+          <p:nvPr>
+            <p:ph idx="1"/>
+          </p:nvPr>
+        </p:nvPicPr>
+        <p:blipFill>
+          <a:blip r:embed="rId2">
+            <a:extLst>
+              <a:ext uri="{28A0092B-C50C-407E-A947-70E740481C1C}">
+                <a14:useLocalDpi xmlns:a14="http://schemas.microsoft.com/office/drawing/2010/main" val="0"/>
+              </a:ext>
+            </a:extLst>
+          </a:blip>
+          <a:stretch>
+            <a:fillRect/>
+          </a:stretch>
+        </p:blipFill>
+        <p:spPr>
+          <a:xfrm>
+            <a:off x="6683580" y="1336675"/>
+            <a:ext cx="4085815" cy="4381500"/>
+          </a:xfrm>
+        </p:spPr>
+      </p:pic>
       <p:sp>
         <p:nvSpPr>
-          <p:cNvPr id="7" name="ZoneTexte 6">
-            <a:extLst>
-              <a:ext uri="{FF2B5EF4-FFF2-40B4-BE49-F238E27FC236}">
-                <a16:creationId xmlns:a16="http://schemas.microsoft.com/office/drawing/2014/main" id="{84CD875F-10E8-4D3D-A5D2-35055B8AEC77}"/>
+          <p:cNvPr id="6" name="ZoneTexte 5">
+            <a:extLst>
+              <a:ext uri="{FF2B5EF4-FFF2-40B4-BE49-F238E27FC236}">
+                <a16:creationId xmlns:a16="http://schemas.microsoft.com/office/drawing/2014/main" id="{CF3BEA61-58D5-4058-97A7-D81BE3448735}"/>
               </a:ext>
             </a:extLst>
           </p:cNvPr>
@@ -5414,8 +5987,8 @@
         </p:nvSpPr>
         <p:spPr>
           <a:xfrm>
-            <a:off x="921391" y="844492"/>
-            <a:ext cx="9734025" cy="369332"/>
+            <a:off x="1129004" y="1175657"/>
+            <a:ext cx="3312367" cy="1754326"/>
           </a:xfrm>
           <a:prstGeom prst="rect">
             <a:avLst/>
@@ -5423,63 +5996,64 @@
           <a:noFill/>
         </p:spPr>
         <p:txBody>
-          <a:bodyPr rot="0" spcFirstLastPara="0" vertOverflow="overflow" horzOverflow="overflow" vert="horz" wrap="square" lIns="91440" tIns="45720" rIns="91440" bIns="45720" numCol="1" spcCol="0" rtlCol="0" fromWordArt="0" anchor="t" anchorCtr="0" forceAA="0" compatLnSpc="1">
-            <a:prstTxWarp prst="textNoShape">
-              <a:avLst/>
-            </a:prstTxWarp>
+          <a:bodyPr wrap="square" rtlCol="0" anchor="t">
             <a:spAutoFit/>
           </a:bodyPr>
           <a:lstStyle/>
           <a:p>
             <a:r>
-              <a:rPr lang="fr-FR" dirty="0" err="1">
-                <a:cs typeface="Calibri"/>
-              </a:rPr>
-              <a:t>chéma</a:t>
-            </a:r>
-            <a:r>
-              <a:rPr lang="fr-FR" dirty="0">
-                <a:cs typeface="Calibri"/>
-              </a:rPr>
-              <a:t> de fonctionnement    interne du jeu</a:t>
-            </a:r>
-          </a:p>
-        </p:txBody>
-      </p:sp>
-      <p:pic>
-        <p:nvPicPr>
-          <p:cNvPr id="9" name="Image 13">
-            <a:extLst>
-              <a:ext uri="{FF2B5EF4-FFF2-40B4-BE49-F238E27FC236}">
-                <a16:creationId xmlns:a16="http://schemas.microsoft.com/office/drawing/2014/main" id="{1DFF6F21-369B-4CC5-84EA-2E47DD0823A0}"/>
-              </a:ext>
-            </a:extLst>
-          </p:cNvPr>
-          <p:cNvPicPr>
-            <a:picLocks noChangeAspect="1"/>
-          </p:cNvPicPr>
-          <p:nvPr/>
-        </p:nvPicPr>
-        <p:blipFill>
-          <a:blip r:embed="rId4"/>
-          <a:stretch>
-            <a:fillRect/>
-          </a:stretch>
-        </p:blipFill>
-        <p:spPr>
-          <a:xfrm>
-            <a:off x="551129" y="2139653"/>
-            <a:ext cx="10893706" cy="3791883"/>
-          </a:xfrm>
-          <a:prstGeom prst="rect">
-            <a:avLst/>
-          </a:prstGeom>
-        </p:spPr>
-      </p:pic>
+              <a:rPr lang="fr-FR"/>
+              <a:t>Au début du jeu nous avons mac </a:t>
+            </a:r>
+            <a:r>
+              <a:rPr lang="fr-FR" err="1"/>
+              <a:t>giver</a:t>
+            </a:r>
+            <a:r>
+              <a:rPr lang="fr-FR"/>
+              <a:t> qui dois retrouver 3 </a:t>
+            </a:r>
+            <a:r>
+              <a:rPr lang="fr-FR" err="1"/>
+              <a:t>objects</a:t>
+            </a:r>
+            <a:r>
+              <a:rPr lang="fr-FR"/>
+              <a:t>,</a:t>
+            </a:r>
+          </a:p>
+          <a:p>
+            <a:r>
+              <a:rPr lang="fr-FR"/>
+              <a:t>Puis dois ce débarrasser du gardien.</a:t>
+            </a:r>
+            <a:endParaRPr lang="fr-FR">
+              <a:cs typeface="Calibri"/>
+            </a:endParaRPr>
+          </a:p>
+          <a:p>
+            <a:r>
+              <a:rPr lang="fr-FR"/>
+              <a:t>Mac </a:t>
+            </a:r>
+            <a:r>
+              <a:rPr lang="fr-FR" err="1"/>
+              <a:t>giver</a:t>
+            </a:r>
+            <a:r>
+              <a:rPr lang="fr-FR"/>
+              <a:t> ne peut pas passer au travers des murs.</a:t>
+            </a:r>
+            <a:endParaRPr lang="fr-FR">
+              <a:cs typeface="Calibri"/>
+            </a:endParaRPr>
+          </a:p>
+        </p:txBody>
+      </p:sp>
     </p:spTree>
     <p:extLst>
       <p:ext uri="{BB962C8B-B14F-4D97-AF65-F5344CB8AC3E}">
-        <p14:creationId xmlns:p14="http://schemas.microsoft.com/office/powerpoint/2010/main" val="2228380559"/>
+        <p14:creationId xmlns:p14="http://schemas.microsoft.com/office/powerpoint/2010/main" val="2826607830"/>
       </p:ext>
     </p:extLst>
   </p:cSld>
@@ -5919,63 +6493,47 @@
           </a:p>
         </p:txBody>
       </p:sp>
-      <mc:AlternateContent xmlns:mc="http://schemas.openxmlformats.org/markup-compatibility/2006" xmlns:p14="http://schemas.microsoft.com/office/powerpoint/2010/main">
-        <mc:Choice Requires="p14">
-          <p:contentPart p14:bwMode="auto" r:id="rId2">
-            <p14:nvContentPartPr>
-              <p14:cNvPr id="3" name="Encre 2">
-                <a:extLst>
-                  <a:ext uri="{FF2B5EF4-FFF2-40B4-BE49-F238E27FC236}">
-                    <a16:creationId xmlns:a16="http://schemas.microsoft.com/office/drawing/2014/main" id="{79BEF462-F001-4BD5-9BF8-510F60B60BAA}"/>
-                  </a:ext>
-                </a:extLst>
-              </p14:cNvPr>
-              <p14:cNvContentPartPr/>
-              <p14:nvPr/>
-            </p14:nvContentPartPr>
-            <p14:xfrm>
-              <a:off x="3062467" y="4523772"/>
-              <a:ext cx="66675" cy="57149"/>
-            </p14:xfrm>
-          </p:contentPart>
-        </mc:Choice>
-        <mc:Fallback xmlns="">
-          <p:pic>
-            <p:nvPicPr>
-              <p:cNvPr id="3" name="Encre 2">
-                <a:extLst>
-                  <a:ext uri="{FF2B5EF4-FFF2-40B4-BE49-F238E27FC236}">
-                    <a16:creationId xmlns:a16="http://schemas.microsoft.com/office/drawing/2014/main" id="{79BEF462-F001-4BD5-9BF8-510F60B60BAA}"/>
-                  </a:ext>
-                </a:extLst>
-              </p:cNvPr>
-              <p:cNvPicPr/>
-              <p:nvPr/>
-            </p:nvPicPr>
-            <p:blipFill>
-              <a:blip r:embed="rId3"/>
-              <a:stretch>
-                <a:fillRect/>
-              </a:stretch>
-            </p:blipFill>
-            <p:spPr>
-              <a:xfrm>
-                <a:off x="3044828" y="4506133"/>
-                <a:ext cx="101600" cy="92073"/>
-              </a:xfrm>
-              <a:prstGeom prst="rect">
-                <a:avLst/>
-              </a:prstGeom>
-            </p:spPr>
-          </p:pic>
-        </mc:Fallback>
-      </mc:AlternateContent>
+      <p:pic>
+        <p:nvPicPr>
+          <p:cNvPr id="5" name="Espace réservé du contenu 4" descr="Une image contenant capture d’écran&#10;&#10;Description générée automatiquement">
+            <a:extLst>
+              <a:ext uri="{FF2B5EF4-FFF2-40B4-BE49-F238E27FC236}">
+                <a16:creationId xmlns:a16="http://schemas.microsoft.com/office/drawing/2014/main" id="{6D7CDBA7-20C2-46CF-AE30-67DB1C78E2D3}"/>
+              </a:ext>
+            </a:extLst>
+          </p:cNvPr>
+          <p:cNvPicPr>
+            <a:picLocks noGrp="1" noChangeAspect="1"/>
+          </p:cNvPicPr>
+          <p:nvPr>
+            <p:ph idx="1"/>
+          </p:nvPr>
+        </p:nvPicPr>
+        <p:blipFill>
+          <a:blip r:embed="rId2">
+            <a:extLst>
+              <a:ext uri="{28A0092B-C50C-407E-A947-70E740481C1C}">
+                <a14:useLocalDpi xmlns:a14="http://schemas.microsoft.com/office/drawing/2010/main" val="0"/>
+              </a:ext>
+            </a:extLst>
+          </a:blip>
+          <a:stretch>
+            <a:fillRect/>
+          </a:stretch>
+        </p:blipFill>
+        <p:spPr>
+          <a:xfrm>
+            <a:off x="6516879" y="1336675"/>
+            <a:ext cx="4419217" cy="4381500"/>
+          </a:xfrm>
+        </p:spPr>
+      </p:pic>
       <p:sp>
         <p:nvSpPr>
-          <p:cNvPr id="2" name="ZoneTexte 1">
-            <a:extLst>
-              <a:ext uri="{FF2B5EF4-FFF2-40B4-BE49-F238E27FC236}">
-                <a16:creationId xmlns:a16="http://schemas.microsoft.com/office/drawing/2014/main" id="{712AD056-EC7C-4D1F-9D7E-D741D0FEE935}"/>
+          <p:cNvPr id="9" name="ZoneTexte 8">
+            <a:extLst>
+              <a:ext uri="{FF2B5EF4-FFF2-40B4-BE49-F238E27FC236}">
+                <a16:creationId xmlns:a16="http://schemas.microsoft.com/office/drawing/2014/main" id="{9FA4B309-846F-4687-9507-95753C86DE84}"/>
               </a:ext>
             </a:extLst>
           </p:cNvPr>
@@ -5984,8 +6542,8 @@
         </p:nvSpPr>
         <p:spPr>
           <a:xfrm>
-            <a:off x="1035698" y="1110343"/>
-            <a:ext cx="8229600" cy="3693319"/>
+            <a:off x="1315453" y="1604211"/>
+            <a:ext cx="3424989" cy="923330"/>
           </a:xfrm>
           <a:prstGeom prst="rect">
             <a:avLst/>
@@ -5993,87 +6551,47 @@
           <a:noFill/>
         </p:spPr>
         <p:txBody>
-          <a:bodyPr wrap="square" rtlCol="0">
+          <a:bodyPr wrap="square" rtlCol="0" anchor="t">
             <a:spAutoFit/>
           </a:bodyPr>
           <a:lstStyle/>
           <a:p>
             <a:r>
-              <a:rPr lang="fr-FR" dirty="0"/>
-              <a:t>Quand je lance le jeu au départ je vais crée une classe labyrinthe qui se chargeras de crée le labyrinthe</a:t>
-            </a:r>
-          </a:p>
-          <a:p>
-            <a:r>
-              <a:rPr lang="fr-FR" dirty="0"/>
-              <a:t>Je vais chercher mon joueur et pouvoir lancer le jeu pour pouvoir lancer l’affichage</a:t>
-            </a:r>
-          </a:p>
-          <a:p>
-            <a:r>
-              <a:rPr lang="fr-FR" dirty="0"/>
-              <a:t>La classe labyrinthe  elle crée un tableau  pour charger celui-ci</a:t>
-            </a:r>
-          </a:p>
-          <a:p>
-            <a:r>
-              <a:rPr lang="fr-FR" dirty="0"/>
-              <a:t>Puis elle vas le charger dans la fonction  </a:t>
-            </a:r>
-            <a:r>
-              <a:rPr lang="fr-FR" dirty="0" err="1"/>
-              <a:t>load_labyrinth</a:t>
-            </a:r>
-            <a:endParaRPr lang="fr-FR" dirty="0"/>
-          </a:p>
-          <a:p>
-            <a:r>
-              <a:rPr lang="fr-FR" dirty="0" err="1"/>
-              <a:t>Load_labyrnthe</a:t>
-            </a:r>
-            <a:r>
-              <a:rPr lang="fr-FR" dirty="0"/>
-              <a:t> prend en </a:t>
-            </a:r>
-            <a:r>
-              <a:rPr lang="fr-FR" dirty="0" err="1"/>
-              <a:t>parametre</a:t>
-            </a:r>
-            <a:r>
-              <a:rPr lang="fr-FR" dirty="0"/>
-              <a:t> l’adresse du fichier map.txt puis va parcourir toute les lignes </a:t>
-            </a:r>
-          </a:p>
-          <a:p>
-            <a:r>
-              <a:rPr lang="fr-FR" dirty="0"/>
-              <a:t>De celui-ci. Chaque caractere de chaque ligne et verifie si ce n’’est pas  un saut de ligne</a:t>
-            </a:r>
-          </a:p>
-          <a:p>
-            <a:r>
-              <a:rPr lang="fr-FR" dirty="0"/>
-              <a:t>Si le caractere n’est pas un saut de ligne donc il ajoute le caractere # a la ligne du labyrinthe</a:t>
-            </a:r>
-          </a:p>
-          <a:p>
-            <a:r>
-              <a:rPr lang="fr-FR" dirty="0"/>
-              <a:t>Puis on ajoute la ligne au labyrinthe.</a:t>
-            </a:r>
-          </a:p>
-          <a:p>
-            <a:r>
-              <a:rPr lang="fr-FR" dirty="0"/>
-              <a:t> </a:t>
-            </a:r>
+              <a:rPr lang="fr-FR"/>
+              <a:t>A chaque </a:t>
+            </a:r>
+            <a:r>
+              <a:rPr lang="fr-FR" err="1"/>
+              <a:t>object</a:t>
+            </a:r>
+            <a:r>
+              <a:rPr lang="fr-FR"/>
+              <a:t> </a:t>
+            </a:r>
+            <a:r>
+              <a:rPr lang="fr-FR" err="1"/>
+              <a:t>récupèré</a:t>
+            </a:r>
+            <a:r>
+              <a:rPr lang="fr-FR"/>
+              <a:t> il reçoit </a:t>
+            </a:r>
+          </a:p>
+          <a:p>
+            <a:r>
+              <a:rPr lang="fr-FR"/>
+              <a:t>Un point ,il en faut 3 pour pouvoir tuer le gardien et gagner</a:t>
+            </a:r>
+            <a:endParaRPr lang="fr-FR">
+              <a:cs typeface="Calibri"/>
+            </a:endParaRPr>
           </a:p>
         </p:txBody>
       </p:sp>
     </p:spTree>
     <p:extLst>
       <p:ext uri="{BB962C8B-B14F-4D97-AF65-F5344CB8AC3E}">
-        <p14:creationId xmlns:p14="http://schemas.microsoft.com/office/powerpoint/2010/main" val="3048587470"/>
+        <p14:creationId xmlns:p14="http://schemas.microsoft.com/office/powerpoint/2010/main" val="3131725471"/>
       </p:ext>
     </p:extLst>
   </p:cSld>
@@ -6513,63 +7031,47 @@
           </a:p>
         </p:txBody>
       </p:sp>
-      <mc:AlternateContent xmlns:mc="http://schemas.openxmlformats.org/markup-compatibility/2006" xmlns:p14="http://schemas.microsoft.com/office/powerpoint/2010/main">
-        <mc:Choice Requires="p14">
-          <p:contentPart p14:bwMode="auto" r:id="rId2">
-            <p14:nvContentPartPr>
-              <p14:cNvPr id="3" name="Encre 2">
-                <a:extLst>
-                  <a:ext uri="{FF2B5EF4-FFF2-40B4-BE49-F238E27FC236}">
-                    <a16:creationId xmlns:a16="http://schemas.microsoft.com/office/drawing/2014/main" id="{79BEF462-F001-4BD5-9BF8-510F60B60BAA}"/>
-                  </a:ext>
-                </a:extLst>
-              </p14:cNvPr>
-              <p14:cNvContentPartPr/>
-              <p14:nvPr/>
-            </p14:nvContentPartPr>
-            <p14:xfrm>
-              <a:off x="3062467" y="4523772"/>
-              <a:ext cx="66675" cy="57149"/>
-            </p14:xfrm>
-          </p:contentPart>
-        </mc:Choice>
-        <mc:Fallback xmlns="">
-          <p:pic>
-            <p:nvPicPr>
-              <p:cNvPr id="3" name="Encre 2">
-                <a:extLst>
-                  <a:ext uri="{FF2B5EF4-FFF2-40B4-BE49-F238E27FC236}">
-                    <a16:creationId xmlns:a16="http://schemas.microsoft.com/office/drawing/2014/main" id="{79BEF462-F001-4BD5-9BF8-510F60B60BAA}"/>
-                  </a:ext>
-                </a:extLst>
-              </p:cNvPr>
-              <p:cNvPicPr/>
-              <p:nvPr/>
-            </p:nvPicPr>
-            <p:blipFill>
-              <a:blip r:embed="rId3"/>
-              <a:stretch>
-                <a:fillRect/>
-              </a:stretch>
-            </p:blipFill>
-            <p:spPr>
-              <a:xfrm>
-                <a:off x="3044828" y="4506133"/>
-                <a:ext cx="101600" cy="92073"/>
-              </a:xfrm>
-              <a:prstGeom prst="rect">
-                <a:avLst/>
-              </a:prstGeom>
-            </p:spPr>
-          </p:pic>
-        </mc:Fallback>
-      </mc:AlternateContent>
+      <p:pic>
+        <p:nvPicPr>
+          <p:cNvPr id="5" name="Espace réservé du contenu 4" descr="Une image contenant table&#10;&#10;Description générée automatiquement">
+            <a:extLst>
+              <a:ext uri="{FF2B5EF4-FFF2-40B4-BE49-F238E27FC236}">
+                <a16:creationId xmlns:a16="http://schemas.microsoft.com/office/drawing/2014/main" id="{C0691F3B-30CC-436F-B037-26CA6CF787DF}"/>
+              </a:ext>
+            </a:extLst>
+          </p:cNvPr>
+          <p:cNvPicPr>
+            <a:picLocks noGrp="1" noChangeAspect="1"/>
+          </p:cNvPicPr>
+          <p:nvPr>
+            <p:ph idx="1"/>
+          </p:nvPr>
+        </p:nvPicPr>
+        <p:blipFill>
+          <a:blip r:embed="rId2">
+            <a:extLst>
+              <a:ext uri="{28A0092B-C50C-407E-A947-70E740481C1C}">
+                <a14:useLocalDpi xmlns:a14="http://schemas.microsoft.com/office/drawing/2010/main" val="0"/>
+              </a:ext>
+            </a:extLst>
+          </a:blip>
+          <a:stretch>
+            <a:fillRect/>
+          </a:stretch>
+        </p:blipFill>
+        <p:spPr>
+          <a:xfrm>
+            <a:off x="6297612" y="2794000"/>
+            <a:ext cx="4857750" cy="1466850"/>
+          </a:xfrm>
+        </p:spPr>
+      </p:pic>
       <p:sp>
         <p:nvSpPr>
-          <p:cNvPr id="4" name="ZoneTexte 3">
-            <a:extLst>
-              <a:ext uri="{FF2B5EF4-FFF2-40B4-BE49-F238E27FC236}">
-                <a16:creationId xmlns:a16="http://schemas.microsoft.com/office/drawing/2014/main" id="{23FF0368-5B71-4346-8EC9-170C0817FCC0}"/>
+          <p:cNvPr id="6" name="ZoneTexte 5">
+            <a:extLst>
+              <a:ext uri="{FF2B5EF4-FFF2-40B4-BE49-F238E27FC236}">
+                <a16:creationId xmlns:a16="http://schemas.microsoft.com/office/drawing/2014/main" id="{78E802D7-10C1-4D48-9C16-6485CE61BF2A}"/>
               </a:ext>
             </a:extLst>
           </p:cNvPr>
@@ -6578,8 +7080,8 @@
         </p:nvSpPr>
         <p:spPr>
           <a:xfrm>
-            <a:off x="802105" y="1090863"/>
-            <a:ext cx="9994232" cy="4247317"/>
+            <a:off x="1122947" y="1628274"/>
+            <a:ext cx="3400927" cy="923330"/>
           </a:xfrm>
           <a:prstGeom prst="rect">
             <a:avLst/>
@@ -6593,175 +7095,29 @@
           <a:lstStyle/>
           <a:p>
             <a:r>
-              <a:rPr lang="fr-FR" dirty="0"/>
-              <a:t> </a:t>
-            </a:r>
-          </a:p>
-          <a:p>
-            <a:r>
-              <a:rPr lang="fr-FR" dirty="0"/>
-              <a:t>La fonction </a:t>
-            </a:r>
-            <a:r>
-              <a:rPr lang="fr-FR" dirty="0" err="1"/>
-              <a:t>find_player</a:t>
-            </a:r>
-            <a:endParaRPr lang="fr-FR" dirty="0"/>
-          </a:p>
-          <a:p>
-            <a:r>
-              <a:rPr lang="fr-FR" dirty="0"/>
-              <a:t>On vas chercher la position de mac </a:t>
-            </a:r>
-            <a:r>
-              <a:rPr lang="fr-FR" dirty="0" err="1"/>
-              <a:t>giver</a:t>
-            </a:r>
-            <a:r>
-              <a:rPr lang="fr-FR" dirty="0"/>
-              <a:t> </a:t>
-            </a:r>
-          </a:p>
-          <a:p>
-            <a:r>
-              <a:rPr lang="fr-FR" dirty="0"/>
-              <a:t>Donc avoir une double boucle for  scrute toutes les ligne et case du labyrinthe pour </a:t>
-            </a:r>
-            <a:r>
-              <a:rPr lang="fr-FR" dirty="0" err="1"/>
-              <a:t>touvé</a:t>
-            </a:r>
-            <a:r>
-              <a:rPr lang="fr-FR" dirty="0"/>
-              <a:t> ‘m’ (mac </a:t>
-            </a:r>
-            <a:r>
-              <a:rPr lang="fr-FR" dirty="0" err="1"/>
-              <a:t>giver</a:t>
-            </a:r>
-            <a:r>
-              <a:rPr lang="fr-FR" dirty="0"/>
-              <a:t>)</a:t>
-            </a:r>
-          </a:p>
-          <a:p>
-            <a:r>
-              <a:rPr lang="fr-FR" dirty="0"/>
-              <a:t>Dans le cas ou  on trouve pas ‘m’ la case par default et 0x,0y</a:t>
-            </a:r>
-          </a:p>
-          <a:p>
-            <a:r>
-              <a:rPr lang="fr-FR" dirty="0"/>
-              <a:t>Main</a:t>
-            </a:r>
-          </a:p>
-          <a:p>
-            <a:r>
-              <a:rPr lang="fr-FR" dirty="0"/>
-              <a:t>Une fois que le labyrinthe et initialisé avec la class Display</a:t>
-            </a:r>
-          </a:p>
-          <a:p>
-            <a:r>
-              <a:rPr lang="fr-FR" dirty="0"/>
-              <a:t>On </a:t>
-            </a:r>
-            <a:r>
-              <a:rPr lang="fr-FR" dirty="0" err="1"/>
-              <a:t>gére</a:t>
-            </a:r>
-            <a:r>
-              <a:rPr lang="fr-FR" dirty="0"/>
-              <a:t> tous ce qui  s’occupe </a:t>
-            </a:r>
-            <a:r>
-              <a:rPr lang="fr-FR" dirty="0" err="1"/>
-              <a:t>pygame</a:t>
-            </a:r>
-            <a:r>
-              <a:rPr lang="fr-FR" dirty="0"/>
-              <a:t> </a:t>
-            </a:r>
-          </a:p>
-          <a:p>
-            <a:r>
-              <a:rPr lang="fr-FR" dirty="0" err="1"/>
-              <a:t>Initaliser</a:t>
-            </a:r>
-            <a:r>
-              <a:rPr lang="fr-FR" dirty="0"/>
-              <a:t> </a:t>
-            </a:r>
-            <a:r>
-              <a:rPr lang="fr-FR" dirty="0" err="1"/>
-              <a:t>pygame</a:t>
-            </a:r>
-            <a:r>
-              <a:rPr lang="fr-FR" dirty="0"/>
-              <a:t> </a:t>
-            </a:r>
-          </a:p>
-          <a:p>
-            <a:r>
-              <a:rPr lang="fr-FR" dirty="0"/>
-              <a:t>Définir la taille d’</a:t>
-            </a:r>
-            <a:r>
-              <a:rPr lang="fr-FR" dirty="0" err="1"/>
-              <a:t>ecran</a:t>
-            </a:r>
-            <a:r>
-              <a:rPr lang="fr-FR" dirty="0"/>
-              <a:t>  </a:t>
-            </a:r>
-          </a:p>
-          <a:p>
-            <a:r>
-              <a:rPr lang="fr-FR" dirty="0"/>
-              <a:t>Cree dictionnaire d assets</a:t>
-            </a:r>
-          </a:p>
-          <a:p>
-            <a:r>
-              <a:rPr lang="fr-FR" dirty="0"/>
-              <a:t>Charger les personnages avec  la fonction </a:t>
-            </a:r>
-            <a:r>
-              <a:rPr lang="fr-FR" dirty="0" err="1"/>
-              <a:t>load_assets</a:t>
-            </a:r>
-            <a:endParaRPr lang="fr-FR" dirty="0"/>
-          </a:p>
-          <a:p>
-            <a:r>
-              <a:rPr lang="fr-FR" dirty="0"/>
-              <a:t>Chaque assets a une clé qui correspond a une image </a:t>
-            </a:r>
-          </a:p>
-          <a:p>
-            <a:r>
-              <a:rPr lang="fr-FR" dirty="0"/>
-              <a:t>Apres avec la fonction  </a:t>
-            </a:r>
-            <a:r>
-              <a:rPr lang="fr-FR" dirty="0" err="1"/>
-              <a:t>prepare_assets</a:t>
-            </a:r>
-            <a:endParaRPr lang="fr-FR" dirty="0"/>
-          </a:p>
-          <a:p>
-            <a:r>
-              <a:rPr lang="fr-FR" dirty="0"/>
-              <a:t>Je gère la dimension et la transparence des images</a:t>
-            </a:r>
+              <a:rPr lang="fr-FR"/>
+              <a:t>Ceci est la fin du jeu  quand vous avez  </a:t>
+            </a:r>
+            <a:r>
+              <a:rPr lang="fr-FR" err="1"/>
+              <a:t>recupere</a:t>
+            </a:r>
+            <a:r>
+              <a:rPr lang="fr-FR"/>
+              <a:t> les 3 objets plus le gardien votre objectif est </a:t>
+            </a:r>
+            <a:r>
+              <a:rPr lang="fr-FR" err="1"/>
+              <a:t>atteind</a:t>
+            </a:r>
+            <a:endParaRPr lang="fr-FR"/>
           </a:p>
         </p:txBody>
       </p:sp>
     </p:spTree>
     <p:extLst>
       <p:ext uri="{BB962C8B-B14F-4D97-AF65-F5344CB8AC3E}">
-        <p14:creationId xmlns:p14="http://schemas.microsoft.com/office/powerpoint/2010/main" val="1150103603"/>
+        <p14:creationId xmlns:p14="http://schemas.microsoft.com/office/powerpoint/2010/main" val="2836824980"/>
       </p:ext>
     </p:extLst>
   </p:cSld>
@@ -7201,63 +7557,47 @@
           </a:p>
         </p:txBody>
       </p:sp>
-      <mc:AlternateContent xmlns:mc="http://schemas.openxmlformats.org/markup-compatibility/2006" xmlns:p14="http://schemas.microsoft.com/office/powerpoint/2010/main">
-        <mc:Choice Requires="p14">
-          <p:contentPart p14:bwMode="auto" r:id="rId2">
-            <p14:nvContentPartPr>
-              <p14:cNvPr id="3" name="Encre 2">
-                <a:extLst>
-                  <a:ext uri="{FF2B5EF4-FFF2-40B4-BE49-F238E27FC236}">
-                    <a16:creationId xmlns:a16="http://schemas.microsoft.com/office/drawing/2014/main" id="{79BEF462-F001-4BD5-9BF8-510F60B60BAA}"/>
-                  </a:ext>
-                </a:extLst>
-              </p14:cNvPr>
-              <p14:cNvContentPartPr/>
-              <p14:nvPr/>
-            </p14:nvContentPartPr>
-            <p14:xfrm>
-              <a:off x="3062467" y="4523772"/>
-              <a:ext cx="66675" cy="57149"/>
-            </p14:xfrm>
-          </p:contentPart>
-        </mc:Choice>
-        <mc:Fallback xmlns="">
-          <p:pic>
-            <p:nvPicPr>
-              <p:cNvPr id="3" name="Encre 2">
-                <a:extLst>
-                  <a:ext uri="{FF2B5EF4-FFF2-40B4-BE49-F238E27FC236}">
-                    <a16:creationId xmlns:a16="http://schemas.microsoft.com/office/drawing/2014/main" id="{79BEF462-F001-4BD5-9BF8-510F60B60BAA}"/>
-                  </a:ext>
-                </a:extLst>
-              </p:cNvPr>
-              <p:cNvPicPr/>
-              <p:nvPr/>
-            </p:nvPicPr>
-            <p:blipFill>
-              <a:blip r:embed="rId3"/>
-              <a:stretch>
-                <a:fillRect/>
-              </a:stretch>
-            </p:blipFill>
-            <p:spPr>
-              <a:xfrm>
-                <a:off x="3044828" y="4506133"/>
-                <a:ext cx="101600" cy="92073"/>
-              </a:xfrm>
-              <a:prstGeom prst="rect">
-                <a:avLst/>
-              </a:prstGeom>
-            </p:spPr>
-          </p:pic>
-        </mc:Fallback>
-      </mc:AlternateContent>
+      <p:pic>
+        <p:nvPicPr>
+          <p:cNvPr id="5" name="Espace réservé du contenu 4" descr="Une image contenant table&#10;&#10;Description générée automatiquement">
+            <a:extLst>
+              <a:ext uri="{FF2B5EF4-FFF2-40B4-BE49-F238E27FC236}">
+                <a16:creationId xmlns:a16="http://schemas.microsoft.com/office/drawing/2014/main" id="{86B7D708-07CE-48A3-93A1-2AB37E6B3523}"/>
+              </a:ext>
+            </a:extLst>
+          </p:cNvPr>
+          <p:cNvPicPr>
+            <a:picLocks noGrp="1" noChangeAspect="1"/>
+          </p:cNvPicPr>
+          <p:nvPr>
+            <p:ph idx="1"/>
+          </p:nvPr>
+        </p:nvPicPr>
+        <p:blipFill>
+          <a:blip r:embed="rId2">
+            <a:extLst>
+              <a:ext uri="{28A0092B-C50C-407E-A947-70E740481C1C}">
+                <a14:useLocalDpi xmlns:a14="http://schemas.microsoft.com/office/drawing/2010/main" val="0"/>
+              </a:ext>
+            </a:extLst>
+          </a:blip>
+          <a:stretch>
+            <a:fillRect/>
+          </a:stretch>
+        </p:blipFill>
+        <p:spPr>
+          <a:xfrm>
+            <a:off x="7050087" y="3046412"/>
+            <a:ext cx="3352800" cy="962025"/>
+          </a:xfrm>
+        </p:spPr>
+      </p:pic>
       <p:sp>
         <p:nvSpPr>
-          <p:cNvPr id="2" name="ZoneTexte 1">
-            <a:extLst>
-              <a:ext uri="{FF2B5EF4-FFF2-40B4-BE49-F238E27FC236}">
-                <a16:creationId xmlns:a16="http://schemas.microsoft.com/office/drawing/2014/main" id="{BDAF8467-A43C-4F2C-A9EC-7634A641574F}"/>
+          <p:cNvPr id="6" name="ZoneTexte 5">
+            <a:extLst>
+              <a:ext uri="{FF2B5EF4-FFF2-40B4-BE49-F238E27FC236}">
+                <a16:creationId xmlns:a16="http://schemas.microsoft.com/office/drawing/2014/main" id="{A9D25835-23ED-4184-8BA9-45F114B5803C}"/>
               </a:ext>
             </a:extLst>
           </p:cNvPr>
@@ -7266,8 +7606,8 @@
         </p:nvSpPr>
         <p:spPr>
           <a:xfrm>
-            <a:off x="842211" y="982976"/>
-            <a:ext cx="10226842" cy="2031325"/>
+            <a:off x="842211" y="1251284"/>
+            <a:ext cx="3962400" cy="646331"/>
           </a:xfrm>
           <a:prstGeom prst="rect">
             <a:avLst/>
@@ -7281,115 +7621,21 @@
           <a:lstStyle/>
           <a:p>
             <a:r>
-              <a:rPr lang="fr-FR" dirty="0"/>
-              <a:t>Main </a:t>
-            </a:r>
-          </a:p>
-          <a:p>
-            <a:r>
-              <a:rPr lang="fr-FR" dirty="0"/>
-              <a:t>Appel la fonction display </a:t>
-            </a:r>
-          </a:p>
-          <a:p>
-            <a:r>
-              <a:rPr lang="fr-FR" dirty="0"/>
-              <a:t>L'affichage du labyrinthe</a:t>
-            </a:r>
-          </a:p>
-          <a:p>
-            <a:r>
-              <a:rPr lang="fr-FR" dirty="0"/>
-              <a:t>Qui vas s’occupée de l’affichage des personnage et objet a l’écran</a:t>
-            </a:r>
-          </a:p>
-          <a:p>
-            <a:r>
-              <a:rPr lang="fr-FR" dirty="0"/>
-              <a:t>Il y a un boucle qui verifi si c’est un ‘#’  donc il affiche l’image </a:t>
-            </a:r>
-            <a:r>
-              <a:rPr lang="fr-FR" dirty="0" err="1"/>
-              <a:t>wall</a:t>
-            </a:r>
-            <a:endParaRPr lang="fr-FR" dirty="0"/>
-          </a:p>
-          <a:p>
-            <a:r>
-              <a:rPr lang="fr-FR" dirty="0"/>
-              <a:t>Si c’est  ‘ ‘  donc il affiche  l’image de fond</a:t>
-            </a:r>
-          </a:p>
-          <a:p>
-            <a:r>
-              <a:rPr lang="fr-FR" dirty="0"/>
-              <a:t>Si c’est un ‘m’ il affiche l’image de mac </a:t>
-            </a:r>
-            <a:r>
-              <a:rPr lang="fr-FR" dirty="0" err="1"/>
-              <a:t>giver</a:t>
-            </a:r>
-            <a:endParaRPr lang="fr-FR" dirty="0"/>
-          </a:p>
-        </p:txBody>
-      </p:sp>
-      <p:sp>
-        <p:nvSpPr>
-          <p:cNvPr id="4" name="ZoneTexte 3">
-            <a:extLst>
-              <a:ext uri="{FF2B5EF4-FFF2-40B4-BE49-F238E27FC236}">
-                <a16:creationId xmlns:a16="http://schemas.microsoft.com/office/drawing/2014/main" id="{959588E3-D4F6-4DBD-990F-AD659EE14945}"/>
-              </a:ext>
-            </a:extLst>
-          </p:cNvPr>
-          <p:cNvSpPr txBox="1"/>
-          <p:nvPr/>
-        </p:nvSpPr>
-        <p:spPr>
-          <a:xfrm>
-            <a:off x="908886" y="3320716"/>
-            <a:ext cx="9614735" cy="1200329"/>
-          </a:xfrm>
-          <a:prstGeom prst="rect">
-            <a:avLst/>
-          </a:prstGeom>
-          <a:noFill/>
-        </p:spPr>
-        <p:txBody>
-          <a:bodyPr wrap="square" rtlCol="0">
-            <a:spAutoFit/>
-          </a:bodyPr>
-          <a:lstStyle/>
-          <a:p>
-            <a:r>
-              <a:rPr lang="fr-FR" dirty="0"/>
-              <a:t>Si c’est  un ‘g’ il affiche  l’image du gardien</a:t>
-            </a:r>
-          </a:p>
-          <a:p>
-            <a:r>
-              <a:rPr lang="fr-FR" dirty="0"/>
-              <a:t>Si c’est  un  ‘a’ il affiche l’image de l’aiguille</a:t>
-            </a:r>
-          </a:p>
-          <a:p>
-            <a:r>
-              <a:rPr lang="fr-FR" dirty="0"/>
-              <a:t>Si  c’est  un  ‘b’ il affiche l’image de  la seringue</a:t>
-            </a:r>
-          </a:p>
-          <a:p>
-            <a:r>
-              <a:rPr lang="fr-FR" dirty="0"/>
-              <a:t>Si c’est un ‘c’  il affiche  l’image de la bouteille d’ether</a:t>
-            </a:r>
+              <a:rPr lang="fr-FR"/>
+              <a:t>Ceci est la fin du jeu quand vous tuer directement le gardien sans les </a:t>
+            </a:r>
+            <a:r>
+              <a:rPr lang="fr-FR" err="1"/>
+              <a:t>objects</a:t>
+            </a:r>
+            <a:endParaRPr lang="fr-FR"/>
           </a:p>
         </p:txBody>
       </p:sp>
     </p:spTree>
     <p:extLst>
       <p:ext uri="{BB962C8B-B14F-4D97-AF65-F5344CB8AC3E}">
-        <p14:creationId xmlns:p14="http://schemas.microsoft.com/office/powerpoint/2010/main" val="250498672"/>
+        <p14:creationId xmlns:p14="http://schemas.microsoft.com/office/powerpoint/2010/main" val="2146253586"/>
       </p:ext>
     </p:extLst>
   </p:cSld>
@@ -7882,6 +8128,2450 @@
       </mc:AlternateContent>
       <p:sp>
         <p:nvSpPr>
+          <p:cNvPr id="7" name="ZoneTexte 6">
+            <a:extLst>
+              <a:ext uri="{FF2B5EF4-FFF2-40B4-BE49-F238E27FC236}">
+                <a16:creationId xmlns:a16="http://schemas.microsoft.com/office/drawing/2014/main" id="{84CD875F-10E8-4D3D-A5D2-35055B8AEC77}"/>
+              </a:ext>
+            </a:extLst>
+          </p:cNvPr>
+          <p:cNvSpPr txBox="1"/>
+          <p:nvPr/>
+        </p:nvSpPr>
+        <p:spPr>
+          <a:xfrm>
+            <a:off x="921391" y="844492"/>
+            <a:ext cx="9734025" cy="369332"/>
+          </a:xfrm>
+          <a:prstGeom prst="rect">
+            <a:avLst/>
+          </a:prstGeom>
+          <a:noFill/>
+        </p:spPr>
+        <p:txBody>
+          <a:bodyPr rot="0" spcFirstLastPara="0" vertOverflow="overflow" horzOverflow="overflow" vert="horz" wrap="square" lIns="91440" tIns="45720" rIns="91440" bIns="45720" numCol="1" spcCol="0" rtlCol="0" fromWordArt="0" anchor="t" anchorCtr="0" forceAA="0" compatLnSpc="1">
+            <a:prstTxWarp prst="textNoShape">
+              <a:avLst/>
+            </a:prstTxWarp>
+            <a:spAutoFit/>
+          </a:bodyPr>
+          <a:lstStyle/>
+          <a:p>
+            <a:r>
+              <a:rPr lang="fr-FR">
+                <a:cs typeface="Calibri"/>
+              </a:rPr>
+              <a:t>schéma de fonctionnement    interne du jeu</a:t>
+            </a:r>
+          </a:p>
+        </p:txBody>
+      </p:sp>
+      <p:pic>
+        <p:nvPicPr>
+          <p:cNvPr id="9" name="Image 13">
+            <a:extLst>
+              <a:ext uri="{FF2B5EF4-FFF2-40B4-BE49-F238E27FC236}">
+                <a16:creationId xmlns:a16="http://schemas.microsoft.com/office/drawing/2014/main" id="{1DFF6F21-369B-4CC5-84EA-2E47DD0823A0}"/>
+              </a:ext>
+            </a:extLst>
+          </p:cNvPr>
+          <p:cNvPicPr>
+            <a:picLocks noChangeAspect="1"/>
+          </p:cNvPicPr>
+          <p:nvPr/>
+        </p:nvPicPr>
+        <p:blipFill>
+          <a:blip r:embed="rId4"/>
+          <a:stretch>
+            <a:fillRect/>
+          </a:stretch>
+        </p:blipFill>
+        <p:spPr>
+          <a:xfrm>
+            <a:off x="551129" y="2139653"/>
+            <a:ext cx="10893706" cy="3791883"/>
+          </a:xfrm>
+          <a:prstGeom prst="rect">
+            <a:avLst/>
+          </a:prstGeom>
+        </p:spPr>
+      </p:pic>
+    </p:spTree>
+    <p:extLst>
+      <p:ext uri="{BB962C8B-B14F-4D97-AF65-F5344CB8AC3E}">
+        <p14:creationId xmlns:p14="http://schemas.microsoft.com/office/powerpoint/2010/main" val="2228380559"/>
+      </p:ext>
+    </p:extLst>
+  </p:cSld>
+  <p:clrMapOvr>
+    <a:masterClrMapping/>
+  </p:clrMapOvr>
+</p:sld>
+</file>
+
+<file path=ppt/slides/slide15.xml><?xml version="1.0" encoding="utf-8"?>
+<p:sld xmlns:a="http://schemas.openxmlformats.org/drawingml/2006/main" xmlns:r="http://schemas.openxmlformats.org/officeDocument/2006/relationships" xmlns:p="http://schemas.openxmlformats.org/presentationml/2006/main">
+  <p:cSld>
+    <p:bg>
+      <p:bgPr>
+        <a:solidFill>
+          <a:schemeClr val="bg1"/>
+        </a:solidFill>
+        <a:effectLst/>
+      </p:bgPr>
+    </p:bg>
+    <p:spTree>
+      <p:nvGrpSpPr>
+        <p:cNvPr id="1" name=""/>
+        <p:cNvGrpSpPr/>
+        <p:nvPr/>
+      </p:nvGrpSpPr>
+      <p:grpSpPr>
+        <a:xfrm>
+          <a:off x="0" y="0"/>
+          <a:ext cx="0" cy="0"/>
+          <a:chOff x="0" y="0"/>
+          <a:chExt cx="0" cy="0"/>
+        </a:xfrm>
+      </p:grpSpPr>
+      <p:sp useBgFill="1">
+        <p:nvSpPr>
+          <p:cNvPr id="8" name="Rectangle 7">
+            <a:extLst>
+              <a:ext uri="{FF2B5EF4-FFF2-40B4-BE49-F238E27FC236}">
+                <a16:creationId xmlns:a16="http://schemas.microsoft.com/office/drawing/2014/main" id="{7515D20E-1AB7-4E74-9236-2B72B63D60B6}"/>
+              </a:ext>
+              <a:ext uri="{C183D7F6-B498-43B3-948B-1728B52AA6E4}">
+                <adec:decorative xmlns:adec="http://schemas.microsoft.com/office/drawing/2017/decorative" val="1"/>
+              </a:ext>
+            </a:extLst>
+          </p:cNvPr>
+          <p:cNvSpPr>
+            <a:spLocks noGrp="1" noRot="1" noChangeAspect="1" noMove="1" noResize="1" noEditPoints="1" noAdjustHandles="1" noChangeArrowheads="1" noChangeShapeType="1" noTextEdit="1"/>
+          </p:cNvSpPr>
+          <p:nvPr>
+            <p:extLst>
+              <p:ext uri="{386F3935-93C4-4BCD-93E2-E3B085C9AB24}">
+                <p16:designElem xmlns:p16="http://schemas.microsoft.com/office/powerpoint/2015/main" val="1"/>
+              </p:ext>
+            </p:extLst>
+          </p:nvPr>
+        </p:nvSpPr>
+        <p:spPr>
+          <a:xfrm>
+            <a:off x="0" y="0"/>
+            <a:ext cx="12191999" cy="6857365"/>
+          </a:xfrm>
+          <a:prstGeom prst="rect">
+            <a:avLst/>
+          </a:prstGeom>
+          <a:ln>
+            <a:noFill/>
+          </a:ln>
+        </p:spPr>
+        <p:style>
+          <a:lnRef idx="2">
+            <a:schemeClr val="accent1">
+              <a:shade val="50000"/>
+            </a:schemeClr>
+          </a:lnRef>
+          <a:fillRef idx="1">
+            <a:schemeClr val="accent1"/>
+          </a:fillRef>
+          <a:effectRef idx="0">
+            <a:schemeClr val="accent1"/>
+          </a:effectRef>
+          <a:fontRef idx="minor">
+            <a:schemeClr val="lt1"/>
+          </a:fontRef>
+        </p:style>
+        <p:txBody>
+          <a:bodyPr rtlCol="0" anchor="ctr"/>
+          <a:lstStyle/>
+          <a:p>
+            <a:pPr algn="ctr"/>
+            <a:endParaRPr lang="en-US"/>
+          </a:p>
+        </p:txBody>
+      </p:sp>
+      <p:grpSp>
+        <p:nvGrpSpPr>
+          <p:cNvPr id="10" name="Group 9">
+            <a:extLst>
+              <a:ext uri="{FF2B5EF4-FFF2-40B4-BE49-F238E27FC236}">
+                <a16:creationId xmlns:a16="http://schemas.microsoft.com/office/drawing/2014/main" id="{032D8612-31EB-44CF-A1D0-14FD4C705424}"/>
+              </a:ext>
+              <a:ext uri="{C183D7F6-B498-43B3-948B-1728B52AA6E4}">
+                <adec:decorative xmlns:adec="http://schemas.microsoft.com/office/drawing/2017/decorative" val="1"/>
+              </a:ext>
+            </a:extLst>
+          </p:cNvPr>
+          <p:cNvGrpSpPr>
+            <a:grpSpLocks noGrp="1" noUngrp="1" noRot="1" noChangeAspect="1" noMove="1" noResize="1"/>
+          </p:cNvGrpSpPr>
+          <p:nvPr>
+            <p:extLst>
+              <p:ext uri="{386F3935-93C4-4BCD-93E2-E3B085C9AB24}">
+                <p16:designElem xmlns:p16="http://schemas.microsoft.com/office/powerpoint/2015/main" val="1"/>
+              </p:ext>
+            </p:extLst>
+          </p:nvPr>
+        </p:nvGrpSpPr>
+        <p:grpSpPr>
+          <a:xfrm>
+            <a:off x="0" y="3163461"/>
+            <a:ext cx="731521" cy="673460"/>
+            <a:chOff x="3940602" y="308034"/>
+            <a:chExt cx="2116791" cy="3428999"/>
+          </a:xfrm>
+          <a:solidFill>
+            <a:schemeClr val="accent4"/>
+          </a:solidFill>
+        </p:grpSpPr>
+        <p:sp>
+          <p:nvSpPr>
+            <p:cNvPr id="11" name="Rectangle 10">
+              <a:extLst>
+                <a:ext uri="{FF2B5EF4-FFF2-40B4-BE49-F238E27FC236}">
+                  <a16:creationId xmlns:a16="http://schemas.microsoft.com/office/drawing/2014/main" id="{F19A4A0F-1B59-4DB0-9764-D10936E98770}"/>
+                </a:ext>
+                <a:ext uri="{C183D7F6-B498-43B3-948B-1728B52AA6E4}">
+                  <adec:decorative xmlns:adec="http://schemas.microsoft.com/office/drawing/2017/decorative" val="1"/>
+                </a:ext>
+              </a:extLst>
+            </p:cNvPr>
+            <p:cNvSpPr/>
+            <p:nvPr>
+              <p:extLst>
+                <p:ext uri="{386F3935-93C4-4BCD-93E2-E3B085C9AB24}">
+                  <p16:designElem xmlns:p16="http://schemas.microsoft.com/office/powerpoint/2015/main" val="1"/>
+                </p:ext>
+              </p:extLst>
+            </p:nvPr>
+          </p:nvSpPr>
+          <p:spPr>
+            <a:xfrm>
+              <a:off x="3940602" y="308034"/>
+              <a:ext cx="566743" cy="3428999"/>
+            </a:xfrm>
+            <a:prstGeom prst="rect">
+              <a:avLst/>
+            </a:prstGeom>
+            <a:grpFill/>
+            <a:ln>
+              <a:noFill/>
+            </a:ln>
+          </p:spPr>
+          <p:style>
+            <a:lnRef idx="2">
+              <a:schemeClr val="accent1">
+                <a:shade val="50000"/>
+              </a:schemeClr>
+            </a:lnRef>
+            <a:fillRef idx="1">
+              <a:schemeClr val="accent1"/>
+            </a:fillRef>
+            <a:effectRef idx="0">
+              <a:schemeClr val="accent1"/>
+            </a:effectRef>
+            <a:fontRef idx="minor">
+              <a:schemeClr val="lt1"/>
+            </a:fontRef>
+          </p:style>
+          <p:txBody>
+            <a:bodyPr rtlCol="0" anchor="ctr"/>
+            <a:lstStyle/>
+            <a:p>
+              <a:pPr algn="ctr"/>
+              <a:endParaRPr lang="en-US"/>
+            </a:p>
+          </p:txBody>
+        </p:sp>
+        <p:sp>
+          <p:nvSpPr>
+            <p:cNvPr id="12" name="Rectangle 11">
+              <a:extLst>
+                <a:ext uri="{FF2B5EF4-FFF2-40B4-BE49-F238E27FC236}">
+                  <a16:creationId xmlns:a16="http://schemas.microsoft.com/office/drawing/2014/main" id="{F399A70F-F8CD-4992-9EF5-6CF15472E73F}"/>
+                </a:ext>
+                <a:ext uri="{C183D7F6-B498-43B3-948B-1728B52AA6E4}">
+                  <adec:decorative xmlns:adec="http://schemas.microsoft.com/office/drawing/2017/decorative" val="1"/>
+                </a:ext>
+              </a:extLst>
+            </p:cNvPr>
+            <p:cNvSpPr/>
+            <p:nvPr>
+              <p:extLst>
+                <p:ext uri="{386F3935-93C4-4BCD-93E2-E3B085C9AB24}">
+                  <p16:designElem xmlns:p16="http://schemas.microsoft.com/office/powerpoint/2015/main" val="1"/>
+                </p:ext>
+              </p:extLst>
+            </p:nvPr>
+          </p:nvSpPr>
+          <p:spPr>
+            <a:xfrm>
+              <a:off x="4715626" y="308034"/>
+              <a:ext cx="566743" cy="3428999"/>
+            </a:xfrm>
+            <a:prstGeom prst="rect">
+              <a:avLst/>
+            </a:prstGeom>
+            <a:grpFill/>
+            <a:ln>
+              <a:noFill/>
+            </a:ln>
+          </p:spPr>
+          <p:style>
+            <a:lnRef idx="2">
+              <a:schemeClr val="accent1">
+                <a:shade val="50000"/>
+              </a:schemeClr>
+            </a:lnRef>
+            <a:fillRef idx="1">
+              <a:schemeClr val="accent1"/>
+            </a:fillRef>
+            <a:effectRef idx="0">
+              <a:schemeClr val="accent1"/>
+            </a:effectRef>
+            <a:fontRef idx="minor">
+              <a:schemeClr val="lt1"/>
+            </a:fontRef>
+          </p:style>
+          <p:txBody>
+            <a:bodyPr rtlCol="0" anchor="ctr"/>
+            <a:lstStyle/>
+            <a:p>
+              <a:pPr algn="ctr"/>
+              <a:endParaRPr lang="en-US"/>
+            </a:p>
+          </p:txBody>
+        </p:sp>
+        <p:sp>
+          <p:nvSpPr>
+            <p:cNvPr id="13" name="Rectangle 12">
+              <a:extLst>
+                <a:ext uri="{FF2B5EF4-FFF2-40B4-BE49-F238E27FC236}">
+                  <a16:creationId xmlns:a16="http://schemas.microsoft.com/office/drawing/2014/main" id="{48F4FEDC-6D80-458C-A665-075D9B9500FD}"/>
+                </a:ext>
+                <a:ext uri="{C183D7F6-B498-43B3-948B-1728B52AA6E4}">
+                  <adec:decorative xmlns:adec="http://schemas.microsoft.com/office/drawing/2017/decorative" val="1"/>
+                </a:ext>
+              </a:extLst>
+            </p:cNvPr>
+            <p:cNvSpPr/>
+            <p:nvPr>
+              <p:extLst>
+                <p:ext uri="{386F3935-93C4-4BCD-93E2-E3B085C9AB24}">
+                  <p16:designElem xmlns:p16="http://schemas.microsoft.com/office/powerpoint/2015/main" val="1"/>
+                </p:ext>
+              </p:extLst>
+            </p:nvPr>
+          </p:nvSpPr>
+          <p:spPr>
+            <a:xfrm>
+              <a:off x="5490650" y="308034"/>
+              <a:ext cx="566743" cy="3428999"/>
+            </a:xfrm>
+            <a:prstGeom prst="rect">
+              <a:avLst/>
+            </a:prstGeom>
+            <a:grpFill/>
+            <a:ln>
+              <a:noFill/>
+            </a:ln>
+          </p:spPr>
+          <p:style>
+            <a:lnRef idx="2">
+              <a:schemeClr val="accent1">
+                <a:shade val="50000"/>
+              </a:schemeClr>
+            </a:lnRef>
+            <a:fillRef idx="1">
+              <a:schemeClr val="accent1"/>
+            </a:fillRef>
+            <a:effectRef idx="0">
+              <a:schemeClr val="accent1"/>
+            </a:effectRef>
+            <a:fontRef idx="minor">
+              <a:schemeClr val="lt1"/>
+            </a:fontRef>
+          </p:style>
+          <p:txBody>
+            <a:bodyPr rtlCol="0" anchor="ctr"/>
+            <a:lstStyle/>
+            <a:p>
+              <a:pPr algn="ctr"/>
+              <a:endParaRPr lang="en-US"/>
+            </a:p>
+          </p:txBody>
+        </p:sp>
+      </p:grpSp>
+      <p:sp>
+        <p:nvSpPr>
+          <p:cNvPr id="15" name="Rectangle 14">
+            <a:extLst>
+              <a:ext uri="{FF2B5EF4-FFF2-40B4-BE49-F238E27FC236}">
+                <a16:creationId xmlns:a16="http://schemas.microsoft.com/office/drawing/2014/main" id="{3873B707-463F-40B0-8227-E8CC6C67EB25}"/>
+              </a:ext>
+              <a:ext uri="{C183D7F6-B498-43B3-948B-1728B52AA6E4}">
+                <adec:decorative xmlns:adec="http://schemas.microsoft.com/office/drawing/2017/decorative" val="1"/>
+              </a:ext>
+            </a:extLst>
+          </p:cNvPr>
+          <p:cNvSpPr>
+            <a:spLocks noGrp="1" noRot="1" noChangeAspect="1" noMove="1" noResize="1" noEditPoints="1" noAdjustHandles="1" noChangeArrowheads="1" noChangeShapeType="1" noTextEdit="1"/>
+          </p:cNvSpPr>
+          <p:nvPr>
+            <p:extLst>
+              <p:ext uri="{386F3935-93C4-4BCD-93E2-E3B085C9AB24}">
+                <p16:designElem xmlns:p16="http://schemas.microsoft.com/office/powerpoint/2015/main" val="1"/>
+              </p:ext>
+            </p:extLst>
+          </p:nvPr>
+        </p:nvSpPr>
+        <p:spPr>
+          <a:xfrm flipH="1">
+            <a:off x="10697670" y="0"/>
+            <a:ext cx="1494330" cy="6858000"/>
+          </a:xfrm>
+          <a:prstGeom prst="rect">
+            <a:avLst/>
+          </a:prstGeom>
+          <a:solidFill>
+            <a:schemeClr val="accent4"/>
+          </a:solidFill>
+          <a:ln>
+            <a:noFill/>
+          </a:ln>
+        </p:spPr>
+        <p:style>
+          <a:lnRef idx="2">
+            <a:schemeClr val="accent1">
+              <a:shade val="50000"/>
+            </a:schemeClr>
+          </a:lnRef>
+          <a:fillRef idx="1">
+            <a:schemeClr val="accent1"/>
+          </a:fillRef>
+          <a:effectRef idx="0">
+            <a:schemeClr val="accent1"/>
+          </a:effectRef>
+          <a:fontRef idx="minor">
+            <a:schemeClr val="lt1"/>
+          </a:fontRef>
+        </p:style>
+        <p:txBody>
+          <a:bodyPr rtlCol="0" anchor="ctr"/>
+          <a:lstStyle/>
+          <a:p>
+            <a:pPr algn="ctr"/>
+            <a:endParaRPr lang="en-US"/>
+          </a:p>
+        </p:txBody>
+      </p:sp>
+      <p:sp>
+        <p:nvSpPr>
+          <p:cNvPr id="17" name="Rectangle 16">
+            <a:extLst>
+              <a:ext uri="{FF2B5EF4-FFF2-40B4-BE49-F238E27FC236}">
+                <a16:creationId xmlns:a16="http://schemas.microsoft.com/office/drawing/2014/main" id="{19C9EAEA-39D0-4B0E-A0EB-51E7B26740B1}"/>
+              </a:ext>
+              <a:ext uri="{C183D7F6-B498-43B3-948B-1728B52AA6E4}">
+                <adec:decorative xmlns:adec="http://schemas.microsoft.com/office/drawing/2017/decorative" val="1"/>
+              </a:ext>
+            </a:extLst>
+          </p:cNvPr>
+          <p:cNvSpPr>
+            <a:spLocks noGrp="1" noRot="1" noChangeAspect="1" noMove="1" noResize="1" noEditPoints="1" noAdjustHandles="1" noChangeArrowheads="1" noChangeShapeType="1" noTextEdit="1"/>
+          </p:cNvSpPr>
+          <p:nvPr>
+            <p:extLst>
+              <p:ext uri="{386F3935-93C4-4BCD-93E2-E3B085C9AB24}">
+                <p16:designElem xmlns:p16="http://schemas.microsoft.com/office/powerpoint/2015/main" val="1"/>
+              </p:ext>
+            </p:extLst>
+          </p:nvPr>
+        </p:nvSpPr>
+        <p:spPr>
+          <a:xfrm>
+            <a:off x="5685810" y="982976"/>
+            <a:ext cx="6009366" cy="5120635"/>
+          </a:xfrm>
+          <a:prstGeom prst="rect">
+            <a:avLst/>
+          </a:prstGeom>
+          <a:solidFill>
+            <a:schemeClr val="bg1"/>
+          </a:solidFill>
+          <a:ln>
+            <a:noFill/>
+          </a:ln>
+          <a:effectLst>
+            <a:outerShdw blurRad="139700" dist="127000" dir="5400000" algn="t" rotWithShape="0">
+              <a:prstClr val="black">
+                <a:alpha val="15000"/>
+              </a:prstClr>
+            </a:outerShdw>
+          </a:effectLst>
+        </p:spPr>
+        <p:style>
+          <a:lnRef idx="2">
+            <a:schemeClr val="accent1">
+              <a:shade val="50000"/>
+            </a:schemeClr>
+          </a:lnRef>
+          <a:fillRef idx="1">
+            <a:schemeClr val="accent1"/>
+          </a:fillRef>
+          <a:effectRef idx="0">
+            <a:schemeClr val="accent1"/>
+          </a:effectRef>
+          <a:fontRef idx="minor">
+            <a:schemeClr val="lt1"/>
+          </a:fontRef>
+        </p:style>
+        <p:txBody>
+          <a:bodyPr rtlCol="0" anchor="ctr"/>
+          <a:lstStyle/>
+          <a:p>
+            <a:pPr algn="ctr"/>
+            <a:endParaRPr lang="en-US"/>
+          </a:p>
+        </p:txBody>
+      </p:sp>
+      <mc:AlternateContent xmlns:mc="http://schemas.openxmlformats.org/markup-compatibility/2006" xmlns:p14="http://schemas.microsoft.com/office/powerpoint/2010/main">
+        <mc:Choice Requires="p14">
+          <p:contentPart p14:bwMode="auto" r:id="rId2">
+            <p14:nvContentPartPr>
+              <p14:cNvPr id="3" name="Encre 2">
+                <a:extLst>
+                  <a:ext uri="{FF2B5EF4-FFF2-40B4-BE49-F238E27FC236}">
+                    <a16:creationId xmlns:a16="http://schemas.microsoft.com/office/drawing/2014/main" id="{79BEF462-F001-4BD5-9BF8-510F60B60BAA}"/>
+                  </a:ext>
+                </a:extLst>
+              </p14:cNvPr>
+              <p14:cNvContentPartPr/>
+              <p14:nvPr/>
+            </p14:nvContentPartPr>
+            <p14:xfrm>
+              <a:off x="3062467" y="4523772"/>
+              <a:ext cx="66675" cy="57149"/>
+            </p14:xfrm>
+          </p:contentPart>
+        </mc:Choice>
+        <mc:Fallback xmlns="">
+          <p:pic>
+            <p:nvPicPr>
+              <p:cNvPr id="3" name="Encre 2">
+                <a:extLst>
+                  <a:ext uri="{FF2B5EF4-FFF2-40B4-BE49-F238E27FC236}">
+                    <a16:creationId xmlns:a16="http://schemas.microsoft.com/office/drawing/2014/main" id="{79BEF462-F001-4BD5-9BF8-510F60B60BAA}"/>
+                  </a:ext>
+                </a:extLst>
+              </p:cNvPr>
+              <p:cNvPicPr/>
+              <p:nvPr/>
+            </p:nvPicPr>
+            <p:blipFill>
+              <a:blip r:embed="rId3"/>
+              <a:stretch>
+                <a:fillRect/>
+              </a:stretch>
+            </p:blipFill>
+            <p:spPr>
+              <a:xfrm>
+                <a:off x="3044828" y="4506133"/>
+                <a:ext cx="101600" cy="92073"/>
+              </a:xfrm>
+              <a:prstGeom prst="rect">
+                <a:avLst/>
+              </a:prstGeom>
+            </p:spPr>
+          </p:pic>
+        </mc:Fallback>
+      </mc:AlternateContent>
+      <p:sp>
+        <p:nvSpPr>
+          <p:cNvPr id="2" name="ZoneTexte 1">
+            <a:extLst>
+              <a:ext uri="{FF2B5EF4-FFF2-40B4-BE49-F238E27FC236}">
+                <a16:creationId xmlns:a16="http://schemas.microsoft.com/office/drawing/2014/main" id="{712AD056-EC7C-4D1F-9D7E-D741D0FEE935}"/>
+              </a:ext>
+            </a:extLst>
+          </p:cNvPr>
+          <p:cNvSpPr txBox="1"/>
+          <p:nvPr/>
+        </p:nvSpPr>
+        <p:spPr>
+          <a:xfrm>
+            <a:off x="1035698" y="1110343"/>
+            <a:ext cx="8229600" cy="3693319"/>
+          </a:xfrm>
+          <a:prstGeom prst="rect">
+            <a:avLst/>
+          </a:prstGeom>
+          <a:noFill/>
+        </p:spPr>
+        <p:txBody>
+          <a:bodyPr wrap="square" rtlCol="0" anchor="t">
+            <a:spAutoFit/>
+          </a:bodyPr>
+          <a:lstStyle/>
+          <a:p>
+            <a:r>
+              <a:rPr lang="fr-FR"/>
+              <a:t>Quand je lance le jeu au départ je vais crée une classe labyrinthe qui se chargeras de crée le labyrinthe</a:t>
+            </a:r>
+          </a:p>
+          <a:p>
+            <a:r>
+              <a:rPr lang="fr-FR"/>
+              <a:t>Je vais chercher mon joueur et pouvoir lancer le jeu pour pouvoir lancer l’affichage</a:t>
+            </a:r>
+          </a:p>
+          <a:p>
+            <a:r>
+              <a:rPr lang="fr-FR"/>
+              <a:t>La classe labyrinthe  elle crée un tableau  pour charger celui-ci</a:t>
+            </a:r>
+          </a:p>
+          <a:p>
+            <a:r>
+              <a:rPr lang="fr-FR"/>
+              <a:t>Puis elle vas le charger dans la fonction  </a:t>
+            </a:r>
+            <a:r>
+              <a:rPr lang="fr-FR" err="1"/>
+              <a:t>load_labyrinth</a:t>
+            </a:r>
+            <a:endParaRPr lang="fr-FR"/>
+          </a:p>
+          <a:p>
+            <a:r>
+              <a:rPr lang="fr-FR" err="1"/>
+              <a:t>Load_labyrnthe</a:t>
+            </a:r>
+            <a:r>
+              <a:rPr lang="fr-FR"/>
+              <a:t> prend en paramètre l’adresse du fichier map.txt puis va parcourir toute les lignes </a:t>
+            </a:r>
+          </a:p>
+          <a:p>
+            <a:r>
+              <a:rPr lang="fr-FR"/>
+              <a:t>De celui-ci. Chaque caractere de chaque ligne et verifie si ce n’’est pas  un saut de ligne</a:t>
+            </a:r>
+          </a:p>
+          <a:p>
+            <a:r>
+              <a:rPr lang="fr-FR"/>
+              <a:t>Si le caractere n’est pas un saut de ligne donc il ajoute le caractere # a la ligne du labyrinthe</a:t>
+            </a:r>
+          </a:p>
+          <a:p>
+            <a:r>
+              <a:rPr lang="fr-FR"/>
+              <a:t>Puis on ajoute la ligne au labyrinthe.</a:t>
+            </a:r>
+          </a:p>
+          <a:p>
+            <a:endParaRPr lang="fr-FR"/>
+          </a:p>
+        </p:txBody>
+      </p:sp>
+    </p:spTree>
+    <p:extLst>
+      <p:ext uri="{BB962C8B-B14F-4D97-AF65-F5344CB8AC3E}">
+        <p14:creationId xmlns:p14="http://schemas.microsoft.com/office/powerpoint/2010/main" val="3048587470"/>
+      </p:ext>
+    </p:extLst>
+  </p:cSld>
+  <p:clrMapOvr>
+    <a:masterClrMapping/>
+  </p:clrMapOvr>
+</p:sld>
+</file>
+
+<file path=ppt/slides/slide16.xml><?xml version="1.0" encoding="utf-8"?>
+<p:sld xmlns:a="http://schemas.openxmlformats.org/drawingml/2006/main" xmlns:r="http://schemas.openxmlformats.org/officeDocument/2006/relationships" xmlns:p="http://schemas.openxmlformats.org/presentationml/2006/main">
+  <p:cSld>
+    <p:bg>
+      <p:bgPr>
+        <a:solidFill>
+          <a:schemeClr val="bg1"/>
+        </a:solidFill>
+        <a:effectLst/>
+      </p:bgPr>
+    </p:bg>
+    <p:spTree>
+      <p:nvGrpSpPr>
+        <p:cNvPr id="1" name=""/>
+        <p:cNvGrpSpPr/>
+        <p:nvPr/>
+      </p:nvGrpSpPr>
+      <p:grpSpPr>
+        <a:xfrm>
+          <a:off x="0" y="0"/>
+          <a:ext cx="0" cy="0"/>
+          <a:chOff x="0" y="0"/>
+          <a:chExt cx="0" cy="0"/>
+        </a:xfrm>
+      </p:grpSpPr>
+      <p:sp useBgFill="1">
+        <p:nvSpPr>
+          <p:cNvPr id="8" name="Rectangle 7">
+            <a:extLst>
+              <a:ext uri="{FF2B5EF4-FFF2-40B4-BE49-F238E27FC236}">
+                <a16:creationId xmlns:a16="http://schemas.microsoft.com/office/drawing/2014/main" id="{7515D20E-1AB7-4E74-9236-2B72B63D60B6}"/>
+              </a:ext>
+              <a:ext uri="{C183D7F6-B498-43B3-948B-1728B52AA6E4}">
+                <adec:decorative xmlns:adec="http://schemas.microsoft.com/office/drawing/2017/decorative" val="1"/>
+              </a:ext>
+            </a:extLst>
+          </p:cNvPr>
+          <p:cNvSpPr>
+            <a:spLocks noGrp="1" noRot="1" noChangeAspect="1" noMove="1" noResize="1" noEditPoints="1" noAdjustHandles="1" noChangeArrowheads="1" noChangeShapeType="1" noTextEdit="1"/>
+          </p:cNvSpPr>
+          <p:nvPr>
+            <p:extLst>
+              <p:ext uri="{386F3935-93C4-4BCD-93E2-E3B085C9AB24}">
+                <p16:designElem xmlns:p16="http://schemas.microsoft.com/office/powerpoint/2015/main" val="1"/>
+              </p:ext>
+            </p:extLst>
+          </p:nvPr>
+        </p:nvSpPr>
+        <p:spPr>
+          <a:xfrm>
+            <a:off x="0" y="0"/>
+            <a:ext cx="12191999" cy="6857365"/>
+          </a:xfrm>
+          <a:prstGeom prst="rect">
+            <a:avLst/>
+          </a:prstGeom>
+          <a:ln>
+            <a:noFill/>
+          </a:ln>
+        </p:spPr>
+        <p:style>
+          <a:lnRef idx="2">
+            <a:schemeClr val="accent1">
+              <a:shade val="50000"/>
+            </a:schemeClr>
+          </a:lnRef>
+          <a:fillRef idx="1">
+            <a:schemeClr val="accent1"/>
+          </a:fillRef>
+          <a:effectRef idx="0">
+            <a:schemeClr val="accent1"/>
+          </a:effectRef>
+          <a:fontRef idx="minor">
+            <a:schemeClr val="lt1"/>
+          </a:fontRef>
+        </p:style>
+        <p:txBody>
+          <a:bodyPr rtlCol="0" anchor="ctr"/>
+          <a:lstStyle/>
+          <a:p>
+            <a:pPr algn="ctr"/>
+            <a:endParaRPr lang="en-US"/>
+          </a:p>
+        </p:txBody>
+      </p:sp>
+      <p:grpSp>
+        <p:nvGrpSpPr>
+          <p:cNvPr id="10" name="Group 9">
+            <a:extLst>
+              <a:ext uri="{FF2B5EF4-FFF2-40B4-BE49-F238E27FC236}">
+                <a16:creationId xmlns:a16="http://schemas.microsoft.com/office/drawing/2014/main" id="{032D8612-31EB-44CF-A1D0-14FD4C705424}"/>
+              </a:ext>
+              <a:ext uri="{C183D7F6-B498-43B3-948B-1728B52AA6E4}">
+                <adec:decorative xmlns:adec="http://schemas.microsoft.com/office/drawing/2017/decorative" val="1"/>
+              </a:ext>
+            </a:extLst>
+          </p:cNvPr>
+          <p:cNvGrpSpPr>
+            <a:grpSpLocks noGrp="1" noUngrp="1" noRot="1" noChangeAspect="1" noMove="1" noResize="1"/>
+          </p:cNvGrpSpPr>
+          <p:nvPr>
+            <p:extLst>
+              <p:ext uri="{386F3935-93C4-4BCD-93E2-E3B085C9AB24}">
+                <p16:designElem xmlns:p16="http://schemas.microsoft.com/office/powerpoint/2015/main" val="1"/>
+              </p:ext>
+            </p:extLst>
+          </p:nvPr>
+        </p:nvGrpSpPr>
+        <p:grpSpPr>
+          <a:xfrm>
+            <a:off x="0" y="3163461"/>
+            <a:ext cx="731521" cy="673460"/>
+            <a:chOff x="3940602" y="308034"/>
+            <a:chExt cx="2116791" cy="3428999"/>
+          </a:xfrm>
+          <a:solidFill>
+            <a:schemeClr val="accent4"/>
+          </a:solidFill>
+        </p:grpSpPr>
+        <p:sp>
+          <p:nvSpPr>
+            <p:cNvPr id="11" name="Rectangle 10">
+              <a:extLst>
+                <a:ext uri="{FF2B5EF4-FFF2-40B4-BE49-F238E27FC236}">
+                  <a16:creationId xmlns:a16="http://schemas.microsoft.com/office/drawing/2014/main" id="{F19A4A0F-1B59-4DB0-9764-D10936E98770}"/>
+                </a:ext>
+                <a:ext uri="{C183D7F6-B498-43B3-948B-1728B52AA6E4}">
+                  <adec:decorative xmlns:adec="http://schemas.microsoft.com/office/drawing/2017/decorative" val="1"/>
+                </a:ext>
+              </a:extLst>
+            </p:cNvPr>
+            <p:cNvSpPr/>
+            <p:nvPr>
+              <p:extLst>
+                <p:ext uri="{386F3935-93C4-4BCD-93E2-E3B085C9AB24}">
+                  <p16:designElem xmlns:p16="http://schemas.microsoft.com/office/powerpoint/2015/main" val="1"/>
+                </p:ext>
+              </p:extLst>
+            </p:nvPr>
+          </p:nvSpPr>
+          <p:spPr>
+            <a:xfrm>
+              <a:off x="3940602" y="308034"/>
+              <a:ext cx="566743" cy="3428999"/>
+            </a:xfrm>
+            <a:prstGeom prst="rect">
+              <a:avLst/>
+            </a:prstGeom>
+            <a:grpFill/>
+            <a:ln>
+              <a:noFill/>
+            </a:ln>
+          </p:spPr>
+          <p:style>
+            <a:lnRef idx="2">
+              <a:schemeClr val="accent1">
+                <a:shade val="50000"/>
+              </a:schemeClr>
+            </a:lnRef>
+            <a:fillRef idx="1">
+              <a:schemeClr val="accent1"/>
+            </a:fillRef>
+            <a:effectRef idx="0">
+              <a:schemeClr val="accent1"/>
+            </a:effectRef>
+            <a:fontRef idx="minor">
+              <a:schemeClr val="lt1"/>
+            </a:fontRef>
+          </p:style>
+          <p:txBody>
+            <a:bodyPr rtlCol="0" anchor="ctr"/>
+            <a:lstStyle/>
+            <a:p>
+              <a:pPr algn="ctr"/>
+              <a:endParaRPr lang="en-US"/>
+            </a:p>
+          </p:txBody>
+        </p:sp>
+        <p:sp>
+          <p:nvSpPr>
+            <p:cNvPr id="12" name="Rectangle 11">
+              <a:extLst>
+                <a:ext uri="{FF2B5EF4-FFF2-40B4-BE49-F238E27FC236}">
+                  <a16:creationId xmlns:a16="http://schemas.microsoft.com/office/drawing/2014/main" id="{F399A70F-F8CD-4992-9EF5-6CF15472E73F}"/>
+                </a:ext>
+                <a:ext uri="{C183D7F6-B498-43B3-948B-1728B52AA6E4}">
+                  <adec:decorative xmlns:adec="http://schemas.microsoft.com/office/drawing/2017/decorative" val="1"/>
+                </a:ext>
+              </a:extLst>
+            </p:cNvPr>
+            <p:cNvSpPr/>
+            <p:nvPr>
+              <p:extLst>
+                <p:ext uri="{386F3935-93C4-4BCD-93E2-E3B085C9AB24}">
+                  <p16:designElem xmlns:p16="http://schemas.microsoft.com/office/powerpoint/2015/main" val="1"/>
+                </p:ext>
+              </p:extLst>
+            </p:nvPr>
+          </p:nvSpPr>
+          <p:spPr>
+            <a:xfrm>
+              <a:off x="4715626" y="308034"/>
+              <a:ext cx="566743" cy="3428999"/>
+            </a:xfrm>
+            <a:prstGeom prst="rect">
+              <a:avLst/>
+            </a:prstGeom>
+            <a:grpFill/>
+            <a:ln>
+              <a:noFill/>
+            </a:ln>
+          </p:spPr>
+          <p:style>
+            <a:lnRef idx="2">
+              <a:schemeClr val="accent1">
+                <a:shade val="50000"/>
+              </a:schemeClr>
+            </a:lnRef>
+            <a:fillRef idx="1">
+              <a:schemeClr val="accent1"/>
+            </a:fillRef>
+            <a:effectRef idx="0">
+              <a:schemeClr val="accent1"/>
+            </a:effectRef>
+            <a:fontRef idx="minor">
+              <a:schemeClr val="lt1"/>
+            </a:fontRef>
+          </p:style>
+          <p:txBody>
+            <a:bodyPr rtlCol="0" anchor="ctr"/>
+            <a:lstStyle/>
+            <a:p>
+              <a:pPr algn="ctr"/>
+              <a:endParaRPr lang="en-US"/>
+            </a:p>
+          </p:txBody>
+        </p:sp>
+        <p:sp>
+          <p:nvSpPr>
+            <p:cNvPr id="13" name="Rectangle 12">
+              <a:extLst>
+                <a:ext uri="{FF2B5EF4-FFF2-40B4-BE49-F238E27FC236}">
+                  <a16:creationId xmlns:a16="http://schemas.microsoft.com/office/drawing/2014/main" id="{48F4FEDC-6D80-458C-A665-075D9B9500FD}"/>
+                </a:ext>
+                <a:ext uri="{C183D7F6-B498-43B3-948B-1728B52AA6E4}">
+                  <adec:decorative xmlns:adec="http://schemas.microsoft.com/office/drawing/2017/decorative" val="1"/>
+                </a:ext>
+              </a:extLst>
+            </p:cNvPr>
+            <p:cNvSpPr/>
+            <p:nvPr>
+              <p:extLst>
+                <p:ext uri="{386F3935-93C4-4BCD-93E2-E3B085C9AB24}">
+                  <p16:designElem xmlns:p16="http://schemas.microsoft.com/office/powerpoint/2015/main" val="1"/>
+                </p:ext>
+              </p:extLst>
+            </p:nvPr>
+          </p:nvSpPr>
+          <p:spPr>
+            <a:xfrm>
+              <a:off x="5490650" y="308034"/>
+              <a:ext cx="566743" cy="3428999"/>
+            </a:xfrm>
+            <a:prstGeom prst="rect">
+              <a:avLst/>
+            </a:prstGeom>
+            <a:grpFill/>
+            <a:ln>
+              <a:noFill/>
+            </a:ln>
+          </p:spPr>
+          <p:style>
+            <a:lnRef idx="2">
+              <a:schemeClr val="accent1">
+                <a:shade val="50000"/>
+              </a:schemeClr>
+            </a:lnRef>
+            <a:fillRef idx="1">
+              <a:schemeClr val="accent1"/>
+            </a:fillRef>
+            <a:effectRef idx="0">
+              <a:schemeClr val="accent1"/>
+            </a:effectRef>
+            <a:fontRef idx="minor">
+              <a:schemeClr val="lt1"/>
+            </a:fontRef>
+          </p:style>
+          <p:txBody>
+            <a:bodyPr rtlCol="0" anchor="ctr"/>
+            <a:lstStyle/>
+            <a:p>
+              <a:pPr algn="ctr"/>
+              <a:endParaRPr lang="en-US"/>
+            </a:p>
+          </p:txBody>
+        </p:sp>
+      </p:grpSp>
+      <p:sp>
+        <p:nvSpPr>
+          <p:cNvPr id="15" name="Rectangle 14">
+            <a:extLst>
+              <a:ext uri="{FF2B5EF4-FFF2-40B4-BE49-F238E27FC236}">
+                <a16:creationId xmlns:a16="http://schemas.microsoft.com/office/drawing/2014/main" id="{3873B707-463F-40B0-8227-E8CC6C67EB25}"/>
+              </a:ext>
+              <a:ext uri="{C183D7F6-B498-43B3-948B-1728B52AA6E4}">
+                <adec:decorative xmlns:adec="http://schemas.microsoft.com/office/drawing/2017/decorative" val="1"/>
+              </a:ext>
+            </a:extLst>
+          </p:cNvPr>
+          <p:cNvSpPr>
+            <a:spLocks noGrp="1" noRot="1" noChangeAspect="1" noMove="1" noResize="1" noEditPoints="1" noAdjustHandles="1" noChangeArrowheads="1" noChangeShapeType="1" noTextEdit="1"/>
+          </p:cNvSpPr>
+          <p:nvPr>
+            <p:extLst>
+              <p:ext uri="{386F3935-93C4-4BCD-93E2-E3B085C9AB24}">
+                <p16:designElem xmlns:p16="http://schemas.microsoft.com/office/powerpoint/2015/main" val="1"/>
+              </p:ext>
+            </p:extLst>
+          </p:nvPr>
+        </p:nvSpPr>
+        <p:spPr>
+          <a:xfrm flipH="1">
+            <a:off x="10697670" y="0"/>
+            <a:ext cx="1494330" cy="6858000"/>
+          </a:xfrm>
+          <a:prstGeom prst="rect">
+            <a:avLst/>
+          </a:prstGeom>
+          <a:solidFill>
+            <a:schemeClr val="accent4"/>
+          </a:solidFill>
+          <a:ln>
+            <a:noFill/>
+          </a:ln>
+        </p:spPr>
+        <p:style>
+          <a:lnRef idx="2">
+            <a:schemeClr val="accent1">
+              <a:shade val="50000"/>
+            </a:schemeClr>
+          </a:lnRef>
+          <a:fillRef idx="1">
+            <a:schemeClr val="accent1"/>
+          </a:fillRef>
+          <a:effectRef idx="0">
+            <a:schemeClr val="accent1"/>
+          </a:effectRef>
+          <a:fontRef idx="minor">
+            <a:schemeClr val="lt1"/>
+          </a:fontRef>
+        </p:style>
+        <p:txBody>
+          <a:bodyPr rtlCol="0" anchor="ctr"/>
+          <a:lstStyle/>
+          <a:p>
+            <a:pPr algn="ctr"/>
+            <a:endParaRPr lang="en-US"/>
+          </a:p>
+        </p:txBody>
+      </p:sp>
+      <p:sp>
+        <p:nvSpPr>
+          <p:cNvPr id="17" name="Rectangle 16">
+            <a:extLst>
+              <a:ext uri="{FF2B5EF4-FFF2-40B4-BE49-F238E27FC236}">
+                <a16:creationId xmlns:a16="http://schemas.microsoft.com/office/drawing/2014/main" id="{19C9EAEA-39D0-4B0E-A0EB-51E7B26740B1}"/>
+              </a:ext>
+              <a:ext uri="{C183D7F6-B498-43B3-948B-1728B52AA6E4}">
+                <adec:decorative xmlns:adec="http://schemas.microsoft.com/office/drawing/2017/decorative" val="1"/>
+              </a:ext>
+            </a:extLst>
+          </p:cNvPr>
+          <p:cNvSpPr>
+            <a:spLocks noGrp="1" noRot="1" noChangeAspect="1" noMove="1" noResize="1" noEditPoints="1" noAdjustHandles="1" noChangeArrowheads="1" noChangeShapeType="1" noTextEdit="1"/>
+          </p:cNvSpPr>
+          <p:nvPr>
+            <p:extLst>
+              <p:ext uri="{386F3935-93C4-4BCD-93E2-E3B085C9AB24}">
+                <p16:designElem xmlns:p16="http://schemas.microsoft.com/office/powerpoint/2015/main" val="1"/>
+              </p:ext>
+            </p:extLst>
+          </p:nvPr>
+        </p:nvSpPr>
+        <p:spPr>
+          <a:xfrm>
+            <a:off x="5685810" y="982976"/>
+            <a:ext cx="6009366" cy="5120635"/>
+          </a:xfrm>
+          <a:prstGeom prst="rect">
+            <a:avLst/>
+          </a:prstGeom>
+          <a:solidFill>
+            <a:schemeClr val="bg1"/>
+          </a:solidFill>
+          <a:ln>
+            <a:noFill/>
+          </a:ln>
+          <a:effectLst>
+            <a:outerShdw blurRad="139700" dist="127000" dir="5400000" algn="t" rotWithShape="0">
+              <a:prstClr val="black">
+                <a:alpha val="15000"/>
+              </a:prstClr>
+            </a:outerShdw>
+          </a:effectLst>
+        </p:spPr>
+        <p:style>
+          <a:lnRef idx="2">
+            <a:schemeClr val="accent1">
+              <a:shade val="50000"/>
+            </a:schemeClr>
+          </a:lnRef>
+          <a:fillRef idx="1">
+            <a:schemeClr val="accent1"/>
+          </a:fillRef>
+          <a:effectRef idx="0">
+            <a:schemeClr val="accent1"/>
+          </a:effectRef>
+          <a:fontRef idx="minor">
+            <a:schemeClr val="lt1"/>
+          </a:fontRef>
+        </p:style>
+        <p:txBody>
+          <a:bodyPr rtlCol="0" anchor="ctr"/>
+          <a:lstStyle/>
+          <a:p>
+            <a:pPr algn="ctr"/>
+            <a:endParaRPr lang="en-US"/>
+          </a:p>
+        </p:txBody>
+      </p:sp>
+      <mc:AlternateContent xmlns:mc="http://schemas.openxmlformats.org/markup-compatibility/2006" xmlns:p14="http://schemas.microsoft.com/office/powerpoint/2010/main">
+        <mc:Choice Requires="p14">
+          <p:contentPart p14:bwMode="auto" r:id="rId2">
+            <p14:nvContentPartPr>
+              <p14:cNvPr id="3" name="Encre 2">
+                <a:extLst>
+                  <a:ext uri="{FF2B5EF4-FFF2-40B4-BE49-F238E27FC236}">
+                    <a16:creationId xmlns:a16="http://schemas.microsoft.com/office/drawing/2014/main" id="{79BEF462-F001-4BD5-9BF8-510F60B60BAA}"/>
+                  </a:ext>
+                </a:extLst>
+              </p14:cNvPr>
+              <p14:cNvContentPartPr/>
+              <p14:nvPr/>
+            </p14:nvContentPartPr>
+            <p14:xfrm>
+              <a:off x="3062467" y="4523772"/>
+              <a:ext cx="66675" cy="57149"/>
+            </p14:xfrm>
+          </p:contentPart>
+        </mc:Choice>
+        <mc:Fallback xmlns="">
+          <p:pic>
+            <p:nvPicPr>
+              <p:cNvPr id="3" name="Encre 2">
+                <a:extLst>
+                  <a:ext uri="{FF2B5EF4-FFF2-40B4-BE49-F238E27FC236}">
+                    <a16:creationId xmlns:a16="http://schemas.microsoft.com/office/drawing/2014/main" id="{79BEF462-F001-4BD5-9BF8-510F60B60BAA}"/>
+                  </a:ext>
+                </a:extLst>
+              </p:cNvPr>
+              <p:cNvPicPr/>
+              <p:nvPr/>
+            </p:nvPicPr>
+            <p:blipFill>
+              <a:blip r:embed="rId3"/>
+              <a:stretch>
+                <a:fillRect/>
+              </a:stretch>
+            </p:blipFill>
+            <p:spPr>
+              <a:xfrm>
+                <a:off x="3044828" y="4506133"/>
+                <a:ext cx="101600" cy="92073"/>
+              </a:xfrm>
+              <a:prstGeom prst="rect">
+                <a:avLst/>
+              </a:prstGeom>
+            </p:spPr>
+          </p:pic>
+        </mc:Fallback>
+      </mc:AlternateContent>
+      <p:sp>
+        <p:nvSpPr>
+          <p:cNvPr id="4" name="ZoneTexte 3">
+            <a:extLst>
+              <a:ext uri="{FF2B5EF4-FFF2-40B4-BE49-F238E27FC236}">
+                <a16:creationId xmlns:a16="http://schemas.microsoft.com/office/drawing/2014/main" id="{23FF0368-5B71-4346-8EC9-170C0817FCC0}"/>
+              </a:ext>
+            </a:extLst>
+          </p:cNvPr>
+          <p:cNvSpPr txBox="1"/>
+          <p:nvPr/>
+        </p:nvSpPr>
+        <p:spPr>
+          <a:xfrm>
+            <a:off x="802105" y="1090863"/>
+            <a:ext cx="9994232" cy="4247317"/>
+          </a:xfrm>
+          <a:prstGeom prst="rect">
+            <a:avLst/>
+          </a:prstGeom>
+          <a:noFill/>
+        </p:spPr>
+        <p:txBody>
+          <a:bodyPr wrap="square" rtlCol="0" anchor="t">
+            <a:spAutoFit/>
+          </a:bodyPr>
+          <a:lstStyle/>
+          <a:p>
+            <a:endParaRPr lang="fr-FR"/>
+          </a:p>
+          <a:p>
+            <a:r>
+              <a:rPr lang="fr-FR"/>
+              <a:t>La fonction </a:t>
+            </a:r>
+            <a:r>
+              <a:rPr lang="fr-FR" err="1"/>
+              <a:t>find_player</a:t>
+            </a:r>
+            <a:endParaRPr lang="fr-FR"/>
+          </a:p>
+          <a:p>
+            <a:r>
+              <a:rPr lang="fr-FR"/>
+              <a:t>On vas chercher la position de mac </a:t>
+            </a:r>
+            <a:r>
+              <a:rPr lang="fr-FR" err="1"/>
+              <a:t>giver</a:t>
+            </a:r>
+            <a:r>
+              <a:rPr lang="fr-FR"/>
+              <a:t> </a:t>
+            </a:r>
+          </a:p>
+          <a:p>
+            <a:r>
+              <a:rPr lang="fr-FR"/>
+              <a:t>Donc avoir une double boucle for  scrute toutes les ligne et case du labyrinthe pour </a:t>
+            </a:r>
+            <a:r>
+              <a:rPr lang="fr-FR" err="1"/>
+              <a:t>touvé</a:t>
+            </a:r>
+            <a:r>
+              <a:rPr lang="fr-FR"/>
+              <a:t> ‘m’ (mac </a:t>
+            </a:r>
+            <a:r>
+              <a:rPr lang="fr-FR" err="1"/>
+              <a:t>giver</a:t>
+            </a:r>
+            <a:r>
+              <a:rPr lang="fr-FR"/>
+              <a:t>)</a:t>
+            </a:r>
+          </a:p>
+          <a:p>
+            <a:r>
+              <a:rPr lang="fr-FR"/>
+              <a:t>Dans le cas ou  on trouve pas ‘m’ la case par default et 0x,0y</a:t>
+            </a:r>
+          </a:p>
+          <a:p>
+            <a:r>
+              <a:rPr lang="fr-FR"/>
+              <a:t>Main</a:t>
+            </a:r>
+          </a:p>
+          <a:p>
+            <a:r>
+              <a:rPr lang="fr-FR"/>
+              <a:t>Une fois que le labyrinthe et initialisé avec la class Display</a:t>
+            </a:r>
+          </a:p>
+          <a:p>
+            <a:r>
+              <a:rPr lang="fr-FR"/>
+              <a:t>On gère tous ce qui  s’occupe </a:t>
+            </a:r>
+            <a:r>
+              <a:rPr lang="fr-FR" err="1"/>
+              <a:t>pygame</a:t>
+            </a:r>
+            <a:r>
+              <a:rPr lang="fr-FR"/>
+              <a:t> </a:t>
+            </a:r>
+          </a:p>
+          <a:p>
+            <a:r>
+              <a:rPr lang="fr-FR" err="1"/>
+              <a:t>Initaliser</a:t>
+            </a:r>
+            <a:r>
+              <a:rPr lang="fr-FR"/>
+              <a:t> </a:t>
+            </a:r>
+            <a:r>
+              <a:rPr lang="fr-FR" err="1"/>
+              <a:t>pygame</a:t>
+            </a:r>
+            <a:r>
+              <a:rPr lang="fr-FR"/>
+              <a:t> </a:t>
+            </a:r>
+          </a:p>
+          <a:p>
+            <a:r>
+              <a:rPr lang="fr-FR"/>
+              <a:t>Définir la taille d’écran  </a:t>
+            </a:r>
+          </a:p>
+          <a:p>
+            <a:r>
+              <a:rPr lang="fr-FR"/>
+              <a:t>Cree dictionnaire d assets</a:t>
+            </a:r>
+          </a:p>
+          <a:p>
+            <a:r>
+              <a:rPr lang="fr-FR"/>
+              <a:t>Charger les personnages avec  la fonction </a:t>
+            </a:r>
+            <a:r>
+              <a:rPr lang="fr-FR" err="1"/>
+              <a:t>load_assets</a:t>
+            </a:r>
+            <a:endParaRPr lang="fr-FR"/>
+          </a:p>
+          <a:p>
+            <a:r>
+              <a:rPr lang="fr-FR"/>
+              <a:t>Chaque assets a une clé qui correspond a une image </a:t>
+            </a:r>
+          </a:p>
+          <a:p>
+            <a:r>
+              <a:rPr lang="fr-FR"/>
+              <a:t>Apres avec la fonction  </a:t>
+            </a:r>
+            <a:r>
+              <a:rPr lang="fr-FR" err="1"/>
+              <a:t>prepare_assets</a:t>
+            </a:r>
+            <a:endParaRPr lang="fr-FR"/>
+          </a:p>
+          <a:p>
+            <a:r>
+              <a:rPr lang="fr-FR"/>
+              <a:t>Je gère la dimension et la transparence des images</a:t>
+            </a:r>
+          </a:p>
+        </p:txBody>
+      </p:sp>
+    </p:spTree>
+    <p:extLst>
+      <p:ext uri="{BB962C8B-B14F-4D97-AF65-F5344CB8AC3E}">
+        <p14:creationId xmlns:p14="http://schemas.microsoft.com/office/powerpoint/2010/main" val="1150103603"/>
+      </p:ext>
+    </p:extLst>
+  </p:cSld>
+  <p:clrMapOvr>
+    <a:masterClrMapping/>
+  </p:clrMapOvr>
+</p:sld>
+</file>
+
+<file path=ppt/slides/slide17.xml><?xml version="1.0" encoding="utf-8"?>
+<p:sld xmlns:a="http://schemas.openxmlformats.org/drawingml/2006/main" xmlns:r="http://schemas.openxmlformats.org/officeDocument/2006/relationships" xmlns:p="http://schemas.openxmlformats.org/presentationml/2006/main">
+  <p:cSld>
+    <p:bg>
+      <p:bgPr>
+        <a:solidFill>
+          <a:schemeClr val="bg1"/>
+        </a:solidFill>
+        <a:effectLst/>
+      </p:bgPr>
+    </p:bg>
+    <p:spTree>
+      <p:nvGrpSpPr>
+        <p:cNvPr id="1" name=""/>
+        <p:cNvGrpSpPr/>
+        <p:nvPr/>
+      </p:nvGrpSpPr>
+      <p:grpSpPr>
+        <a:xfrm>
+          <a:off x="0" y="0"/>
+          <a:ext cx="0" cy="0"/>
+          <a:chOff x="0" y="0"/>
+          <a:chExt cx="0" cy="0"/>
+        </a:xfrm>
+      </p:grpSpPr>
+      <p:sp useBgFill="1">
+        <p:nvSpPr>
+          <p:cNvPr id="8" name="Rectangle 7">
+            <a:extLst>
+              <a:ext uri="{FF2B5EF4-FFF2-40B4-BE49-F238E27FC236}">
+                <a16:creationId xmlns:a16="http://schemas.microsoft.com/office/drawing/2014/main" id="{7515D20E-1AB7-4E74-9236-2B72B63D60B6}"/>
+              </a:ext>
+              <a:ext uri="{C183D7F6-B498-43B3-948B-1728B52AA6E4}">
+                <adec:decorative xmlns:adec="http://schemas.microsoft.com/office/drawing/2017/decorative" val="1"/>
+              </a:ext>
+            </a:extLst>
+          </p:cNvPr>
+          <p:cNvSpPr>
+            <a:spLocks noGrp="1" noRot="1" noChangeAspect="1" noMove="1" noResize="1" noEditPoints="1" noAdjustHandles="1" noChangeArrowheads="1" noChangeShapeType="1" noTextEdit="1"/>
+          </p:cNvSpPr>
+          <p:nvPr>
+            <p:extLst>
+              <p:ext uri="{386F3935-93C4-4BCD-93E2-E3B085C9AB24}">
+                <p16:designElem xmlns:p16="http://schemas.microsoft.com/office/powerpoint/2015/main" val="1"/>
+              </p:ext>
+            </p:extLst>
+          </p:nvPr>
+        </p:nvSpPr>
+        <p:spPr>
+          <a:xfrm>
+            <a:off x="0" y="0"/>
+            <a:ext cx="12191999" cy="6857365"/>
+          </a:xfrm>
+          <a:prstGeom prst="rect">
+            <a:avLst/>
+          </a:prstGeom>
+          <a:ln>
+            <a:noFill/>
+          </a:ln>
+        </p:spPr>
+        <p:style>
+          <a:lnRef idx="2">
+            <a:schemeClr val="accent1">
+              <a:shade val="50000"/>
+            </a:schemeClr>
+          </a:lnRef>
+          <a:fillRef idx="1">
+            <a:schemeClr val="accent1"/>
+          </a:fillRef>
+          <a:effectRef idx="0">
+            <a:schemeClr val="accent1"/>
+          </a:effectRef>
+          <a:fontRef idx="minor">
+            <a:schemeClr val="lt1"/>
+          </a:fontRef>
+        </p:style>
+        <p:txBody>
+          <a:bodyPr rtlCol="0" anchor="ctr"/>
+          <a:lstStyle/>
+          <a:p>
+            <a:pPr algn="ctr"/>
+            <a:endParaRPr lang="en-US"/>
+          </a:p>
+        </p:txBody>
+      </p:sp>
+      <p:grpSp>
+        <p:nvGrpSpPr>
+          <p:cNvPr id="10" name="Group 9">
+            <a:extLst>
+              <a:ext uri="{FF2B5EF4-FFF2-40B4-BE49-F238E27FC236}">
+                <a16:creationId xmlns:a16="http://schemas.microsoft.com/office/drawing/2014/main" id="{032D8612-31EB-44CF-A1D0-14FD4C705424}"/>
+              </a:ext>
+              <a:ext uri="{C183D7F6-B498-43B3-948B-1728B52AA6E4}">
+                <adec:decorative xmlns:adec="http://schemas.microsoft.com/office/drawing/2017/decorative" val="1"/>
+              </a:ext>
+            </a:extLst>
+          </p:cNvPr>
+          <p:cNvGrpSpPr>
+            <a:grpSpLocks noGrp="1" noUngrp="1" noRot="1" noChangeAspect="1" noMove="1" noResize="1"/>
+          </p:cNvGrpSpPr>
+          <p:nvPr>
+            <p:extLst>
+              <p:ext uri="{386F3935-93C4-4BCD-93E2-E3B085C9AB24}">
+                <p16:designElem xmlns:p16="http://schemas.microsoft.com/office/powerpoint/2015/main" val="1"/>
+              </p:ext>
+            </p:extLst>
+          </p:nvPr>
+        </p:nvGrpSpPr>
+        <p:grpSpPr>
+          <a:xfrm>
+            <a:off x="0" y="3163461"/>
+            <a:ext cx="731521" cy="673460"/>
+            <a:chOff x="3940602" y="308034"/>
+            <a:chExt cx="2116791" cy="3428999"/>
+          </a:xfrm>
+          <a:solidFill>
+            <a:schemeClr val="accent4"/>
+          </a:solidFill>
+        </p:grpSpPr>
+        <p:sp>
+          <p:nvSpPr>
+            <p:cNvPr id="11" name="Rectangle 10">
+              <a:extLst>
+                <a:ext uri="{FF2B5EF4-FFF2-40B4-BE49-F238E27FC236}">
+                  <a16:creationId xmlns:a16="http://schemas.microsoft.com/office/drawing/2014/main" id="{F19A4A0F-1B59-4DB0-9764-D10936E98770}"/>
+                </a:ext>
+                <a:ext uri="{C183D7F6-B498-43B3-948B-1728B52AA6E4}">
+                  <adec:decorative xmlns:adec="http://schemas.microsoft.com/office/drawing/2017/decorative" val="1"/>
+                </a:ext>
+              </a:extLst>
+            </p:cNvPr>
+            <p:cNvSpPr/>
+            <p:nvPr>
+              <p:extLst>
+                <p:ext uri="{386F3935-93C4-4BCD-93E2-E3B085C9AB24}">
+                  <p16:designElem xmlns:p16="http://schemas.microsoft.com/office/powerpoint/2015/main" val="1"/>
+                </p:ext>
+              </p:extLst>
+            </p:nvPr>
+          </p:nvSpPr>
+          <p:spPr>
+            <a:xfrm>
+              <a:off x="3940602" y="308034"/>
+              <a:ext cx="566743" cy="3428999"/>
+            </a:xfrm>
+            <a:prstGeom prst="rect">
+              <a:avLst/>
+            </a:prstGeom>
+            <a:grpFill/>
+            <a:ln>
+              <a:noFill/>
+            </a:ln>
+          </p:spPr>
+          <p:style>
+            <a:lnRef idx="2">
+              <a:schemeClr val="accent1">
+                <a:shade val="50000"/>
+              </a:schemeClr>
+            </a:lnRef>
+            <a:fillRef idx="1">
+              <a:schemeClr val="accent1"/>
+            </a:fillRef>
+            <a:effectRef idx="0">
+              <a:schemeClr val="accent1"/>
+            </a:effectRef>
+            <a:fontRef idx="minor">
+              <a:schemeClr val="lt1"/>
+            </a:fontRef>
+          </p:style>
+          <p:txBody>
+            <a:bodyPr rtlCol="0" anchor="ctr"/>
+            <a:lstStyle/>
+            <a:p>
+              <a:pPr algn="ctr"/>
+              <a:endParaRPr lang="en-US"/>
+            </a:p>
+          </p:txBody>
+        </p:sp>
+        <p:sp>
+          <p:nvSpPr>
+            <p:cNvPr id="12" name="Rectangle 11">
+              <a:extLst>
+                <a:ext uri="{FF2B5EF4-FFF2-40B4-BE49-F238E27FC236}">
+                  <a16:creationId xmlns:a16="http://schemas.microsoft.com/office/drawing/2014/main" id="{F399A70F-F8CD-4992-9EF5-6CF15472E73F}"/>
+                </a:ext>
+                <a:ext uri="{C183D7F6-B498-43B3-948B-1728B52AA6E4}">
+                  <adec:decorative xmlns:adec="http://schemas.microsoft.com/office/drawing/2017/decorative" val="1"/>
+                </a:ext>
+              </a:extLst>
+            </p:cNvPr>
+            <p:cNvSpPr/>
+            <p:nvPr>
+              <p:extLst>
+                <p:ext uri="{386F3935-93C4-4BCD-93E2-E3B085C9AB24}">
+                  <p16:designElem xmlns:p16="http://schemas.microsoft.com/office/powerpoint/2015/main" val="1"/>
+                </p:ext>
+              </p:extLst>
+            </p:nvPr>
+          </p:nvSpPr>
+          <p:spPr>
+            <a:xfrm>
+              <a:off x="4715626" y="308034"/>
+              <a:ext cx="566743" cy="3428999"/>
+            </a:xfrm>
+            <a:prstGeom prst="rect">
+              <a:avLst/>
+            </a:prstGeom>
+            <a:grpFill/>
+            <a:ln>
+              <a:noFill/>
+            </a:ln>
+          </p:spPr>
+          <p:style>
+            <a:lnRef idx="2">
+              <a:schemeClr val="accent1">
+                <a:shade val="50000"/>
+              </a:schemeClr>
+            </a:lnRef>
+            <a:fillRef idx="1">
+              <a:schemeClr val="accent1"/>
+            </a:fillRef>
+            <a:effectRef idx="0">
+              <a:schemeClr val="accent1"/>
+            </a:effectRef>
+            <a:fontRef idx="minor">
+              <a:schemeClr val="lt1"/>
+            </a:fontRef>
+          </p:style>
+          <p:txBody>
+            <a:bodyPr rtlCol="0" anchor="ctr"/>
+            <a:lstStyle/>
+            <a:p>
+              <a:pPr algn="ctr"/>
+              <a:endParaRPr lang="en-US"/>
+            </a:p>
+          </p:txBody>
+        </p:sp>
+        <p:sp>
+          <p:nvSpPr>
+            <p:cNvPr id="13" name="Rectangle 12">
+              <a:extLst>
+                <a:ext uri="{FF2B5EF4-FFF2-40B4-BE49-F238E27FC236}">
+                  <a16:creationId xmlns:a16="http://schemas.microsoft.com/office/drawing/2014/main" id="{48F4FEDC-6D80-458C-A665-075D9B9500FD}"/>
+                </a:ext>
+                <a:ext uri="{C183D7F6-B498-43B3-948B-1728B52AA6E4}">
+                  <adec:decorative xmlns:adec="http://schemas.microsoft.com/office/drawing/2017/decorative" val="1"/>
+                </a:ext>
+              </a:extLst>
+            </p:cNvPr>
+            <p:cNvSpPr/>
+            <p:nvPr>
+              <p:extLst>
+                <p:ext uri="{386F3935-93C4-4BCD-93E2-E3B085C9AB24}">
+                  <p16:designElem xmlns:p16="http://schemas.microsoft.com/office/powerpoint/2015/main" val="1"/>
+                </p:ext>
+              </p:extLst>
+            </p:nvPr>
+          </p:nvSpPr>
+          <p:spPr>
+            <a:xfrm>
+              <a:off x="5490650" y="308034"/>
+              <a:ext cx="566743" cy="3428999"/>
+            </a:xfrm>
+            <a:prstGeom prst="rect">
+              <a:avLst/>
+            </a:prstGeom>
+            <a:grpFill/>
+            <a:ln>
+              <a:noFill/>
+            </a:ln>
+          </p:spPr>
+          <p:style>
+            <a:lnRef idx="2">
+              <a:schemeClr val="accent1">
+                <a:shade val="50000"/>
+              </a:schemeClr>
+            </a:lnRef>
+            <a:fillRef idx="1">
+              <a:schemeClr val="accent1"/>
+            </a:fillRef>
+            <a:effectRef idx="0">
+              <a:schemeClr val="accent1"/>
+            </a:effectRef>
+            <a:fontRef idx="minor">
+              <a:schemeClr val="lt1"/>
+            </a:fontRef>
+          </p:style>
+          <p:txBody>
+            <a:bodyPr rtlCol="0" anchor="ctr"/>
+            <a:lstStyle/>
+            <a:p>
+              <a:pPr algn="ctr"/>
+              <a:endParaRPr lang="en-US"/>
+            </a:p>
+          </p:txBody>
+        </p:sp>
+      </p:grpSp>
+      <p:sp>
+        <p:nvSpPr>
+          <p:cNvPr id="15" name="Rectangle 14">
+            <a:extLst>
+              <a:ext uri="{FF2B5EF4-FFF2-40B4-BE49-F238E27FC236}">
+                <a16:creationId xmlns:a16="http://schemas.microsoft.com/office/drawing/2014/main" id="{3873B707-463F-40B0-8227-E8CC6C67EB25}"/>
+              </a:ext>
+              <a:ext uri="{C183D7F6-B498-43B3-948B-1728B52AA6E4}">
+                <adec:decorative xmlns:adec="http://schemas.microsoft.com/office/drawing/2017/decorative" val="1"/>
+              </a:ext>
+            </a:extLst>
+          </p:cNvPr>
+          <p:cNvSpPr>
+            <a:spLocks noGrp="1" noRot="1" noChangeAspect="1" noMove="1" noResize="1" noEditPoints="1" noAdjustHandles="1" noChangeArrowheads="1" noChangeShapeType="1" noTextEdit="1"/>
+          </p:cNvSpPr>
+          <p:nvPr>
+            <p:extLst>
+              <p:ext uri="{386F3935-93C4-4BCD-93E2-E3B085C9AB24}">
+                <p16:designElem xmlns:p16="http://schemas.microsoft.com/office/powerpoint/2015/main" val="1"/>
+              </p:ext>
+            </p:extLst>
+          </p:nvPr>
+        </p:nvSpPr>
+        <p:spPr>
+          <a:xfrm flipH="1">
+            <a:off x="10697670" y="0"/>
+            <a:ext cx="1494330" cy="6858000"/>
+          </a:xfrm>
+          <a:prstGeom prst="rect">
+            <a:avLst/>
+          </a:prstGeom>
+          <a:solidFill>
+            <a:schemeClr val="accent4"/>
+          </a:solidFill>
+          <a:ln>
+            <a:noFill/>
+          </a:ln>
+        </p:spPr>
+        <p:style>
+          <a:lnRef idx="2">
+            <a:schemeClr val="accent1">
+              <a:shade val="50000"/>
+            </a:schemeClr>
+          </a:lnRef>
+          <a:fillRef idx="1">
+            <a:schemeClr val="accent1"/>
+          </a:fillRef>
+          <a:effectRef idx="0">
+            <a:schemeClr val="accent1"/>
+          </a:effectRef>
+          <a:fontRef idx="minor">
+            <a:schemeClr val="lt1"/>
+          </a:fontRef>
+        </p:style>
+        <p:txBody>
+          <a:bodyPr rtlCol="0" anchor="ctr"/>
+          <a:lstStyle/>
+          <a:p>
+            <a:pPr algn="ctr"/>
+            <a:endParaRPr lang="en-US"/>
+          </a:p>
+        </p:txBody>
+      </p:sp>
+      <p:sp>
+        <p:nvSpPr>
+          <p:cNvPr id="17" name="Rectangle 16">
+            <a:extLst>
+              <a:ext uri="{FF2B5EF4-FFF2-40B4-BE49-F238E27FC236}">
+                <a16:creationId xmlns:a16="http://schemas.microsoft.com/office/drawing/2014/main" id="{19C9EAEA-39D0-4B0E-A0EB-51E7B26740B1}"/>
+              </a:ext>
+              <a:ext uri="{C183D7F6-B498-43B3-948B-1728B52AA6E4}">
+                <adec:decorative xmlns:adec="http://schemas.microsoft.com/office/drawing/2017/decorative" val="1"/>
+              </a:ext>
+            </a:extLst>
+          </p:cNvPr>
+          <p:cNvSpPr>
+            <a:spLocks noGrp="1" noRot="1" noChangeAspect="1" noMove="1" noResize="1" noEditPoints="1" noAdjustHandles="1" noChangeArrowheads="1" noChangeShapeType="1" noTextEdit="1"/>
+          </p:cNvSpPr>
+          <p:nvPr>
+            <p:extLst>
+              <p:ext uri="{386F3935-93C4-4BCD-93E2-E3B085C9AB24}">
+                <p16:designElem xmlns:p16="http://schemas.microsoft.com/office/powerpoint/2015/main" val="1"/>
+              </p:ext>
+            </p:extLst>
+          </p:nvPr>
+        </p:nvSpPr>
+        <p:spPr>
+          <a:xfrm>
+            <a:off x="5685810" y="982976"/>
+            <a:ext cx="6009366" cy="5120635"/>
+          </a:xfrm>
+          <a:prstGeom prst="rect">
+            <a:avLst/>
+          </a:prstGeom>
+          <a:solidFill>
+            <a:schemeClr val="bg1"/>
+          </a:solidFill>
+          <a:ln>
+            <a:noFill/>
+          </a:ln>
+          <a:effectLst>
+            <a:outerShdw blurRad="139700" dist="127000" dir="5400000" algn="t" rotWithShape="0">
+              <a:prstClr val="black">
+                <a:alpha val="15000"/>
+              </a:prstClr>
+            </a:outerShdw>
+          </a:effectLst>
+        </p:spPr>
+        <p:style>
+          <a:lnRef idx="2">
+            <a:schemeClr val="accent1">
+              <a:shade val="50000"/>
+            </a:schemeClr>
+          </a:lnRef>
+          <a:fillRef idx="1">
+            <a:schemeClr val="accent1"/>
+          </a:fillRef>
+          <a:effectRef idx="0">
+            <a:schemeClr val="accent1"/>
+          </a:effectRef>
+          <a:fontRef idx="minor">
+            <a:schemeClr val="lt1"/>
+          </a:fontRef>
+        </p:style>
+        <p:txBody>
+          <a:bodyPr rtlCol="0" anchor="ctr"/>
+          <a:lstStyle/>
+          <a:p>
+            <a:pPr algn="ctr"/>
+            <a:endParaRPr lang="en-US"/>
+          </a:p>
+        </p:txBody>
+      </p:sp>
+      <mc:AlternateContent xmlns:mc="http://schemas.openxmlformats.org/markup-compatibility/2006" xmlns:p14="http://schemas.microsoft.com/office/powerpoint/2010/main">
+        <mc:Choice Requires="p14">
+          <p:contentPart p14:bwMode="auto" r:id="rId2">
+            <p14:nvContentPartPr>
+              <p14:cNvPr id="3" name="Encre 2">
+                <a:extLst>
+                  <a:ext uri="{FF2B5EF4-FFF2-40B4-BE49-F238E27FC236}">
+                    <a16:creationId xmlns:a16="http://schemas.microsoft.com/office/drawing/2014/main" id="{79BEF462-F001-4BD5-9BF8-510F60B60BAA}"/>
+                  </a:ext>
+                </a:extLst>
+              </p14:cNvPr>
+              <p14:cNvContentPartPr/>
+              <p14:nvPr/>
+            </p14:nvContentPartPr>
+            <p14:xfrm>
+              <a:off x="3062467" y="4523772"/>
+              <a:ext cx="66675" cy="57149"/>
+            </p14:xfrm>
+          </p:contentPart>
+        </mc:Choice>
+        <mc:Fallback xmlns="">
+          <p:pic>
+            <p:nvPicPr>
+              <p:cNvPr id="3" name="Encre 2">
+                <a:extLst>
+                  <a:ext uri="{FF2B5EF4-FFF2-40B4-BE49-F238E27FC236}">
+                    <a16:creationId xmlns:a16="http://schemas.microsoft.com/office/drawing/2014/main" id="{79BEF462-F001-4BD5-9BF8-510F60B60BAA}"/>
+                  </a:ext>
+                </a:extLst>
+              </p:cNvPr>
+              <p:cNvPicPr/>
+              <p:nvPr/>
+            </p:nvPicPr>
+            <p:blipFill>
+              <a:blip r:embed="rId3"/>
+              <a:stretch>
+                <a:fillRect/>
+              </a:stretch>
+            </p:blipFill>
+            <p:spPr>
+              <a:xfrm>
+                <a:off x="3044828" y="4506133"/>
+                <a:ext cx="101600" cy="92073"/>
+              </a:xfrm>
+              <a:prstGeom prst="rect">
+                <a:avLst/>
+              </a:prstGeom>
+            </p:spPr>
+          </p:pic>
+        </mc:Fallback>
+      </mc:AlternateContent>
+      <p:sp>
+        <p:nvSpPr>
+          <p:cNvPr id="2" name="ZoneTexte 1">
+            <a:extLst>
+              <a:ext uri="{FF2B5EF4-FFF2-40B4-BE49-F238E27FC236}">
+                <a16:creationId xmlns:a16="http://schemas.microsoft.com/office/drawing/2014/main" id="{BDAF8467-A43C-4F2C-A9EC-7634A641574F}"/>
+              </a:ext>
+            </a:extLst>
+          </p:cNvPr>
+          <p:cNvSpPr txBox="1"/>
+          <p:nvPr/>
+        </p:nvSpPr>
+        <p:spPr>
+          <a:xfrm>
+            <a:off x="842211" y="982976"/>
+            <a:ext cx="10226842" cy="2031325"/>
+          </a:xfrm>
+          <a:prstGeom prst="rect">
+            <a:avLst/>
+          </a:prstGeom>
+          <a:noFill/>
+        </p:spPr>
+        <p:txBody>
+          <a:bodyPr wrap="square" rtlCol="0">
+            <a:spAutoFit/>
+          </a:bodyPr>
+          <a:lstStyle/>
+          <a:p>
+            <a:r>
+              <a:rPr lang="fr-FR"/>
+              <a:t>Main </a:t>
+            </a:r>
+          </a:p>
+          <a:p>
+            <a:r>
+              <a:rPr lang="fr-FR"/>
+              <a:t>Appel la fonction display </a:t>
+            </a:r>
+          </a:p>
+          <a:p>
+            <a:r>
+              <a:rPr lang="fr-FR"/>
+              <a:t>L'affichage du labyrinthe</a:t>
+            </a:r>
+          </a:p>
+          <a:p>
+            <a:r>
+              <a:rPr lang="fr-FR"/>
+              <a:t>Qui vas s’occupée de l’affichage des personnage et objet a l’écran</a:t>
+            </a:r>
+          </a:p>
+          <a:p>
+            <a:r>
+              <a:rPr lang="fr-FR"/>
+              <a:t>Il y a un boucle qui verifi si c’est un ‘#’  donc il affiche l’image </a:t>
+            </a:r>
+            <a:r>
+              <a:rPr lang="fr-FR" err="1"/>
+              <a:t>wall</a:t>
+            </a:r>
+            <a:endParaRPr lang="fr-FR"/>
+          </a:p>
+          <a:p>
+            <a:r>
+              <a:rPr lang="fr-FR"/>
+              <a:t>Si c’est  ‘ ‘  donc il affiche  l’image de fond</a:t>
+            </a:r>
+          </a:p>
+          <a:p>
+            <a:r>
+              <a:rPr lang="fr-FR"/>
+              <a:t>Si c’est un ‘m’ il affiche l’image de mac </a:t>
+            </a:r>
+            <a:r>
+              <a:rPr lang="fr-FR" err="1"/>
+              <a:t>giver</a:t>
+            </a:r>
+            <a:endParaRPr lang="fr-FR"/>
+          </a:p>
+        </p:txBody>
+      </p:sp>
+      <p:sp>
+        <p:nvSpPr>
+          <p:cNvPr id="4" name="ZoneTexte 3">
+            <a:extLst>
+              <a:ext uri="{FF2B5EF4-FFF2-40B4-BE49-F238E27FC236}">
+                <a16:creationId xmlns:a16="http://schemas.microsoft.com/office/drawing/2014/main" id="{959588E3-D4F6-4DBD-990F-AD659EE14945}"/>
+              </a:ext>
+            </a:extLst>
+          </p:cNvPr>
+          <p:cNvSpPr txBox="1"/>
+          <p:nvPr/>
+        </p:nvSpPr>
+        <p:spPr>
+          <a:xfrm>
+            <a:off x="908886" y="3320716"/>
+            <a:ext cx="9614735" cy="1200329"/>
+          </a:xfrm>
+          <a:prstGeom prst="rect">
+            <a:avLst/>
+          </a:prstGeom>
+          <a:noFill/>
+        </p:spPr>
+        <p:txBody>
+          <a:bodyPr wrap="square" rtlCol="0">
+            <a:spAutoFit/>
+          </a:bodyPr>
+          <a:lstStyle/>
+          <a:p>
+            <a:r>
+              <a:rPr lang="fr-FR"/>
+              <a:t>Si c’est  un ‘g’ il affiche  l’image du gardien</a:t>
+            </a:r>
+          </a:p>
+          <a:p>
+            <a:r>
+              <a:rPr lang="fr-FR"/>
+              <a:t>Si c’est  un  ‘a’ il affiche l’image de l’aiguille</a:t>
+            </a:r>
+          </a:p>
+          <a:p>
+            <a:r>
+              <a:rPr lang="fr-FR"/>
+              <a:t>Si  c’est  un  ‘b’ il affiche l’image de  la seringue</a:t>
+            </a:r>
+          </a:p>
+          <a:p>
+            <a:r>
+              <a:rPr lang="fr-FR"/>
+              <a:t>Si c’est un ‘c’  il affiche  l’image de la bouteille d’ether</a:t>
+            </a:r>
+          </a:p>
+        </p:txBody>
+      </p:sp>
+    </p:spTree>
+    <p:extLst>
+      <p:ext uri="{BB962C8B-B14F-4D97-AF65-F5344CB8AC3E}">
+        <p14:creationId xmlns:p14="http://schemas.microsoft.com/office/powerpoint/2010/main" val="250498672"/>
+      </p:ext>
+    </p:extLst>
+  </p:cSld>
+  <p:clrMapOvr>
+    <a:masterClrMapping/>
+  </p:clrMapOvr>
+</p:sld>
+</file>
+
+<file path=ppt/slides/slide18.xml><?xml version="1.0" encoding="utf-8"?>
+<p:sld xmlns:a="http://schemas.openxmlformats.org/drawingml/2006/main" xmlns:r="http://schemas.openxmlformats.org/officeDocument/2006/relationships" xmlns:p="http://schemas.openxmlformats.org/presentationml/2006/main">
+  <p:cSld>
+    <p:bg>
+      <p:bgPr>
+        <a:solidFill>
+          <a:schemeClr val="bg1"/>
+        </a:solidFill>
+        <a:effectLst/>
+      </p:bgPr>
+    </p:bg>
+    <p:spTree>
+      <p:nvGrpSpPr>
+        <p:cNvPr id="1" name=""/>
+        <p:cNvGrpSpPr/>
+        <p:nvPr/>
+      </p:nvGrpSpPr>
+      <p:grpSpPr>
+        <a:xfrm>
+          <a:off x="0" y="0"/>
+          <a:ext cx="0" cy="0"/>
+          <a:chOff x="0" y="0"/>
+          <a:chExt cx="0" cy="0"/>
+        </a:xfrm>
+      </p:grpSpPr>
+      <p:sp useBgFill="1">
+        <p:nvSpPr>
+          <p:cNvPr id="8" name="Rectangle 7">
+            <a:extLst>
+              <a:ext uri="{FF2B5EF4-FFF2-40B4-BE49-F238E27FC236}">
+                <a16:creationId xmlns:a16="http://schemas.microsoft.com/office/drawing/2014/main" id="{7515D20E-1AB7-4E74-9236-2B72B63D60B6}"/>
+              </a:ext>
+              <a:ext uri="{C183D7F6-B498-43B3-948B-1728B52AA6E4}">
+                <adec:decorative xmlns:adec="http://schemas.microsoft.com/office/drawing/2017/decorative" val="1"/>
+              </a:ext>
+            </a:extLst>
+          </p:cNvPr>
+          <p:cNvSpPr>
+            <a:spLocks noGrp="1" noRot="1" noChangeAspect="1" noMove="1" noResize="1" noEditPoints="1" noAdjustHandles="1" noChangeArrowheads="1" noChangeShapeType="1" noTextEdit="1"/>
+          </p:cNvSpPr>
+          <p:nvPr>
+            <p:extLst>
+              <p:ext uri="{386F3935-93C4-4BCD-93E2-E3B085C9AB24}">
+                <p16:designElem xmlns:p16="http://schemas.microsoft.com/office/powerpoint/2015/main" val="1"/>
+              </p:ext>
+            </p:extLst>
+          </p:nvPr>
+        </p:nvSpPr>
+        <p:spPr>
+          <a:xfrm>
+            <a:off x="0" y="0"/>
+            <a:ext cx="12191999" cy="6857365"/>
+          </a:xfrm>
+          <a:prstGeom prst="rect">
+            <a:avLst/>
+          </a:prstGeom>
+          <a:ln>
+            <a:noFill/>
+          </a:ln>
+        </p:spPr>
+        <p:style>
+          <a:lnRef idx="2">
+            <a:schemeClr val="accent1">
+              <a:shade val="50000"/>
+            </a:schemeClr>
+          </a:lnRef>
+          <a:fillRef idx="1">
+            <a:schemeClr val="accent1"/>
+          </a:fillRef>
+          <a:effectRef idx="0">
+            <a:schemeClr val="accent1"/>
+          </a:effectRef>
+          <a:fontRef idx="minor">
+            <a:schemeClr val="lt1"/>
+          </a:fontRef>
+        </p:style>
+        <p:txBody>
+          <a:bodyPr rtlCol="0" anchor="ctr"/>
+          <a:lstStyle/>
+          <a:p>
+            <a:pPr algn="ctr"/>
+            <a:endParaRPr lang="en-US"/>
+          </a:p>
+        </p:txBody>
+      </p:sp>
+      <p:grpSp>
+        <p:nvGrpSpPr>
+          <p:cNvPr id="10" name="Group 9">
+            <a:extLst>
+              <a:ext uri="{FF2B5EF4-FFF2-40B4-BE49-F238E27FC236}">
+                <a16:creationId xmlns:a16="http://schemas.microsoft.com/office/drawing/2014/main" id="{032D8612-31EB-44CF-A1D0-14FD4C705424}"/>
+              </a:ext>
+              <a:ext uri="{C183D7F6-B498-43B3-948B-1728B52AA6E4}">
+                <adec:decorative xmlns:adec="http://schemas.microsoft.com/office/drawing/2017/decorative" val="1"/>
+              </a:ext>
+            </a:extLst>
+          </p:cNvPr>
+          <p:cNvGrpSpPr>
+            <a:grpSpLocks noGrp="1" noUngrp="1" noRot="1" noChangeAspect="1" noMove="1" noResize="1"/>
+          </p:cNvGrpSpPr>
+          <p:nvPr>
+            <p:extLst>
+              <p:ext uri="{386F3935-93C4-4BCD-93E2-E3B085C9AB24}">
+                <p16:designElem xmlns:p16="http://schemas.microsoft.com/office/powerpoint/2015/main" val="1"/>
+              </p:ext>
+            </p:extLst>
+          </p:nvPr>
+        </p:nvGrpSpPr>
+        <p:grpSpPr>
+          <a:xfrm>
+            <a:off x="0" y="3163461"/>
+            <a:ext cx="731521" cy="673460"/>
+            <a:chOff x="3940602" y="308034"/>
+            <a:chExt cx="2116791" cy="3428999"/>
+          </a:xfrm>
+          <a:solidFill>
+            <a:schemeClr val="accent4"/>
+          </a:solidFill>
+        </p:grpSpPr>
+        <p:sp>
+          <p:nvSpPr>
+            <p:cNvPr id="11" name="Rectangle 10">
+              <a:extLst>
+                <a:ext uri="{FF2B5EF4-FFF2-40B4-BE49-F238E27FC236}">
+                  <a16:creationId xmlns:a16="http://schemas.microsoft.com/office/drawing/2014/main" id="{F19A4A0F-1B59-4DB0-9764-D10936E98770}"/>
+                </a:ext>
+                <a:ext uri="{C183D7F6-B498-43B3-948B-1728B52AA6E4}">
+                  <adec:decorative xmlns:adec="http://schemas.microsoft.com/office/drawing/2017/decorative" val="1"/>
+                </a:ext>
+              </a:extLst>
+            </p:cNvPr>
+            <p:cNvSpPr/>
+            <p:nvPr>
+              <p:extLst>
+                <p:ext uri="{386F3935-93C4-4BCD-93E2-E3B085C9AB24}">
+                  <p16:designElem xmlns:p16="http://schemas.microsoft.com/office/powerpoint/2015/main" val="1"/>
+                </p:ext>
+              </p:extLst>
+            </p:nvPr>
+          </p:nvSpPr>
+          <p:spPr>
+            <a:xfrm>
+              <a:off x="3940602" y="308034"/>
+              <a:ext cx="566743" cy="3428999"/>
+            </a:xfrm>
+            <a:prstGeom prst="rect">
+              <a:avLst/>
+            </a:prstGeom>
+            <a:grpFill/>
+            <a:ln>
+              <a:noFill/>
+            </a:ln>
+          </p:spPr>
+          <p:style>
+            <a:lnRef idx="2">
+              <a:schemeClr val="accent1">
+                <a:shade val="50000"/>
+              </a:schemeClr>
+            </a:lnRef>
+            <a:fillRef idx="1">
+              <a:schemeClr val="accent1"/>
+            </a:fillRef>
+            <a:effectRef idx="0">
+              <a:schemeClr val="accent1"/>
+            </a:effectRef>
+            <a:fontRef idx="minor">
+              <a:schemeClr val="lt1"/>
+            </a:fontRef>
+          </p:style>
+          <p:txBody>
+            <a:bodyPr rtlCol="0" anchor="ctr"/>
+            <a:lstStyle/>
+            <a:p>
+              <a:pPr algn="ctr"/>
+              <a:endParaRPr lang="en-US"/>
+            </a:p>
+          </p:txBody>
+        </p:sp>
+        <p:sp>
+          <p:nvSpPr>
+            <p:cNvPr id="12" name="Rectangle 11">
+              <a:extLst>
+                <a:ext uri="{FF2B5EF4-FFF2-40B4-BE49-F238E27FC236}">
+                  <a16:creationId xmlns:a16="http://schemas.microsoft.com/office/drawing/2014/main" id="{F399A70F-F8CD-4992-9EF5-6CF15472E73F}"/>
+                </a:ext>
+                <a:ext uri="{C183D7F6-B498-43B3-948B-1728B52AA6E4}">
+                  <adec:decorative xmlns:adec="http://schemas.microsoft.com/office/drawing/2017/decorative" val="1"/>
+                </a:ext>
+              </a:extLst>
+            </p:cNvPr>
+            <p:cNvSpPr/>
+            <p:nvPr>
+              <p:extLst>
+                <p:ext uri="{386F3935-93C4-4BCD-93E2-E3B085C9AB24}">
+                  <p16:designElem xmlns:p16="http://schemas.microsoft.com/office/powerpoint/2015/main" val="1"/>
+                </p:ext>
+              </p:extLst>
+            </p:nvPr>
+          </p:nvSpPr>
+          <p:spPr>
+            <a:xfrm>
+              <a:off x="4715626" y="308034"/>
+              <a:ext cx="566743" cy="3428999"/>
+            </a:xfrm>
+            <a:prstGeom prst="rect">
+              <a:avLst/>
+            </a:prstGeom>
+            <a:grpFill/>
+            <a:ln>
+              <a:noFill/>
+            </a:ln>
+          </p:spPr>
+          <p:style>
+            <a:lnRef idx="2">
+              <a:schemeClr val="accent1">
+                <a:shade val="50000"/>
+              </a:schemeClr>
+            </a:lnRef>
+            <a:fillRef idx="1">
+              <a:schemeClr val="accent1"/>
+            </a:fillRef>
+            <a:effectRef idx="0">
+              <a:schemeClr val="accent1"/>
+            </a:effectRef>
+            <a:fontRef idx="minor">
+              <a:schemeClr val="lt1"/>
+            </a:fontRef>
+          </p:style>
+          <p:txBody>
+            <a:bodyPr rtlCol="0" anchor="ctr"/>
+            <a:lstStyle/>
+            <a:p>
+              <a:pPr algn="ctr"/>
+              <a:endParaRPr lang="en-US"/>
+            </a:p>
+          </p:txBody>
+        </p:sp>
+        <p:sp>
+          <p:nvSpPr>
+            <p:cNvPr id="13" name="Rectangle 12">
+              <a:extLst>
+                <a:ext uri="{FF2B5EF4-FFF2-40B4-BE49-F238E27FC236}">
+                  <a16:creationId xmlns:a16="http://schemas.microsoft.com/office/drawing/2014/main" id="{48F4FEDC-6D80-458C-A665-075D9B9500FD}"/>
+                </a:ext>
+                <a:ext uri="{C183D7F6-B498-43B3-948B-1728B52AA6E4}">
+                  <adec:decorative xmlns:adec="http://schemas.microsoft.com/office/drawing/2017/decorative" val="1"/>
+                </a:ext>
+              </a:extLst>
+            </p:cNvPr>
+            <p:cNvSpPr/>
+            <p:nvPr>
+              <p:extLst>
+                <p:ext uri="{386F3935-93C4-4BCD-93E2-E3B085C9AB24}">
+                  <p16:designElem xmlns:p16="http://schemas.microsoft.com/office/powerpoint/2015/main" val="1"/>
+                </p:ext>
+              </p:extLst>
+            </p:nvPr>
+          </p:nvSpPr>
+          <p:spPr>
+            <a:xfrm>
+              <a:off x="5490650" y="308034"/>
+              <a:ext cx="566743" cy="3428999"/>
+            </a:xfrm>
+            <a:prstGeom prst="rect">
+              <a:avLst/>
+            </a:prstGeom>
+            <a:grpFill/>
+            <a:ln>
+              <a:noFill/>
+            </a:ln>
+          </p:spPr>
+          <p:style>
+            <a:lnRef idx="2">
+              <a:schemeClr val="accent1">
+                <a:shade val="50000"/>
+              </a:schemeClr>
+            </a:lnRef>
+            <a:fillRef idx="1">
+              <a:schemeClr val="accent1"/>
+            </a:fillRef>
+            <a:effectRef idx="0">
+              <a:schemeClr val="accent1"/>
+            </a:effectRef>
+            <a:fontRef idx="minor">
+              <a:schemeClr val="lt1"/>
+            </a:fontRef>
+          </p:style>
+          <p:txBody>
+            <a:bodyPr rtlCol="0" anchor="ctr"/>
+            <a:lstStyle/>
+            <a:p>
+              <a:pPr algn="ctr"/>
+              <a:endParaRPr lang="en-US"/>
+            </a:p>
+          </p:txBody>
+        </p:sp>
+      </p:grpSp>
+      <p:sp>
+        <p:nvSpPr>
+          <p:cNvPr id="15" name="Rectangle 14">
+            <a:extLst>
+              <a:ext uri="{FF2B5EF4-FFF2-40B4-BE49-F238E27FC236}">
+                <a16:creationId xmlns:a16="http://schemas.microsoft.com/office/drawing/2014/main" id="{3873B707-463F-40B0-8227-E8CC6C67EB25}"/>
+              </a:ext>
+              <a:ext uri="{C183D7F6-B498-43B3-948B-1728B52AA6E4}">
+                <adec:decorative xmlns:adec="http://schemas.microsoft.com/office/drawing/2017/decorative" val="1"/>
+              </a:ext>
+            </a:extLst>
+          </p:cNvPr>
+          <p:cNvSpPr>
+            <a:spLocks noGrp="1" noRot="1" noChangeAspect="1" noMove="1" noResize="1" noEditPoints="1" noAdjustHandles="1" noChangeArrowheads="1" noChangeShapeType="1" noTextEdit="1"/>
+          </p:cNvSpPr>
+          <p:nvPr>
+            <p:extLst>
+              <p:ext uri="{386F3935-93C4-4BCD-93E2-E3B085C9AB24}">
+                <p16:designElem xmlns:p16="http://schemas.microsoft.com/office/powerpoint/2015/main" val="1"/>
+              </p:ext>
+            </p:extLst>
+          </p:nvPr>
+        </p:nvSpPr>
+        <p:spPr>
+          <a:xfrm flipH="1">
+            <a:off x="10697670" y="0"/>
+            <a:ext cx="1494330" cy="6858000"/>
+          </a:xfrm>
+          <a:prstGeom prst="rect">
+            <a:avLst/>
+          </a:prstGeom>
+          <a:solidFill>
+            <a:schemeClr val="accent4"/>
+          </a:solidFill>
+          <a:ln>
+            <a:noFill/>
+          </a:ln>
+        </p:spPr>
+        <p:style>
+          <a:lnRef idx="2">
+            <a:schemeClr val="accent1">
+              <a:shade val="50000"/>
+            </a:schemeClr>
+          </a:lnRef>
+          <a:fillRef idx="1">
+            <a:schemeClr val="accent1"/>
+          </a:fillRef>
+          <a:effectRef idx="0">
+            <a:schemeClr val="accent1"/>
+          </a:effectRef>
+          <a:fontRef idx="minor">
+            <a:schemeClr val="lt1"/>
+          </a:fontRef>
+        </p:style>
+        <p:txBody>
+          <a:bodyPr rtlCol="0" anchor="ctr"/>
+          <a:lstStyle/>
+          <a:p>
+            <a:pPr algn="ctr"/>
+            <a:endParaRPr lang="en-US"/>
+          </a:p>
+        </p:txBody>
+      </p:sp>
+      <p:sp>
+        <p:nvSpPr>
+          <p:cNvPr id="17" name="Rectangle 16">
+            <a:extLst>
+              <a:ext uri="{FF2B5EF4-FFF2-40B4-BE49-F238E27FC236}">
+                <a16:creationId xmlns:a16="http://schemas.microsoft.com/office/drawing/2014/main" id="{19C9EAEA-39D0-4B0E-A0EB-51E7B26740B1}"/>
+              </a:ext>
+              <a:ext uri="{C183D7F6-B498-43B3-948B-1728B52AA6E4}">
+                <adec:decorative xmlns:adec="http://schemas.microsoft.com/office/drawing/2017/decorative" val="1"/>
+              </a:ext>
+            </a:extLst>
+          </p:cNvPr>
+          <p:cNvSpPr>
+            <a:spLocks noGrp="1" noRot="1" noChangeAspect="1" noMove="1" noResize="1" noEditPoints="1" noAdjustHandles="1" noChangeArrowheads="1" noChangeShapeType="1" noTextEdit="1"/>
+          </p:cNvSpPr>
+          <p:nvPr>
+            <p:extLst>
+              <p:ext uri="{386F3935-93C4-4BCD-93E2-E3B085C9AB24}">
+                <p16:designElem xmlns:p16="http://schemas.microsoft.com/office/powerpoint/2015/main" val="1"/>
+              </p:ext>
+            </p:extLst>
+          </p:nvPr>
+        </p:nvSpPr>
+        <p:spPr>
+          <a:xfrm>
+            <a:off x="5685810" y="982976"/>
+            <a:ext cx="6009366" cy="5120635"/>
+          </a:xfrm>
+          <a:prstGeom prst="rect">
+            <a:avLst/>
+          </a:prstGeom>
+          <a:solidFill>
+            <a:schemeClr val="bg1"/>
+          </a:solidFill>
+          <a:ln>
+            <a:noFill/>
+          </a:ln>
+          <a:effectLst>
+            <a:outerShdw blurRad="139700" dist="127000" dir="5400000" algn="t" rotWithShape="0">
+              <a:prstClr val="black">
+                <a:alpha val="15000"/>
+              </a:prstClr>
+            </a:outerShdw>
+          </a:effectLst>
+        </p:spPr>
+        <p:style>
+          <a:lnRef idx="2">
+            <a:schemeClr val="accent1">
+              <a:shade val="50000"/>
+            </a:schemeClr>
+          </a:lnRef>
+          <a:fillRef idx="1">
+            <a:schemeClr val="accent1"/>
+          </a:fillRef>
+          <a:effectRef idx="0">
+            <a:schemeClr val="accent1"/>
+          </a:effectRef>
+          <a:fontRef idx="minor">
+            <a:schemeClr val="lt1"/>
+          </a:fontRef>
+        </p:style>
+        <p:txBody>
+          <a:bodyPr rtlCol="0" anchor="ctr"/>
+          <a:lstStyle/>
+          <a:p>
+            <a:pPr algn="ctr"/>
+            <a:endParaRPr lang="en-US"/>
+          </a:p>
+        </p:txBody>
+      </p:sp>
+      <mc:AlternateContent xmlns:mc="http://schemas.openxmlformats.org/markup-compatibility/2006" xmlns:p14="http://schemas.microsoft.com/office/powerpoint/2010/main">
+        <mc:Choice Requires="p14">
+          <p:contentPart p14:bwMode="auto" r:id="rId2">
+            <p14:nvContentPartPr>
+              <p14:cNvPr id="3" name="Encre 2">
+                <a:extLst>
+                  <a:ext uri="{FF2B5EF4-FFF2-40B4-BE49-F238E27FC236}">
+                    <a16:creationId xmlns:a16="http://schemas.microsoft.com/office/drawing/2014/main" id="{79BEF462-F001-4BD5-9BF8-510F60B60BAA}"/>
+                  </a:ext>
+                </a:extLst>
+              </p14:cNvPr>
+              <p14:cNvContentPartPr/>
+              <p14:nvPr/>
+            </p14:nvContentPartPr>
+            <p14:xfrm>
+              <a:off x="3062467" y="4523772"/>
+              <a:ext cx="66675" cy="57149"/>
+            </p14:xfrm>
+          </p:contentPart>
+        </mc:Choice>
+        <mc:Fallback xmlns="">
+          <p:pic>
+            <p:nvPicPr>
+              <p:cNvPr id="3" name="Encre 2">
+                <a:extLst>
+                  <a:ext uri="{FF2B5EF4-FFF2-40B4-BE49-F238E27FC236}">
+                    <a16:creationId xmlns:a16="http://schemas.microsoft.com/office/drawing/2014/main" id="{79BEF462-F001-4BD5-9BF8-510F60B60BAA}"/>
+                  </a:ext>
+                </a:extLst>
+              </p:cNvPr>
+              <p:cNvPicPr/>
+              <p:nvPr/>
+            </p:nvPicPr>
+            <p:blipFill>
+              <a:blip r:embed="rId3"/>
+              <a:stretch>
+                <a:fillRect/>
+              </a:stretch>
+            </p:blipFill>
+            <p:spPr>
+              <a:xfrm>
+                <a:off x="3044828" y="4506133"/>
+                <a:ext cx="101600" cy="92073"/>
+              </a:xfrm>
+              <a:prstGeom prst="rect">
+                <a:avLst/>
+              </a:prstGeom>
+            </p:spPr>
+          </p:pic>
+        </mc:Fallback>
+      </mc:AlternateContent>
+      <p:sp>
+        <p:nvSpPr>
           <p:cNvPr id="2" name="ZoneTexte 1">
             <a:extLst>
               <a:ext uri="{FF2B5EF4-FFF2-40B4-BE49-F238E27FC236}">
@@ -7909,100 +10599,100 @@
           <a:lstStyle/>
           <a:p>
             <a:r>
-              <a:rPr lang="fr-FR" dirty="0"/>
+              <a:rPr lang="fr-FR"/>
               <a:t>je rentre dans la boucle du jeu </a:t>
             </a:r>
           </a:p>
           <a:p>
             <a:r>
-              <a:rPr lang="fr-FR" dirty="0"/>
+              <a:rPr lang="fr-FR"/>
               <a:t>Si c’est un élément de type QUIT je quitte le jeu</a:t>
             </a:r>
           </a:p>
           <a:p>
             <a:r>
-              <a:rPr lang="fr-FR" dirty="0"/>
+              <a:rPr lang="fr-FR"/>
               <a:t>Sinon je verifi si correspondance au touche directionnel</a:t>
             </a:r>
           </a:p>
           <a:p>
             <a:r>
-              <a:rPr lang="fr-FR" dirty="0"/>
+              <a:rPr lang="fr-FR"/>
               <a:t>Regarde la fonction </a:t>
             </a:r>
             <a:r>
-              <a:rPr lang="fr-FR" dirty="0" err="1"/>
+              <a:rPr lang="fr-FR" err="1"/>
               <a:t>check_move</a:t>
             </a:r>
             <a:r>
-              <a:rPr lang="fr-FR" dirty="0"/>
+              <a:rPr lang="fr-FR"/>
               <a:t> si le personnage a bouger et si il ne percute pas un mur</a:t>
             </a:r>
           </a:p>
           <a:p>
             <a:r>
-              <a:rPr lang="fr-FR" dirty="0"/>
+              <a:rPr lang="fr-FR"/>
               <a:t>Verifi avec </a:t>
             </a:r>
             <a:r>
-              <a:rPr lang="fr-FR" dirty="0" err="1"/>
+              <a:rPr lang="fr-FR" err="1"/>
               <a:t>collect_item</a:t>
             </a:r>
             <a:r>
-              <a:rPr lang="fr-FR" dirty="0"/>
+              <a:rPr lang="fr-FR"/>
               <a:t>  la collision avec les </a:t>
             </a:r>
             <a:r>
-              <a:rPr lang="fr-FR" dirty="0" err="1"/>
+              <a:rPr lang="fr-FR" err="1"/>
               <a:t>object</a:t>
             </a:r>
             <a:r>
-              <a:rPr lang="fr-FR" dirty="0"/>
+              <a:rPr lang="fr-FR"/>
               <a:t> et le gardien  pour donner des points</a:t>
             </a:r>
           </a:p>
           <a:p>
             <a:r>
-              <a:rPr lang="fr-FR" dirty="0"/>
+              <a:rPr lang="fr-FR"/>
               <a:t>Et gère la fin du jeu</a:t>
             </a:r>
           </a:p>
           <a:p>
             <a:r>
-              <a:rPr lang="fr-FR" dirty="0" err="1"/>
+              <a:rPr lang="fr-FR" err="1"/>
               <a:t>Lab.update</a:t>
             </a:r>
             <a:r>
-              <a:rPr lang="fr-FR" dirty="0"/>
+              <a:rPr lang="fr-FR"/>
               <a:t>  met ajour la position de ‘m’</a:t>
             </a:r>
           </a:p>
           <a:p>
             <a:r>
-              <a:rPr lang="fr-FR" dirty="0"/>
+              <a:rPr lang="fr-FR"/>
               <a:t>Le fait bouger d’une case vers la position souhaité</a:t>
             </a:r>
           </a:p>
           <a:p>
             <a:r>
-              <a:rPr lang="fr-FR" dirty="0"/>
+              <a:rPr lang="fr-FR"/>
               <a:t>Et après je rafraichit l’affichage du labyrinthe  avec les nouvelles informations(position de ‘m’ , </a:t>
             </a:r>
             <a:r>
-              <a:rPr lang="fr-FR" dirty="0" err="1"/>
+              <a:rPr lang="fr-FR" err="1"/>
               <a:t>object</a:t>
             </a:r>
             <a:r>
-              <a:rPr lang="fr-FR" dirty="0"/>
+              <a:rPr lang="fr-FR"/>
               <a:t> pris ,gardien prit )</a:t>
             </a:r>
           </a:p>
           <a:p>
             <a:br>
-              <a:rPr lang="fr-FR" dirty="0"/>
+              <a:rPr lang="fr-FR"/>
             </a:br>
             <a:r>
-              <a:rPr lang="fr-FR" dirty="0"/>
+              <a:rPr lang="fr-FR"/>
               <a:t> </a:t>
             </a:r>
           </a:p>
@@ -8012,6 +10702,625 @@
     <p:extLst>
       <p:ext uri="{BB962C8B-B14F-4D97-AF65-F5344CB8AC3E}">
         <p14:creationId xmlns:p14="http://schemas.microsoft.com/office/powerpoint/2010/main" val="4179780907"/>
+      </p:ext>
+    </p:extLst>
+  </p:cSld>
+  <p:clrMapOvr>
+    <a:masterClrMapping/>
+  </p:clrMapOvr>
+</p:sld>
+</file>
+
+<file path=ppt/slides/slide19.xml><?xml version="1.0" encoding="utf-8"?>
+<p:sld xmlns:a="http://schemas.openxmlformats.org/drawingml/2006/main" xmlns:r="http://schemas.openxmlformats.org/officeDocument/2006/relationships" xmlns:p="http://schemas.openxmlformats.org/presentationml/2006/main">
+  <p:cSld>
+    <p:bg>
+      <p:bgPr>
+        <a:solidFill>
+          <a:schemeClr val="bg1"/>
+        </a:solidFill>
+        <a:effectLst/>
+      </p:bgPr>
+    </p:bg>
+    <p:spTree>
+      <p:nvGrpSpPr>
+        <p:cNvPr id="1" name=""/>
+        <p:cNvGrpSpPr/>
+        <p:nvPr/>
+      </p:nvGrpSpPr>
+      <p:grpSpPr>
+        <a:xfrm>
+          <a:off x="0" y="0"/>
+          <a:ext cx="0" cy="0"/>
+          <a:chOff x="0" y="0"/>
+          <a:chExt cx="0" cy="0"/>
+        </a:xfrm>
+      </p:grpSpPr>
+      <p:sp useBgFill="1">
+        <p:nvSpPr>
+          <p:cNvPr id="8" name="Rectangle 7">
+            <a:extLst>
+              <a:ext uri="{FF2B5EF4-FFF2-40B4-BE49-F238E27FC236}">
+                <a16:creationId xmlns:a16="http://schemas.microsoft.com/office/drawing/2014/main" id="{7515D20E-1AB7-4E74-9236-2B72B63D60B6}"/>
+              </a:ext>
+              <a:ext uri="{C183D7F6-B498-43B3-948B-1728B52AA6E4}">
+                <adec:decorative xmlns:adec="http://schemas.microsoft.com/office/drawing/2017/decorative" val="1"/>
+              </a:ext>
+            </a:extLst>
+          </p:cNvPr>
+          <p:cNvSpPr>
+            <a:spLocks noGrp="1" noRot="1" noChangeAspect="1" noMove="1" noResize="1" noEditPoints="1" noAdjustHandles="1" noChangeArrowheads="1" noChangeShapeType="1" noTextEdit="1"/>
+          </p:cNvSpPr>
+          <p:nvPr>
+            <p:extLst>
+              <p:ext uri="{386F3935-93C4-4BCD-93E2-E3B085C9AB24}">
+                <p16:designElem xmlns:p16="http://schemas.microsoft.com/office/powerpoint/2015/main" val="1"/>
+              </p:ext>
+            </p:extLst>
+          </p:nvPr>
+        </p:nvSpPr>
+        <p:spPr>
+          <a:xfrm>
+            <a:off x="0" y="0"/>
+            <a:ext cx="12191999" cy="6857365"/>
+          </a:xfrm>
+          <a:prstGeom prst="rect">
+            <a:avLst/>
+          </a:prstGeom>
+          <a:ln>
+            <a:noFill/>
+          </a:ln>
+        </p:spPr>
+        <p:style>
+          <a:lnRef idx="2">
+            <a:schemeClr val="accent1">
+              <a:shade val="50000"/>
+            </a:schemeClr>
+          </a:lnRef>
+          <a:fillRef idx="1">
+            <a:schemeClr val="accent1"/>
+          </a:fillRef>
+          <a:effectRef idx="0">
+            <a:schemeClr val="accent1"/>
+          </a:effectRef>
+          <a:fontRef idx="minor">
+            <a:schemeClr val="lt1"/>
+          </a:fontRef>
+        </p:style>
+        <p:txBody>
+          <a:bodyPr rtlCol="0" anchor="ctr"/>
+          <a:lstStyle/>
+          <a:p>
+            <a:pPr algn="ctr"/>
+            <a:endParaRPr lang="en-US"/>
+          </a:p>
+        </p:txBody>
+      </p:sp>
+      <p:grpSp>
+        <p:nvGrpSpPr>
+          <p:cNvPr id="10" name="Group 9">
+            <a:extLst>
+              <a:ext uri="{FF2B5EF4-FFF2-40B4-BE49-F238E27FC236}">
+                <a16:creationId xmlns:a16="http://schemas.microsoft.com/office/drawing/2014/main" id="{032D8612-31EB-44CF-A1D0-14FD4C705424}"/>
+              </a:ext>
+              <a:ext uri="{C183D7F6-B498-43B3-948B-1728B52AA6E4}">
+                <adec:decorative xmlns:adec="http://schemas.microsoft.com/office/drawing/2017/decorative" val="1"/>
+              </a:ext>
+            </a:extLst>
+          </p:cNvPr>
+          <p:cNvGrpSpPr>
+            <a:grpSpLocks noGrp="1" noUngrp="1" noRot="1" noChangeAspect="1" noMove="1" noResize="1"/>
+          </p:cNvGrpSpPr>
+          <p:nvPr>
+            <p:extLst>
+              <p:ext uri="{386F3935-93C4-4BCD-93E2-E3B085C9AB24}">
+                <p16:designElem xmlns:p16="http://schemas.microsoft.com/office/powerpoint/2015/main" val="1"/>
+              </p:ext>
+            </p:extLst>
+          </p:nvPr>
+        </p:nvGrpSpPr>
+        <p:grpSpPr>
+          <a:xfrm>
+            <a:off x="0" y="3163461"/>
+            <a:ext cx="731521" cy="673460"/>
+            <a:chOff x="3940602" y="308034"/>
+            <a:chExt cx="2116791" cy="3428999"/>
+          </a:xfrm>
+          <a:solidFill>
+            <a:schemeClr val="accent4"/>
+          </a:solidFill>
+        </p:grpSpPr>
+        <p:sp>
+          <p:nvSpPr>
+            <p:cNvPr id="11" name="Rectangle 10">
+              <a:extLst>
+                <a:ext uri="{FF2B5EF4-FFF2-40B4-BE49-F238E27FC236}">
+                  <a16:creationId xmlns:a16="http://schemas.microsoft.com/office/drawing/2014/main" id="{F19A4A0F-1B59-4DB0-9764-D10936E98770}"/>
+                </a:ext>
+                <a:ext uri="{C183D7F6-B498-43B3-948B-1728B52AA6E4}">
+                  <adec:decorative xmlns:adec="http://schemas.microsoft.com/office/drawing/2017/decorative" val="1"/>
+                </a:ext>
+              </a:extLst>
+            </p:cNvPr>
+            <p:cNvSpPr/>
+            <p:nvPr>
+              <p:extLst>
+                <p:ext uri="{386F3935-93C4-4BCD-93E2-E3B085C9AB24}">
+                  <p16:designElem xmlns:p16="http://schemas.microsoft.com/office/powerpoint/2015/main" val="1"/>
+                </p:ext>
+              </p:extLst>
+            </p:nvPr>
+          </p:nvSpPr>
+          <p:spPr>
+            <a:xfrm>
+              <a:off x="3940602" y="308034"/>
+              <a:ext cx="566743" cy="3428999"/>
+            </a:xfrm>
+            <a:prstGeom prst="rect">
+              <a:avLst/>
+            </a:prstGeom>
+            <a:grpFill/>
+            <a:ln>
+              <a:noFill/>
+            </a:ln>
+          </p:spPr>
+          <p:style>
+            <a:lnRef idx="2">
+              <a:schemeClr val="accent1">
+                <a:shade val="50000"/>
+              </a:schemeClr>
+            </a:lnRef>
+            <a:fillRef idx="1">
+              <a:schemeClr val="accent1"/>
+            </a:fillRef>
+            <a:effectRef idx="0">
+              <a:schemeClr val="accent1"/>
+            </a:effectRef>
+            <a:fontRef idx="minor">
+              <a:schemeClr val="lt1"/>
+            </a:fontRef>
+          </p:style>
+          <p:txBody>
+            <a:bodyPr rtlCol="0" anchor="ctr"/>
+            <a:lstStyle/>
+            <a:p>
+              <a:pPr algn="ctr"/>
+              <a:endParaRPr lang="en-US"/>
+            </a:p>
+          </p:txBody>
+        </p:sp>
+        <p:sp>
+          <p:nvSpPr>
+            <p:cNvPr id="12" name="Rectangle 11">
+              <a:extLst>
+                <a:ext uri="{FF2B5EF4-FFF2-40B4-BE49-F238E27FC236}">
+                  <a16:creationId xmlns:a16="http://schemas.microsoft.com/office/drawing/2014/main" id="{F399A70F-F8CD-4992-9EF5-6CF15472E73F}"/>
+                </a:ext>
+                <a:ext uri="{C183D7F6-B498-43B3-948B-1728B52AA6E4}">
+                  <adec:decorative xmlns:adec="http://schemas.microsoft.com/office/drawing/2017/decorative" val="1"/>
+                </a:ext>
+              </a:extLst>
+            </p:cNvPr>
+            <p:cNvSpPr/>
+            <p:nvPr>
+              <p:extLst>
+                <p:ext uri="{386F3935-93C4-4BCD-93E2-E3B085C9AB24}">
+                  <p16:designElem xmlns:p16="http://schemas.microsoft.com/office/powerpoint/2015/main" val="1"/>
+                </p:ext>
+              </p:extLst>
+            </p:nvPr>
+          </p:nvSpPr>
+          <p:spPr>
+            <a:xfrm>
+              <a:off x="4715626" y="308034"/>
+              <a:ext cx="566743" cy="3428999"/>
+            </a:xfrm>
+            <a:prstGeom prst="rect">
+              <a:avLst/>
+            </a:prstGeom>
+            <a:grpFill/>
+            <a:ln>
+              <a:noFill/>
+            </a:ln>
+          </p:spPr>
+          <p:style>
+            <a:lnRef idx="2">
+              <a:schemeClr val="accent1">
+                <a:shade val="50000"/>
+              </a:schemeClr>
+            </a:lnRef>
+            <a:fillRef idx="1">
+              <a:schemeClr val="accent1"/>
+            </a:fillRef>
+            <a:effectRef idx="0">
+              <a:schemeClr val="accent1"/>
+            </a:effectRef>
+            <a:fontRef idx="minor">
+              <a:schemeClr val="lt1"/>
+            </a:fontRef>
+          </p:style>
+          <p:txBody>
+            <a:bodyPr rtlCol="0" anchor="ctr"/>
+            <a:lstStyle/>
+            <a:p>
+              <a:pPr algn="ctr"/>
+              <a:endParaRPr lang="en-US"/>
+            </a:p>
+          </p:txBody>
+        </p:sp>
+        <p:sp>
+          <p:nvSpPr>
+            <p:cNvPr id="13" name="Rectangle 12">
+              <a:extLst>
+                <a:ext uri="{FF2B5EF4-FFF2-40B4-BE49-F238E27FC236}">
+                  <a16:creationId xmlns:a16="http://schemas.microsoft.com/office/drawing/2014/main" id="{48F4FEDC-6D80-458C-A665-075D9B9500FD}"/>
+                </a:ext>
+                <a:ext uri="{C183D7F6-B498-43B3-948B-1728B52AA6E4}">
+                  <adec:decorative xmlns:adec="http://schemas.microsoft.com/office/drawing/2017/decorative" val="1"/>
+                </a:ext>
+              </a:extLst>
+            </p:cNvPr>
+            <p:cNvSpPr/>
+            <p:nvPr>
+              <p:extLst>
+                <p:ext uri="{386F3935-93C4-4BCD-93E2-E3B085C9AB24}">
+                  <p16:designElem xmlns:p16="http://schemas.microsoft.com/office/powerpoint/2015/main" val="1"/>
+                </p:ext>
+              </p:extLst>
+            </p:nvPr>
+          </p:nvSpPr>
+          <p:spPr>
+            <a:xfrm>
+              <a:off x="5490650" y="308034"/>
+              <a:ext cx="566743" cy="3428999"/>
+            </a:xfrm>
+            <a:prstGeom prst="rect">
+              <a:avLst/>
+            </a:prstGeom>
+            <a:grpFill/>
+            <a:ln>
+              <a:noFill/>
+            </a:ln>
+          </p:spPr>
+          <p:style>
+            <a:lnRef idx="2">
+              <a:schemeClr val="accent1">
+                <a:shade val="50000"/>
+              </a:schemeClr>
+            </a:lnRef>
+            <a:fillRef idx="1">
+              <a:schemeClr val="accent1"/>
+            </a:fillRef>
+            <a:effectRef idx="0">
+              <a:schemeClr val="accent1"/>
+            </a:effectRef>
+            <a:fontRef idx="minor">
+              <a:schemeClr val="lt1"/>
+            </a:fontRef>
+          </p:style>
+          <p:txBody>
+            <a:bodyPr rtlCol="0" anchor="ctr"/>
+            <a:lstStyle/>
+            <a:p>
+              <a:pPr algn="ctr"/>
+              <a:endParaRPr lang="en-US"/>
+            </a:p>
+          </p:txBody>
+        </p:sp>
+      </p:grpSp>
+      <p:sp>
+        <p:nvSpPr>
+          <p:cNvPr id="15" name="Rectangle 14">
+            <a:extLst>
+              <a:ext uri="{FF2B5EF4-FFF2-40B4-BE49-F238E27FC236}">
+                <a16:creationId xmlns:a16="http://schemas.microsoft.com/office/drawing/2014/main" id="{3873B707-463F-40B0-8227-E8CC6C67EB25}"/>
+              </a:ext>
+              <a:ext uri="{C183D7F6-B498-43B3-948B-1728B52AA6E4}">
+                <adec:decorative xmlns:adec="http://schemas.microsoft.com/office/drawing/2017/decorative" val="1"/>
+              </a:ext>
+            </a:extLst>
+          </p:cNvPr>
+          <p:cNvSpPr>
+            <a:spLocks noGrp="1" noRot="1" noChangeAspect="1" noMove="1" noResize="1" noEditPoints="1" noAdjustHandles="1" noChangeArrowheads="1" noChangeShapeType="1" noTextEdit="1"/>
+          </p:cNvSpPr>
+          <p:nvPr>
+            <p:extLst>
+              <p:ext uri="{386F3935-93C4-4BCD-93E2-E3B085C9AB24}">
+                <p16:designElem xmlns:p16="http://schemas.microsoft.com/office/powerpoint/2015/main" val="1"/>
+              </p:ext>
+            </p:extLst>
+          </p:nvPr>
+        </p:nvSpPr>
+        <p:spPr>
+          <a:xfrm flipH="1">
+            <a:off x="10697670" y="0"/>
+            <a:ext cx="1494330" cy="6858000"/>
+          </a:xfrm>
+          <a:prstGeom prst="rect">
+            <a:avLst/>
+          </a:prstGeom>
+          <a:solidFill>
+            <a:schemeClr val="accent4"/>
+          </a:solidFill>
+          <a:ln>
+            <a:noFill/>
+          </a:ln>
+        </p:spPr>
+        <p:style>
+          <a:lnRef idx="2">
+            <a:schemeClr val="accent1">
+              <a:shade val="50000"/>
+            </a:schemeClr>
+          </a:lnRef>
+          <a:fillRef idx="1">
+            <a:schemeClr val="accent1"/>
+          </a:fillRef>
+          <a:effectRef idx="0">
+            <a:schemeClr val="accent1"/>
+          </a:effectRef>
+          <a:fontRef idx="minor">
+            <a:schemeClr val="lt1"/>
+          </a:fontRef>
+        </p:style>
+        <p:txBody>
+          <a:bodyPr rtlCol="0" anchor="ctr"/>
+          <a:lstStyle/>
+          <a:p>
+            <a:pPr algn="ctr"/>
+            <a:endParaRPr lang="en-US"/>
+          </a:p>
+        </p:txBody>
+      </p:sp>
+      <p:sp>
+        <p:nvSpPr>
+          <p:cNvPr id="17" name="Rectangle 16">
+            <a:extLst>
+              <a:ext uri="{FF2B5EF4-FFF2-40B4-BE49-F238E27FC236}">
+                <a16:creationId xmlns:a16="http://schemas.microsoft.com/office/drawing/2014/main" id="{19C9EAEA-39D0-4B0E-A0EB-51E7B26740B1}"/>
+              </a:ext>
+              <a:ext uri="{C183D7F6-B498-43B3-948B-1728B52AA6E4}">
+                <adec:decorative xmlns:adec="http://schemas.microsoft.com/office/drawing/2017/decorative" val="1"/>
+              </a:ext>
+            </a:extLst>
+          </p:cNvPr>
+          <p:cNvSpPr>
+            <a:spLocks noGrp="1" noRot="1" noChangeAspect="1" noMove="1" noResize="1" noEditPoints="1" noAdjustHandles="1" noChangeArrowheads="1" noChangeShapeType="1" noTextEdit="1"/>
+          </p:cNvSpPr>
+          <p:nvPr>
+            <p:extLst>
+              <p:ext uri="{386F3935-93C4-4BCD-93E2-E3B085C9AB24}">
+                <p16:designElem xmlns:p16="http://schemas.microsoft.com/office/powerpoint/2015/main" val="1"/>
+              </p:ext>
+            </p:extLst>
+          </p:nvPr>
+        </p:nvSpPr>
+        <p:spPr>
+          <a:xfrm>
+            <a:off x="5685810" y="982976"/>
+            <a:ext cx="6009366" cy="5120635"/>
+          </a:xfrm>
+          <a:prstGeom prst="rect">
+            <a:avLst/>
+          </a:prstGeom>
+          <a:solidFill>
+            <a:schemeClr val="bg1"/>
+          </a:solidFill>
+          <a:ln>
+            <a:noFill/>
+          </a:ln>
+          <a:effectLst>
+            <a:outerShdw blurRad="139700" dist="127000" dir="5400000" algn="t" rotWithShape="0">
+              <a:prstClr val="black">
+                <a:alpha val="15000"/>
+              </a:prstClr>
+            </a:outerShdw>
+          </a:effectLst>
+        </p:spPr>
+        <p:style>
+          <a:lnRef idx="2">
+            <a:schemeClr val="accent1">
+              <a:shade val="50000"/>
+            </a:schemeClr>
+          </a:lnRef>
+          <a:fillRef idx="1">
+            <a:schemeClr val="accent1"/>
+          </a:fillRef>
+          <a:effectRef idx="0">
+            <a:schemeClr val="accent1"/>
+          </a:effectRef>
+          <a:fontRef idx="minor">
+            <a:schemeClr val="lt1"/>
+          </a:fontRef>
+        </p:style>
+        <p:txBody>
+          <a:bodyPr rtlCol="0" anchor="ctr"/>
+          <a:lstStyle/>
+          <a:p>
+            <a:pPr algn="ctr"/>
+            <a:endParaRPr lang="en-US"/>
+          </a:p>
+        </p:txBody>
+      </p:sp>
+      <mc:AlternateContent xmlns:mc="http://schemas.openxmlformats.org/markup-compatibility/2006" xmlns:p14="http://schemas.microsoft.com/office/powerpoint/2010/main">
+        <mc:Choice Requires="p14">
+          <p:contentPart p14:bwMode="auto" r:id="rId2">
+            <p14:nvContentPartPr>
+              <p14:cNvPr id="3" name="Encre 2">
+                <a:extLst>
+                  <a:ext uri="{FF2B5EF4-FFF2-40B4-BE49-F238E27FC236}">
+                    <a16:creationId xmlns:a16="http://schemas.microsoft.com/office/drawing/2014/main" id="{79BEF462-F001-4BD5-9BF8-510F60B60BAA}"/>
+                  </a:ext>
+                </a:extLst>
+              </p14:cNvPr>
+              <p14:cNvContentPartPr/>
+              <p14:nvPr/>
+            </p14:nvContentPartPr>
+            <p14:xfrm>
+              <a:off x="3062467" y="4523772"/>
+              <a:ext cx="66675" cy="57149"/>
+            </p14:xfrm>
+          </p:contentPart>
+        </mc:Choice>
+        <mc:Fallback xmlns="">
+          <p:pic>
+            <p:nvPicPr>
+              <p:cNvPr id="3" name="Encre 2">
+                <a:extLst>
+                  <a:ext uri="{FF2B5EF4-FFF2-40B4-BE49-F238E27FC236}">
+                    <a16:creationId xmlns:a16="http://schemas.microsoft.com/office/drawing/2014/main" id="{79BEF462-F001-4BD5-9BF8-510F60B60BAA}"/>
+                  </a:ext>
+                </a:extLst>
+              </p:cNvPr>
+              <p:cNvPicPr/>
+              <p:nvPr/>
+            </p:nvPicPr>
+            <p:blipFill>
+              <a:blip r:embed="rId3"/>
+              <a:stretch>
+                <a:fillRect/>
+              </a:stretch>
+            </p:blipFill>
+            <p:spPr>
+              <a:xfrm>
+                <a:off x="3044828" y="4506133"/>
+                <a:ext cx="101600" cy="92073"/>
+              </a:xfrm>
+              <a:prstGeom prst="rect">
+                <a:avLst/>
+              </a:prstGeom>
+            </p:spPr>
+          </p:pic>
+        </mc:Fallback>
+      </mc:AlternateContent>
+      <p:sp>
+        <p:nvSpPr>
+          <p:cNvPr id="4" name="ZoneTexte 3">
+            <a:extLst>
+              <a:ext uri="{FF2B5EF4-FFF2-40B4-BE49-F238E27FC236}">
+                <a16:creationId xmlns:a16="http://schemas.microsoft.com/office/drawing/2014/main" id="{67816B53-AEAF-4E92-8D39-D56575A8DEFB}"/>
+              </a:ext>
+            </a:extLst>
+          </p:cNvPr>
+          <p:cNvSpPr txBox="1"/>
+          <p:nvPr/>
+        </p:nvSpPr>
+        <p:spPr>
+          <a:xfrm>
+            <a:off x="5647188" y="1599501"/>
+            <a:ext cx="5979953" cy="2031325"/>
+          </a:xfrm>
+          <a:prstGeom prst="rect">
+            <a:avLst/>
+          </a:prstGeom>
+          <a:noFill/>
+        </p:spPr>
+        <p:txBody>
+          <a:bodyPr rot="0" spcFirstLastPara="0" vertOverflow="overflow" horzOverflow="overflow" vert="horz" wrap="square" lIns="91440" tIns="45720" rIns="91440" bIns="45720" numCol="1" spcCol="0" rtlCol="0" fromWordArt="0" anchor="t" anchorCtr="0" forceAA="0" compatLnSpc="1">
+            <a:prstTxWarp prst="textNoShape">
+              <a:avLst/>
+            </a:prstTxWarp>
+            <a:spAutoFit/>
+          </a:bodyPr>
+          <a:lstStyle/>
+          <a:p>
+            <a:r>
+              <a:rPr lang="fr-FR">
+                <a:cs typeface="Calibri"/>
+              </a:rPr>
+              <a:t>J'ai eu pas mal de difficulté pourtant j'ai lu des livres  vu des vidéos</a:t>
+            </a:r>
+          </a:p>
+          <a:p>
+            <a:r>
+              <a:rPr lang="fr-FR">
+                <a:cs typeface="Calibri"/>
+              </a:rPr>
+              <a:t>Mais j'avais toujours pas le déclic pour faire quoi que ce soit .</a:t>
+            </a:r>
+          </a:p>
+          <a:p>
+            <a:r>
+              <a:rPr lang="fr-FR">
+                <a:cs typeface="Calibri"/>
+              </a:rPr>
+              <a:t>J'ai étais aiguilles par mon mentor.</a:t>
+            </a:r>
+          </a:p>
+          <a:p>
+            <a:r>
+              <a:rPr lang="fr-FR">
+                <a:cs typeface="Calibri"/>
+              </a:rPr>
+              <a:t>La construction du labyrinthe n'étais pas simple et le déplacement à l'intérieur.</a:t>
+            </a:r>
+          </a:p>
+          <a:p>
+            <a:endParaRPr lang="fr-FR">
+              <a:cs typeface="Calibri"/>
+            </a:endParaRPr>
+          </a:p>
+        </p:txBody>
+      </p:sp>
+      <p:sp>
+        <p:nvSpPr>
+          <p:cNvPr id="2" name="ZoneTexte 1">
+            <a:extLst>
+              <a:ext uri="{FF2B5EF4-FFF2-40B4-BE49-F238E27FC236}">
+                <a16:creationId xmlns:a16="http://schemas.microsoft.com/office/drawing/2014/main" id="{86757BEC-3D12-4E3B-B717-1A040A2040D3}"/>
+              </a:ext>
+            </a:extLst>
+          </p:cNvPr>
+          <p:cNvSpPr txBox="1"/>
+          <p:nvPr/>
+        </p:nvSpPr>
+        <p:spPr>
+          <a:xfrm>
+            <a:off x="788566" y="1648437"/>
+            <a:ext cx="4623729" cy="4247317"/>
+          </a:xfrm>
+          <a:prstGeom prst="rect">
+            <a:avLst/>
+          </a:prstGeom>
+          <a:noFill/>
+        </p:spPr>
+        <p:txBody>
+          <a:bodyPr rot="0" spcFirstLastPara="0" vertOverflow="overflow" horzOverflow="overflow" vert="horz" wrap="square" lIns="91440" tIns="45720" rIns="91440" bIns="45720" numCol="1" spcCol="0" rtlCol="0" fromWordArt="0" anchor="t" anchorCtr="0" forceAA="0" compatLnSpc="1">
+            <a:prstTxWarp prst="textNoShape">
+              <a:avLst/>
+            </a:prstTxWarp>
+            <a:spAutoFit/>
+          </a:bodyPr>
+          <a:lstStyle/>
+          <a:p>
+            <a:r>
+              <a:rPr lang="fr-FR" sz="5400">
+                <a:cs typeface="Calibri"/>
+              </a:rPr>
+              <a:t>        Mes                difficultés</a:t>
+            </a:r>
+          </a:p>
+          <a:p>
+            <a:r>
+              <a:rPr lang="fr-FR" sz="5400">
+                <a:cs typeface="Calibri"/>
+              </a:rPr>
+              <a:t>         de compréhension</a:t>
+            </a:r>
+          </a:p>
+          <a:p>
+            <a:r>
+              <a:rPr lang="fr-FR" sz="5400">
+                <a:cs typeface="Calibri"/>
+              </a:rPr>
+              <a:t>     du code</a:t>
+            </a:r>
+          </a:p>
+        </p:txBody>
+      </p:sp>
+    </p:spTree>
+    <p:extLst>
+      <p:ext uri="{BB962C8B-B14F-4D97-AF65-F5344CB8AC3E}">
+        <p14:creationId xmlns:p14="http://schemas.microsoft.com/office/powerpoint/2010/main" val="2309381025"/>
       </p:ext>
     </p:extLst>
   </p:cSld>
@@ -8136,7 +11445,7 @@
           <a:p>
             <a:r>
               <a:rPr lang="fr-FR" sz="5400"/>
-              <a:t>Ma Presentation </a:t>
+              <a:t>       Ma Présentation </a:t>
             </a:r>
           </a:p>
         </p:txBody>
@@ -8504,8 +11813,8 @@
         </p:nvSpPr>
         <p:spPr>
           <a:xfrm>
-            <a:off x="6096001" y="1336329"/>
-            <a:ext cx="5260848" cy="4382588"/>
+            <a:off x="6340681" y="1133595"/>
+            <a:ext cx="5267838" cy="4662221"/>
           </a:xfrm>
         </p:spPr>
         <p:txBody>
@@ -8514,46 +11823,86 @@
           </a:bodyPr>
           <a:lstStyle/>
           <a:p>
+            <a:pPr marL="0" indent="0">
+              <a:buNone/>
+            </a:pPr>
             <a:r>
               <a:rPr lang="fr-FR" sz="2000"/>
-              <a:t>Bonjour monsieur je m’appelle desombre alain je suis un employé de la logistique INTERMARCHE depuis 30 ans et 8 année dans un  magasin cora.</a:t>
-            </a:r>
-          </a:p>
-          <a:p>
+              <a:t>                     Bonjour monsieur</a:t>
+            </a:r>
+            <a:endParaRPr lang="fr-FR">
+              <a:cs typeface="Calibri" panose="020F0502020204030204"/>
+            </a:endParaRPr>
+          </a:p>
+          <a:p>
+            <a:pPr marL="0" indent="0">
+              <a:buNone/>
+            </a:pPr>
             <a:r>
               <a:rPr lang="fr-FR" sz="2000"/>
+              <a:t> je m’appelle monsieur Desombre </a:t>
+            </a:r>
+            <a:r>
+              <a:rPr lang="fr-FR" sz="2000" dirty="0"/>
+              <a:t>Alain je suis un employé de la logistique INTERMARCHE depuis 30 ans et 8 année dans un  magasin cora.</a:t>
+            </a:r>
+            <a:endParaRPr lang="fr-FR">
+              <a:cs typeface="Calibri" panose="020F0502020204030204"/>
+            </a:endParaRPr>
+          </a:p>
+          <a:p>
+            <a:pPr marL="0" indent="0">
+              <a:buNone/>
+            </a:pPr>
+            <a:r>
+              <a:rPr lang="fr-FR" sz="2000" dirty="0"/>
               <a:t>Depuis le 9 avril 2014 j’étudie vos cours.</a:t>
             </a:r>
-          </a:p>
-          <a:p>
+            <a:endParaRPr lang="fr-FR" sz="2000" dirty="0">
+              <a:cs typeface="Calibri"/>
+            </a:endParaRPr>
+          </a:p>
+          <a:p>
+            <a:pPr marL="0" indent="0">
+              <a:buNone/>
+            </a:pPr>
+            <a:r>
+              <a:rPr lang="fr-FR" sz="2000" dirty="0"/>
+              <a:t>En espérant un jour pouvoir me diplôme chez vous.</a:t>
+            </a:r>
+            <a:endParaRPr lang="fr-FR" sz="2000" dirty="0">
+              <a:cs typeface="Calibri"/>
+            </a:endParaRPr>
+          </a:p>
+          <a:p>
+            <a:pPr marL="0" indent="0">
+              <a:buNone/>
+            </a:pPr>
+            <a:r>
+              <a:rPr lang="fr-FR" sz="2000" dirty="0"/>
+              <a:t> J’ai profité de mes points CPF pour faire cette formation.</a:t>
+            </a:r>
+            <a:endParaRPr lang="fr-FR" sz="2000" dirty="0">
+              <a:cs typeface="Calibri"/>
+            </a:endParaRPr>
+          </a:p>
+          <a:p>
+            <a:endParaRPr lang="fr-FR" sz="2000"/>
+          </a:p>
+          <a:p>
+            <a:pPr marL="0" indent="0">
+              <a:buNone/>
+            </a:pPr>
             <a:r>
               <a:rPr lang="fr-FR" sz="2000"/>
-              <a:t>En espérant un jour pouvoir me diplôme chez vous.</a:t>
-            </a:r>
-          </a:p>
-          <a:p>
-            <a:r>
-              <a:rPr lang="fr-FR" sz="2000"/>
-              <a:t> J’ai profité de mes points CPF pour faire cette formation.</a:t>
-            </a:r>
-          </a:p>
-          <a:p>
-            <a:r>
-              <a:rPr lang="fr-FR" sz="2000"/>
-              <a:t> </a:t>
-            </a:r>
-          </a:p>
-          <a:p>
-            <a:r>
-              <a:rPr lang="fr-FR" sz="2000"/>
-              <a:t>Je travaille en parallèle de la formation.</a:t>
-            </a:r>
-          </a:p>
-          <a:p>
-            <a:r>
-              <a:rPr lang="fr-FR" sz="2000"/>
-              <a:t> </a:t>
-            </a:r>
+              <a:t>Je travaille de nuit  en parallèle de la formation.</a:t>
+            </a:r>
+            <a:endParaRPr lang="fr-FR" sz="2000">
+              <a:cs typeface="Calibri"/>
+            </a:endParaRPr>
+          </a:p>
+          <a:p>
+            <a:endParaRPr lang="fr-FR" sz="2000"/>
           </a:p>
           <a:p>
             <a:endParaRPr lang="fr-FR" sz="2000"/>
@@ -8574,6 +11923,2048 @@
 </file>
 
 <file path=ppt/slides/slide3.xml><?xml version="1.0" encoding="utf-8"?>
+<p:sld xmlns:a="http://schemas.openxmlformats.org/drawingml/2006/main" xmlns:r="http://schemas.openxmlformats.org/officeDocument/2006/relationships" xmlns:p="http://schemas.openxmlformats.org/presentationml/2006/main">
+  <p:cSld>
+    <p:bg>
+      <p:bgPr>
+        <a:solidFill>
+          <a:schemeClr val="bg1"/>
+        </a:solidFill>
+        <a:effectLst/>
+      </p:bgPr>
+    </p:bg>
+    <p:spTree>
+      <p:nvGrpSpPr>
+        <p:cNvPr id="1" name=""/>
+        <p:cNvGrpSpPr/>
+        <p:nvPr/>
+      </p:nvGrpSpPr>
+      <p:grpSpPr>
+        <a:xfrm>
+          <a:off x="0" y="0"/>
+          <a:ext cx="0" cy="0"/>
+          <a:chOff x="0" y="0"/>
+          <a:chExt cx="0" cy="0"/>
+        </a:xfrm>
+      </p:grpSpPr>
+      <p:sp useBgFill="1">
+        <p:nvSpPr>
+          <p:cNvPr id="8" name="Rectangle 7">
+            <a:extLst>
+              <a:ext uri="{FF2B5EF4-FFF2-40B4-BE49-F238E27FC236}">
+                <a16:creationId xmlns:a16="http://schemas.microsoft.com/office/drawing/2014/main" id="{A7895A40-19A4-42D6-9D30-DBC1E8002635}"/>
+              </a:ext>
+              <a:ext uri="{C183D7F6-B498-43B3-948B-1728B52AA6E4}">
+                <adec:decorative xmlns:adec="http://schemas.microsoft.com/office/drawing/2017/decorative" val="1"/>
+              </a:ext>
+            </a:extLst>
+          </p:cNvPr>
+          <p:cNvSpPr>
+            <a:spLocks noGrp="1" noRot="1" noChangeAspect="1" noMove="1" noResize="1" noEditPoints="1" noAdjustHandles="1" noChangeArrowheads="1" noChangeShapeType="1" noTextEdit="1"/>
+          </p:cNvSpPr>
+          <p:nvPr>
+            <p:extLst>
+              <p:ext uri="{386F3935-93C4-4BCD-93E2-E3B085C9AB24}">
+                <p16:designElem xmlns:p16="http://schemas.microsoft.com/office/powerpoint/2015/main" val="1"/>
+              </p:ext>
+            </p:extLst>
+          </p:nvPr>
+        </p:nvSpPr>
+        <p:spPr>
+          <a:xfrm>
+            <a:off x="0" y="0"/>
+            <a:ext cx="12191999" cy="6857365"/>
+          </a:xfrm>
+          <a:prstGeom prst="rect">
+            <a:avLst/>
+          </a:prstGeom>
+          <a:ln>
+            <a:noFill/>
+          </a:ln>
+        </p:spPr>
+        <p:style>
+          <a:lnRef idx="2">
+            <a:schemeClr val="accent1">
+              <a:shade val="50000"/>
+            </a:schemeClr>
+          </a:lnRef>
+          <a:fillRef idx="1">
+            <a:schemeClr val="accent1"/>
+          </a:fillRef>
+          <a:effectRef idx="0">
+            <a:schemeClr val="accent1"/>
+          </a:effectRef>
+          <a:fontRef idx="minor">
+            <a:schemeClr val="lt1"/>
+          </a:fontRef>
+        </p:style>
+        <p:txBody>
+          <a:bodyPr rtlCol="0" anchor="ctr"/>
+          <a:lstStyle/>
+          <a:p>
+            <a:pPr algn="ctr"/>
+            <a:endParaRPr lang="en-US"/>
+          </a:p>
+        </p:txBody>
+      </p:sp>
+      <p:sp>
+        <p:nvSpPr>
+          <p:cNvPr id="10" name="Rectangle 9">
+            <a:extLst>
+              <a:ext uri="{FF2B5EF4-FFF2-40B4-BE49-F238E27FC236}">
+                <a16:creationId xmlns:a16="http://schemas.microsoft.com/office/drawing/2014/main" id="{02F429C4-ABC9-46FC-818A-B5429CDE4A96}"/>
+              </a:ext>
+              <a:ext uri="{C183D7F6-B498-43B3-948B-1728B52AA6E4}">
+                <adec:decorative xmlns:adec="http://schemas.microsoft.com/office/drawing/2017/decorative" val="1"/>
+              </a:ext>
+            </a:extLst>
+          </p:cNvPr>
+          <p:cNvSpPr>
+            <a:spLocks noGrp="1" noRot="1" noChangeAspect="1" noMove="1" noResize="1" noEditPoints="1" noAdjustHandles="1" noChangeArrowheads="1" noChangeShapeType="1" noTextEdit="1"/>
+          </p:cNvSpPr>
+          <p:nvPr>
+            <p:extLst>
+              <p:ext uri="{386F3935-93C4-4BCD-93E2-E3B085C9AB24}">
+                <p16:designElem xmlns:p16="http://schemas.microsoft.com/office/powerpoint/2015/main" val="1"/>
+              </p:ext>
+            </p:extLst>
+          </p:nvPr>
+        </p:nvSpPr>
+        <p:spPr>
+          <a:xfrm rot="5400000">
+            <a:off x="-1270325" y="3369273"/>
+            <a:ext cx="3200400" cy="152382"/>
+          </a:xfrm>
+          <a:prstGeom prst="rect">
+            <a:avLst/>
+          </a:prstGeom>
+          <a:solidFill>
+            <a:schemeClr val="accent4"/>
+          </a:solidFill>
+          <a:ln>
+            <a:noFill/>
+          </a:ln>
+        </p:spPr>
+        <p:style>
+          <a:lnRef idx="2">
+            <a:schemeClr val="accent1">
+              <a:shade val="50000"/>
+            </a:schemeClr>
+          </a:lnRef>
+          <a:fillRef idx="1">
+            <a:schemeClr val="accent1"/>
+          </a:fillRef>
+          <a:effectRef idx="0">
+            <a:schemeClr val="accent1"/>
+          </a:effectRef>
+          <a:fontRef idx="minor">
+            <a:schemeClr val="lt1"/>
+          </a:fontRef>
+        </p:style>
+        <p:txBody>
+          <a:bodyPr rtlCol="0" anchor="ctr"/>
+          <a:lstStyle/>
+          <a:p>
+            <a:pPr algn="ctr"/>
+            <a:endParaRPr lang="en-US"/>
+          </a:p>
+        </p:txBody>
+      </p:sp>
+      <p:sp>
+        <p:nvSpPr>
+          <p:cNvPr id="12" name="Rectangle 11">
+            <a:extLst>
+              <a:ext uri="{FF2B5EF4-FFF2-40B4-BE49-F238E27FC236}">
+                <a16:creationId xmlns:a16="http://schemas.microsoft.com/office/drawing/2014/main" id="{2CEF98E4-3709-4952-8F42-2305CCE34FA3}"/>
+              </a:ext>
+              <a:ext uri="{C183D7F6-B498-43B3-948B-1728B52AA6E4}">
+                <adec:decorative xmlns:adec="http://schemas.microsoft.com/office/drawing/2017/decorative" val="1"/>
+              </a:ext>
+            </a:extLst>
+          </p:cNvPr>
+          <p:cNvSpPr>
+            <a:spLocks noGrp="1" noRot="1" noChangeAspect="1" noMove="1" noResize="1" noEditPoints="1" noAdjustHandles="1" noChangeArrowheads="1" noChangeShapeType="1" noTextEdit="1"/>
+          </p:cNvSpPr>
+          <p:nvPr>
+            <p:extLst>
+              <p:ext uri="{386F3935-93C4-4BCD-93E2-E3B085C9AB24}">
+                <p16:designElem xmlns:p16="http://schemas.microsoft.com/office/powerpoint/2015/main" val="1"/>
+              </p:ext>
+            </p:extLst>
+          </p:nvPr>
+        </p:nvSpPr>
+        <p:spPr>
+          <a:xfrm rot="16200000">
+            <a:off x="6374475" y="1040470"/>
+            <a:ext cx="6858003" cy="4777047"/>
+          </a:xfrm>
+          <a:prstGeom prst="rect">
+            <a:avLst/>
+          </a:prstGeom>
+          <a:solidFill>
+            <a:schemeClr val="accent4"/>
+          </a:solidFill>
+          <a:ln>
+            <a:noFill/>
+          </a:ln>
+        </p:spPr>
+        <p:style>
+          <a:lnRef idx="2">
+            <a:schemeClr val="accent1">
+              <a:shade val="50000"/>
+            </a:schemeClr>
+          </a:lnRef>
+          <a:fillRef idx="1">
+            <a:schemeClr val="accent1"/>
+          </a:fillRef>
+          <a:effectRef idx="0">
+            <a:schemeClr val="accent1"/>
+          </a:effectRef>
+          <a:fontRef idx="minor">
+            <a:schemeClr val="lt1"/>
+          </a:fontRef>
+        </p:style>
+        <p:txBody>
+          <a:bodyPr rtlCol="0" anchor="ctr"/>
+          <a:lstStyle/>
+          <a:p>
+            <a:pPr algn="ctr"/>
+            <a:endParaRPr lang="en-US"/>
+          </a:p>
+        </p:txBody>
+      </p:sp>
+      <p:sp>
+        <p:nvSpPr>
+          <p:cNvPr id="14" name="Rectangle 13">
+            <a:extLst>
+              <a:ext uri="{FF2B5EF4-FFF2-40B4-BE49-F238E27FC236}">
+                <a16:creationId xmlns:a16="http://schemas.microsoft.com/office/drawing/2014/main" id="{F10BCCF5-D685-47FF-B675-647EAEB72C8E}"/>
+              </a:ext>
+              <a:ext uri="{C183D7F6-B498-43B3-948B-1728B52AA6E4}">
+                <adec:decorative xmlns:adec="http://schemas.microsoft.com/office/drawing/2017/decorative" val="1"/>
+              </a:ext>
+            </a:extLst>
+          </p:cNvPr>
+          <p:cNvSpPr>
+            <a:spLocks noGrp="1" noRot="1" noChangeAspect="1" noMove="1" noResize="1" noEditPoints="1" noAdjustHandles="1" noChangeArrowheads="1" noChangeShapeType="1" noTextEdit="1"/>
+          </p:cNvSpPr>
+          <p:nvPr>
+            <p:extLst>
+              <p:ext uri="{386F3935-93C4-4BCD-93E2-E3B085C9AB24}">
+                <p16:designElem xmlns:p16="http://schemas.microsoft.com/office/powerpoint/2015/main" val="1"/>
+              </p:ext>
+            </p:extLst>
+          </p:nvPr>
+        </p:nvSpPr>
+        <p:spPr>
+          <a:xfrm>
+            <a:off x="387914" y="857786"/>
+            <a:ext cx="11067024" cy="5208932"/>
+          </a:xfrm>
+          <a:prstGeom prst="rect">
+            <a:avLst/>
+          </a:prstGeom>
+          <a:solidFill>
+            <a:schemeClr val="bg1"/>
+          </a:solidFill>
+          <a:ln>
+            <a:noFill/>
+          </a:ln>
+          <a:effectLst>
+            <a:outerShdw blurRad="139700" dist="127000" dir="5400000" algn="t" rotWithShape="0">
+              <a:prstClr val="black">
+                <a:alpha val="15000"/>
+              </a:prstClr>
+            </a:outerShdw>
+          </a:effectLst>
+        </p:spPr>
+        <p:style>
+          <a:lnRef idx="2">
+            <a:schemeClr val="accent1">
+              <a:shade val="50000"/>
+            </a:schemeClr>
+          </a:lnRef>
+          <a:fillRef idx="1">
+            <a:schemeClr val="accent1"/>
+          </a:fillRef>
+          <a:effectRef idx="0">
+            <a:schemeClr val="accent1"/>
+          </a:effectRef>
+          <a:fontRef idx="minor">
+            <a:schemeClr val="lt1"/>
+          </a:fontRef>
+        </p:style>
+        <p:txBody>
+          <a:bodyPr rtlCol="0" anchor="ctr"/>
+          <a:lstStyle/>
+          <a:p>
+            <a:pPr algn="ctr"/>
+            <a:endParaRPr lang="en-US"/>
+          </a:p>
+        </p:txBody>
+      </p:sp>
+      <p:sp>
+        <p:nvSpPr>
+          <p:cNvPr id="16" name="Rectangle 15">
+            <a:extLst>
+              <a:ext uri="{FF2B5EF4-FFF2-40B4-BE49-F238E27FC236}">
+                <a16:creationId xmlns:a16="http://schemas.microsoft.com/office/drawing/2014/main" id="{B0EE8A42-107A-4D4C-8D56-BBAE95C7FC0D}"/>
+              </a:ext>
+              <a:ext uri="{C183D7F6-B498-43B3-948B-1728B52AA6E4}">
+                <adec:decorative xmlns:adec="http://schemas.microsoft.com/office/drawing/2017/decorative" val="1"/>
+              </a:ext>
+            </a:extLst>
+          </p:cNvPr>
+          <p:cNvSpPr>
+            <a:spLocks noGrp="1" noRot="1" noChangeAspect="1" noMove="1" noResize="1" noEditPoints="1" noAdjustHandles="1" noChangeArrowheads="1" noChangeShapeType="1" noTextEdit="1"/>
+          </p:cNvSpPr>
+          <p:nvPr>
+            <p:extLst>
+              <p:ext uri="{386F3935-93C4-4BCD-93E2-E3B085C9AB24}">
+                <p16:designElem xmlns:p16="http://schemas.microsoft.com/office/powerpoint/2015/main" val="1"/>
+              </p:ext>
+            </p:extLst>
+          </p:nvPr>
+        </p:nvSpPr>
+        <p:spPr>
+          <a:xfrm rot="5400000">
+            <a:off x="-1524009" y="3366125"/>
+            <a:ext cx="3200400" cy="152382"/>
+          </a:xfrm>
+          <a:prstGeom prst="rect">
+            <a:avLst/>
+          </a:prstGeom>
+          <a:solidFill>
+            <a:schemeClr val="accent4"/>
+          </a:solidFill>
+          <a:ln>
+            <a:noFill/>
+          </a:ln>
+        </p:spPr>
+        <p:style>
+          <a:lnRef idx="2">
+            <a:schemeClr val="accent1">
+              <a:shade val="50000"/>
+            </a:schemeClr>
+          </a:lnRef>
+          <a:fillRef idx="1">
+            <a:schemeClr val="accent1"/>
+          </a:fillRef>
+          <a:effectRef idx="0">
+            <a:schemeClr val="accent1"/>
+          </a:effectRef>
+          <a:fontRef idx="minor">
+            <a:schemeClr val="lt1"/>
+          </a:fontRef>
+        </p:style>
+        <p:txBody>
+          <a:bodyPr rtlCol="0" anchor="ctr"/>
+          <a:lstStyle/>
+          <a:p>
+            <a:pPr algn="ctr"/>
+            <a:endParaRPr lang="en-US"/>
+          </a:p>
+        </p:txBody>
+      </p:sp>
+      <p:sp>
+        <p:nvSpPr>
+          <p:cNvPr id="9" name="ZoneTexte 8">
+            <a:extLst>
+              <a:ext uri="{FF2B5EF4-FFF2-40B4-BE49-F238E27FC236}">
+                <a16:creationId xmlns:a16="http://schemas.microsoft.com/office/drawing/2014/main" id="{9B106050-2A1A-48C6-82A6-0213372CAAE1}"/>
+              </a:ext>
+            </a:extLst>
+          </p:cNvPr>
+          <p:cNvSpPr txBox="1"/>
+          <p:nvPr/>
+        </p:nvSpPr>
+        <p:spPr>
+          <a:xfrm>
+            <a:off x="6400800" y="2084831"/>
+            <a:ext cx="4793894" cy="2031325"/>
+          </a:xfrm>
+          <a:prstGeom prst="rect">
+            <a:avLst/>
+          </a:prstGeom>
+          <a:noFill/>
+        </p:spPr>
+        <p:txBody>
+          <a:bodyPr wrap="square" rtlCol="0">
+            <a:spAutoFit/>
+          </a:bodyPr>
+          <a:lstStyle/>
+          <a:p>
+            <a:r>
+              <a:rPr lang="fr-FR"/>
+              <a:t>pour faire le </a:t>
+            </a:r>
+            <a:r>
+              <a:rPr lang="fr-FR" err="1"/>
+              <a:t>project</a:t>
+            </a:r>
+            <a:r>
+              <a:rPr lang="fr-FR"/>
+              <a:t> python </a:t>
+            </a:r>
+          </a:p>
+          <a:p>
+            <a:r>
+              <a:rPr lang="fr-FR"/>
+              <a:t>j'ai crée un environnement virtuelle</a:t>
+            </a:r>
+          </a:p>
+          <a:p>
+            <a:r>
+              <a:rPr lang="fr-FR"/>
+              <a:t>avec le logiciel Virtual environnement</a:t>
+            </a:r>
+          </a:p>
+          <a:p>
+            <a:r>
+              <a:rPr lang="fr-FR"/>
+              <a:t>ceci me permet de tester mon Project</a:t>
+            </a:r>
+          </a:p>
+          <a:p>
+            <a:r>
+              <a:rPr lang="fr-FR"/>
+              <a:t>avec plusieurs version de python.</a:t>
+            </a:r>
+          </a:p>
+          <a:p>
+            <a:r>
+              <a:rPr lang="fr-FR"/>
+              <a:t>et de stocker mon travail  dans un endroit sur de mon pc</a:t>
+            </a:r>
+          </a:p>
+        </p:txBody>
+      </p:sp>
+      <p:sp>
+        <p:nvSpPr>
+          <p:cNvPr id="15" name="Titre 1">
+            <a:extLst>
+              <a:ext uri="{FF2B5EF4-FFF2-40B4-BE49-F238E27FC236}">
+                <a16:creationId xmlns:a16="http://schemas.microsoft.com/office/drawing/2014/main" id="{DDD91E6B-9161-4779-94F7-687C778FAC13}"/>
+              </a:ext>
+            </a:extLst>
+          </p:cNvPr>
+          <p:cNvSpPr txBox="1">
+            <a:spLocks/>
+          </p:cNvSpPr>
+          <p:nvPr/>
+        </p:nvSpPr>
+        <p:spPr>
+          <a:xfrm>
+            <a:off x="406065" y="1270958"/>
+            <a:ext cx="4458541" cy="4382588"/>
+          </a:xfrm>
+          <a:prstGeom prst="rect">
+            <a:avLst/>
+          </a:prstGeom>
+        </p:spPr>
+        <p:txBody>
+          <a:bodyPr vert="horz" lIns="91440" tIns="45720" rIns="91440" bIns="45720" rtlCol="0" anchor="ctr">
+            <a:normAutofit/>
+          </a:bodyPr>
+          <a:lstStyle>
+            <a:lvl1pPr algn="ctr" defTabSz="914400" rtl="0" eaLnBrk="1" latinLnBrk="0" hangingPunct="1">
+              <a:lnSpc>
+                <a:spcPct val="90000"/>
+              </a:lnSpc>
+              <a:spcBef>
+                <a:spcPct val="0"/>
+              </a:spcBef>
+              <a:buNone/>
+              <a:defRPr sz="6000" kern="1200">
+                <a:solidFill>
+                  <a:schemeClr val="tx1"/>
+                </a:solidFill>
+                <a:latin typeface="+mj-lt"/>
+                <a:ea typeface="+mj-ea"/>
+                <a:cs typeface="+mj-cs"/>
+              </a:defRPr>
+            </a:lvl1pPr>
+          </a:lstStyle>
+          <a:p>
+            <a:r>
+              <a:rPr lang="fr-FR" sz="5400"/>
+              <a:t>Mon</a:t>
+            </a:r>
+          </a:p>
+          <a:p>
+            <a:r>
+              <a:rPr lang="fr-FR" sz="5400"/>
+              <a:t>Environnement</a:t>
+            </a:r>
+          </a:p>
+          <a:p>
+            <a:r>
+              <a:rPr lang="fr-FR" sz="5400"/>
+              <a:t>De travail</a:t>
+            </a:r>
+          </a:p>
+        </p:txBody>
+      </p:sp>
+    </p:spTree>
+    <p:extLst>
+      <p:ext uri="{BB962C8B-B14F-4D97-AF65-F5344CB8AC3E}">
+        <p14:creationId xmlns:p14="http://schemas.microsoft.com/office/powerpoint/2010/main" val="299401932"/>
+      </p:ext>
+    </p:extLst>
+  </p:cSld>
+  <p:clrMapOvr>
+    <a:masterClrMapping/>
+  </p:clrMapOvr>
+</p:sld>
+</file>
+
+<file path=ppt/slides/slide4.xml><?xml version="1.0" encoding="utf-8"?>
+<p:sld xmlns:a="http://schemas.openxmlformats.org/drawingml/2006/main" xmlns:r="http://schemas.openxmlformats.org/officeDocument/2006/relationships" xmlns:p="http://schemas.openxmlformats.org/presentationml/2006/main">
+  <p:cSld>
+    <p:bg>
+      <p:bgPr>
+        <a:solidFill>
+          <a:schemeClr val="bg1"/>
+        </a:solidFill>
+        <a:effectLst/>
+      </p:bgPr>
+    </p:bg>
+    <p:spTree>
+      <p:nvGrpSpPr>
+        <p:cNvPr id="1" name=""/>
+        <p:cNvGrpSpPr/>
+        <p:nvPr/>
+      </p:nvGrpSpPr>
+      <p:grpSpPr>
+        <a:xfrm>
+          <a:off x="0" y="0"/>
+          <a:ext cx="0" cy="0"/>
+          <a:chOff x="0" y="0"/>
+          <a:chExt cx="0" cy="0"/>
+        </a:xfrm>
+      </p:grpSpPr>
+      <p:sp useBgFill="1">
+        <p:nvSpPr>
+          <p:cNvPr id="8" name="Rectangle 7">
+            <a:extLst>
+              <a:ext uri="{FF2B5EF4-FFF2-40B4-BE49-F238E27FC236}">
+                <a16:creationId xmlns:a16="http://schemas.microsoft.com/office/drawing/2014/main" id="{A7895A40-19A4-42D6-9D30-DBC1E8002635}"/>
+              </a:ext>
+              <a:ext uri="{C183D7F6-B498-43B3-948B-1728B52AA6E4}">
+                <adec:decorative xmlns:adec="http://schemas.microsoft.com/office/drawing/2017/decorative" val="1"/>
+              </a:ext>
+            </a:extLst>
+          </p:cNvPr>
+          <p:cNvSpPr>
+            <a:spLocks noGrp="1" noRot="1" noChangeAspect="1" noMove="1" noResize="1" noEditPoints="1" noAdjustHandles="1" noChangeArrowheads="1" noChangeShapeType="1" noTextEdit="1"/>
+          </p:cNvSpPr>
+          <p:nvPr>
+            <p:extLst>
+              <p:ext uri="{386F3935-93C4-4BCD-93E2-E3B085C9AB24}">
+                <p16:designElem xmlns:p16="http://schemas.microsoft.com/office/powerpoint/2015/main" val="1"/>
+              </p:ext>
+            </p:extLst>
+          </p:nvPr>
+        </p:nvSpPr>
+        <p:spPr>
+          <a:xfrm>
+            <a:off x="0" y="0"/>
+            <a:ext cx="12191999" cy="6857365"/>
+          </a:xfrm>
+          <a:prstGeom prst="rect">
+            <a:avLst/>
+          </a:prstGeom>
+          <a:ln>
+            <a:noFill/>
+          </a:ln>
+        </p:spPr>
+        <p:style>
+          <a:lnRef idx="2">
+            <a:schemeClr val="accent1">
+              <a:shade val="50000"/>
+            </a:schemeClr>
+          </a:lnRef>
+          <a:fillRef idx="1">
+            <a:schemeClr val="accent1"/>
+          </a:fillRef>
+          <a:effectRef idx="0">
+            <a:schemeClr val="accent1"/>
+          </a:effectRef>
+          <a:fontRef idx="minor">
+            <a:schemeClr val="lt1"/>
+          </a:fontRef>
+        </p:style>
+        <p:txBody>
+          <a:bodyPr rtlCol="0" anchor="ctr"/>
+          <a:lstStyle/>
+          <a:p>
+            <a:pPr algn="ctr"/>
+            <a:endParaRPr lang="en-US"/>
+          </a:p>
+        </p:txBody>
+      </p:sp>
+      <p:sp>
+        <p:nvSpPr>
+          <p:cNvPr id="10" name="Rectangle 9">
+            <a:extLst>
+              <a:ext uri="{FF2B5EF4-FFF2-40B4-BE49-F238E27FC236}">
+                <a16:creationId xmlns:a16="http://schemas.microsoft.com/office/drawing/2014/main" id="{02F429C4-ABC9-46FC-818A-B5429CDE4A96}"/>
+              </a:ext>
+              <a:ext uri="{C183D7F6-B498-43B3-948B-1728B52AA6E4}">
+                <adec:decorative xmlns:adec="http://schemas.microsoft.com/office/drawing/2017/decorative" val="1"/>
+              </a:ext>
+            </a:extLst>
+          </p:cNvPr>
+          <p:cNvSpPr>
+            <a:spLocks noGrp="1" noRot="1" noChangeAspect="1" noMove="1" noResize="1" noEditPoints="1" noAdjustHandles="1" noChangeArrowheads="1" noChangeShapeType="1" noTextEdit="1"/>
+          </p:cNvSpPr>
+          <p:nvPr>
+            <p:extLst>
+              <p:ext uri="{386F3935-93C4-4BCD-93E2-E3B085C9AB24}">
+                <p16:designElem xmlns:p16="http://schemas.microsoft.com/office/powerpoint/2015/main" val="1"/>
+              </p:ext>
+            </p:extLst>
+          </p:nvPr>
+        </p:nvSpPr>
+        <p:spPr>
+          <a:xfrm rot="5400000">
+            <a:off x="-1270325" y="3369273"/>
+            <a:ext cx="3200400" cy="152382"/>
+          </a:xfrm>
+          <a:prstGeom prst="rect">
+            <a:avLst/>
+          </a:prstGeom>
+          <a:solidFill>
+            <a:schemeClr val="accent4"/>
+          </a:solidFill>
+          <a:ln>
+            <a:noFill/>
+          </a:ln>
+        </p:spPr>
+        <p:style>
+          <a:lnRef idx="2">
+            <a:schemeClr val="accent1">
+              <a:shade val="50000"/>
+            </a:schemeClr>
+          </a:lnRef>
+          <a:fillRef idx="1">
+            <a:schemeClr val="accent1"/>
+          </a:fillRef>
+          <a:effectRef idx="0">
+            <a:schemeClr val="accent1"/>
+          </a:effectRef>
+          <a:fontRef idx="minor">
+            <a:schemeClr val="lt1"/>
+          </a:fontRef>
+        </p:style>
+        <p:txBody>
+          <a:bodyPr rtlCol="0" anchor="ctr"/>
+          <a:lstStyle/>
+          <a:p>
+            <a:pPr algn="ctr"/>
+            <a:endParaRPr lang="en-US"/>
+          </a:p>
+        </p:txBody>
+      </p:sp>
+      <p:sp>
+        <p:nvSpPr>
+          <p:cNvPr id="12" name="Rectangle 11">
+            <a:extLst>
+              <a:ext uri="{FF2B5EF4-FFF2-40B4-BE49-F238E27FC236}">
+                <a16:creationId xmlns:a16="http://schemas.microsoft.com/office/drawing/2014/main" id="{2CEF98E4-3709-4952-8F42-2305CCE34FA3}"/>
+              </a:ext>
+              <a:ext uri="{C183D7F6-B498-43B3-948B-1728B52AA6E4}">
+                <adec:decorative xmlns:adec="http://schemas.microsoft.com/office/drawing/2017/decorative" val="1"/>
+              </a:ext>
+            </a:extLst>
+          </p:cNvPr>
+          <p:cNvSpPr>
+            <a:spLocks noGrp="1" noRot="1" noChangeAspect="1" noMove="1" noResize="1" noEditPoints="1" noAdjustHandles="1" noChangeArrowheads="1" noChangeShapeType="1" noTextEdit="1"/>
+          </p:cNvSpPr>
+          <p:nvPr>
+            <p:extLst>
+              <p:ext uri="{386F3935-93C4-4BCD-93E2-E3B085C9AB24}">
+                <p16:designElem xmlns:p16="http://schemas.microsoft.com/office/powerpoint/2015/main" val="1"/>
+              </p:ext>
+            </p:extLst>
+          </p:nvPr>
+        </p:nvSpPr>
+        <p:spPr>
+          <a:xfrm rot="16200000">
+            <a:off x="6374475" y="1040470"/>
+            <a:ext cx="6858003" cy="4777047"/>
+          </a:xfrm>
+          <a:prstGeom prst="rect">
+            <a:avLst/>
+          </a:prstGeom>
+          <a:solidFill>
+            <a:schemeClr val="accent4"/>
+          </a:solidFill>
+          <a:ln>
+            <a:noFill/>
+          </a:ln>
+        </p:spPr>
+        <p:style>
+          <a:lnRef idx="2">
+            <a:schemeClr val="accent1">
+              <a:shade val="50000"/>
+            </a:schemeClr>
+          </a:lnRef>
+          <a:fillRef idx="1">
+            <a:schemeClr val="accent1"/>
+          </a:fillRef>
+          <a:effectRef idx="0">
+            <a:schemeClr val="accent1"/>
+          </a:effectRef>
+          <a:fontRef idx="minor">
+            <a:schemeClr val="lt1"/>
+          </a:fontRef>
+        </p:style>
+        <p:txBody>
+          <a:bodyPr rtlCol="0" anchor="ctr"/>
+          <a:lstStyle/>
+          <a:p>
+            <a:pPr algn="ctr"/>
+            <a:endParaRPr lang="en-US"/>
+          </a:p>
+        </p:txBody>
+      </p:sp>
+      <p:sp>
+        <p:nvSpPr>
+          <p:cNvPr id="14" name="Rectangle 13">
+            <a:extLst>
+              <a:ext uri="{FF2B5EF4-FFF2-40B4-BE49-F238E27FC236}">
+                <a16:creationId xmlns:a16="http://schemas.microsoft.com/office/drawing/2014/main" id="{F10BCCF5-D685-47FF-B675-647EAEB72C8E}"/>
+              </a:ext>
+              <a:ext uri="{C183D7F6-B498-43B3-948B-1728B52AA6E4}">
+                <adec:decorative xmlns:adec="http://schemas.microsoft.com/office/drawing/2017/decorative" val="1"/>
+              </a:ext>
+            </a:extLst>
+          </p:cNvPr>
+          <p:cNvSpPr>
+            <a:spLocks noGrp="1" noRot="1" noChangeAspect="1" noMove="1" noResize="1" noEditPoints="1" noAdjustHandles="1" noChangeArrowheads="1" noChangeShapeType="1" noTextEdit="1"/>
+          </p:cNvSpPr>
+          <p:nvPr>
+            <p:extLst>
+              <p:ext uri="{386F3935-93C4-4BCD-93E2-E3B085C9AB24}">
+                <p16:designElem xmlns:p16="http://schemas.microsoft.com/office/powerpoint/2015/main" val="1"/>
+              </p:ext>
+            </p:extLst>
+          </p:nvPr>
+        </p:nvSpPr>
+        <p:spPr>
+          <a:xfrm>
+            <a:off x="387914" y="857786"/>
+            <a:ext cx="11067024" cy="5208932"/>
+          </a:xfrm>
+          <a:prstGeom prst="rect">
+            <a:avLst/>
+          </a:prstGeom>
+          <a:solidFill>
+            <a:schemeClr val="bg1"/>
+          </a:solidFill>
+          <a:ln>
+            <a:noFill/>
+          </a:ln>
+          <a:effectLst>
+            <a:outerShdw blurRad="139700" dist="127000" dir="5400000" algn="t" rotWithShape="0">
+              <a:prstClr val="black">
+                <a:alpha val="15000"/>
+              </a:prstClr>
+            </a:outerShdw>
+          </a:effectLst>
+        </p:spPr>
+        <p:style>
+          <a:lnRef idx="2">
+            <a:schemeClr val="accent1">
+              <a:shade val="50000"/>
+            </a:schemeClr>
+          </a:lnRef>
+          <a:fillRef idx="1">
+            <a:schemeClr val="accent1"/>
+          </a:fillRef>
+          <a:effectRef idx="0">
+            <a:schemeClr val="accent1"/>
+          </a:effectRef>
+          <a:fontRef idx="minor">
+            <a:schemeClr val="lt1"/>
+          </a:fontRef>
+        </p:style>
+        <p:txBody>
+          <a:bodyPr rtlCol="0" anchor="ctr"/>
+          <a:lstStyle/>
+          <a:p>
+            <a:pPr algn="ctr"/>
+            <a:endParaRPr lang="en-US"/>
+          </a:p>
+        </p:txBody>
+      </p:sp>
+      <p:sp>
+        <p:nvSpPr>
+          <p:cNvPr id="2" name="Titre 1">
+            <a:extLst>
+              <a:ext uri="{FF2B5EF4-FFF2-40B4-BE49-F238E27FC236}">
+                <a16:creationId xmlns:a16="http://schemas.microsoft.com/office/drawing/2014/main" id="{8C92AAEA-89C1-403B-B2E2-2FB9534FE3CE}"/>
+              </a:ext>
+            </a:extLst>
+          </p:cNvPr>
+          <p:cNvSpPr>
+            <a:spLocks noGrp="1"/>
+          </p:cNvSpPr>
+          <p:nvPr>
+            <p:ph type="ctrTitle"/>
+          </p:nvPr>
+        </p:nvSpPr>
+        <p:spPr>
+          <a:xfrm>
+            <a:off x="1221637" y="1769222"/>
+            <a:ext cx="4572001" cy="2554061"/>
+          </a:xfrm>
+        </p:spPr>
+        <p:txBody>
+          <a:bodyPr anchor="t">
+            <a:normAutofit/>
+          </a:bodyPr>
+          <a:lstStyle/>
+          <a:p>
+            <a:pPr algn="l"/>
+            <a:r>
+              <a:rPr lang="fr-FR" sz="5400"/>
+              <a:t>Documentation     du code</a:t>
+            </a:r>
+          </a:p>
+        </p:txBody>
+      </p:sp>
+      <p:sp>
+        <p:nvSpPr>
+          <p:cNvPr id="3" name="Sous-titre 2">
+            <a:extLst>
+              <a:ext uri="{FF2B5EF4-FFF2-40B4-BE49-F238E27FC236}">
+                <a16:creationId xmlns:a16="http://schemas.microsoft.com/office/drawing/2014/main" id="{F03A26FC-CFD0-4E6A-916B-BAB88C1B912A}"/>
+              </a:ext>
+            </a:extLst>
+          </p:cNvPr>
+          <p:cNvSpPr>
+            <a:spLocks noGrp="1"/>
+          </p:cNvSpPr>
+          <p:nvPr>
+            <p:ph type="subTitle" idx="1"/>
+          </p:nvPr>
+        </p:nvSpPr>
+        <p:spPr>
+          <a:xfrm>
+            <a:off x="6225235" y="1997050"/>
+            <a:ext cx="5229703" cy="2756868"/>
+          </a:xfrm>
+        </p:spPr>
+        <p:txBody>
+          <a:bodyPr anchor="b">
+            <a:normAutofit/>
+          </a:bodyPr>
+          <a:lstStyle/>
+          <a:p>
+            <a:pPr algn="l"/>
+            <a:r>
+              <a:rPr lang="fr-FR"/>
+              <a:t>la documentation de mon logiciel sert a renseigne mon </a:t>
+            </a:r>
+            <a:r>
+              <a:rPr lang="fr-FR" err="1"/>
+              <a:t>project</a:t>
+            </a:r>
+            <a:r>
+              <a:rPr lang="fr-FR"/>
+              <a:t> avec des phrases courte et compréhensible.</a:t>
+            </a:r>
+          </a:p>
+          <a:p>
+            <a:pPr algn="l"/>
+            <a:r>
+              <a:rPr lang="fr-FR"/>
+              <a:t>une autre personne que moi pourrez aller voir le programme et comprendre le fonctionnement.</a:t>
+            </a:r>
+          </a:p>
+          <a:p>
+            <a:pPr algn="l"/>
+            <a:endParaRPr lang="fr-FR"/>
+          </a:p>
+        </p:txBody>
+      </p:sp>
+      <p:sp>
+        <p:nvSpPr>
+          <p:cNvPr id="16" name="Rectangle 15">
+            <a:extLst>
+              <a:ext uri="{FF2B5EF4-FFF2-40B4-BE49-F238E27FC236}">
+                <a16:creationId xmlns:a16="http://schemas.microsoft.com/office/drawing/2014/main" id="{B0EE8A42-107A-4D4C-8D56-BBAE95C7FC0D}"/>
+              </a:ext>
+              <a:ext uri="{C183D7F6-B498-43B3-948B-1728B52AA6E4}">
+                <adec:decorative xmlns:adec="http://schemas.microsoft.com/office/drawing/2017/decorative" val="1"/>
+              </a:ext>
+            </a:extLst>
+          </p:cNvPr>
+          <p:cNvSpPr>
+            <a:spLocks noGrp="1" noRot="1" noChangeAspect="1" noMove="1" noResize="1" noEditPoints="1" noAdjustHandles="1" noChangeArrowheads="1" noChangeShapeType="1" noTextEdit="1"/>
+          </p:cNvSpPr>
+          <p:nvPr>
+            <p:extLst>
+              <p:ext uri="{386F3935-93C4-4BCD-93E2-E3B085C9AB24}">
+                <p16:designElem xmlns:p16="http://schemas.microsoft.com/office/powerpoint/2015/main" val="1"/>
+              </p:ext>
+            </p:extLst>
+          </p:nvPr>
+        </p:nvSpPr>
+        <p:spPr>
+          <a:xfrm rot="5400000">
+            <a:off x="-1524009" y="3366125"/>
+            <a:ext cx="3200400" cy="152382"/>
+          </a:xfrm>
+          <a:prstGeom prst="rect">
+            <a:avLst/>
+          </a:prstGeom>
+          <a:solidFill>
+            <a:schemeClr val="accent4"/>
+          </a:solidFill>
+          <a:ln>
+            <a:noFill/>
+          </a:ln>
+        </p:spPr>
+        <p:style>
+          <a:lnRef idx="2">
+            <a:schemeClr val="accent1">
+              <a:shade val="50000"/>
+            </a:schemeClr>
+          </a:lnRef>
+          <a:fillRef idx="1">
+            <a:schemeClr val="accent1"/>
+          </a:fillRef>
+          <a:effectRef idx="0">
+            <a:schemeClr val="accent1"/>
+          </a:effectRef>
+          <a:fontRef idx="minor">
+            <a:schemeClr val="lt1"/>
+          </a:fontRef>
+        </p:style>
+        <p:txBody>
+          <a:bodyPr rtlCol="0" anchor="ctr"/>
+          <a:lstStyle/>
+          <a:p>
+            <a:pPr algn="ctr"/>
+            <a:endParaRPr lang="en-US"/>
+          </a:p>
+        </p:txBody>
+      </p:sp>
+    </p:spTree>
+    <p:extLst>
+      <p:ext uri="{BB962C8B-B14F-4D97-AF65-F5344CB8AC3E}">
+        <p14:creationId xmlns:p14="http://schemas.microsoft.com/office/powerpoint/2010/main" val="1361226019"/>
+      </p:ext>
+    </p:extLst>
+  </p:cSld>
+  <p:clrMapOvr>
+    <a:masterClrMapping/>
+  </p:clrMapOvr>
+</p:sld>
+</file>
+
+<file path=ppt/slides/slide5.xml><?xml version="1.0" encoding="utf-8"?>
+<p:sld xmlns:a="http://schemas.openxmlformats.org/drawingml/2006/main" xmlns:r="http://schemas.openxmlformats.org/officeDocument/2006/relationships" xmlns:p="http://schemas.openxmlformats.org/presentationml/2006/main">
+  <p:cSld>
+    <p:bg>
+      <p:bgPr>
+        <a:solidFill>
+          <a:schemeClr val="bg1"/>
+        </a:solidFill>
+        <a:effectLst/>
+      </p:bgPr>
+    </p:bg>
+    <p:spTree>
+      <p:nvGrpSpPr>
+        <p:cNvPr id="1" name=""/>
+        <p:cNvGrpSpPr/>
+        <p:nvPr/>
+      </p:nvGrpSpPr>
+      <p:grpSpPr>
+        <a:xfrm>
+          <a:off x="0" y="0"/>
+          <a:ext cx="0" cy="0"/>
+          <a:chOff x="0" y="0"/>
+          <a:chExt cx="0" cy="0"/>
+        </a:xfrm>
+      </p:grpSpPr>
+      <p:sp useBgFill="1">
+        <p:nvSpPr>
+          <p:cNvPr id="8" name="Rectangle 7">
+            <a:extLst>
+              <a:ext uri="{FF2B5EF4-FFF2-40B4-BE49-F238E27FC236}">
+                <a16:creationId xmlns:a16="http://schemas.microsoft.com/office/drawing/2014/main" id="{A7895A40-19A4-42D6-9D30-DBC1E8002635}"/>
+              </a:ext>
+              <a:ext uri="{C183D7F6-B498-43B3-948B-1728B52AA6E4}">
+                <adec:decorative xmlns:adec="http://schemas.microsoft.com/office/drawing/2017/decorative" val="1"/>
+              </a:ext>
+            </a:extLst>
+          </p:cNvPr>
+          <p:cNvSpPr>
+            <a:spLocks noGrp="1" noRot="1" noChangeAspect="1" noMove="1" noResize="1" noEditPoints="1" noAdjustHandles="1" noChangeArrowheads="1" noChangeShapeType="1" noTextEdit="1"/>
+          </p:cNvSpPr>
+          <p:nvPr>
+            <p:extLst>
+              <p:ext uri="{386F3935-93C4-4BCD-93E2-E3B085C9AB24}">
+                <p16:designElem xmlns:p16="http://schemas.microsoft.com/office/powerpoint/2015/main" val="1"/>
+              </p:ext>
+            </p:extLst>
+          </p:nvPr>
+        </p:nvSpPr>
+        <p:spPr>
+          <a:xfrm>
+            <a:off x="0" y="0"/>
+            <a:ext cx="12191999" cy="6857365"/>
+          </a:xfrm>
+          <a:prstGeom prst="rect">
+            <a:avLst/>
+          </a:prstGeom>
+          <a:ln>
+            <a:noFill/>
+          </a:ln>
+        </p:spPr>
+        <p:style>
+          <a:lnRef idx="2">
+            <a:schemeClr val="accent1">
+              <a:shade val="50000"/>
+            </a:schemeClr>
+          </a:lnRef>
+          <a:fillRef idx="1">
+            <a:schemeClr val="accent1"/>
+          </a:fillRef>
+          <a:effectRef idx="0">
+            <a:schemeClr val="accent1"/>
+          </a:effectRef>
+          <a:fontRef idx="minor">
+            <a:schemeClr val="lt1"/>
+          </a:fontRef>
+        </p:style>
+        <p:txBody>
+          <a:bodyPr rtlCol="0" anchor="ctr"/>
+          <a:lstStyle/>
+          <a:p>
+            <a:pPr algn="ctr"/>
+            <a:endParaRPr lang="en-US"/>
+          </a:p>
+        </p:txBody>
+      </p:sp>
+      <p:sp>
+        <p:nvSpPr>
+          <p:cNvPr id="10" name="Rectangle 9">
+            <a:extLst>
+              <a:ext uri="{FF2B5EF4-FFF2-40B4-BE49-F238E27FC236}">
+                <a16:creationId xmlns:a16="http://schemas.microsoft.com/office/drawing/2014/main" id="{02F429C4-ABC9-46FC-818A-B5429CDE4A96}"/>
+              </a:ext>
+              <a:ext uri="{C183D7F6-B498-43B3-948B-1728B52AA6E4}">
+                <adec:decorative xmlns:adec="http://schemas.microsoft.com/office/drawing/2017/decorative" val="1"/>
+              </a:ext>
+            </a:extLst>
+          </p:cNvPr>
+          <p:cNvSpPr>
+            <a:spLocks noGrp="1" noRot="1" noChangeAspect="1" noMove="1" noResize="1" noEditPoints="1" noAdjustHandles="1" noChangeArrowheads="1" noChangeShapeType="1" noTextEdit="1"/>
+          </p:cNvSpPr>
+          <p:nvPr>
+            <p:extLst>
+              <p:ext uri="{386F3935-93C4-4BCD-93E2-E3B085C9AB24}">
+                <p16:designElem xmlns:p16="http://schemas.microsoft.com/office/powerpoint/2015/main" val="1"/>
+              </p:ext>
+            </p:extLst>
+          </p:nvPr>
+        </p:nvSpPr>
+        <p:spPr>
+          <a:xfrm rot="5400000">
+            <a:off x="-1270325" y="3369273"/>
+            <a:ext cx="3200400" cy="152382"/>
+          </a:xfrm>
+          <a:prstGeom prst="rect">
+            <a:avLst/>
+          </a:prstGeom>
+          <a:solidFill>
+            <a:schemeClr val="accent4"/>
+          </a:solidFill>
+          <a:ln>
+            <a:noFill/>
+          </a:ln>
+        </p:spPr>
+        <p:style>
+          <a:lnRef idx="2">
+            <a:schemeClr val="accent1">
+              <a:shade val="50000"/>
+            </a:schemeClr>
+          </a:lnRef>
+          <a:fillRef idx="1">
+            <a:schemeClr val="accent1"/>
+          </a:fillRef>
+          <a:effectRef idx="0">
+            <a:schemeClr val="accent1"/>
+          </a:effectRef>
+          <a:fontRef idx="minor">
+            <a:schemeClr val="lt1"/>
+          </a:fontRef>
+        </p:style>
+        <p:txBody>
+          <a:bodyPr rtlCol="0" anchor="ctr"/>
+          <a:lstStyle/>
+          <a:p>
+            <a:pPr algn="ctr"/>
+            <a:endParaRPr lang="en-US"/>
+          </a:p>
+        </p:txBody>
+      </p:sp>
+      <p:sp>
+        <p:nvSpPr>
+          <p:cNvPr id="12" name="Rectangle 11">
+            <a:extLst>
+              <a:ext uri="{FF2B5EF4-FFF2-40B4-BE49-F238E27FC236}">
+                <a16:creationId xmlns:a16="http://schemas.microsoft.com/office/drawing/2014/main" id="{2CEF98E4-3709-4952-8F42-2305CCE34FA3}"/>
+              </a:ext>
+              <a:ext uri="{C183D7F6-B498-43B3-948B-1728B52AA6E4}">
+                <adec:decorative xmlns:adec="http://schemas.microsoft.com/office/drawing/2017/decorative" val="1"/>
+              </a:ext>
+            </a:extLst>
+          </p:cNvPr>
+          <p:cNvSpPr>
+            <a:spLocks noGrp="1" noRot="1" noChangeAspect="1" noMove="1" noResize="1" noEditPoints="1" noAdjustHandles="1" noChangeArrowheads="1" noChangeShapeType="1" noTextEdit="1"/>
+          </p:cNvSpPr>
+          <p:nvPr>
+            <p:extLst>
+              <p:ext uri="{386F3935-93C4-4BCD-93E2-E3B085C9AB24}">
+                <p16:designElem xmlns:p16="http://schemas.microsoft.com/office/powerpoint/2015/main" val="1"/>
+              </p:ext>
+            </p:extLst>
+          </p:nvPr>
+        </p:nvSpPr>
+        <p:spPr>
+          <a:xfrm rot="16200000">
+            <a:off x="6374475" y="1040470"/>
+            <a:ext cx="6858003" cy="4777047"/>
+          </a:xfrm>
+          <a:prstGeom prst="rect">
+            <a:avLst/>
+          </a:prstGeom>
+          <a:solidFill>
+            <a:schemeClr val="accent4"/>
+          </a:solidFill>
+          <a:ln>
+            <a:noFill/>
+          </a:ln>
+        </p:spPr>
+        <p:style>
+          <a:lnRef idx="2">
+            <a:schemeClr val="accent1">
+              <a:shade val="50000"/>
+            </a:schemeClr>
+          </a:lnRef>
+          <a:fillRef idx="1">
+            <a:schemeClr val="accent1"/>
+          </a:fillRef>
+          <a:effectRef idx="0">
+            <a:schemeClr val="accent1"/>
+          </a:effectRef>
+          <a:fontRef idx="minor">
+            <a:schemeClr val="lt1"/>
+          </a:fontRef>
+        </p:style>
+        <p:txBody>
+          <a:bodyPr rtlCol="0" anchor="ctr"/>
+          <a:lstStyle/>
+          <a:p>
+            <a:pPr algn="ctr"/>
+            <a:endParaRPr lang="en-US"/>
+          </a:p>
+        </p:txBody>
+      </p:sp>
+      <p:sp>
+        <p:nvSpPr>
+          <p:cNvPr id="14" name="Rectangle 13">
+            <a:extLst>
+              <a:ext uri="{FF2B5EF4-FFF2-40B4-BE49-F238E27FC236}">
+                <a16:creationId xmlns:a16="http://schemas.microsoft.com/office/drawing/2014/main" id="{F10BCCF5-D685-47FF-B675-647EAEB72C8E}"/>
+              </a:ext>
+              <a:ext uri="{C183D7F6-B498-43B3-948B-1728B52AA6E4}">
+                <adec:decorative xmlns:adec="http://schemas.microsoft.com/office/drawing/2017/decorative" val="1"/>
+              </a:ext>
+            </a:extLst>
+          </p:cNvPr>
+          <p:cNvSpPr>
+            <a:spLocks noGrp="1" noRot="1" noChangeAspect="1" noMove="1" noResize="1" noEditPoints="1" noAdjustHandles="1" noChangeArrowheads="1" noChangeShapeType="1" noTextEdit="1"/>
+          </p:cNvSpPr>
+          <p:nvPr>
+            <p:extLst>
+              <p:ext uri="{386F3935-93C4-4BCD-93E2-E3B085C9AB24}">
+                <p16:designElem xmlns:p16="http://schemas.microsoft.com/office/powerpoint/2015/main" val="1"/>
+              </p:ext>
+            </p:extLst>
+          </p:nvPr>
+        </p:nvSpPr>
+        <p:spPr>
+          <a:xfrm>
+            <a:off x="387914" y="857786"/>
+            <a:ext cx="11067024" cy="5208932"/>
+          </a:xfrm>
+          <a:prstGeom prst="rect">
+            <a:avLst/>
+          </a:prstGeom>
+          <a:solidFill>
+            <a:schemeClr val="bg1"/>
+          </a:solidFill>
+          <a:ln>
+            <a:noFill/>
+          </a:ln>
+          <a:effectLst>
+            <a:outerShdw blurRad="139700" dist="127000" dir="5400000" algn="t" rotWithShape="0">
+              <a:prstClr val="black">
+                <a:alpha val="15000"/>
+              </a:prstClr>
+            </a:outerShdw>
+          </a:effectLst>
+        </p:spPr>
+        <p:style>
+          <a:lnRef idx="2">
+            <a:schemeClr val="accent1">
+              <a:shade val="50000"/>
+            </a:schemeClr>
+          </a:lnRef>
+          <a:fillRef idx="1">
+            <a:schemeClr val="accent1"/>
+          </a:fillRef>
+          <a:effectRef idx="0">
+            <a:schemeClr val="accent1"/>
+          </a:effectRef>
+          <a:fontRef idx="minor">
+            <a:schemeClr val="lt1"/>
+          </a:fontRef>
+        </p:style>
+        <p:txBody>
+          <a:bodyPr rtlCol="0" anchor="ctr"/>
+          <a:lstStyle/>
+          <a:p>
+            <a:pPr algn="ctr"/>
+            <a:endParaRPr lang="en-US"/>
+          </a:p>
+        </p:txBody>
+      </p:sp>
+      <p:sp>
+        <p:nvSpPr>
+          <p:cNvPr id="16" name="Rectangle 15">
+            <a:extLst>
+              <a:ext uri="{FF2B5EF4-FFF2-40B4-BE49-F238E27FC236}">
+                <a16:creationId xmlns:a16="http://schemas.microsoft.com/office/drawing/2014/main" id="{B0EE8A42-107A-4D4C-8D56-BBAE95C7FC0D}"/>
+              </a:ext>
+              <a:ext uri="{C183D7F6-B498-43B3-948B-1728B52AA6E4}">
+                <adec:decorative xmlns:adec="http://schemas.microsoft.com/office/drawing/2017/decorative" val="1"/>
+              </a:ext>
+            </a:extLst>
+          </p:cNvPr>
+          <p:cNvSpPr>
+            <a:spLocks noGrp="1" noRot="1" noChangeAspect="1" noMove="1" noResize="1" noEditPoints="1" noAdjustHandles="1" noChangeArrowheads="1" noChangeShapeType="1" noTextEdit="1"/>
+          </p:cNvSpPr>
+          <p:nvPr>
+            <p:extLst>
+              <p:ext uri="{386F3935-93C4-4BCD-93E2-E3B085C9AB24}">
+                <p16:designElem xmlns:p16="http://schemas.microsoft.com/office/powerpoint/2015/main" val="1"/>
+              </p:ext>
+            </p:extLst>
+          </p:nvPr>
+        </p:nvSpPr>
+        <p:spPr>
+          <a:xfrm rot="5400000">
+            <a:off x="-1524009" y="3366125"/>
+            <a:ext cx="3200400" cy="152382"/>
+          </a:xfrm>
+          <a:prstGeom prst="rect">
+            <a:avLst/>
+          </a:prstGeom>
+          <a:solidFill>
+            <a:schemeClr val="accent4"/>
+          </a:solidFill>
+          <a:ln>
+            <a:noFill/>
+          </a:ln>
+        </p:spPr>
+        <p:style>
+          <a:lnRef idx="2">
+            <a:schemeClr val="accent1">
+              <a:shade val="50000"/>
+            </a:schemeClr>
+          </a:lnRef>
+          <a:fillRef idx="1">
+            <a:schemeClr val="accent1"/>
+          </a:fillRef>
+          <a:effectRef idx="0">
+            <a:schemeClr val="accent1"/>
+          </a:effectRef>
+          <a:fontRef idx="minor">
+            <a:schemeClr val="lt1"/>
+          </a:fontRef>
+        </p:style>
+        <p:txBody>
+          <a:bodyPr rtlCol="0" anchor="ctr"/>
+          <a:lstStyle/>
+          <a:p>
+            <a:pPr algn="ctr"/>
+            <a:endParaRPr lang="en-US"/>
+          </a:p>
+        </p:txBody>
+      </p:sp>
+      <p:sp>
+        <p:nvSpPr>
+          <p:cNvPr id="5" name="Titre 4">
+            <a:extLst>
+              <a:ext uri="{FF2B5EF4-FFF2-40B4-BE49-F238E27FC236}">
+                <a16:creationId xmlns:a16="http://schemas.microsoft.com/office/drawing/2014/main" id="{26BF59BB-63C4-4052-9D20-259EEA6FB44F}"/>
+              </a:ext>
+            </a:extLst>
+          </p:cNvPr>
+          <p:cNvSpPr>
+            <a:spLocks noGrp="1"/>
+          </p:cNvSpPr>
+          <p:nvPr>
+            <p:ph type="ctrTitle"/>
+          </p:nvPr>
+        </p:nvSpPr>
+        <p:spPr>
+          <a:xfrm>
+            <a:off x="1356578" y="1793181"/>
+            <a:ext cx="3618015" cy="3739952"/>
+          </a:xfrm>
+        </p:spPr>
+        <p:txBody>
+          <a:bodyPr>
+            <a:normAutofit fontScale="90000"/>
+          </a:bodyPr>
+          <a:lstStyle/>
+          <a:p>
+            <a:br>
+              <a:rPr lang="fr-FR" sz="5400"/>
+            </a:br>
+            <a:br>
+              <a:rPr lang="fr-FR" sz="5400"/>
+            </a:br>
+            <a:br>
+              <a:rPr lang="fr-FR" sz="5400"/>
+            </a:br>
+            <a:br>
+              <a:rPr lang="fr-FR" sz="5400"/>
+            </a:br>
+            <a:r>
+              <a:rPr lang="fr-FR" sz="5400"/>
+              <a:t>Parlons </a:t>
+            </a:r>
+            <a:br>
+              <a:rPr lang="fr-FR" sz="5400"/>
+            </a:br>
+            <a:r>
+              <a:rPr lang="fr-FR" sz="5400"/>
+              <a:t> PEP8</a:t>
+            </a:r>
+            <a:br>
+              <a:rPr lang="fr-FR" sz="5400"/>
+            </a:br>
+            <a:br>
+              <a:rPr lang="fr-FR" sz="5400"/>
+            </a:br>
+            <a:br>
+              <a:rPr lang="fr-FR" sz="5400"/>
+            </a:br>
+            <a:endParaRPr lang="fr-FR" sz="5400"/>
+          </a:p>
+        </p:txBody>
+      </p:sp>
+      <p:sp>
+        <p:nvSpPr>
+          <p:cNvPr id="2" name="ZoneTexte 1">
+            <a:extLst>
+              <a:ext uri="{FF2B5EF4-FFF2-40B4-BE49-F238E27FC236}">
+                <a16:creationId xmlns:a16="http://schemas.microsoft.com/office/drawing/2014/main" id="{9D69D1C0-2BCA-4B2A-9781-54DCD0D46F1D}"/>
+              </a:ext>
+            </a:extLst>
+          </p:cNvPr>
+          <p:cNvSpPr txBox="1"/>
+          <p:nvPr/>
+        </p:nvSpPr>
+        <p:spPr>
+          <a:xfrm>
+            <a:off x="6507060" y="1389776"/>
+            <a:ext cx="4742576" cy="3888244"/>
+          </a:xfrm>
+          <a:prstGeom prst="rect">
+            <a:avLst/>
+          </a:prstGeom>
+          <a:noFill/>
+        </p:spPr>
+        <p:txBody>
+          <a:bodyPr rot="0" spcFirstLastPara="0" vertOverflow="overflow" horzOverflow="overflow" vert="horz" wrap="square" lIns="91440" tIns="45720" rIns="91440" bIns="45720" numCol="1" spcCol="0" rtlCol="0" fromWordArt="0" anchor="t" anchorCtr="0" forceAA="0" compatLnSpc="1">
+            <a:prstTxWarp prst="textNoShape">
+              <a:avLst/>
+            </a:prstTxWarp>
+            <a:spAutoFit/>
+          </a:bodyPr>
+          <a:lstStyle/>
+          <a:p>
+            <a:pPr algn="ctr">
+              <a:lnSpc>
+                <a:spcPct val="90000"/>
+              </a:lnSpc>
+              <a:spcBef>
+                <a:spcPts val="1000"/>
+              </a:spcBef>
+            </a:pPr>
+            <a:r>
+              <a:rPr lang="fr-FR">
+                <a:ea typeface="+mn-lt"/>
+                <a:cs typeface="+mn-lt"/>
+              </a:rPr>
+              <a:t>La PEP8</a:t>
+            </a:r>
+            <a:endParaRPr lang="en-US">
+              <a:ea typeface="+mn-lt"/>
+              <a:cs typeface="+mn-lt"/>
+            </a:endParaRPr>
+          </a:p>
+          <a:p>
+            <a:pPr algn="ctr">
+              <a:lnSpc>
+                <a:spcPct val="90000"/>
+              </a:lnSpc>
+              <a:spcBef>
+                <a:spcPts val="1000"/>
+              </a:spcBef>
+            </a:pPr>
+            <a:endParaRPr lang="fr-FR">
+              <a:ea typeface="+mn-lt"/>
+              <a:cs typeface="+mn-lt"/>
+            </a:endParaRPr>
+          </a:p>
+          <a:p>
+            <a:pPr algn="ctr">
+              <a:lnSpc>
+                <a:spcPct val="90000"/>
+              </a:lnSpc>
+              <a:spcBef>
+                <a:spcPts val="1000"/>
+              </a:spcBef>
+            </a:pPr>
+            <a:r>
+              <a:rPr lang="fr-FR">
+                <a:ea typeface="+mn-lt"/>
+                <a:cs typeface="+mn-lt"/>
+              </a:rPr>
+              <a:t>     mon code est dirigé par la norme PEP8.</a:t>
+            </a:r>
+            <a:endParaRPr lang="en-US">
+              <a:ea typeface="+mn-lt"/>
+              <a:cs typeface="+mn-lt"/>
+            </a:endParaRPr>
+          </a:p>
+          <a:p>
+            <a:pPr algn="ctr">
+              <a:lnSpc>
+                <a:spcPct val="90000"/>
+              </a:lnSpc>
+              <a:spcBef>
+                <a:spcPts val="1000"/>
+              </a:spcBef>
+            </a:pPr>
+            <a:r>
+              <a:rPr lang="fr-FR">
+                <a:cs typeface="Calibri"/>
+              </a:rPr>
+              <a:t>        Il n'y a pas d'espace inutile dans le code .</a:t>
+            </a:r>
+          </a:p>
+          <a:p>
+            <a:pPr algn="ctr">
+              <a:lnSpc>
+                <a:spcPct val="90000"/>
+              </a:lnSpc>
+              <a:spcBef>
+                <a:spcPts val="1000"/>
+              </a:spcBef>
+            </a:pPr>
+            <a:r>
+              <a:rPr lang="fr-FR">
+                <a:cs typeface="Calibri"/>
+              </a:rPr>
+              <a:t>Mon indentation est de 4 caractères,</a:t>
+            </a:r>
+            <a:endParaRPr lang="fr-FR"/>
+          </a:p>
+          <a:p>
+            <a:pPr algn="ctr">
+              <a:lnSpc>
+                <a:spcPct val="90000"/>
+              </a:lnSpc>
+              <a:spcBef>
+                <a:spcPts val="1000"/>
+              </a:spcBef>
+            </a:pPr>
+            <a:r>
+              <a:rPr lang="fr-FR">
+                <a:cs typeface="Calibri"/>
+              </a:rPr>
+              <a:t>pas de tabulation pour l'indentation.</a:t>
+            </a:r>
+          </a:p>
+          <a:p>
+            <a:pPr algn="ctr">
+              <a:lnSpc>
+                <a:spcPct val="90000"/>
+              </a:lnSpc>
+              <a:spcBef>
+                <a:spcPts val="1000"/>
+              </a:spcBef>
+            </a:pPr>
+            <a:r>
+              <a:rPr lang="fr-FR">
+                <a:cs typeface="Calibri"/>
+              </a:rPr>
+              <a:t>Mes documentations sont en anglais.</a:t>
+            </a:r>
+          </a:p>
+          <a:p>
+            <a:pPr algn="ctr">
+              <a:lnSpc>
+                <a:spcPct val="90000"/>
+              </a:lnSpc>
+              <a:spcBef>
+                <a:spcPts val="1000"/>
+              </a:spcBef>
+            </a:pPr>
+            <a:r>
+              <a:rPr lang="fr-FR">
+                <a:cs typeface="Calibri"/>
+              </a:rPr>
+              <a:t>          Mes variables sont en minuscule si il y        a deux mot .</a:t>
+            </a:r>
+          </a:p>
+          <a:p>
+            <a:pPr algn="ctr">
+              <a:lnSpc>
+                <a:spcPct val="90000"/>
+              </a:lnSpc>
+              <a:spcBef>
+                <a:spcPts val="1000"/>
+              </a:spcBef>
+            </a:pPr>
+            <a:r>
+              <a:rPr lang="fr-FR">
+                <a:cs typeface="Calibri"/>
+              </a:rPr>
+              <a:t>Je mets un tiret du bas centre .</a:t>
+            </a:r>
+          </a:p>
+          <a:p>
+            <a:endParaRPr lang="fr-FR">
+              <a:cs typeface="Calibri"/>
+            </a:endParaRPr>
+          </a:p>
+        </p:txBody>
+      </p:sp>
+    </p:spTree>
+    <p:extLst>
+      <p:ext uri="{BB962C8B-B14F-4D97-AF65-F5344CB8AC3E}">
+        <p14:creationId xmlns:p14="http://schemas.microsoft.com/office/powerpoint/2010/main" val="1004045936"/>
+      </p:ext>
+    </p:extLst>
+  </p:cSld>
+  <p:clrMapOvr>
+    <a:masterClrMapping/>
+  </p:clrMapOvr>
+</p:sld>
+</file>
+
+<file path=ppt/slides/slide6.xml><?xml version="1.0" encoding="utf-8"?>
+<p:sld xmlns:a="http://schemas.openxmlformats.org/drawingml/2006/main" xmlns:r="http://schemas.openxmlformats.org/officeDocument/2006/relationships" xmlns:p="http://schemas.openxmlformats.org/presentationml/2006/main">
+  <p:cSld>
+    <p:bg>
+      <p:bgPr>
+        <a:solidFill>
+          <a:schemeClr val="bg1"/>
+        </a:solidFill>
+        <a:effectLst/>
+      </p:bgPr>
+    </p:bg>
+    <p:spTree>
+      <p:nvGrpSpPr>
+        <p:cNvPr id="1" name=""/>
+        <p:cNvGrpSpPr/>
+        <p:nvPr/>
+      </p:nvGrpSpPr>
+      <p:grpSpPr>
+        <a:xfrm>
+          <a:off x="0" y="0"/>
+          <a:ext cx="0" cy="0"/>
+          <a:chOff x="0" y="0"/>
+          <a:chExt cx="0" cy="0"/>
+        </a:xfrm>
+      </p:grpSpPr>
+      <p:sp useBgFill="1">
+        <p:nvSpPr>
+          <p:cNvPr id="8" name="Rectangle 7">
+            <a:extLst>
+              <a:ext uri="{FF2B5EF4-FFF2-40B4-BE49-F238E27FC236}">
+                <a16:creationId xmlns:a16="http://schemas.microsoft.com/office/drawing/2014/main" id="{A7895A40-19A4-42D6-9D30-DBC1E8002635}"/>
+              </a:ext>
+              <a:ext uri="{C183D7F6-B498-43B3-948B-1728B52AA6E4}">
+                <adec:decorative xmlns:adec="http://schemas.microsoft.com/office/drawing/2017/decorative" val="1"/>
+              </a:ext>
+            </a:extLst>
+          </p:cNvPr>
+          <p:cNvSpPr>
+            <a:spLocks noGrp="1" noRot="1" noChangeAspect="1" noMove="1" noResize="1" noEditPoints="1" noAdjustHandles="1" noChangeArrowheads="1" noChangeShapeType="1" noTextEdit="1"/>
+          </p:cNvSpPr>
+          <p:nvPr>
+            <p:extLst>
+              <p:ext uri="{386F3935-93C4-4BCD-93E2-E3B085C9AB24}">
+                <p16:designElem xmlns:p16="http://schemas.microsoft.com/office/powerpoint/2015/main" val="1"/>
+              </p:ext>
+            </p:extLst>
+          </p:nvPr>
+        </p:nvSpPr>
+        <p:spPr>
+          <a:xfrm>
+            <a:off x="0" y="0"/>
+            <a:ext cx="12191999" cy="6857365"/>
+          </a:xfrm>
+          <a:prstGeom prst="rect">
+            <a:avLst/>
+          </a:prstGeom>
+          <a:ln>
+            <a:noFill/>
+          </a:ln>
+        </p:spPr>
+        <p:style>
+          <a:lnRef idx="2">
+            <a:schemeClr val="accent1">
+              <a:shade val="50000"/>
+            </a:schemeClr>
+          </a:lnRef>
+          <a:fillRef idx="1">
+            <a:schemeClr val="accent1"/>
+          </a:fillRef>
+          <a:effectRef idx="0">
+            <a:schemeClr val="accent1"/>
+          </a:effectRef>
+          <a:fontRef idx="minor">
+            <a:schemeClr val="lt1"/>
+          </a:fontRef>
+        </p:style>
+        <p:txBody>
+          <a:bodyPr rtlCol="0" anchor="ctr"/>
+          <a:lstStyle/>
+          <a:p>
+            <a:pPr algn="ctr"/>
+            <a:endParaRPr lang="en-US"/>
+          </a:p>
+        </p:txBody>
+      </p:sp>
+      <p:sp>
+        <p:nvSpPr>
+          <p:cNvPr id="10" name="Rectangle 9">
+            <a:extLst>
+              <a:ext uri="{FF2B5EF4-FFF2-40B4-BE49-F238E27FC236}">
+                <a16:creationId xmlns:a16="http://schemas.microsoft.com/office/drawing/2014/main" id="{02F429C4-ABC9-46FC-818A-B5429CDE4A96}"/>
+              </a:ext>
+              <a:ext uri="{C183D7F6-B498-43B3-948B-1728B52AA6E4}">
+                <adec:decorative xmlns:adec="http://schemas.microsoft.com/office/drawing/2017/decorative" val="1"/>
+              </a:ext>
+            </a:extLst>
+          </p:cNvPr>
+          <p:cNvSpPr>
+            <a:spLocks noGrp="1" noRot="1" noChangeAspect="1" noMove="1" noResize="1" noEditPoints="1" noAdjustHandles="1" noChangeArrowheads="1" noChangeShapeType="1" noTextEdit="1"/>
+          </p:cNvSpPr>
+          <p:nvPr>
+            <p:extLst>
+              <p:ext uri="{386F3935-93C4-4BCD-93E2-E3B085C9AB24}">
+                <p16:designElem xmlns:p16="http://schemas.microsoft.com/office/powerpoint/2015/main" val="1"/>
+              </p:ext>
+            </p:extLst>
+          </p:nvPr>
+        </p:nvSpPr>
+        <p:spPr>
+          <a:xfrm rot="5400000">
+            <a:off x="-1270325" y="3369273"/>
+            <a:ext cx="3200400" cy="152382"/>
+          </a:xfrm>
+          <a:prstGeom prst="rect">
+            <a:avLst/>
+          </a:prstGeom>
+          <a:solidFill>
+            <a:schemeClr val="accent4"/>
+          </a:solidFill>
+          <a:ln>
+            <a:noFill/>
+          </a:ln>
+        </p:spPr>
+        <p:style>
+          <a:lnRef idx="2">
+            <a:schemeClr val="accent1">
+              <a:shade val="50000"/>
+            </a:schemeClr>
+          </a:lnRef>
+          <a:fillRef idx="1">
+            <a:schemeClr val="accent1"/>
+          </a:fillRef>
+          <a:effectRef idx="0">
+            <a:schemeClr val="accent1"/>
+          </a:effectRef>
+          <a:fontRef idx="minor">
+            <a:schemeClr val="lt1"/>
+          </a:fontRef>
+        </p:style>
+        <p:txBody>
+          <a:bodyPr rtlCol="0" anchor="ctr"/>
+          <a:lstStyle/>
+          <a:p>
+            <a:pPr algn="ctr"/>
+            <a:endParaRPr lang="en-US"/>
+          </a:p>
+        </p:txBody>
+      </p:sp>
+      <p:sp>
+        <p:nvSpPr>
+          <p:cNvPr id="12" name="Rectangle 11">
+            <a:extLst>
+              <a:ext uri="{FF2B5EF4-FFF2-40B4-BE49-F238E27FC236}">
+                <a16:creationId xmlns:a16="http://schemas.microsoft.com/office/drawing/2014/main" id="{2CEF98E4-3709-4952-8F42-2305CCE34FA3}"/>
+              </a:ext>
+              <a:ext uri="{C183D7F6-B498-43B3-948B-1728B52AA6E4}">
+                <adec:decorative xmlns:adec="http://schemas.microsoft.com/office/drawing/2017/decorative" val="1"/>
+              </a:ext>
+            </a:extLst>
+          </p:cNvPr>
+          <p:cNvSpPr>
+            <a:spLocks noGrp="1" noRot="1" noChangeAspect="1" noMove="1" noResize="1" noEditPoints="1" noAdjustHandles="1" noChangeArrowheads="1" noChangeShapeType="1" noTextEdit="1"/>
+          </p:cNvSpPr>
+          <p:nvPr>
+            <p:extLst>
+              <p:ext uri="{386F3935-93C4-4BCD-93E2-E3B085C9AB24}">
+                <p16:designElem xmlns:p16="http://schemas.microsoft.com/office/powerpoint/2015/main" val="1"/>
+              </p:ext>
+            </p:extLst>
+          </p:nvPr>
+        </p:nvSpPr>
+        <p:spPr>
+          <a:xfrm rot="16200000">
+            <a:off x="6374475" y="1040470"/>
+            <a:ext cx="6858003" cy="4777047"/>
+          </a:xfrm>
+          <a:prstGeom prst="rect">
+            <a:avLst/>
+          </a:prstGeom>
+          <a:solidFill>
+            <a:schemeClr val="accent4"/>
+          </a:solidFill>
+          <a:ln>
+            <a:noFill/>
+          </a:ln>
+        </p:spPr>
+        <p:style>
+          <a:lnRef idx="2">
+            <a:schemeClr val="accent1">
+              <a:shade val="50000"/>
+            </a:schemeClr>
+          </a:lnRef>
+          <a:fillRef idx="1">
+            <a:schemeClr val="accent1"/>
+          </a:fillRef>
+          <a:effectRef idx="0">
+            <a:schemeClr val="accent1"/>
+          </a:effectRef>
+          <a:fontRef idx="minor">
+            <a:schemeClr val="lt1"/>
+          </a:fontRef>
+        </p:style>
+        <p:txBody>
+          <a:bodyPr rtlCol="0" anchor="ctr"/>
+          <a:lstStyle/>
+          <a:p>
+            <a:pPr algn="ctr"/>
+            <a:endParaRPr lang="en-US"/>
+          </a:p>
+        </p:txBody>
+      </p:sp>
+      <p:sp>
+        <p:nvSpPr>
+          <p:cNvPr id="14" name="Rectangle 13">
+            <a:extLst>
+              <a:ext uri="{FF2B5EF4-FFF2-40B4-BE49-F238E27FC236}">
+                <a16:creationId xmlns:a16="http://schemas.microsoft.com/office/drawing/2014/main" id="{F10BCCF5-D685-47FF-B675-647EAEB72C8E}"/>
+              </a:ext>
+              <a:ext uri="{C183D7F6-B498-43B3-948B-1728B52AA6E4}">
+                <adec:decorative xmlns:adec="http://schemas.microsoft.com/office/drawing/2017/decorative" val="1"/>
+              </a:ext>
+            </a:extLst>
+          </p:cNvPr>
+          <p:cNvSpPr>
+            <a:spLocks noGrp="1" noRot="1" noChangeAspect="1" noMove="1" noResize="1" noEditPoints="1" noAdjustHandles="1" noChangeArrowheads="1" noChangeShapeType="1" noTextEdit="1"/>
+          </p:cNvSpPr>
+          <p:nvPr>
+            <p:extLst>
+              <p:ext uri="{386F3935-93C4-4BCD-93E2-E3B085C9AB24}">
+                <p16:designElem xmlns:p16="http://schemas.microsoft.com/office/powerpoint/2015/main" val="1"/>
+              </p:ext>
+            </p:extLst>
+          </p:nvPr>
+        </p:nvSpPr>
+        <p:spPr>
+          <a:xfrm>
+            <a:off x="387914" y="857786"/>
+            <a:ext cx="11067024" cy="5208932"/>
+          </a:xfrm>
+          <a:prstGeom prst="rect">
+            <a:avLst/>
+          </a:prstGeom>
+          <a:solidFill>
+            <a:schemeClr val="bg1"/>
+          </a:solidFill>
+          <a:ln>
+            <a:noFill/>
+          </a:ln>
+          <a:effectLst>
+            <a:outerShdw blurRad="139700" dist="127000" dir="5400000" algn="t" rotWithShape="0">
+              <a:prstClr val="black">
+                <a:alpha val="15000"/>
+              </a:prstClr>
+            </a:outerShdw>
+          </a:effectLst>
+        </p:spPr>
+        <p:style>
+          <a:lnRef idx="2">
+            <a:schemeClr val="accent1">
+              <a:shade val="50000"/>
+            </a:schemeClr>
+          </a:lnRef>
+          <a:fillRef idx="1">
+            <a:schemeClr val="accent1"/>
+          </a:fillRef>
+          <a:effectRef idx="0">
+            <a:schemeClr val="accent1"/>
+          </a:effectRef>
+          <a:fontRef idx="minor">
+            <a:schemeClr val="lt1"/>
+          </a:fontRef>
+        </p:style>
+        <p:txBody>
+          <a:bodyPr rtlCol="0" anchor="ctr"/>
+          <a:lstStyle/>
+          <a:p>
+            <a:pPr algn="ctr"/>
+            <a:endParaRPr lang="en-US"/>
+          </a:p>
+        </p:txBody>
+      </p:sp>
+      <p:sp>
+        <p:nvSpPr>
+          <p:cNvPr id="16" name="Rectangle 15">
+            <a:extLst>
+              <a:ext uri="{FF2B5EF4-FFF2-40B4-BE49-F238E27FC236}">
+                <a16:creationId xmlns:a16="http://schemas.microsoft.com/office/drawing/2014/main" id="{B0EE8A42-107A-4D4C-8D56-BBAE95C7FC0D}"/>
+              </a:ext>
+              <a:ext uri="{C183D7F6-B498-43B3-948B-1728B52AA6E4}">
+                <adec:decorative xmlns:adec="http://schemas.microsoft.com/office/drawing/2017/decorative" val="1"/>
+              </a:ext>
+            </a:extLst>
+          </p:cNvPr>
+          <p:cNvSpPr>
+            <a:spLocks noGrp="1" noRot="1" noChangeAspect="1" noMove="1" noResize="1" noEditPoints="1" noAdjustHandles="1" noChangeArrowheads="1" noChangeShapeType="1" noTextEdit="1"/>
+          </p:cNvSpPr>
+          <p:nvPr>
+            <p:extLst>
+              <p:ext uri="{386F3935-93C4-4BCD-93E2-E3B085C9AB24}">
+                <p16:designElem xmlns:p16="http://schemas.microsoft.com/office/powerpoint/2015/main" val="1"/>
+              </p:ext>
+            </p:extLst>
+          </p:nvPr>
+        </p:nvSpPr>
+        <p:spPr>
+          <a:xfrm rot="5400000">
+            <a:off x="-1524009" y="3366125"/>
+            <a:ext cx="3200400" cy="152382"/>
+          </a:xfrm>
+          <a:prstGeom prst="rect">
+            <a:avLst/>
+          </a:prstGeom>
+          <a:solidFill>
+            <a:schemeClr val="accent4"/>
+          </a:solidFill>
+          <a:ln>
+            <a:noFill/>
+          </a:ln>
+        </p:spPr>
+        <p:style>
+          <a:lnRef idx="2">
+            <a:schemeClr val="accent1">
+              <a:shade val="50000"/>
+            </a:schemeClr>
+          </a:lnRef>
+          <a:fillRef idx="1">
+            <a:schemeClr val="accent1"/>
+          </a:fillRef>
+          <a:effectRef idx="0">
+            <a:schemeClr val="accent1"/>
+          </a:effectRef>
+          <a:fontRef idx="minor">
+            <a:schemeClr val="lt1"/>
+          </a:fontRef>
+        </p:style>
+        <p:txBody>
+          <a:bodyPr rtlCol="0" anchor="ctr"/>
+          <a:lstStyle/>
+          <a:p>
+            <a:pPr algn="ctr"/>
+            <a:endParaRPr lang="en-US"/>
+          </a:p>
+        </p:txBody>
+      </p:sp>
+      <p:sp>
+        <p:nvSpPr>
+          <p:cNvPr id="5" name="Sous-titre 4">
+            <a:extLst>
+              <a:ext uri="{FF2B5EF4-FFF2-40B4-BE49-F238E27FC236}">
+                <a16:creationId xmlns:a16="http://schemas.microsoft.com/office/drawing/2014/main" id="{6175EAC7-E3D9-4EEA-958F-E1AE20A46C30}"/>
+              </a:ext>
+            </a:extLst>
+          </p:cNvPr>
+          <p:cNvSpPr>
+            <a:spLocks noGrp="1"/>
+          </p:cNvSpPr>
+          <p:nvPr>
+            <p:ph type="subTitle" idx="1"/>
+          </p:nvPr>
+        </p:nvSpPr>
+        <p:spPr>
+          <a:xfrm>
+            <a:off x="5466826" y="1148260"/>
+            <a:ext cx="5767430" cy="4116531"/>
+          </a:xfrm>
+        </p:spPr>
+        <p:txBody>
+          <a:bodyPr vert="horz" lIns="91440" tIns="45720" rIns="91440" bIns="45720" rtlCol="0" anchor="t">
+            <a:normAutofit/>
+          </a:bodyPr>
+          <a:lstStyle/>
+          <a:p>
+            <a:r>
+              <a:rPr lang="fr-FR">
+                <a:cs typeface="Calibri"/>
+              </a:rPr>
+              <a:t>Tous mon code ce trouve dans le  dépôt </a:t>
+            </a:r>
+            <a:r>
+              <a:rPr lang="fr-FR" err="1">
+                <a:cs typeface="Calibri"/>
+              </a:rPr>
+              <a:t>Github</a:t>
+            </a:r>
+            <a:r>
+              <a:rPr lang="fr-FR">
+                <a:cs typeface="Calibri"/>
+              </a:rPr>
+              <a:t>.</a:t>
+            </a:r>
+          </a:p>
+          <a:p>
+            <a:r>
+              <a:rPr lang="fr-FR">
+                <a:cs typeface="Calibri"/>
+              </a:rPr>
+              <a:t>Mon liens </a:t>
+            </a:r>
+            <a:r>
+              <a:rPr lang="fr-FR" err="1">
+                <a:cs typeface="Calibri"/>
+              </a:rPr>
+              <a:t>Github</a:t>
+            </a:r>
+            <a:r>
+              <a:rPr lang="fr-FR">
+                <a:cs typeface="Calibri"/>
+              </a:rPr>
+              <a:t>:</a:t>
+            </a:r>
+          </a:p>
+          <a:p>
+            <a:endParaRPr lang="fr-FR">
+              <a:cs typeface="Calibri"/>
+            </a:endParaRPr>
+          </a:p>
+          <a:p>
+            <a:r>
+              <a:rPr lang="fr-FR" sz="3200" b="1" i="1">
+                <a:cs typeface="Calibri"/>
+                <a:hlinkClick r:id="rId2"/>
+              </a:rPr>
+              <a:t>maze(labyrinthe)</a:t>
+            </a:r>
+            <a:endParaRPr lang="fr-FR" sz="3200" b="1" i="1">
+              <a:cs typeface="Calibri"/>
+            </a:endParaRPr>
+          </a:p>
+        </p:txBody>
+      </p:sp>
+      <p:sp>
+        <p:nvSpPr>
+          <p:cNvPr id="7" name="Titre 6">
+            <a:extLst>
+              <a:ext uri="{FF2B5EF4-FFF2-40B4-BE49-F238E27FC236}">
+                <a16:creationId xmlns:a16="http://schemas.microsoft.com/office/drawing/2014/main" id="{139D4D3E-A4CA-45A0-82D8-F1D1C3284BCD}"/>
+              </a:ext>
+            </a:extLst>
+          </p:cNvPr>
+          <p:cNvSpPr>
+            <a:spLocks noGrp="1"/>
+          </p:cNvSpPr>
+          <p:nvPr>
+            <p:ph type="ctrTitle"/>
+          </p:nvPr>
+        </p:nvSpPr>
+        <p:spPr>
+          <a:xfrm>
+            <a:off x="671119" y="2884051"/>
+            <a:ext cx="5026404" cy="905544"/>
+          </a:xfrm>
+        </p:spPr>
+        <p:txBody>
+          <a:bodyPr>
+            <a:normAutofit fontScale="90000"/>
+          </a:bodyPr>
+          <a:lstStyle/>
+          <a:p>
+            <a:r>
+              <a:rPr lang="fr-FR">
+                <a:cs typeface="Calibri Light"/>
+              </a:rPr>
+              <a:t>Dépôt </a:t>
+            </a:r>
+            <a:r>
+              <a:rPr lang="fr-FR" b="1">
+                <a:cs typeface="Calibri Light"/>
+              </a:rPr>
+              <a:t>GITHUB</a:t>
+            </a:r>
+            <a:endParaRPr lang="fr-FR" b="1" err="1"/>
+          </a:p>
+        </p:txBody>
+      </p:sp>
+    </p:spTree>
+    <p:extLst>
+      <p:ext uri="{BB962C8B-B14F-4D97-AF65-F5344CB8AC3E}">
+        <p14:creationId xmlns:p14="http://schemas.microsoft.com/office/powerpoint/2010/main" val="1489990235"/>
+      </p:ext>
+    </p:extLst>
+  </p:cSld>
+  <p:clrMapOvr>
+    <a:masterClrMapping/>
+  </p:clrMapOvr>
+</p:sld>
+</file>
+
+<file path=ppt/slides/slide7.xml><?xml version="1.0" encoding="utf-8"?>
 <p:sld xmlns:a="http://schemas.openxmlformats.org/drawingml/2006/main" xmlns:r="http://schemas.openxmlformats.org/officeDocument/2006/relationships" xmlns:p="http://schemas.openxmlformats.org/presentationml/2006/main">
   <p:cSld>
     <p:bg>
@@ -9039,17 +14430,91 @@
           <a:p>
             <a:r>
               <a:rPr lang="fr-FR" sz="2000"/>
-              <a:t>Le mode d’emploi du jeu le programme représente un labyrinthe avec deux personnages </a:t>
-            </a:r>
+              <a:t>Le mode d’emploi du jeu le programme représente un labyrinthe avec deux personnages </a:t>
+            </a:r>
+            <a:endParaRPr lang="fr-FR" sz="2000">
+              <a:cs typeface="Calibri"/>
+            </a:endParaRPr>
           </a:p>
           <a:p>
             <a:r>
               <a:rPr lang="fr-FR" sz="2000"/>
-              <a:t>Le premier personnage s’appelle Mac Giver représenter par le m minuscule en chaine de caractères qui doit se déplacer dans le labyrinthe ,ainsi que son Gardien lui représenter par un g minuscule lui reste statique et se  trois objets a,b,c eux sont déposer aléatoirement dans le labyrinthe .Pour gagner il faut récupère les trois objets avant le gardien ,si vous récupère le gardien avant les objets vous perdez.</a:t>
-            </a:r>
+              <a:t>Le premier personnage s’appelle Mac </a:t>
+            </a:r>
+            <a:r>
+              <a:rPr lang="fr-FR" sz="2000" err="1"/>
+              <a:t>Giver</a:t>
+            </a:r>
+            <a:r>
+              <a:rPr lang="fr-FR" sz="2000"/>
+              <a:t> représenter par le m minuscule en chaine de caractères qui doit se déplacer dans le labyrinthe ,ainsi que son Gardien lui représenter par un g minuscule lui reste statique et se  trois objets a ,b ,c eux sont déposer aléatoirement dans le labyrinthe .Pour gagner il faut récupère les trois objets avant le gardien ,si vous récupère le gardien avant les objets vous perdez.</a:t>
+            </a:r>
+            <a:endParaRPr lang="fr-FR" sz="2000">
+              <a:cs typeface="Calibri"/>
+            </a:endParaRPr>
           </a:p>
           <a:p>
             <a:endParaRPr lang="fr-FR" sz="2000"/>
+          </a:p>
+        </p:txBody>
+      </p:sp>
+      <p:sp>
+        <p:nvSpPr>
+          <p:cNvPr id="14" name="Titre 1">
+            <a:extLst>
+              <a:ext uri="{FF2B5EF4-FFF2-40B4-BE49-F238E27FC236}">
+                <a16:creationId xmlns:a16="http://schemas.microsoft.com/office/drawing/2014/main" id="{E412B0E6-09D8-476C-82D0-194AE17351B6}"/>
+              </a:ext>
+            </a:extLst>
+          </p:cNvPr>
+          <p:cNvSpPr txBox="1">
+            <a:spLocks/>
+          </p:cNvSpPr>
+          <p:nvPr/>
+        </p:nvSpPr>
+        <p:spPr>
+          <a:xfrm>
+            <a:off x="1221637" y="1769222"/>
+            <a:ext cx="4572001" cy="2554061"/>
+          </a:xfrm>
+          <a:prstGeom prst="rect">
+            <a:avLst/>
+          </a:prstGeom>
+        </p:spPr>
+        <p:txBody>
+          <a:bodyPr vert="horz" lIns="91440" tIns="45720" rIns="91440" bIns="45720" rtlCol="0" anchor="t">
+            <a:normAutofit/>
+          </a:bodyPr>
+          <a:lstStyle>
+            <a:lvl1pPr algn="l" defTabSz="914400" rtl="0" eaLnBrk="1" latinLnBrk="0" hangingPunct="1">
+              <a:lnSpc>
+                <a:spcPct val="90000"/>
+              </a:lnSpc>
+              <a:spcBef>
+                <a:spcPct val="0"/>
+              </a:spcBef>
+              <a:buNone/>
+              <a:defRPr sz="4400" kern="1200">
+                <a:solidFill>
+                  <a:schemeClr val="tx1"/>
+                </a:solidFill>
+                <a:latin typeface="+mj-lt"/>
+                <a:ea typeface="+mj-ea"/>
+                <a:cs typeface="+mj-cs"/>
+              </a:defRPr>
+            </a:lvl1pPr>
+          </a:lstStyle>
+          <a:p>
+            <a:r>
+              <a:rPr lang="fr-FR" sz="5400"/>
+              <a:t>Project Maze</a:t>
+            </a:r>
+          </a:p>
+          <a:p>
+            <a:r>
+              <a:rPr lang="fr-FR" sz="5400"/>
+              <a:t>(labyrinthe)</a:t>
+            </a:r>
           </a:p>
         </p:txBody>
       </p:sp>
@@ -9066,7 +14531,7 @@
 </p:sld>
 </file>
 
-<file path=ppt/slides/slide4.xml><?xml version="1.0" encoding="utf-8"?>
+<file path=ppt/slides/slide8.xml><?xml version="1.0" encoding="utf-8"?>
 <p:sld xmlns:a="http://schemas.openxmlformats.org/drawingml/2006/main" xmlns:r="http://schemas.openxmlformats.org/officeDocument/2006/relationships" xmlns:p="http://schemas.openxmlformats.org/presentationml/2006/main">
   <p:cSld>
     <p:bg>
@@ -9549,8 +15014,8 @@
         </p:nvSpPr>
         <p:spPr>
           <a:xfrm>
-            <a:off x="6096001" y="1336329"/>
-            <a:ext cx="1741713" cy="4382588"/>
+            <a:off x="6033084" y="1336329"/>
+            <a:ext cx="2028336" cy="4382588"/>
           </a:xfrm>
         </p:spPr>
         <p:txBody>
@@ -9560,91 +15025,91 @@
           <a:lstStyle/>
           <a:p>
             <a:r>
-              <a:rPr lang="fr-FR" sz="1100" dirty="0"/>
+              <a:rPr lang="fr-FR" sz="1100"/>
               <a:t>###############</a:t>
             </a:r>
           </a:p>
           <a:p>
             <a:r>
-              <a:rPr lang="fr-FR" sz="1100" dirty="0"/>
+              <a:rPr lang="fr-FR" sz="1100"/>
               <a:t>#g##           ######</a:t>
             </a:r>
           </a:p>
           <a:p>
             <a:r>
-              <a:rPr lang="fr-FR" sz="1100" dirty="0"/>
+              <a:rPr lang="fr-FR" sz="1100"/>
               <a:t>#    ##                   #</a:t>
             </a:r>
           </a:p>
           <a:p>
             <a:r>
-              <a:rPr lang="fr-FR" sz="1100" dirty="0"/>
+              <a:rPr lang="fr-FR" sz="1100"/>
               <a:t>####                     #</a:t>
             </a:r>
           </a:p>
           <a:p>
             <a:r>
-              <a:rPr lang="fr-FR" sz="1100" dirty="0"/>
+              <a:rPr lang="fr-FR" sz="1100"/>
               <a:t>#                       ###</a:t>
             </a:r>
           </a:p>
           <a:p>
             <a:r>
-              <a:rPr lang="fr-FR" sz="1100" dirty="0"/>
+              <a:rPr lang="fr-FR" sz="1100"/>
               <a:t>#                            #</a:t>
             </a:r>
           </a:p>
           <a:p>
             <a:r>
-              <a:rPr lang="fr-FR" sz="1100" dirty="0"/>
+              <a:rPr lang="fr-FR" sz="1100"/>
               <a:t>#####                   #</a:t>
             </a:r>
           </a:p>
           <a:p>
             <a:r>
-              <a:rPr lang="fr-FR" sz="1100" dirty="0"/>
+              <a:rPr lang="fr-FR" sz="1100"/>
               <a:t>#                            #</a:t>
             </a:r>
           </a:p>
           <a:p>
             <a:r>
-              <a:rPr lang="fr-FR" sz="1100" dirty="0"/>
+              <a:rPr lang="fr-FR" sz="1100"/>
               <a:t>#              #######</a:t>
             </a:r>
           </a:p>
           <a:p>
             <a:r>
-              <a:rPr lang="fr-FR" sz="1100" dirty="0"/>
+              <a:rPr lang="fr-FR" sz="1100"/>
               <a:t>######                 #</a:t>
             </a:r>
           </a:p>
           <a:p>
             <a:r>
-              <a:rPr lang="fr-FR" sz="1100" dirty="0"/>
+              <a:rPr lang="fr-FR" sz="1100"/>
               <a:t>#                            #</a:t>
             </a:r>
           </a:p>
           <a:p>
             <a:r>
-              <a:rPr lang="fr-FR" sz="1100" dirty="0"/>
+              <a:rPr lang="fr-FR" sz="1100"/>
               <a:t>#                   #####</a:t>
             </a:r>
           </a:p>
           <a:p>
             <a:r>
-              <a:rPr lang="fr-FR" sz="1100" dirty="0"/>
+              <a:rPr lang="fr-FR" sz="1100"/>
               <a:t># #  #                    #</a:t>
             </a:r>
           </a:p>
           <a:p>
             <a:r>
-              <a:rPr lang="fr-FR" sz="1100" dirty="0"/>
+              <a:rPr lang="fr-FR" sz="1100"/>
               <a:t># m                     ##</a:t>
             </a:r>
           </a:p>
           <a:p>
             <a:r>
-              <a:rPr lang="fr-FR" sz="1100" dirty="0"/>
+              <a:rPr lang="fr-FR" sz="1100"/>
               <a:t>###############</a:t>
             </a:r>
           </a:p>
@@ -9679,7 +15144,7 @@
           <a:lstStyle/>
           <a:p>
             <a:r>
-              <a:rPr lang="fr-FR" dirty="0"/>
+              <a:rPr lang="fr-FR"/>
               <a:t>Au début de cette formation python ,nous avons  j’ai appris la programmation python en console nous avons donc  travailler sur le projet 3(MAZE) en mode console le labyrinthe et les personnages sont des caractères.</a:t>
             </a:r>
           </a:p>
@@ -9700,7 +15165,7 @@
         <p:spPr>
           <a:xfrm>
             <a:off x="8229599" y="4357396"/>
-            <a:ext cx="2931758" cy="646331"/>
+            <a:ext cx="2931758" cy="923330"/>
           </a:xfrm>
           <a:prstGeom prst="rect">
             <a:avLst/>
@@ -9708,21 +15173,21 @@
           <a:noFill/>
         </p:spPr>
         <p:txBody>
-          <a:bodyPr wrap="square" rtlCol="0">
+          <a:bodyPr wrap="square" rtlCol="0" anchor="t">
             <a:spAutoFit/>
           </a:bodyPr>
           <a:lstStyle/>
           <a:p>
             <a:r>
-              <a:rPr lang="fr-FR" dirty="0"/>
-              <a:t>Nous passons donc a la version </a:t>
-            </a:r>
-            <a:r>
-              <a:rPr lang="fr-FR" dirty="0" err="1"/>
+              <a:rPr lang="fr-FR"/>
+              <a:t>Nous passons donc à la version python avec le module  </a:t>
+            </a:r>
+            <a:r>
+              <a:rPr lang="fr-FR" err="1"/>
               <a:t>pygame</a:t>
             </a:r>
             <a:r>
-              <a:rPr lang="fr-FR" dirty="0"/>
+              <a:rPr lang="fr-FR"/>
               <a:t>.</a:t>
             </a:r>
           </a:p>
@@ -9741,7 +15206,7 @@
 </p:sld>
 </file>
 
-<file path=ppt/slides/slide5.xml><?xml version="1.0" encoding="utf-8"?>
+<file path=ppt/slides/slide9.xml><?xml version="1.0" encoding="utf-8"?>
 <p:sld xmlns:a="http://schemas.openxmlformats.org/drawingml/2006/main" xmlns:r="http://schemas.openxmlformats.org/officeDocument/2006/relationships" xmlns:p="http://schemas.openxmlformats.org/presentationml/2006/main">
   <p:cSld>
     <p:bg>
@@ -10344,2160 +15809,6 @@
     <p:extLst>
       <p:ext uri="{BB962C8B-B14F-4D97-AF65-F5344CB8AC3E}">
         <p14:creationId xmlns:p14="http://schemas.microsoft.com/office/powerpoint/2010/main" val="2558753967"/>
-      </p:ext>
-    </p:extLst>
-  </p:cSld>
-  <p:clrMapOvr>
-    <a:masterClrMapping/>
-  </p:clrMapOvr>
-</p:sld>
-</file>
-
-<file path=ppt/slides/slide6.xml><?xml version="1.0" encoding="utf-8"?>
-<p:sld xmlns:a="http://schemas.openxmlformats.org/drawingml/2006/main" xmlns:r="http://schemas.openxmlformats.org/officeDocument/2006/relationships" xmlns:p="http://schemas.openxmlformats.org/presentationml/2006/main">
-  <p:cSld>
-    <p:bg>
-      <p:bgPr>
-        <a:solidFill>
-          <a:schemeClr val="bg1"/>
-        </a:solidFill>
-        <a:effectLst/>
-      </p:bgPr>
-    </p:bg>
-    <p:spTree>
-      <p:nvGrpSpPr>
-        <p:cNvPr id="1" name=""/>
-        <p:cNvGrpSpPr/>
-        <p:nvPr/>
-      </p:nvGrpSpPr>
-      <p:grpSpPr>
-        <a:xfrm>
-          <a:off x="0" y="0"/>
-          <a:ext cx="0" cy="0"/>
-          <a:chOff x="0" y="0"/>
-          <a:chExt cx="0" cy="0"/>
-        </a:xfrm>
-      </p:grpSpPr>
-      <p:sp useBgFill="1">
-        <p:nvSpPr>
-          <p:cNvPr id="8" name="Rectangle 7">
-            <a:extLst>
-              <a:ext uri="{FF2B5EF4-FFF2-40B4-BE49-F238E27FC236}">
-                <a16:creationId xmlns:a16="http://schemas.microsoft.com/office/drawing/2014/main" id="{7515D20E-1AB7-4E74-9236-2B72B63D60B6}"/>
-              </a:ext>
-              <a:ext uri="{C183D7F6-B498-43B3-948B-1728B52AA6E4}">
-                <adec:decorative xmlns:adec="http://schemas.microsoft.com/office/drawing/2017/decorative" val="1"/>
-              </a:ext>
-            </a:extLst>
-          </p:cNvPr>
-          <p:cNvSpPr>
-            <a:spLocks noGrp="1" noRot="1" noChangeAspect="1" noMove="1" noResize="1" noEditPoints="1" noAdjustHandles="1" noChangeArrowheads="1" noChangeShapeType="1" noTextEdit="1"/>
-          </p:cNvSpPr>
-          <p:nvPr>
-            <p:extLst>
-              <p:ext uri="{386F3935-93C4-4BCD-93E2-E3B085C9AB24}">
-                <p16:designElem xmlns:p16="http://schemas.microsoft.com/office/powerpoint/2015/main" val="1"/>
-              </p:ext>
-            </p:extLst>
-          </p:nvPr>
-        </p:nvSpPr>
-        <p:spPr>
-          <a:xfrm>
-            <a:off x="0" y="0"/>
-            <a:ext cx="12191999" cy="6857365"/>
-          </a:xfrm>
-          <a:prstGeom prst="rect">
-            <a:avLst/>
-          </a:prstGeom>
-          <a:ln>
-            <a:noFill/>
-          </a:ln>
-        </p:spPr>
-        <p:style>
-          <a:lnRef idx="2">
-            <a:schemeClr val="accent1">
-              <a:shade val="50000"/>
-            </a:schemeClr>
-          </a:lnRef>
-          <a:fillRef idx="1">
-            <a:schemeClr val="accent1"/>
-          </a:fillRef>
-          <a:effectRef idx="0">
-            <a:schemeClr val="accent1"/>
-          </a:effectRef>
-          <a:fontRef idx="minor">
-            <a:schemeClr val="lt1"/>
-          </a:fontRef>
-        </p:style>
-        <p:txBody>
-          <a:bodyPr rtlCol="0" anchor="ctr"/>
-          <a:lstStyle/>
-          <a:p>
-            <a:pPr algn="ctr"/>
-            <a:endParaRPr lang="en-US"/>
-          </a:p>
-        </p:txBody>
-      </p:sp>
-      <p:grpSp>
-        <p:nvGrpSpPr>
-          <p:cNvPr id="10" name="Group 9">
-            <a:extLst>
-              <a:ext uri="{FF2B5EF4-FFF2-40B4-BE49-F238E27FC236}">
-                <a16:creationId xmlns:a16="http://schemas.microsoft.com/office/drawing/2014/main" id="{032D8612-31EB-44CF-A1D0-14FD4C705424}"/>
-              </a:ext>
-              <a:ext uri="{C183D7F6-B498-43B3-948B-1728B52AA6E4}">
-                <adec:decorative xmlns:adec="http://schemas.microsoft.com/office/drawing/2017/decorative" val="1"/>
-              </a:ext>
-            </a:extLst>
-          </p:cNvPr>
-          <p:cNvGrpSpPr>
-            <a:grpSpLocks noGrp="1" noUngrp="1" noRot="1" noChangeAspect="1" noMove="1" noResize="1"/>
-          </p:cNvGrpSpPr>
-          <p:nvPr>
-            <p:extLst>
-              <p:ext uri="{386F3935-93C4-4BCD-93E2-E3B085C9AB24}">
-                <p16:designElem xmlns:p16="http://schemas.microsoft.com/office/powerpoint/2015/main" val="1"/>
-              </p:ext>
-            </p:extLst>
-          </p:nvPr>
-        </p:nvGrpSpPr>
-        <p:grpSpPr>
-          <a:xfrm>
-            <a:off x="0" y="3163461"/>
-            <a:ext cx="731521" cy="673460"/>
-            <a:chOff x="3940602" y="308034"/>
-            <a:chExt cx="2116791" cy="3428999"/>
-          </a:xfrm>
-          <a:solidFill>
-            <a:schemeClr val="accent4"/>
-          </a:solidFill>
-        </p:grpSpPr>
-        <p:sp>
-          <p:nvSpPr>
-            <p:cNvPr id="11" name="Rectangle 10">
-              <a:extLst>
-                <a:ext uri="{FF2B5EF4-FFF2-40B4-BE49-F238E27FC236}">
-                  <a16:creationId xmlns:a16="http://schemas.microsoft.com/office/drawing/2014/main" id="{F19A4A0F-1B59-4DB0-9764-D10936E98770}"/>
-                </a:ext>
-                <a:ext uri="{C183D7F6-B498-43B3-948B-1728B52AA6E4}">
-                  <adec:decorative xmlns:adec="http://schemas.microsoft.com/office/drawing/2017/decorative" val="1"/>
-                </a:ext>
-              </a:extLst>
-            </p:cNvPr>
-            <p:cNvSpPr/>
-            <p:nvPr>
-              <p:extLst>
-                <p:ext uri="{386F3935-93C4-4BCD-93E2-E3B085C9AB24}">
-                  <p16:designElem xmlns:p16="http://schemas.microsoft.com/office/powerpoint/2015/main" val="1"/>
-                </p:ext>
-              </p:extLst>
-            </p:nvPr>
-          </p:nvSpPr>
-          <p:spPr>
-            <a:xfrm>
-              <a:off x="3940602" y="308034"/>
-              <a:ext cx="566743" cy="3428999"/>
-            </a:xfrm>
-            <a:prstGeom prst="rect">
-              <a:avLst/>
-            </a:prstGeom>
-            <a:grpFill/>
-            <a:ln>
-              <a:noFill/>
-            </a:ln>
-          </p:spPr>
-          <p:style>
-            <a:lnRef idx="2">
-              <a:schemeClr val="accent1">
-                <a:shade val="50000"/>
-              </a:schemeClr>
-            </a:lnRef>
-            <a:fillRef idx="1">
-              <a:schemeClr val="accent1"/>
-            </a:fillRef>
-            <a:effectRef idx="0">
-              <a:schemeClr val="accent1"/>
-            </a:effectRef>
-            <a:fontRef idx="minor">
-              <a:schemeClr val="lt1"/>
-            </a:fontRef>
-          </p:style>
-          <p:txBody>
-            <a:bodyPr rtlCol="0" anchor="ctr"/>
-            <a:lstStyle/>
-            <a:p>
-              <a:pPr algn="ctr"/>
-              <a:endParaRPr lang="en-US"/>
-            </a:p>
-          </p:txBody>
-        </p:sp>
-        <p:sp>
-          <p:nvSpPr>
-            <p:cNvPr id="12" name="Rectangle 11">
-              <a:extLst>
-                <a:ext uri="{FF2B5EF4-FFF2-40B4-BE49-F238E27FC236}">
-                  <a16:creationId xmlns:a16="http://schemas.microsoft.com/office/drawing/2014/main" id="{F399A70F-F8CD-4992-9EF5-6CF15472E73F}"/>
-                </a:ext>
-                <a:ext uri="{C183D7F6-B498-43B3-948B-1728B52AA6E4}">
-                  <adec:decorative xmlns:adec="http://schemas.microsoft.com/office/drawing/2017/decorative" val="1"/>
-                </a:ext>
-              </a:extLst>
-            </p:cNvPr>
-            <p:cNvSpPr/>
-            <p:nvPr>
-              <p:extLst>
-                <p:ext uri="{386F3935-93C4-4BCD-93E2-E3B085C9AB24}">
-                  <p16:designElem xmlns:p16="http://schemas.microsoft.com/office/powerpoint/2015/main" val="1"/>
-                </p:ext>
-              </p:extLst>
-            </p:nvPr>
-          </p:nvSpPr>
-          <p:spPr>
-            <a:xfrm>
-              <a:off x="4715626" y="308034"/>
-              <a:ext cx="566743" cy="3428999"/>
-            </a:xfrm>
-            <a:prstGeom prst="rect">
-              <a:avLst/>
-            </a:prstGeom>
-            <a:grpFill/>
-            <a:ln>
-              <a:noFill/>
-            </a:ln>
-          </p:spPr>
-          <p:style>
-            <a:lnRef idx="2">
-              <a:schemeClr val="accent1">
-                <a:shade val="50000"/>
-              </a:schemeClr>
-            </a:lnRef>
-            <a:fillRef idx="1">
-              <a:schemeClr val="accent1"/>
-            </a:fillRef>
-            <a:effectRef idx="0">
-              <a:schemeClr val="accent1"/>
-            </a:effectRef>
-            <a:fontRef idx="minor">
-              <a:schemeClr val="lt1"/>
-            </a:fontRef>
-          </p:style>
-          <p:txBody>
-            <a:bodyPr rtlCol="0" anchor="ctr"/>
-            <a:lstStyle/>
-            <a:p>
-              <a:pPr algn="ctr"/>
-              <a:endParaRPr lang="en-US"/>
-            </a:p>
-          </p:txBody>
-        </p:sp>
-        <p:sp>
-          <p:nvSpPr>
-            <p:cNvPr id="13" name="Rectangle 12">
-              <a:extLst>
-                <a:ext uri="{FF2B5EF4-FFF2-40B4-BE49-F238E27FC236}">
-                  <a16:creationId xmlns:a16="http://schemas.microsoft.com/office/drawing/2014/main" id="{48F4FEDC-6D80-458C-A665-075D9B9500FD}"/>
-                </a:ext>
-                <a:ext uri="{C183D7F6-B498-43B3-948B-1728B52AA6E4}">
-                  <adec:decorative xmlns:adec="http://schemas.microsoft.com/office/drawing/2017/decorative" val="1"/>
-                </a:ext>
-              </a:extLst>
-            </p:cNvPr>
-            <p:cNvSpPr/>
-            <p:nvPr>
-              <p:extLst>
-                <p:ext uri="{386F3935-93C4-4BCD-93E2-E3B085C9AB24}">
-                  <p16:designElem xmlns:p16="http://schemas.microsoft.com/office/powerpoint/2015/main" val="1"/>
-                </p:ext>
-              </p:extLst>
-            </p:nvPr>
-          </p:nvSpPr>
-          <p:spPr>
-            <a:xfrm>
-              <a:off x="5490650" y="308034"/>
-              <a:ext cx="566743" cy="3428999"/>
-            </a:xfrm>
-            <a:prstGeom prst="rect">
-              <a:avLst/>
-            </a:prstGeom>
-            <a:grpFill/>
-            <a:ln>
-              <a:noFill/>
-            </a:ln>
-          </p:spPr>
-          <p:style>
-            <a:lnRef idx="2">
-              <a:schemeClr val="accent1">
-                <a:shade val="50000"/>
-              </a:schemeClr>
-            </a:lnRef>
-            <a:fillRef idx="1">
-              <a:schemeClr val="accent1"/>
-            </a:fillRef>
-            <a:effectRef idx="0">
-              <a:schemeClr val="accent1"/>
-            </a:effectRef>
-            <a:fontRef idx="minor">
-              <a:schemeClr val="lt1"/>
-            </a:fontRef>
-          </p:style>
-          <p:txBody>
-            <a:bodyPr rtlCol="0" anchor="ctr"/>
-            <a:lstStyle/>
-            <a:p>
-              <a:pPr algn="ctr"/>
-              <a:endParaRPr lang="en-US"/>
-            </a:p>
-          </p:txBody>
-        </p:sp>
-      </p:grpSp>
-      <p:sp>
-        <p:nvSpPr>
-          <p:cNvPr id="15" name="Rectangle 14">
-            <a:extLst>
-              <a:ext uri="{FF2B5EF4-FFF2-40B4-BE49-F238E27FC236}">
-                <a16:creationId xmlns:a16="http://schemas.microsoft.com/office/drawing/2014/main" id="{3873B707-463F-40B0-8227-E8CC6C67EB25}"/>
-              </a:ext>
-              <a:ext uri="{C183D7F6-B498-43B3-948B-1728B52AA6E4}">
-                <adec:decorative xmlns:adec="http://schemas.microsoft.com/office/drawing/2017/decorative" val="1"/>
-              </a:ext>
-            </a:extLst>
-          </p:cNvPr>
-          <p:cNvSpPr>
-            <a:spLocks noGrp="1" noRot="1" noChangeAspect="1" noMove="1" noResize="1" noEditPoints="1" noAdjustHandles="1" noChangeArrowheads="1" noChangeShapeType="1" noTextEdit="1"/>
-          </p:cNvSpPr>
-          <p:nvPr>
-            <p:extLst>
-              <p:ext uri="{386F3935-93C4-4BCD-93E2-E3B085C9AB24}">
-                <p16:designElem xmlns:p16="http://schemas.microsoft.com/office/powerpoint/2015/main" val="1"/>
-              </p:ext>
-            </p:extLst>
-          </p:nvPr>
-        </p:nvSpPr>
-        <p:spPr>
-          <a:xfrm flipH="1">
-            <a:off x="10697670" y="0"/>
-            <a:ext cx="1494330" cy="6858000"/>
-          </a:xfrm>
-          <a:prstGeom prst="rect">
-            <a:avLst/>
-          </a:prstGeom>
-          <a:solidFill>
-            <a:schemeClr val="accent4"/>
-          </a:solidFill>
-          <a:ln>
-            <a:noFill/>
-          </a:ln>
-        </p:spPr>
-        <p:style>
-          <a:lnRef idx="2">
-            <a:schemeClr val="accent1">
-              <a:shade val="50000"/>
-            </a:schemeClr>
-          </a:lnRef>
-          <a:fillRef idx="1">
-            <a:schemeClr val="accent1"/>
-          </a:fillRef>
-          <a:effectRef idx="0">
-            <a:schemeClr val="accent1"/>
-          </a:effectRef>
-          <a:fontRef idx="minor">
-            <a:schemeClr val="lt1"/>
-          </a:fontRef>
-        </p:style>
-        <p:txBody>
-          <a:bodyPr rtlCol="0" anchor="ctr"/>
-          <a:lstStyle/>
-          <a:p>
-            <a:pPr algn="ctr"/>
-            <a:endParaRPr lang="en-US"/>
-          </a:p>
-        </p:txBody>
-      </p:sp>
-      <p:sp>
-        <p:nvSpPr>
-          <p:cNvPr id="17" name="Rectangle 16">
-            <a:extLst>
-              <a:ext uri="{FF2B5EF4-FFF2-40B4-BE49-F238E27FC236}">
-                <a16:creationId xmlns:a16="http://schemas.microsoft.com/office/drawing/2014/main" id="{19C9EAEA-39D0-4B0E-A0EB-51E7B26740B1}"/>
-              </a:ext>
-              <a:ext uri="{C183D7F6-B498-43B3-948B-1728B52AA6E4}">
-                <adec:decorative xmlns:adec="http://schemas.microsoft.com/office/drawing/2017/decorative" val="1"/>
-              </a:ext>
-            </a:extLst>
-          </p:cNvPr>
-          <p:cNvSpPr>
-            <a:spLocks noGrp="1" noRot="1" noChangeAspect="1" noMove="1" noResize="1" noEditPoints="1" noAdjustHandles="1" noChangeArrowheads="1" noChangeShapeType="1" noTextEdit="1"/>
-          </p:cNvSpPr>
-          <p:nvPr>
-            <p:extLst>
-              <p:ext uri="{386F3935-93C4-4BCD-93E2-E3B085C9AB24}">
-                <p16:designElem xmlns:p16="http://schemas.microsoft.com/office/powerpoint/2015/main" val="1"/>
-              </p:ext>
-            </p:extLst>
-          </p:nvPr>
-        </p:nvSpPr>
-        <p:spPr>
-          <a:xfrm>
-            <a:off x="5685810" y="982976"/>
-            <a:ext cx="6009366" cy="5120635"/>
-          </a:xfrm>
-          <a:prstGeom prst="rect">
-            <a:avLst/>
-          </a:prstGeom>
-          <a:solidFill>
-            <a:schemeClr val="bg1"/>
-          </a:solidFill>
-          <a:ln>
-            <a:noFill/>
-          </a:ln>
-          <a:effectLst>
-            <a:outerShdw blurRad="139700" dist="127000" dir="5400000" algn="t" rotWithShape="0">
-              <a:prstClr val="black">
-                <a:alpha val="15000"/>
-              </a:prstClr>
-            </a:outerShdw>
-          </a:effectLst>
-        </p:spPr>
-        <p:style>
-          <a:lnRef idx="2">
-            <a:schemeClr val="accent1">
-              <a:shade val="50000"/>
-            </a:schemeClr>
-          </a:lnRef>
-          <a:fillRef idx="1">
-            <a:schemeClr val="accent1"/>
-          </a:fillRef>
-          <a:effectRef idx="0">
-            <a:schemeClr val="accent1"/>
-          </a:effectRef>
-          <a:fontRef idx="minor">
-            <a:schemeClr val="lt1"/>
-          </a:fontRef>
-        </p:style>
-        <p:txBody>
-          <a:bodyPr rtlCol="0" anchor="ctr"/>
-          <a:lstStyle/>
-          <a:p>
-            <a:pPr algn="ctr"/>
-            <a:endParaRPr lang="en-US"/>
-          </a:p>
-        </p:txBody>
-      </p:sp>
-      <p:pic>
-        <p:nvPicPr>
-          <p:cNvPr id="5" name="Espace réservé du contenu 4">
-            <a:extLst>
-              <a:ext uri="{FF2B5EF4-FFF2-40B4-BE49-F238E27FC236}">
-                <a16:creationId xmlns:a16="http://schemas.microsoft.com/office/drawing/2014/main" id="{FB10A386-39B3-487E-821F-E0C276CBB251}"/>
-              </a:ext>
-            </a:extLst>
-          </p:cNvPr>
-          <p:cNvPicPr>
-            <a:picLocks noGrp="1" noChangeAspect="1"/>
-          </p:cNvPicPr>
-          <p:nvPr>
-            <p:ph idx="1"/>
-          </p:nvPr>
-        </p:nvPicPr>
-        <p:blipFill>
-          <a:blip r:embed="rId2">
-            <a:extLst>
-              <a:ext uri="{28A0092B-C50C-407E-A947-70E740481C1C}">
-                <a14:useLocalDpi xmlns:a14="http://schemas.microsoft.com/office/drawing/2010/main" val="0"/>
-              </a:ext>
-            </a:extLst>
-          </a:blip>
-          <a:stretch>
-            <a:fillRect/>
-          </a:stretch>
-        </p:blipFill>
-        <p:spPr>
-          <a:xfrm>
-            <a:off x="6683580" y="1336675"/>
-            <a:ext cx="4085815" cy="4381500"/>
-          </a:xfrm>
-        </p:spPr>
-      </p:pic>
-      <p:sp>
-        <p:nvSpPr>
-          <p:cNvPr id="6" name="ZoneTexte 5">
-            <a:extLst>
-              <a:ext uri="{FF2B5EF4-FFF2-40B4-BE49-F238E27FC236}">
-                <a16:creationId xmlns:a16="http://schemas.microsoft.com/office/drawing/2014/main" id="{CF3BEA61-58D5-4058-97A7-D81BE3448735}"/>
-              </a:ext>
-            </a:extLst>
-          </p:cNvPr>
-          <p:cNvSpPr txBox="1"/>
-          <p:nvPr/>
-        </p:nvSpPr>
-        <p:spPr>
-          <a:xfrm>
-            <a:off x="1129004" y="1175657"/>
-            <a:ext cx="3312367" cy="1754326"/>
-          </a:xfrm>
-          <a:prstGeom prst="rect">
-            <a:avLst/>
-          </a:prstGeom>
-          <a:noFill/>
-        </p:spPr>
-        <p:txBody>
-          <a:bodyPr wrap="square" rtlCol="0" anchor="t">
-            <a:spAutoFit/>
-          </a:bodyPr>
-          <a:lstStyle/>
-          <a:p>
-            <a:r>
-              <a:rPr lang="fr-FR" dirty="0"/>
-              <a:t>Au début du jeu nous avons mac </a:t>
-            </a:r>
-            <a:r>
-              <a:rPr lang="fr-FR" dirty="0" err="1"/>
-              <a:t>giver</a:t>
-            </a:r>
-            <a:r>
-              <a:rPr lang="fr-FR" dirty="0"/>
-              <a:t> qui dois retrouver 3 </a:t>
-            </a:r>
-            <a:r>
-              <a:rPr lang="fr-FR" err="1"/>
-              <a:t>objects</a:t>
-            </a:r>
-            <a:r>
-              <a:rPr lang="fr-FR" dirty="0"/>
-              <a:t>,</a:t>
-            </a:r>
-          </a:p>
-          <a:p>
-            <a:r>
-              <a:rPr lang="fr-FR" dirty="0"/>
-              <a:t>Puis dois ce débarrasser du gardien.</a:t>
-            </a:r>
-            <a:endParaRPr lang="fr-FR">
-              <a:cs typeface="Calibri"/>
-            </a:endParaRPr>
-          </a:p>
-          <a:p>
-            <a:r>
-              <a:rPr lang="fr-FR" dirty="0"/>
-              <a:t>Mac </a:t>
-            </a:r>
-            <a:r>
-              <a:rPr lang="fr-FR" dirty="0" err="1"/>
-              <a:t>giver</a:t>
-            </a:r>
-            <a:r>
-              <a:rPr lang="fr-FR" dirty="0"/>
-              <a:t> ne peut </a:t>
-            </a:r>
-            <a:r>
-              <a:rPr lang="fr-FR"/>
-              <a:t>pas</a:t>
-            </a:r>
-            <a:r>
-              <a:rPr lang="fr-FR" dirty="0"/>
-              <a:t> passer au travers des murs.</a:t>
-            </a:r>
-            <a:endParaRPr lang="fr-FR">
-              <a:cs typeface="Calibri"/>
-            </a:endParaRPr>
-          </a:p>
-        </p:txBody>
-      </p:sp>
-    </p:spTree>
-    <p:extLst>
-      <p:ext uri="{BB962C8B-B14F-4D97-AF65-F5344CB8AC3E}">
-        <p14:creationId xmlns:p14="http://schemas.microsoft.com/office/powerpoint/2010/main" val="2826607830"/>
-      </p:ext>
-    </p:extLst>
-  </p:cSld>
-  <p:clrMapOvr>
-    <a:masterClrMapping/>
-  </p:clrMapOvr>
-</p:sld>
-</file>
-
-<file path=ppt/slides/slide7.xml><?xml version="1.0" encoding="utf-8"?>
-<p:sld xmlns:a="http://schemas.openxmlformats.org/drawingml/2006/main" xmlns:r="http://schemas.openxmlformats.org/officeDocument/2006/relationships" xmlns:p="http://schemas.openxmlformats.org/presentationml/2006/main">
-  <p:cSld>
-    <p:bg>
-      <p:bgPr>
-        <a:solidFill>
-          <a:schemeClr val="bg1"/>
-        </a:solidFill>
-        <a:effectLst/>
-      </p:bgPr>
-    </p:bg>
-    <p:spTree>
-      <p:nvGrpSpPr>
-        <p:cNvPr id="1" name=""/>
-        <p:cNvGrpSpPr/>
-        <p:nvPr/>
-      </p:nvGrpSpPr>
-      <p:grpSpPr>
-        <a:xfrm>
-          <a:off x="0" y="0"/>
-          <a:ext cx="0" cy="0"/>
-          <a:chOff x="0" y="0"/>
-          <a:chExt cx="0" cy="0"/>
-        </a:xfrm>
-      </p:grpSpPr>
-      <p:sp useBgFill="1">
-        <p:nvSpPr>
-          <p:cNvPr id="8" name="Rectangle 7">
-            <a:extLst>
-              <a:ext uri="{FF2B5EF4-FFF2-40B4-BE49-F238E27FC236}">
-                <a16:creationId xmlns:a16="http://schemas.microsoft.com/office/drawing/2014/main" id="{7515D20E-1AB7-4E74-9236-2B72B63D60B6}"/>
-              </a:ext>
-              <a:ext uri="{C183D7F6-B498-43B3-948B-1728B52AA6E4}">
-                <adec:decorative xmlns:adec="http://schemas.microsoft.com/office/drawing/2017/decorative" val="1"/>
-              </a:ext>
-            </a:extLst>
-          </p:cNvPr>
-          <p:cNvSpPr>
-            <a:spLocks noGrp="1" noRot="1" noChangeAspect="1" noMove="1" noResize="1" noEditPoints="1" noAdjustHandles="1" noChangeArrowheads="1" noChangeShapeType="1" noTextEdit="1"/>
-          </p:cNvSpPr>
-          <p:nvPr>
-            <p:extLst>
-              <p:ext uri="{386F3935-93C4-4BCD-93E2-E3B085C9AB24}">
-                <p16:designElem xmlns:p16="http://schemas.microsoft.com/office/powerpoint/2015/main" val="1"/>
-              </p:ext>
-            </p:extLst>
-          </p:nvPr>
-        </p:nvSpPr>
-        <p:spPr>
-          <a:xfrm>
-            <a:off x="0" y="0"/>
-            <a:ext cx="12191999" cy="6857365"/>
-          </a:xfrm>
-          <a:prstGeom prst="rect">
-            <a:avLst/>
-          </a:prstGeom>
-          <a:ln>
-            <a:noFill/>
-          </a:ln>
-        </p:spPr>
-        <p:style>
-          <a:lnRef idx="2">
-            <a:schemeClr val="accent1">
-              <a:shade val="50000"/>
-            </a:schemeClr>
-          </a:lnRef>
-          <a:fillRef idx="1">
-            <a:schemeClr val="accent1"/>
-          </a:fillRef>
-          <a:effectRef idx="0">
-            <a:schemeClr val="accent1"/>
-          </a:effectRef>
-          <a:fontRef idx="minor">
-            <a:schemeClr val="lt1"/>
-          </a:fontRef>
-        </p:style>
-        <p:txBody>
-          <a:bodyPr rtlCol="0" anchor="ctr"/>
-          <a:lstStyle/>
-          <a:p>
-            <a:pPr algn="ctr"/>
-            <a:endParaRPr lang="en-US"/>
-          </a:p>
-        </p:txBody>
-      </p:sp>
-      <p:grpSp>
-        <p:nvGrpSpPr>
-          <p:cNvPr id="10" name="Group 9">
-            <a:extLst>
-              <a:ext uri="{FF2B5EF4-FFF2-40B4-BE49-F238E27FC236}">
-                <a16:creationId xmlns:a16="http://schemas.microsoft.com/office/drawing/2014/main" id="{032D8612-31EB-44CF-A1D0-14FD4C705424}"/>
-              </a:ext>
-              <a:ext uri="{C183D7F6-B498-43B3-948B-1728B52AA6E4}">
-                <adec:decorative xmlns:adec="http://schemas.microsoft.com/office/drawing/2017/decorative" val="1"/>
-              </a:ext>
-            </a:extLst>
-          </p:cNvPr>
-          <p:cNvGrpSpPr>
-            <a:grpSpLocks noGrp="1" noUngrp="1" noRot="1" noChangeAspect="1" noMove="1" noResize="1"/>
-          </p:cNvGrpSpPr>
-          <p:nvPr>
-            <p:extLst>
-              <p:ext uri="{386F3935-93C4-4BCD-93E2-E3B085C9AB24}">
-                <p16:designElem xmlns:p16="http://schemas.microsoft.com/office/powerpoint/2015/main" val="1"/>
-              </p:ext>
-            </p:extLst>
-          </p:nvPr>
-        </p:nvGrpSpPr>
-        <p:grpSpPr>
-          <a:xfrm>
-            <a:off x="0" y="3163461"/>
-            <a:ext cx="731521" cy="673460"/>
-            <a:chOff x="3940602" y="308034"/>
-            <a:chExt cx="2116791" cy="3428999"/>
-          </a:xfrm>
-          <a:solidFill>
-            <a:schemeClr val="accent4"/>
-          </a:solidFill>
-        </p:grpSpPr>
-        <p:sp>
-          <p:nvSpPr>
-            <p:cNvPr id="11" name="Rectangle 10">
-              <a:extLst>
-                <a:ext uri="{FF2B5EF4-FFF2-40B4-BE49-F238E27FC236}">
-                  <a16:creationId xmlns:a16="http://schemas.microsoft.com/office/drawing/2014/main" id="{F19A4A0F-1B59-4DB0-9764-D10936E98770}"/>
-                </a:ext>
-                <a:ext uri="{C183D7F6-B498-43B3-948B-1728B52AA6E4}">
-                  <adec:decorative xmlns:adec="http://schemas.microsoft.com/office/drawing/2017/decorative" val="1"/>
-                </a:ext>
-              </a:extLst>
-            </p:cNvPr>
-            <p:cNvSpPr/>
-            <p:nvPr>
-              <p:extLst>
-                <p:ext uri="{386F3935-93C4-4BCD-93E2-E3B085C9AB24}">
-                  <p16:designElem xmlns:p16="http://schemas.microsoft.com/office/powerpoint/2015/main" val="1"/>
-                </p:ext>
-              </p:extLst>
-            </p:nvPr>
-          </p:nvSpPr>
-          <p:spPr>
-            <a:xfrm>
-              <a:off x="3940602" y="308034"/>
-              <a:ext cx="566743" cy="3428999"/>
-            </a:xfrm>
-            <a:prstGeom prst="rect">
-              <a:avLst/>
-            </a:prstGeom>
-            <a:grpFill/>
-            <a:ln>
-              <a:noFill/>
-            </a:ln>
-          </p:spPr>
-          <p:style>
-            <a:lnRef idx="2">
-              <a:schemeClr val="accent1">
-                <a:shade val="50000"/>
-              </a:schemeClr>
-            </a:lnRef>
-            <a:fillRef idx="1">
-              <a:schemeClr val="accent1"/>
-            </a:fillRef>
-            <a:effectRef idx="0">
-              <a:schemeClr val="accent1"/>
-            </a:effectRef>
-            <a:fontRef idx="minor">
-              <a:schemeClr val="lt1"/>
-            </a:fontRef>
-          </p:style>
-          <p:txBody>
-            <a:bodyPr rtlCol="0" anchor="ctr"/>
-            <a:lstStyle/>
-            <a:p>
-              <a:pPr algn="ctr"/>
-              <a:endParaRPr lang="en-US"/>
-            </a:p>
-          </p:txBody>
-        </p:sp>
-        <p:sp>
-          <p:nvSpPr>
-            <p:cNvPr id="12" name="Rectangle 11">
-              <a:extLst>
-                <a:ext uri="{FF2B5EF4-FFF2-40B4-BE49-F238E27FC236}">
-                  <a16:creationId xmlns:a16="http://schemas.microsoft.com/office/drawing/2014/main" id="{F399A70F-F8CD-4992-9EF5-6CF15472E73F}"/>
-                </a:ext>
-                <a:ext uri="{C183D7F6-B498-43B3-948B-1728B52AA6E4}">
-                  <adec:decorative xmlns:adec="http://schemas.microsoft.com/office/drawing/2017/decorative" val="1"/>
-                </a:ext>
-              </a:extLst>
-            </p:cNvPr>
-            <p:cNvSpPr/>
-            <p:nvPr>
-              <p:extLst>
-                <p:ext uri="{386F3935-93C4-4BCD-93E2-E3B085C9AB24}">
-                  <p16:designElem xmlns:p16="http://schemas.microsoft.com/office/powerpoint/2015/main" val="1"/>
-                </p:ext>
-              </p:extLst>
-            </p:nvPr>
-          </p:nvSpPr>
-          <p:spPr>
-            <a:xfrm>
-              <a:off x="4715626" y="308034"/>
-              <a:ext cx="566743" cy="3428999"/>
-            </a:xfrm>
-            <a:prstGeom prst="rect">
-              <a:avLst/>
-            </a:prstGeom>
-            <a:grpFill/>
-            <a:ln>
-              <a:noFill/>
-            </a:ln>
-          </p:spPr>
-          <p:style>
-            <a:lnRef idx="2">
-              <a:schemeClr val="accent1">
-                <a:shade val="50000"/>
-              </a:schemeClr>
-            </a:lnRef>
-            <a:fillRef idx="1">
-              <a:schemeClr val="accent1"/>
-            </a:fillRef>
-            <a:effectRef idx="0">
-              <a:schemeClr val="accent1"/>
-            </a:effectRef>
-            <a:fontRef idx="minor">
-              <a:schemeClr val="lt1"/>
-            </a:fontRef>
-          </p:style>
-          <p:txBody>
-            <a:bodyPr rtlCol="0" anchor="ctr"/>
-            <a:lstStyle/>
-            <a:p>
-              <a:pPr algn="ctr"/>
-              <a:endParaRPr lang="en-US"/>
-            </a:p>
-          </p:txBody>
-        </p:sp>
-        <p:sp>
-          <p:nvSpPr>
-            <p:cNvPr id="13" name="Rectangle 12">
-              <a:extLst>
-                <a:ext uri="{FF2B5EF4-FFF2-40B4-BE49-F238E27FC236}">
-                  <a16:creationId xmlns:a16="http://schemas.microsoft.com/office/drawing/2014/main" id="{48F4FEDC-6D80-458C-A665-075D9B9500FD}"/>
-                </a:ext>
-                <a:ext uri="{C183D7F6-B498-43B3-948B-1728B52AA6E4}">
-                  <adec:decorative xmlns:adec="http://schemas.microsoft.com/office/drawing/2017/decorative" val="1"/>
-                </a:ext>
-              </a:extLst>
-            </p:cNvPr>
-            <p:cNvSpPr/>
-            <p:nvPr>
-              <p:extLst>
-                <p:ext uri="{386F3935-93C4-4BCD-93E2-E3B085C9AB24}">
-                  <p16:designElem xmlns:p16="http://schemas.microsoft.com/office/powerpoint/2015/main" val="1"/>
-                </p:ext>
-              </p:extLst>
-            </p:nvPr>
-          </p:nvSpPr>
-          <p:spPr>
-            <a:xfrm>
-              <a:off x="5490650" y="308034"/>
-              <a:ext cx="566743" cy="3428999"/>
-            </a:xfrm>
-            <a:prstGeom prst="rect">
-              <a:avLst/>
-            </a:prstGeom>
-            <a:grpFill/>
-            <a:ln>
-              <a:noFill/>
-            </a:ln>
-          </p:spPr>
-          <p:style>
-            <a:lnRef idx="2">
-              <a:schemeClr val="accent1">
-                <a:shade val="50000"/>
-              </a:schemeClr>
-            </a:lnRef>
-            <a:fillRef idx="1">
-              <a:schemeClr val="accent1"/>
-            </a:fillRef>
-            <a:effectRef idx="0">
-              <a:schemeClr val="accent1"/>
-            </a:effectRef>
-            <a:fontRef idx="minor">
-              <a:schemeClr val="lt1"/>
-            </a:fontRef>
-          </p:style>
-          <p:txBody>
-            <a:bodyPr rtlCol="0" anchor="ctr"/>
-            <a:lstStyle/>
-            <a:p>
-              <a:pPr algn="ctr"/>
-              <a:endParaRPr lang="en-US"/>
-            </a:p>
-          </p:txBody>
-        </p:sp>
-      </p:grpSp>
-      <p:sp>
-        <p:nvSpPr>
-          <p:cNvPr id="15" name="Rectangle 14">
-            <a:extLst>
-              <a:ext uri="{FF2B5EF4-FFF2-40B4-BE49-F238E27FC236}">
-                <a16:creationId xmlns:a16="http://schemas.microsoft.com/office/drawing/2014/main" id="{3873B707-463F-40B0-8227-E8CC6C67EB25}"/>
-              </a:ext>
-              <a:ext uri="{C183D7F6-B498-43B3-948B-1728B52AA6E4}">
-                <adec:decorative xmlns:adec="http://schemas.microsoft.com/office/drawing/2017/decorative" val="1"/>
-              </a:ext>
-            </a:extLst>
-          </p:cNvPr>
-          <p:cNvSpPr>
-            <a:spLocks noGrp="1" noRot="1" noChangeAspect="1" noMove="1" noResize="1" noEditPoints="1" noAdjustHandles="1" noChangeArrowheads="1" noChangeShapeType="1" noTextEdit="1"/>
-          </p:cNvSpPr>
-          <p:nvPr>
-            <p:extLst>
-              <p:ext uri="{386F3935-93C4-4BCD-93E2-E3B085C9AB24}">
-                <p16:designElem xmlns:p16="http://schemas.microsoft.com/office/powerpoint/2015/main" val="1"/>
-              </p:ext>
-            </p:extLst>
-          </p:nvPr>
-        </p:nvSpPr>
-        <p:spPr>
-          <a:xfrm flipH="1">
-            <a:off x="10697670" y="0"/>
-            <a:ext cx="1494330" cy="6858000"/>
-          </a:xfrm>
-          <a:prstGeom prst="rect">
-            <a:avLst/>
-          </a:prstGeom>
-          <a:solidFill>
-            <a:schemeClr val="accent4"/>
-          </a:solidFill>
-          <a:ln>
-            <a:noFill/>
-          </a:ln>
-        </p:spPr>
-        <p:style>
-          <a:lnRef idx="2">
-            <a:schemeClr val="accent1">
-              <a:shade val="50000"/>
-            </a:schemeClr>
-          </a:lnRef>
-          <a:fillRef idx="1">
-            <a:schemeClr val="accent1"/>
-          </a:fillRef>
-          <a:effectRef idx="0">
-            <a:schemeClr val="accent1"/>
-          </a:effectRef>
-          <a:fontRef idx="minor">
-            <a:schemeClr val="lt1"/>
-          </a:fontRef>
-        </p:style>
-        <p:txBody>
-          <a:bodyPr rtlCol="0" anchor="ctr"/>
-          <a:lstStyle/>
-          <a:p>
-            <a:pPr algn="ctr"/>
-            <a:endParaRPr lang="en-US"/>
-          </a:p>
-        </p:txBody>
-      </p:sp>
-      <p:sp>
-        <p:nvSpPr>
-          <p:cNvPr id="17" name="Rectangle 16">
-            <a:extLst>
-              <a:ext uri="{FF2B5EF4-FFF2-40B4-BE49-F238E27FC236}">
-                <a16:creationId xmlns:a16="http://schemas.microsoft.com/office/drawing/2014/main" id="{19C9EAEA-39D0-4B0E-A0EB-51E7B26740B1}"/>
-              </a:ext>
-              <a:ext uri="{C183D7F6-B498-43B3-948B-1728B52AA6E4}">
-                <adec:decorative xmlns:adec="http://schemas.microsoft.com/office/drawing/2017/decorative" val="1"/>
-              </a:ext>
-            </a:extLst>
-          </p:cNvPr>
-          <p:cNvSpPr>
-            <a:spLocks noGrp="1" noRot="1" noChangeAspect="1" noMove="1" noResize="1" noEditPoints="1" noAdjustHandles="1" noChangeArrowheads="1" noChangeShapeType="1" noTextEdit="1"/>
-          </p:cNvSpPr>
-          <p:nvPr>
-            <p:extLst>
-              <p:ext uri="{386F3935-93C4-4BCD-93E2-E3B085C9AB24}">
-                <p16:designElem xmlns:p16="http://schemas.microsoft.com/office/powerpoint/2015/main" val="1"/>
-              </p:ext>
-            </p:extLst>
-          </p:nvPr>
-        </p:nvSpPr>
-        <p:spPr>
-          <a:xfrm>
-            <a:off x="5685810" y="982976"/>
-            <a:ext cx="6009366" cy="5120635"/>
-          </a:xfrm>
-          <a:prstGeom prst="rect">
-            <a:avLst/>
-          </a:prstGeom>
-          <a:solidFill>
-            <a:schemeClr val="bg1"/>
-          </a:solidFill>
-          <a:ln>
-            <a:noFill/>
-          </a:ln>
-          <a:effectLst>
-            <a:outerShdw blurRad="139700" dist="127000" dir="5400000" algn="t" rotWithShape="0">
-              <a:prstClr val="black">
-                <a:alpha val="15000"/>
-              </a:prstClr>
-            </a:outerShdw>
-          </a:effectLst>
-        </p:spPr>
-        <p:style>
-          <a:lnRef idx="2">
-            <a:schemeClr val="accent1">
-              <a:shade val="50000"/>
-            </a:schemeClr>
-          </a:lnRef>
-          <a:fillRef idx="1">
-            <a:schemeClr val="accent1"/>
-          </a:fillRef>
-          <a:effectRef idx="0">
-            <a:schemeClr val="accent1"/>
-          </a:effectRef>
-          <a:fontRef idx="minor">
-            <a:schemeClr val="lt1"/>
-          </a:fontRef>
-        </p:style>
-        <p:txBody>
-          <a:bodyPr rtlCol="0" anchor="ctr"/>
-          <a:lstStyle/>
-          <a:p>
-            <a:pPr algn="ctr"/>
-            <a:endParaRPr lang="en-US"/>
-          </a:p>
-        </p:txBody>
-      </p:sp>
-      <p:pic>
-        <p:nvPicPr>
-          <p:cNvPr id="5" name="Espace réservé du contenu 4" descr="Une image contenant capture d’écran&#10;&#10;Description générée automatiquement">
-            <a:extLst>
-              <a:ext uri="{FF2B5EF4-FFF2-40B4-BE49-F238E27FC236}">
-                <a16:creationId xmlns:a16="http://schemas.microsoft.com/office/drawing/2014/main" id="{6D7CDBA7-20C2-46CF-AE30-67DB1C78E2D3}"/>
-              </a:ext>
-            </a:extLst>
-          </p:cNvPr>
-          <p:cNvPicPr>
-            <a:picLocks noGrp="1" noChangeAspect="1"/>
-          </p:cNvPicPr>
-          <p:nvPr>
-            <p:ph idx="1"/>
-          </p:nvPr>
-        </p:nvPicPr>
-        <p:blipFill>
-          <a:blip r:embed="rId2">
-            <a:extLst>
-              <a:ext uri="{28A0092B-C50C-407E-A947-70E740481C1C}">
-                <a14:useLocalDpi xmlns:a14="http://schemas.microsoft.com/office/drawing/2010/main" val="0"/>
-              </a:ext>
-            </a:extLst>
-          </a:blip>
-          <a:stretch>
-            <a:fillRect/>
-          </a:stretch>
-        </p:blipFill>
-        <p:spPr>
-          <a:xfrm>
-            <a:off x="6516879" y="1336675"/>
-            <a:ext cx="4419217" cy="4381500"/>
-          </a:xfrm>
-        </p:spPr>
-      </p:pic>
-      <p:sp>
-        <p:nvSpPr>
-          <p:cNvPr id="9" name="ZoneTexte 8">
-            <a:extLst>
-              <a:ext uri="{FF2B5EF4-FFF2-40B4-BE49-F238E27FC236}">
-                <a16:creationId xmlns:a16="http://schemas.microsoft.com/office/drawing/2014/main" id="{9FA4B309-846F-4687-9507-95753C86DE84}"/>
-              </a:ext>
-            </a:extLst>
-          </p:cNvPr>
-          <p:cNvSpPr txBox="1"/>
-          <p:nvPr/>
-        </p:nvSpPr>
-        <p:spPr>
-          <a:xfrm>
-            <a:off x="1315453" y="1604211"/>
-            <a:ext cx="3424989" cy="923330"/>
-          </a:xfrm>
-          <a:prstGeom prst="rect">
-            <a:avLst/>
-          </a:prstGeom>
-          <a:noFill/>
-        </p:spPr>
-        <p:txBody>
-          <a:bodyPr wrap="square" rtlCol="0" anchor="t">
-            <a:spAutoFit/>
-          </a:bodyPr>
-          <a:lstStyle/>
-          <a:p>
-            <a:r>
-              <a:rPr lang="fr-FR" dirty="0"/>
-              <a:t>A chaque </a:t>
-            </a:r>
-            <a:r>
-              <a:rPr lang="fr-FR" dirty="0" err="1"/>
-              <a:t>object</a:t>
-            </a:r>
-            <a:r>
-              <a:rPr lang="fr-FR" dirty="0"/>
-              <a:t> </a:t>
-            </a:r>
-            <a:r>
-              <a:rPr lang="fr-FR" err="1"/>
-              <a:t>récupèré</a:t>
-            </a:r>
-            <a:r>
-              <a:rPr lang="fr-FR"/>
-              <a:t> </a:t>
-            </a:r>
-            <a:r>
-              <a:rPr lang="fr-FR" dirty="0"/>
-              <a:t>il reçoit</a:t>
-            </a:r>
-            <a:r>
-              <a:rPr lang="fr-FR"/>
-              <a:t> </a:t>
-            </a:r>
-            <a:endParaRPr lang="fr-FR" dirty="0"/>
-          </a:p>
-          <a:p>
-            <a:r>
-              <a:rPr lang="fr-FR" dirty="0"/>
-              <a:t>Un point ,il en faut 3 pour pouvoir tuer le gardien et gagner</a:t>
-            </a:r>
-            <a:endParaRPr lang="fr-FR">
-              <a:cs typeface="Calibri"/>
-            </a:endParaRPr>
-          </a:p>
-        </p:txBody>
-      </p:sp>
-    </p:spTree>
-    <p:extLst>
-      <p:ext uri="{BB962C8B-B14F-4D97-AF65-F5344CB8AC3E}">
-        <p14:creationId xmlns:p14="http://schemas.microsoft.com/office/powerpoint/2010/main" val="3131725471"/>
-      </p:ext>
-    </p:extLst>
-  </p:cSld>
-  <p:clrMapOvr>
-    <a:masterClrMapping/>
-  </p:clrMapOvr>
-</p:sld>
-</file>
-
-<file path=ppt/slides/slide8.xml><?xml version="1.0" encoding="utf-8"?>
-<p:sld xmlns:a="http://schemas.openxmlformats.org/drawingml/2006/main" xmlns:r="http://schemas.openxmlformats.org/officeDocument/2006/relationships" xmlns:p="http://schemas.openxmlformats.org/presentationml/2006/main">
-  <p:cSld>
-    <p:bg>
-      <p:bgPr>
-        <a:solidFill>
-          <a:schemeClr val="bg1"/>
-        </a:solidFill>
-        <a:effectLst/>
-      </p:bgPr>
-    </p:bg>
-    <p:spTree>
-      <p:nvGrpSpPr>
-        <p:cNvPr id="1" name=""/>
-        <p:cNvGrpSpPr/>
-        <p:nvPr/>
-      </p:nvGrpSpPr>
-      <p:grpSpPr>
-        <a:xfrm>
-          <a:off x="0" y="0"/>
-          <a:ext cx="0" cy="0"/>
-          <a:chOff x="0" y="0"/>
-          <a:chExt cx="0" cy="0"/>
-        </a:xfrm>
-      </p:grpSpPr>
-      <p:sp useBgFill="1">
-        <p:nvSpPr>
-          <p:cNvPr id="8" name="Rectangle 7">
-            <a:extLst>
-              <a:ext uri="{FF2B5EF4-FFF2-40B4-BE49-F238E27FC236}">
-                <a16:creationId xmlns:a16="http://schemas.microsoft.com/office/drawing/2014/main" id="{7515D20E-1AB7-4E74-9236-2B72B63D60B6}"/>
-              </a:ext>
-              <a:ext uri="{C183D7F6-B498-43B3-948B-1728B52AA6E4}">
-                <adec:decorative xmlns:adec="http://schemas.microsoft.com/office/drawing/2017/decorative" val="1"/>
-              </a:ext>
-            </a:extLst>
-          </p:cNvPr>
-          <p:cNvSpPr>
-            <a:spLocks noGrp="1" noRot="1" noChangeAspect="1" noMove="1" noResize="1" noEditPoints="1" noAdjustHandles="1" noChangeArrowheads="1" noChangeShapeType="1" noTextEdit="1"/>
-          </p:cNvSpPr>
-          <p:nvPr>
-            <p:extLst>
-              <p:ext uri="{386F3935-93C4-4BCD-93E2-E3B085C9AB24}">
-                <p16:designElem xmlns:p16="http://schemas.microsoft.com/office/powerpoint/2015/main" val="1"/>
-              </p:ext>
-            </p:extLst>
-          </p:nvPr>
-        </p:nvSpPr>
-        <p:spPr>
-          <a:xfrm>
-            <a:off x="0" y="0"/>
-            <a:ext cx="12191999" cy="6857365"/>
-          </a:xfrm>
-          <a:prstGeom prst="rect">
-            <a:avLst/>
-          </a:prstGeom>
-          <a:ln>
-            <a:noFill/>
-          </a:ln>
-        </p:spPr>
-        <p:style>
-          <a:lnRef idx="2">
-            <a:schemeClr val="accent1">
-              <a:shade val="50000"/>
-            </a:schemeClr>
-          </a:lnRef>
-          <a:fillRef idx="1">
-            <a:schemeClr val="accent1"/>
-          </a:fillRef>
-          <a:effectRef idx="0">
-            <a:schemeClr val="accent1"/>
-          </a:effectRef>
-          <a:fontRef idx="minor">
-            <a:schemeClr val="lt1"/>
-          </a:fontRef>
-        </p:style>
-        <p:txBody>
-          <a:bodyPr rtlCol="0" anchor="ctr"/>
-          <a:lstStyle/>
-          <a:p>
-            <a:pPr algn="ctr"/>
-            <a:endParaRPr lang="en-US"/>
-          </a:p>
-        </p:txBody>
-      </p:sp>
-      <p:grpSp>
-        <p:nvGrpSpPr>
-          <p:cNvPr id="10" name="Group 9">
-            <a:extLst>
-              <a:ext uri="{FF2B5EF4-FFF2-40B4-BE49-F238E27FC236}">
-                <a16:creationId xmlns:a16="http://schemas.microsoft.com/office/drawing/2014/main" id="{032D8612-31EB-44CF-A1D0-14FD4C705424}"/>
-              </a:ext>
-              <a:ext uri="{C183D7F6-B498-43B3-948B-1728B52AA6E4}">
-                <adec:decorative xmlns:adec="http://schemas.microsoft.com/office/drawing/2017/decorative" val="1"/>
-              </a:ext>
-            </a:extLst>
-          </p:cNvPr>
-          <p:cNvGrpSpPr>
-            <a:grpSpLocks noGrp="1" noUngrp="1" noRot="1" noChangeAspect="1" noMove="1" noResize="1"/>
-          </p:cNvGrpSpPr>
-          <p:nvPr>
-            <p:extLst>
-              <p:ext uri="{386F3935-93C4-4BCD-93E2-E3B085C9AB24}">
-                <p16:designElem xmlns:p16="http://schemas.microsoft.com/office/powerpoint/2015/main" val="1"/>
-              </p:ext>
-            </p:extLst>
-          </p:nvPr>
-        </p:nvGrpSpPr>
-        <p:grpSpPr>
-          <a:xfrm>
-            <a:off x="0" y="3163461"/>
-            <a:ext cx="731521" cy="673460"/>
-            <a:chOff x="3940602" y="308034"/>
-            <a:chExt cx="2116791" cy="3428999"/>
-          </a:xfrm>
-          <a:solidFill>
-            <a:schemeClr val="accent4"/>
-          </a:solidFill>
-        </p:grpSpPr>
-        <p:sp>
-          <p:nvSpPr>
-            <p:cNvPr id="11" name="Rectangle 10">
-              <a:extLst>
-                <a:ext uri="{FF2B5EF4-FFF2-40B4-BE49-F238E27FC236}">
-                  <a16:creationId xmlns:a16="http://schemas.microsoft.com/office/drawing/2014/main" id="{F19A4A0F-1B59-4DB0-9764-D10936E98770}"/>
-                </a:ext>
-                <a:ext uri="{C183D7F6-B498-43B3-948B-1728B52AA6E4}">
-                  <adec:decorative xmlns:adec="http://schemas.microsoft.com/office/drawing/2017/decorative" val="1"/>
-                </a:ext>
-              </a:extLst>
-            </p:cNvPr>
-            <p:cNvSpPr/>
-            <p:nvPr>
-              <p:extLst>
-                <p:ext uri="{386F3935-93C4-4BCD-93E2-E3B085C9AB24}">
-                  <p16:designElem xmlns:p16="http://schemas.microsoft.com/office/powerpoint/2015/main" val="1"/>
-                </p:ext>
-              </p:extLst>
-            </p:nvPr>
-          </p:nvSpPr>
-          <p:spPr>
-            <a:xfrm>
-              <a:off x="3940602" y="308034"/>
-              <a:ext cx="566743" cy="3428999"/>
-            </a:xfrm>
-            <a:prstGeom prst="rect">
-              <a:avLst/>
-            </a:prstGeom>
-            <a:grpFill/>
-            <a:ln>
-              <a:noFill/>
-            </a:ln>
-          </p:spPr>
-          <p:style>
-            <a:lnRef idx="2">
-              <a:schemeClr val="accent1">
-                <a:shade val="50000"/>
-              </a:schemeClr>
-            </a:lnRef>
-            <a:fillRef idx="1">
-              <a:schemeClr val="accent1"/>
-            </a:fillRef>
-            <a:effectRef idx="0">
-              <a:schemeClr val="accent1"/>
-            </a:effectRef>
-            <a:fontRef idx="minor">
-              <a:schemeClr val="lt1"/>
-            </a:fontRef>
-          </p:style>
-          <p:txBody>
-            <a:bodyPr rtlCol="0" anchor="ctr"/>
-            <a:lstStyle/>
-            <a:p>
-              <a:pPr algn="ctr"/>
-              <a:endParaRPr lang="en-US"/>
-            </a:p>
-          </p:txBody>
-        </p:sp>
-        <p:sp>
-          <p:nvSpPr>
-            <p:cNvPr id="12" name="Rectangle 11">
-              <a:extLst>
-                <a:ext uri="{FF2B5EF4-FFF2-40B4-BE49-F238E27FC236}">
-                  <a16:creationId xmlns:a16="http://schemas.microsoft.com/office/drawing/2014/main" id="{F399A70F-F8CD-4992-9EF5-6CF15472E73F}"/>
-                </a:ext>
-                <a:ext uri="{C183D7F6-B498-43B3-948B-1728B52AA6E4}">
-                  <adec:decorative xmlns:adec="http://schemas.microsoft.com/office/drawing/2017/decorative" val="1"/>
-                </a:ext>
-              </a:extLst>
-            </p:cNvPr>
-            <p:cNvSpPr/>
-            <p:nvPr>
-              <p:extLst>
-                <p:ext uri="{386F3935-93C4-4BCD-93E2-E3B085C9AB24}">
-                  <p16:designElem xmlns:p16="http://schemas.microsoft.com/office/powerpoint/2015/main" val="1"/>
-                </p:ext>
-              </p:extLst>
-            </p:nvPr>
-          </p:nvSpPr>
-          <p:spPr>
-            <a:xfrm>
-              <a:off x="4715626" y="308034"/>
-              <a:ext cx="566743" cy="3428999"/>
-            </a:xfrm>
-            <a:prstGeom prst="rect">
-              <a:avLst/>
-            </a:prstGeom>
-            <a:grpFill/>
-            <a:ln>
-              <a:noFill/>
-            </a:ln>
-          </p:spPr>
-          <p:style>
-            <a:lnRef idx="2">
-              <a:schemeClr val="accent1">
-                <a:shade val="50000"/>
-              </a:schemeClr>
-            </a:lnRef>
-            <a:fillRef idx="1">
-              <a:schemeClr val="accent1"/>
-            </a:fillRef>
-            <a:effectRef idx="0">
-              <a:schemeClr val="accent1"/>
-            </a:effectRef>
-            <a:fontRef idx="minor">
-              <a:schemeClr val="lt1"/>
-            </a:fontRef>
-          </p:style>
-          <p:txBody>
-            <a:bodyPr rtlCol="0" anchor="ctr"/>
-            <a:lstStyle/>
-            <a:p>
-              <a:pPr algn="ctr"/>
-              <a:endParaRPr lang="en-US"/>
-            </a:p>
-          </p:txBody>
-        </p:sp>
-        <p:sp>
-          <p:nvSpPr>
-            <p:cNvPr id="13" name="Rectangle 12">
-              <a:extLst>
-                <a:ext uri="{FF2B5EF4-FFF2-40B4-BE49-F238E27FC236}">
-                  <a16:creationId xmlns:a16="http://schemas.microsoft.com/office/drawing/2014/main" id="{48F4FEDC-6D80-458C-A665-075D9B9500FD}"/>
-                </a:ext>
-                <a:ext uri="{C183D7F6-B498-43B3-948B-1728B52AA6E4}">
-                  <adec:decorative xmlns:adec="http://schemas.microsoft.com/office/drawing/2017/decorative" val="1"/>
-                </a:ext>
-              </a:extLst>
-            </p:cNvPr>
-            <p:cNvSpPr/>
-            <p:nvPr>
-              <p:extLst>
-                <p:ext uri="{386F3935-93C4-4BCD-93E2-E3B085C9AB24}">
-                  <p16:designElem xmlns:p16="http://schemas.microsoft.com/office/powerpoint/2015/main" val="1"/>
-                </p:ext>
-              </p:extLst>
-            </p:nvPr>
-          </p:nvSpPr>
-          <p:spPr>
-            <a:xfrm>
-              <a:off x="5490650" y="308034"/>
-              <a:ext cx="566743" cy="3428999"/>
-            </a:xfrm>
-            <a:prstGeom prst="rect">
-              <a:avLst/>
-            </a:prstGeom>
-            <a:grpFill/>
-            <a:ln>
-              <a:noFill/>
-            </a:ln>
-          </p:spPr>
-          <p:style>
-            <a:lnRef idx="2">
-              <a:schemeClr val="accent1">
-                <a:shade val="50000"/>
-              </a:schemeClr>
-            </a:lnRef>
-            <a:fillRef idx="1">
-              <a:schemeClr val="accent1"/>
-            </a:fillRef>
-            <a:effectRef idx="0">
-              <a:schemeClr val="accent1"/>
-            </a:effectRef>
-            <a:fontRef idx="minor">
-              <a:schemeClr val="lt1"/>
-            </a:fontRef>
-          </p:style>
-          <p:txBody>
-            <a:bodyPr rtlCol="0" anchor="ctr"/>
-            <a:lstStyle/>
-            <a:p>
-              <a:pPr algn="ctr"/>
-              <a:endParaRPr lang="en-US"/>
-            </a:p>
-          </p:txBody>
-        </p:sp>
-      </p:grpSp>
-      <p:sp>
-        <p:nvSpPr>
-          <p:cNvPr id="15" name="Rectangle 14">
-            <a:extLst>
-              <a:ext uri="{FF2B5EF4-FFF2-40B4-BE49-F238E27FC236}">
-                <a16:creationId xmlns:a16="http://schemas.microsoft.com/office/drawing/2014/main" id="{3873B707-463F-40B0-8227-E8CC6C67EB25}"/>
-              </a:ext>
-              <a:ext uri="{C183D7F6-B498-43B3-948B-1728B52AA6E4}">
-                <adec:decorative xmlns:adec="http://schemas.microsoft.com/office/drawing/2017/decorative" val="1"/>
-              </a:ext>
-            </a:extLst>
-          </p:cNvPr>
-          <p:cNvSpPr>
-            <a:spLocks noGrp="1" noRot="1" noChangeAspect="1" noMove="1" noResize="1" noEditPoints="1" noAdjustHandles="1" noChangeArrowheads="1" noChangeShapeType="1" noTextEdit="1"/>
-          </p:cNvSpPr>
-          <p:nvPr>
-            <p:extLst>
-              <p:ext uri="{386F3935-93C4-4BCD-93E2-E3B085C9AB24}">
-                <p16:designElem xmlns:p16="http://schemas.microsoft.com/office/powerpoint/2015/main" val="1"/>
-              </p:ext>
-            </p:extLst>
-          </p:nvPr>
-        </p:nvSpPr>
-        <p:spPr>
-          <a:xfrm flipH="1">
-            <a:off x="10697670" y="0"/>
-            <a:ext cx="1494330" cy="6858000"/>
-          </a:xfrm>
-          <a:prstGeom prst="rect">
-            <a:avLst/>
-          </a:prstGeom>
-          <a:solidFill>
-            <a:schemeClr val="accent4"/>
-          </a:solidFill>
-          <a:ln>
-            <a:noFill/>
-          </a:ln>
-        </p:spPr>
-        <p:style>
-          <a:lnRef idx="2">
-            <a:schemeClr val="accent1">
-              <a:shade val="50000"/>
-            </a:schemeClr>
-          </a:lnRef>
-          <a:fillRef idx="1">
-            <a:schemeClr val="accent1"/>
-          </a:fillRef>
-          <a:effectRef idx="0">
-            <a:schemeClr val="accent1"/>
-          </a:effectRef>
-          <a:fontRef idx="minor">
-            <a:schemeClr val="lt1"/>
-          </a:fontRef>
-        </p:style>
-        <p:txBody>
-          <a:bodyPr rtlCol="0" anchor="ctr"/>
-          <a:lstStyle/>
-          <a:p>
-            <a:pPr algn="ctr"/>
-            <a:endParaRPr lang="en-US"/>
-          </a:p>
-        </p:txBody>
-      </p:sp>
-      <p:sp>
-        <p:nvSpPr>
-          <p:cNvPr id="17" name="Rectangle 16">
-            <a:extLst>
-              <a:ext uri="{FF2B5EF4-FFF2-40B4-BE49-F238E27FC236}">
-                <a16:creationId xmlns:a16="http://schemas.microsoft.com/office/drawing/2014/main" id="{19C9EAEA-39D0-4B0E-A0EB-51E7B26740B1}"/>
-              </a:ext>
-              <a:ext uri="{C183D7F6-B498-43B3-948B-1728B52AA6E4}">
-                <adec:decorative xmlns:adec="http://schemas.microsoft.com/office/drawing/2017/decorative" val="1"/>
-              </a:ext>
-            </a:extLst>
-          </p:cNvPr>
-          <p:cNvSpPr>
-            <a:spLocks noGrp="1" noRot="1" noChangeAspect="1" noMove="1" noResize="1" noEditPoints="1" noAdjustHandles="1" noChangeArrowheads="1" noChangeShapeType="1" noTextEdit="1"/>
-          </p:cNvSpPr>
-          <p:nvPr>
-            <p:extLst>
-              <p:ext uri="{386F3935-93C4-4BCD-93E2-E3B085C9AB24}">
-                <p16:designElem xmlns:p16="http://schemas.microsoft.com/office/powerpoint/2015/main" val="1"/>
-              </p:ext>
-            </p:extLst>
-          </p:nvPr>
-        </p:nvSpPr>
-        <p:spPr>
-          <a:xfrm>
-            <a:off x="5685810" y="982976"/>
-            <a:ext cx="6009366" cy="5120635"/>
-          </a:xfrm>
-          <a:prstGeom prst="rect">
-            <a:avLst/>
-          </a:prstGeom>
-          <a:solidFill>
-            <a:schemeClr val="bg1"/>
-          </a:solidFill>
-          <a:ln>
-            <a:noFill/>
-          </a:ln>
-          <a:effectLst>
-            <a:outerShdw blurRad="139700" dist="127000" dir="5400000" algn="t" rotWithShape="0">
-              <a:prstClr val="black">
-                <a:alpha val="15000"/>
-              </a:prstClr>
-            </a:outerShdw>
-          </a:effectLst>
-        </p:spPr>
-        <p:style>
-          <a:lnRef idx="2">
-            <a:schemeClr val="accent1">
-              <a:shade val="50000"/>
-            </a:schemeClr>
-          </a:lnRef>
-          <a:fillRef idx="1">
-            <a:schemeClr val="accent1"/>
-          </a:fillRef>
-          <a:effectRef idx="0">
-            <a:schemeClr val="accent1"/>
-          </a:effectRef>
-          <a:fontRef idx="minor">
-            <a:schemeClr val="lt1"/>
-          </a:fontRef>
-        </p:style>
-        <p:txBody>
-          <a:bodyPr rtlCol="0" anchor="ctr"/>
-          <a:lstStyle/>
-          <a:p>
-            <a:pPr algn="ctr"/>
-            <a:endParaRPr lang="en-US"/>
-          </a:p>
-        </p:txBody>
-      </p:sp>
-      <p:pic>
-        <p:nvPicPr>
-          <p:cNvPr id="5" name="Espace réservé du contenu 4" descr="Une image contenant table&#10;&#10;Description générée automatiquement">
-            <a:extLst>
-              <a:ext uri="{FF2B5EF4-FFF2-40B4-BE49-F238E27FC236}">
-                <a16:creationId xmlns:a16="http://schemas.microsoft.com/office/drawing/2014/main" id="{C0691F3B-30CC-436F-B037-26CA6CF787DF}"/>
-              </a:ext>
-            </a:extLst>
-          </p:cNvPr>
-          <p:cNvPicPr>
-            <a:picLocks noGrp="1" noChangeAspect="1"/>
-          </p:cNvPicPr>
-          <p:nvPr>
-            <p:ph idx="1"/>
-          </p:nvPr>
-        </p:nvPicPr>
-        <p:blipFill>
-          <a:blip r:embed="rId2">
-            <a:extLst>
-              <a:ext uri="{28A0092B-C50C-407E-A947-70E740481C1C}">
-                <a14:useLocalDpi xmlns:a14="http://schemas.microsoft.com/office/drawing/2010/main" val="0"/>
-              </a:ext>
-            </a:extLst>
-          </a:blip>
-          <a:stretch>
-            <a:fillRect/>
-          </a:stretch>
-        </p:blipFill>
-        <p:spPr>
-          <a:xfrm>
-            <a:off x="6297612" y="2794000"/>
-            <a:ext cx="4857750" cy="1466850"/>
-          </a:xfrm>
-        </p:spPr>
-      </p:pic>
-      <p:sp>
-        <p:nvSpPr>
-          <p:cNvPr id="6" name="ZoneTexte 5">
-            <a:extLst>
-              <a:ext uri="{FF2B5EF4-FFF2-40B4-BE49-F238E27FC236}">
-                <a16:creationId xmlns:a16="http://schemas.microsoft.com/office/drawing/2014/main" id="{78E802D7-10C1-4D48-9C16-6485CE61BF2A}"/>
-              </a:ext>
-            </a:extLst>
-          </p:cNvPr>
-          <p:cNvSpPr txBox="1"/>
-          <p:nvPr/>
-        </p:nvSpPr>
-        <p:spPr>
-          <a:xfrm>
-            <a:off x="1122947" y="1628274"/>
-            <a:ext cx="3400927" cy="923330"/>
-          </a:xfrm>
-          <a:prstGeom prst="rect">
-            <a:avLst/>
-          </a:prstGeom>
-          <a:noFill/>
-        </p:spPr>
-        <p:txBody>
-          <a:bodyPr wrap="square" rtlCol="0">
-            <a:spAutoFit/>
-          </a:bodyPr>
-          <a:lstStyle/>
-          <a:p>
-            <a:r>
-              <a:rPr lang="fr-FR" dirty="0"/>
-              <a:t>Ceci est la fin du jeu  quand vous avez  </a:t>
-            </a:r>
-            <a:r>
-              <a:rPr lang="fr-FR" dirty="0" err="1"/>
-              <a:t>recupere</a:t>
-            </a:r>
-            <a:r>
-              <a:rPr lang="fr-FR" dirty="0"/>
-              <a:t> les 3 objets plus le gardien votre objectif est </a:t>
-            </a:r>
-            <a:r>
-              <a:rPr lang="fr-FR" dirty="0" err="1"/>
-              <a:t>atteind</a:t>
-            </a:r>
-            <a:endParaRPr lang="fr-FR" dirty="0"/>
-          </a:p>
-        </p:txBody>
-      </p:sp>
-    </p:spTree>
-    <p:extLst>
-      <p:ext uri="{BB962C8B-B14F-4D97-AF65-F5344CB8AC3E}">
-        <p14:creationId xmlns:p14="http://schemas.microsoft.com/office/powerpoint/2010/main" val="2836824980"/>
-      </p:ext>
-    </p:extLst>
-  </p:cSld>
-  <p:clrMapOvr>
-    <a:masterClrMapping/>
-  </p:clrMapOvr>
-</p:sld>
-</file>
-
-<file path=ppt/slides/slide9.xml><?xml version="1.0" encoding="utf-8"?>
-<p:sld xmlns:a="http://schemas.openxmlformats.org/drawingml/2006/main" xmlns:r="http://schemas.openxmlformats.org/officeDocument/2006/relationships" xmlns:p="http://schemas.openxmlformats.org/presentationml/2006/main">
-  <p:cSld>
-    <p:bg>
-      <p:bgPr>
-        <a:solidFill>
-          <a:schemeClr val="bg1"/>
-        </a:solidFill>
-        <a:effectLst/>
-      </p:bgPr>
-    </p:bg>
-    <p:spTree>
-      <p:nvGrpSpPr>
-        <p:cNvPr id="1" name=""/>
-        <p:cNvGrpSpPr/>
-        <p:nvPr/>
-      </p:nvGrpSpPr>
-      <p:grpSpPr>
-        <a:xfrm>
-          <a:off x="0" y="0"/>
-          <a:ext cx="0" cy="0"/>
-          <a:chOff x="0" y="0"/>
-          <a:chExt cx="0" cy="0"/>
-        </a:xfrm>
-      </p:grpSpPr>
-      <p:sp useBgFill="1">
-        <p:nvSpPr>
-          <p:cNvPr id="8" name="Rectangle 7">
-            <a:extLst>
-              <a:ext uri="{FF2B5EF4-FFF2-40B4-BE49-F238E27FC236}">
-                <a16:creationId xmlns:a16="http://schemas.microsoft.com/office/drawing/2014/main" id="{7515D20E-1AB7-4E74-9236-2B72B63D60B6}"/>
-              </a:ext>
-              <a:ext uri="{C183D7F6-B498-43B3-948B-1728B52AA6E4}">
-                <adec:decorative xmlns:adec="http://schemas.microsoft.com/office/drawing/2017/decorative" val="1"/>
-              </a:ext>
-            </a:extLst>
-          </p:cNvPr>
-          <p:cNvSpPr>
-            <a:spLocks noGrp="1" noRot="1" noChangeAspect="1" noMove="1" noResize="1" noEditPoints="1" noAdjustHandles="1" noChangeArrowheads="1" noChangeShapeType="1" noTextEdit="1"/>
-          </p:cNvSpPr>
-          <p:nvPr>
-            <p:extLst>
-              <p:ext uri="{386F3935-93C4-4BCD-93E2-E3B085C9AB24}">
-                <p16:designElem xmlns:p16="http://schemas.microsoft.com/office/powerpoint/2015/main" val="1"/>
-              </p:ext>
-            </p:extLst>
-          </p:nvPr>
-        </p:nvSpPr>
-        <p:spPr>
-          <a:xfrm>
-            <a:off x="0" y="0"/>
-            <a:ext cx="12191999" cy="6857365"/>
-          </a:xfrm>
-          <a:prstGeom prst="rect">
-            <a:avLst/>
-          </a:prstGeom>
-          <a:ln>
-            <a:noFill/>
-          </a:ln>
-        </p:spPr>
-        <p:style>
-          <a:lnRef idx="2">
-            <a:schemeClr val="accent1">
-              <a:shade val="50000"/>
-            </a:schemeClr>
-          </a:lnRef>
-          <a:fillRef idx="1">
-            <a:schemeClr val="accent1"/>
-          </a:fillRef>
-          <a:effectRef idx="0">
-            <a:schemeClr val="accent1"/>
-          </a:effectRef>
-          <a:fontRef idx="minor">
-            <a:schemeClr val="lt1"/>
-          </a:fontRef>
-        </p:style>
-        <p:txBody>
-          <a:bodyPr rtlCol="0" anchor="ctr"/>
-          <a:lstStyle/>
-          <a:p>
-            <a:pPr algn="ctr"/>
-            <a:endParaRPr lang="en-US"/>
-          </a:p>
-        </p:txBody>
-      </p:sp>
-      <p:grpSp>
-        <p:nvGrpSpPr>
-          <p:cNvPr id="10" name="Group 9">
-            <a:extLst>
-              <a:ext uri="{FF2B5EF4-FFF2-40B4-BE49-F238E27FC236}">
-                <a16:creationId xmlns:a16="http://schemas.microsoft.com/office/drawing/2014/main" id="{032D8612-31EB-44CF-A1D0-14FD4C705424}"/>
-              </a:ext>
-              <a:ext uri="{C183D7F6-B498-43B3-948B-1728B52AA6E4}">
-                <adec:decorative xmlns:adec="http://schemas.microsoft.com/office/drawing/2017/decorative" val="1"/>
-              </a:ext>
-            </a:extLst>
-          </p:cNvPr>
-          <p:cNvGrpSpPr>
-            <a:grpSpLocks noGrp="1" noUngrp="1" noRot="1" noChangeAspect="1" noMove="1" noResize="1"/>
-          </p:cNvGrpSpPr>
-          <p:nvPr>
-            <p:extLst>
-              <p:ext uri="{386F3935-93C4-4BCD-93E2-E3B085C9AB24}">
-                <p16:designElem xmlns:p16="http://schemas.microsoft.com/office/powerpoint/2015/main" val="1"/>
-              </p:ext>
-            </p:extLst>
-          </p:nvPr>
-        </p:nvGrpSpPr>
-        <p:grpSpPr>
-          <a:xfrm>
-            <a:off x="0" y="3163461"/>
-            <a:ext cx="731521" cy="673460"/>
-            <a:chOff x="3940602" y="308034"/>
-            <a:chExt cx="2116791" cy="3428999"/>
-          </a:xfrm>
-          <a:solidFill>
-            <a:schemeClr val="accent4"/>
-          </a:solidFill>
-        </p:grpSpPr>
-        <p:sp>
-          <p:nvSpPr>
-            <p:cNvPr id="11" name="Rectangle 10">
-              <a:extLst>
-                <a:ext uri="{FF2B5EF4-FFF2-40B4-BE49-F238E27FC236}">
-                  <a16:creationId xmlns:a16="http://schemas.microsoft.com/office/drawing/2014/main" id="{F19A4A0F-1B59-4DB0-9764-D10936E98770}"/>
-                </a:ext>
-                <a:ext uri="{C183D7F6-B498-43B3-948B-1728B52AA6E4}">
-                  <adec:decorative xmlns:adec="http://schemas.microsoft.com/office/drawing/2017/decorative" val="1"/>
-                </a:ext>
-              </a:extLst>
-            </p:cNvPr>
-            <p:cNvSpPr/>
-            <p:nvPr>
-              <p:extLst>
-                <p:ext uri="{386F3935-93C4-4BCD-93E2-E3B085C9AB24}">
-                  <p16:designElem xmlns:p16="http://schemas.microsoft.com/office/powerpoint/2015/main" val="1"/>
-                </p:ext>
-              </p:extLst>
-            </p:nvPr>
-          </p:nvSpPr>
-          <p:spPr>
-            <a:xfrm>
-              <a:off x="3940602" y="308034"/>
-              <a:ext cx="566743" cy="3428999"/>
-            </a:xfrm>
-            <a:prstGeom prst="rect">
-              <a:avLst/>
-            </a:prstGeom>
-            <a:grpFill/>
-            <a:ln>
-              <a:noFill/>
-            </a:ln>
-          </p:spPr>
-          <p:style>
-            <a:lnRef idx="2">
-              <a:schemeClr val="accent1">
-                <a:shade val="50000"/>
-              </a:schemeClr>
-            </a:lnRef>
-            <a:fillRef idx="1">
-              <a:schemeClr val="accent1"/>
-            </a:fillRef>
-            <a:effectRef idx="0">
-              <a:schemeClr val="accent1"/>
-            </a:effectRef>
-            <a:fontRef idx="minor">
-              <a:schemeClr val="lt1"/>
-            </a:fontRef>
-          </p:style>
-          <p:txBody>
-            <a:bodyPr rtlCol="0" anchor="ctr"/>
-            <a:lstStyle/>
-            <a:p>
-              <a:pPr algn="ctr"/>
-              <a:endParaRPr lang="en-US"/>
-            </a:p>
-          </p:txBody>
-        </p:sp>
-        <p:sp>
-          <p:nvSpPr>
-            <p:cNvPr id="12" name="Rectangle 11">
-              <a:extLst>
-                <a:ext uri="{FF2B5EF4-FFF2-40B4-BE49-F238E27FC236}">
-                  <a16:creationId xmlns:a16="http://schemas.microsoft.com/office/drawing/2014/main" id="{F399A70F-F8CD-4992-9EF5-6CF15472E73F}"/>
-                </a:ext>
-                <a:ext uri="{C183D7F6-B498-43B3-948B-1728B52AA6E4}">
-                  <adec:decorative xmlns:adec="http://schemas.microsoft.com/office/drawing/2017/decorative" val="1"/>
-                </a:ext>
-              </a:extLst>
-            </p:cNvPr>
-            <p:cNvSpPr/>
-            <p:nvPr>
-              <p:extLst>
-                <p:ext uri="{386F3935-93C4-4BCD-93E2-E3B085C9AB24}">
-                  <p16:designElem xmlns:p16="http://schemas.microsoft.com/office/powerpoint/2015/main" val="1"/>
-                </p:ext>
-              </p:extLst>
-            </p:nvPr>
-          </p:nvSpPr>
-          <p:spPr>
-            <a:xfrm>
-              <a:off x="4715626" y="308034"/>
-              <a:ext cx="566743" cy="3428999"/>
-            </a:xfrm>
-            <a:prstGeom prst="rect">
-              <a:avLst/>
-            </a:prstGeom>
-            <a:grpFill/>
-            <a:ln>
-              <a:noFill/>
-            </a:ln>
-          </p:spPr>
-          <p:style>
-            <a:lnRef idx="2">
-              <a:schemeClr val="accent1">
-                <a:shade val="50000"/>
-              </a:schemeClr>
-            </a:lnRef>
-            <a:fillRef idx="1">
-              <a:schemeClr val="accent1"/>
-            </a:fillRef>
-            <a:effectRef idx="0">
-              <a:schemeClr val="accent1"/>
-            </a:effectRef>
-            <a:fontRef idx="minor">
-              <a:schemeClr val="lt1"/>
-            </a:fontRef>
-          </p:style>
-          <p:txBody>
-            <a:bodyPr rtlCol="0" anchor="ctr"/>
-            <a:lstStyle/>
-            <a:p>
-              <a:pPr algn="ctr"/>
-              <a:endParaRPr lang="en-US"/>
-            </a:p>
-          </p:txBody>
-        </p:sp>
-        <p:sp>
-          <p:nvSpPr>
-            <p:cNvPr id="13" name="Rectangle 12">
-              <a:extLst>
-                <a:ext uri="{FF2B5EF4-FFF2-40B4-BE49-F238E27FC236}">
-                  <a16:creationId xmlns:a16="http://schemas.microsoft.com/office/drawing/2014/main" id="{48F4FEDC-6D80-458C-A665-075D9B9500FD}"/>
-                </a:ext>
-                <a:ext uri="{C183D7F6-B498-43B3-948B-1728B52AA6E4}">
-                  <adec:decorative xmlns:adec="http://schemas.microsoft.com/office/drawing/2017/decorative" val="1"/>
-                </a:ext>
-              </a:extLst>
-            </p:cNvPr>
-            <p:cNvSpPr/>
-            <p:nvPr>
-              <p:extLst>
-                <p:ext uri="{386F3935-93C4-4BCD-93E2-E3B085C9AB24}">
-                  <p16:designElem xmlns:p16="http://schemas.microsoft.com/office/powerpoint/2015/main" val="1"/>
-                </p:ext>
-              </p:extLst>
-            </p:nvPr>
-          </p:nvSpPr>
-          <p:spPr>
-            <a:xfrm>
-              <a:off x="5490650" y="308034"/>
-              <a:ext cx="566743" cy="3428999"/>
-            </a:xfrm>
-            <a:prstGeom prst="rect">
-              <a:avLst/>
-            </a:prstGeom>
-            <a:grpFill/>
-            <a:ln>
-              <a:noFill/>
-            </a:ln>
-          </p:spPr>
-          <p:style>
-            <a:lnRef idx="2">
-              <a:schemeClr val="accent1">
-                <a:shade val="50000"/>
-              </a:schemeClr>
-            </a:lnRef>
-            <a:fillRef idx="1">
-              <a:schemeClr val="accent1"/>
-            </a:fillRef>
-            <a:effectRef idx="0">
-              <a:schemeClr val="accent1"/>
-            </a:effectRef>
-            <a:fontRef idx="minor">
-              <a:schemeClr val="lt1"/>
-            </a:fontRef>
-          </p:style>
-          <p:txBody>
-            <a:bodyPr rtlCol="0" anchor="ctr"/>
-            <a:lstStyle/>
-            <a:p>
-              <a:pPr algn="ctr"/>
-              <a:endParaRPr lang="en-US"/>
-            </a:p>
-          </p:txBody>
-        </p:sp>
-      </p:grpSp>
-      <p:sp>
-        <p:nvSpPr>
-          <p:cNvPr id="15" name="Rectangle 14">
-            <a:extLst>
-              <a:ext uri="{FF2B5EF4-FFF2-40B4-BE49-F238E27FC236}">
-                <a16:creationId xmlns:a16="http://schemas.microsoft.com/office/drawing/2014/main" id="{3873B707-463F-40B0-8227-E8CC6C67EB25}"/>
-              </a:ext>
-              <a:ext uri="{C183D7F6-B498-43B3-948B-1728B52AA6E4}">
-                <adec:decorative xmlns:adec="http://schemas.microsoft.com/office/drawing/2017/decorative" val="1"/>
-              </a:ext>
-            </a:extLst>
-          </p:cNvPr>
-          <p:cNvSpPr>
-            <a:spLocks noGrp="1" noRot="1" noChangeAspect="1" noMove="1" noResize="1" noEditPoints="1" noAdjustHandles="1" noChangeArrowheads="1" noChangeShapeType="1" noTextEdit="1"/>
-          </p:cNvSpPr>
-          <p:nvPr>
-            <p:extLst>
-              <p:ext uri="{386F3935-93C4-4BCD-93E2-E3B085C9AB24}">
-                <p16:designElem xmlns:p16="http://schemas.microsoft.com/office/powerpoint/2015/main" val="1"/>
-              </p:ext>
-            </p:extLst>
-          </p:nvPr>
-        </p:nvSpPr>
-        <p:spPr>
-          <a:xfrm flipH="1">
-            <a:off x="10697670" y="0"/>
-            <a:ext cx="1494330" cy="6858000"/>
-          </a:xfrm>
-          <a:prstGeom prst="rect">
-            <a:avLst/>
-          </a:prstGeom>
-          <a:solidFill>
-            <a:schemeClr val="accent4"/>
-          </a:solidFill>
-          <a:ln>
-            <a:noFill/>
-          </a:ln>
-        </p:spPr>
-        <p:style>
-          <a:lnRef idx="2">
-            <a:schemeClr val="accent1">
-              <a:shade val="50000"/>
-            </a:schemeClr>
-          </a:lnRef>
-          <a:fillRef idx="1">
-            <a:schemeClr val="accent1"/>
-          </a:fillRef>
-          <a:effectRef idx="0">
-            <a:schemeClr val="accent1"/>
-          </a:effectRef>
-          <a:fontRef idx="minor">
-            <a:schemeClr val="lt1"/>
-          </a:fontRef>
-        </p:style>
-        <p:txBody>
-          <a:bodyPr rtlCol="0" anchor="ctr"/>
-          <a:lstStyle/>
-          <a:p>
-            <a:pPr algn="ctr"/>
-            <a:endParaRPr lang="en-US"/>
-          </a:p>
-        </p:txBody>
-      </p:sp>
-      <p:sp>
-        <p:nvSpPr>
-          <p:cNvPr id="17" name="Rectangle 16">
-            <a:extLst>
-              <a:ext uri="{FF2B5EF4-FFF2-40B4-BE49-F238E27FC236}">
-                <a16:creationId xmlns:a16="http://schemas.microsoft.com/office/drawing/2014/main" id="{19C9EAEA-39D0-4B0E-A0EB-51E7B26740B1}"/>
-              </a:ext>
-              <a:ext uri="{C183D7F6-B498-43B3-948B-1728B52AA6E4}">
-                <adec:decorative xmlns:adec="http://schemas.microsoft.com/office/drawing/2017/decorative" val="1"/>
-              </a:ext>
-            </a:extLst>
-          </p:cNvPr>
-          <p:cNvSpPr>
-            <a:spLocks noGrp="1" noRot="1" noChangeAspect="1" noMove="1" noResize="1" noEditPoints="1" noAdjustHandles="1" noChangeArrowheads="1" noChangeShapeType="1" noTextEdit="1"/>
-          </p:cNvSpPr>
-          <p:nvPr>
-            <p:extLst>
-              <p:ext uri="{386F3935-93C4-4BCD-93E2-E3B085C9AB24}">
-                <p16:designElem xmlns:p16="http://schemas.microsoft.com/office/powerpoint/2015/main" val="1"/>
-              </p:ext>
-            </p:extLst>
-          </p:nvPr>
-        </p:nvSpPr>
-        <p:spPr>
-          <a:xfrm>
-            <a:off x="5685810" y="982976"/>
-            <a:ext cx="6009366" cy="5120635"/>
-          </a:xfrm>
-          <a:prstGeom prst="rect">
-            <a:avLst/>
-          </a:prstGeom>
-          <a:solidFill>
-            <a:schemeClr val="bg1"/>
-          </a:solidFill>
-          <a:ln>
-            <a:noFill/>
-          </a:ln>
-          <a:effectLst>
-            <a:outerShdw blurRad="139700" dist="127000" dir="5400000" algn="t" rotWithShape="0">
-              <a:prstClr val="black">
-                <a:alpha val="15000"/>
-              </a:prstClr>
-            </a:outerShdw>
-          </a:effectLst>
-        </p:spPr>
-        <p:style>
-          <a:lnRef idx="2">
-            <a:schemeClr val="accent1">
-              <a:shade val="50000"/>
-            </a:schemeClr>
-          </a:lnRef>
-          <a:fillRef idx="1">
-            <a:schemeClr val="accent1"/>
-          </a:fillRef>
-          <a:effectRef idx="0">
-            <a:schemeClr val="accent1"/>
-          </a:effectRef>
-          <a:fontRef idx="minor">
-            <a:schemeClr val="lt1"/>
-          </a:fontRef>
-        </p:style>
-        <p:txBody>
-          <a:bodyPr rtlCol="0" anchor="ctr"/>
-          <a:lstStyle/>
-          <a:p>
-            <a:pPr algn="ctr"/>
-            <a:endParaRPr lang="en-US"/>
-          </a:p>
-        </p:txBody>
-      </p:sp>
-      <p:pic>
-        <p:nvPicPr>
-          <p:cNvPr id="5" name="Espace réservé du contenu 4" descr="Une image contenant table&#10;&#10;Description générée automatiquement">
-            <a:extLst>
-              <a:ext uri="{FF2B5EF4-FFF2-40B4-BE49-F238E27FC236}">
-                <a16:creationId xmlns:a16="http://schemas.microsoft.com/office/drawing/2014/main" id="{86B7D708-07CE-48A3-93A1-2AB37E6B3523}"/>
-              </a:ext>
-            </a:extLst>
-          </p:cNvPr>
-          <p:cNvPicPr>
-            <a:picLocks noGrp="1" noChangeAspect="1"/>
-          </p:cNvPicPr>
-          <p:nvPr>
-            <p:ph idx="1"/>
-          </p:nvPr>
-        </p:nvPicPr>
-        <p:blipFill>
-          <a:blip r:embed="rId2">
-            <a:extLst>
-              <a:ext uri="{28A0092B-C50C-407E-A947-70E740481C1C}">
-                <a14:useLocalDpi xmlns:a14="http://schemas.microsoft.com/office/drawing/2010/main" val="0"/>
-              </a:ext>
-            </a:extLst>
-          </a:blip>
-          <a:stretch>
-            <a:fillRect/>
-          </a:stretch>
-        </p:blipFill>
-        <p:spPr>
-          <a:xfrm>
-            <a:off x="7050087" y="3046412"/>
-            <a:ext cx="3352800" cy="962025"/>
-          </a:xfrm>
-        </p:spPr>
-      </p:pic>
-      <p:sp>
-        <p:nvSpPr>
-          <p:cNvPr id="6" name="ZoneTexte 5">
-            <a:extLst>
-              <a:ext uri="{FF2B5EF4-FFF2-40B4-BE49-F238E27FC236}">
-                <a16:creationId xmlns:a16="http://schemas.microsoft.com/office/drawing/2014/main" id="{A9D25835-23ED-4184-8BA9-45F114B5803C}"/>
-              </a:ext>
-            </a:extLst>
-          </p:cNvPr>
-          <p:cNvSpPr txBox="1"/>
-          <p:nvPr/>
-        </p:nvSpPr>
-        <p:spPr>
-          <a:xfrm>
-            <a:off x="842211" y="1251284"/>
-            <a:ext cx="3962400" cy="646331"/>
-          </a:xfrm>
-          <a:prstGeom prst="rect">
-            <a:avLst/>
-          </a:prstGeom>
-          <a:noFill/>
-        </p:spPr>
-        <p:txBody>
-          <a:bodyPr wrap="square" rtlCol="0">
-            <a:spAutoFit/>
-          </a:bodyPr>
-          <a:lstStyle/>
-          <a:p>
-            <a:r>
-              <a:rPr lang="fr-FR" dirty="0"/>
-              <a:t>Ceci est la fin du jeu quand vous tuer directement le gardien sans les </a:t>
-            </a:r>
-            <a:r>
-              <a:rPr lang="fr-FR" dirty="0" err="1"/>
-              <a:t>objects</a:t>
-            </a:r>
-            <a:endParaRPr lang="fr-FR" dirty="0"/>
-          </a:p>
-        </p:txBody>
-      </p:sp>
-    </p:spTree>
-    <p:extLst>
-      <p:ext uri="{BB962C8B-B14F-4D97-AF65-F5344CB8AC3E}">
-        <p14:creationId xmlns:p14="http://schemas.microsoft.com/office/powerpoint/2010/main" val="2146253586"/>
       </p:ext>
     </p:extLst>
   </p:cSld>

--- a/soutenance_python.pptx
+++ b/soutenance_python.pptx
@@ -156,11 +156,7 @@
 <file path=ppt/revisionInfo.xml><?xml version="1.0" encoding="utf-8"?>
 <p1510:revInfo xmlns:a="http://schemas.openxmlformats.org/drawingml/2006/main" xmlns:r="http://schemas.openxmlformats.org/officeDocument/2006/relationships" xmlns:p1510="http://schemas.microsoft.com/office/powerpoint/2015/10/main">
   <p1510:revLst>
-    <p1510:client id="{55C062D2-0DB4-489F-A7C8-95C44F213725}" v="825" dt="2020-05-02T09:15:45.334"/>
-    <p1510:client id="{84B80816-FBFE-46CC-829B-7A96CA802701}" v="77" dt="2020-05-02T09:49:27.094"/>
     <p1510:client id="{E9C843FC-B124-4061-8C89-EE7FD8F3C8A3}" v="8" dt="2020-05-01T14:04:39.802"/>
-    <p1510:client id="{F1D63990-5919-43D1-AC89-027E19F59A60}" v="501" dt="2020-05-01T08:29:26.057"/>
-    <p1510:client id="{F76F3E65-47E3-4C2C-91A0-0312AEC85931}" v="653" dt="2020-05-02T09:39:45.978"/>
   </p1510:revLst>
 </p1510:revInfo>
 </file>
@@ -168,249 +164,125 @@
 <file path=ppt/changesInfos/changesInfo1.xml><?xml version="1.0" encoding="utf-8"?>
 <pc:chgInfo xmlns:a="http://schemas.openxmlformats.org/drawingml/2006/main" xmlns:r="http://schemas.openxmlformats.org/officeDocument/2006/relationships" xmlns:ac="http://schemas.microsoft.com/office/drawing/2013/main/command" xmlns:pc="http://schemas.microsoft.com/office/powerpoint/2013/main/command">
   <pc:docChgLst>
-    <pc:chgData name="alain desombre" userId="79cdecc42f8c13b8" providerId="LiveId" clId="{E9C843FC-B124-4061-8C89-EE7FD8F3C8A3}"/>
-    <pc:docChg chg="custSel addSld delSld modSld sldOrd">
-      <pc:chgData name="alain desombre" userId="79cdecc42f8c13b8" providerId="LiveId" clId="{E9C843FC-B124-4061-8C89-EE7FD8F3C8A3}" dt="2020-05-01T14:07:31.749" v="352" actId="20577"/>
+    <pc:chgData name="alain desombre" userId="79cdecc42f8c13b8" providerId="Windows Live" clId="Web-{9EC82C7A-1810-4786-B704-C78971D90367}"/>
+    <pc:docChg chg="modSld">
+      <pc:chgData name="alain desombre" userId="79cdecc42f8c13b8" providerId="Windows Live" clId="Web-{9EC82C7A-1810-4786-B704-C78971D90367}" dt="2020-05-03T13:48:02.937" v="12"/>
       <pc:docMkLst>
         <pc:docMk/>
       </pc:docMkLst>
-      <pc:sldChg chg="ord">
-        <pc:chgData name="alain desombre" userId="79cdecc42f8c13b8" providerId="LiveId" clId="{E9C843FC-B124-4061-8C89-EE7FD8F3C8A3}" dt="2020-05-01T13:42:37.339" v="96"/>
+      <pc:sldChg chg="addSp">
+        <pc:chgData name="alain desombre" userId="79cdecc42f8c13b8" providerId="Windows Live" clId="Web-{9EC82C7A-1810-4786-B704-C78971D90367}" dt="2020-05-03T13:48:02.937" v="12"/>
         <pc:sldMkLst>
           <pc:docMk/>
-          <pc:sldMk cId="3870336645" sldId="257"/>
+          <pc:sldMk cId="2228380559" sldId="266"/>
         </pc:sldMkLst>
-      </pc:sldChg>
-      <pc:sldChg chg="addSp modSp">
-        <pc:chgData name="alain desombre" userId="79cdecc42f8c13b8" providerId="LiveId" clId="{E9C843FC-B124-4061-8C89-EE7FD8F3C8A3}" dt="2020-05-01T14:01:12.433" v="312" actId="20577"/>
-        <pc:sldMkLst>
-          <pc:docMk/>
-          <pc:sldMk cId="2667983443" sldId="258"/>
-        </pc:sldMkLst>
-        <pc:spChg chg="add mod">
-          <ac:chgData name="alain desombre" userId="79cdecc42f8c13b8" providerId="LiveId" clId="{E9C843FC-B124-4061-8C89-EE7FD8F3C8A3}" dt="2020-05-01T14:01:12.433" v="312" actId="20577"/>
-          <ac:spMkLst>
+        <pc:inkChg chg="add">
+          <ac:chgData name="alain desombre" userId="79cdecc42f8c13b8" providerId="Windows Live" clId="Web-{9EC82C7A-1810-4786-B704-C78971D90367}" dt="2020-05-03T13:47:48.171" v="8"/>
+          <ac:inkMkLst>
             <pc:docMk/>
-            <pc:sldMk cId="2667983443" sldId="258"/>
-            <ac:spMk id="14" creationId="{E412B0E6-09D8-476C-82D0-194AE17351B6}"/>
-          </ac:spMkLst>
-        </pc:spChg>
+            <pc:sldMk cId="2228380559" sldId="266"/>
+            <ac:inkMk id="2" creationId="{78CB88BC-A410-47B1-885B-E7223FD2E23D}"/>
+          </ac:inkMkLst>
+        </pc:inkChg>
+        <pc:inkChg chg="add">
+          <ac:chgData name="alain desombre" userId="79cdecc42f8c13b8" providerId="Windows Live" clId="Web-{9EC82C7A-1810-4786-B704-C78971D90367}" dt="2020-05-03T13:47:51.921" v="9"/>
+          <ac:inkMkLst>
+            <pc:docMk/>
+            <pc:sldMk cId="2228380559" sldId="266"/>
+            <ac:inkMk id="4" creationId="{DCF8C50D-4E13-4AE2-956A-57D0A23D62FE}"/>
+          </ac:inkMkLst>
+        </pc:inkChg>
+        <pc:inkChg chg="add">
+          <ac:chgData name="alain desombre" userId="79cdecc42f8c13b8" providerId="Windows Live" clId="Web-{9EC82C7A-1810-4786-B704-C78971D90367}" dt="2020-05-03T13:47:55.406" v="10"/>
+          <ac:inkMkLst>
+            <pc:docMk/>
+            <pc:sldMk cId="2228380559" sldId="266"/>
+            <ac:inkMk id="5" creationId="{C79B4073-5079-4793-85E7-94233C1423E2}"/>
+          </ac:inkMkLst>
+        </pc:inkChg>
+        <pc:inkChg chg="add">
+          <ac:chgData name="alain desombre" userId="79cdecc42f8c13b8" providerId="Windows Live" clId="Web-{9EC82C7A-1810-4786-B704-C78971D90367}" dt="2020-05-03T13:47:59.578" v="11"/>
+          <ac:inkMkLst>
+            <pc:docMk/>
+            <pc:sldMk cId="2228380559" sldId="266"/>
+            <ac:inkMk id="6" creationId="{9A08BE55-1E38-409A-99E7-5C9A082CD9A7}"/>
+          </ac:inkMkLst>
+        </pc:inkChg>
+        <pc:inkChg chg="add">
+          <ac:chgData name="alain desombre" userId="79cdecc42f8c13b8" providerId="Windows Live" clId="Web-{9EC82C7A-1810-4786-B704-C78971D90367}" dt="2020-05-03T13:48:02.937" v="12"/>
+          <ac:inkMkLst>
+            <pc:docMk/>
+            <pc:sldMk cId="2228380559" sldId="266"/>
+            <ac:inkMk id="14" creationId="{F4F1187F-B6E4-4453-845D-F5D8369F3909}"/>
+          </ac:inkMkLst>
+        </pc:inkChg>
       </pc:sldChg>
       <pc:sldChg chg="modSp">
-        <pc:chgData name="alain desombre" userId="79cdecc42f8c13b8" providerId="LiveId" clId="{E9C843FC-B124-4061-8C89-EE7FD8F3C8A3}" dt="2020-04-29T16:35:54.631" v="78" actId="313"/>
-        <pc:sldMkLst>
-          <pc:docMk/>
-          <pc:sldMk cId="3048587470" sldId="268"/>
-        </pc:sldMkLst>
-        <pc:spChg chg="mod">
-          <ac:chgData name="alain desombre" userId="79cdecc42f8c13b8" providerId="LiveId" clId="{E9C843FC-B124-4061-8C89-EE7FD8F3C8A3}" dt="2020-04-29T16:35:54.631" v="78" actId="313"/>
-          <ac:spMkLst>
-            <pc:docMk/>
-            <pc:sldMk cId="3048587470" sldId="268"/>
-            <ac:spMk id="2" creationId="{712AD056-EC7C-4D1F-9D7E-D741D0FEE935}"/>
-          </ac:spMkLst>
-        </pc:spChg>
-      </pc:sldChg>
-      <pc:sldChg chg="modSp">
-        <pc:chgData name="alain desombre" userId="79cdecc42f8c13b8" providerId="LiveId" clId="{E9C843FC-B124-4061-8C89-EE7FD8F3C8A3}" dt="2020-04-29T16:35:07.805" v="76" actId="20577"/>
-        <pc:sldMkLst>
-          <pc:docMk/>
-          <pc:sldMk cId="1150103603" sldId="270"/>
-        </pc:sldMkLst>
-        <pc:spChg chg="mod">
-          <ac:chgData name="alain desombre" userId="79cdecc42f8c13b8" providerId="LiveId" clId="{E9C843FC-B124-4061-8C89-EE7FD8F3C8A3}" dt="2020-04-29T16:35:07.805" v="76" actId="20577"/>
-          <ac:spMkLst>
-            <pc:docMk/>
-            <pc:sldMk cId="1150103603" sldId="270"/>
-            <ac:spMk id="4" creationId="{23FF0368-5B71-4346-8EC9-170C0817FCC0}"/>
-          </ac:spMkLst>
-        </pc:spChg>
-      </pc:sldChg>
-      <pc:sldChg chg="addSp delSp modSp add">
-        <pc:chgData name="alain desombre" userId="79cdecc42f8c13b8" providerId="LiveId" clId="{E9C843FC-B124-4061-8C89-EE7FD8F3C8A3}" dt="2020-05-01T14:01:32.581" v="313" actId="1076"/>
-        <pc:sldMkLst>
-          <pc:docMk/>
-          <pc:sldMk cId="299401932" sldId="273"/>
-        </pc:sldMkLst>
-        <pc:spChg chg="del mod">
-          <ac:chgData name="alain desombre" userId="79cdecc42f8c13b8" providerId="LiveId" clId="{E9C843FC-B124-4061-8C89-EE7FD8F3C8A3}" dt="2020-05-01T13:40:30.778" v="84" actId="21"/>
-          <ac:spMkLst>
-            <pc:docMk/>
-            <pc:sldMk cId="299401932" sldId="273"/>
-            <ac:spMk id="2" creationId="{8C92AAEA-89C1-403B-B2E2-2FB9534FE3CE}"/>
-          </ac:spMkLst>
-        </pc:spChg>
-        <pc:spChg chg="del mod">
-          <ac:chgData name="alain desombre" userId="79cdecc42f8c13b8" providerId="LiveId" clId="{E9C843FC-B124-4061-8C89-EE7FD8F3C8A3}" dt="2020-05-01T13:41:13.234" v="87" actId="21"/>
-          <ac:spMkLst>
-            <pc:docMk/>
-            <pc:sldMk cId="299401932" sldId="273"/>
-            <ac:spMk id="3" creationId="{F03A26FC-CFD0-4E6A-916B-BAB88C1B912A}"/>
-          </ac:spMkLst>
-        </pc:spChg>
-        <pc:spChg chg="add del mod">
-          <ac:chgData name="alain desombre" userId="79cdecc42f8c13b8" providerId="LiveId" clId="{E9C843FC-B124-4061-8C89-EE7FD8F3C8A3}" dt="2020-05-01T13:41:07.277" v="86" actId="21"/>
-          <ac:spMkLst>
-            <pc:docMk/>
-            <pc:sldMk cId="299401932" sldId="273"/>
-            <ac:spMk id="5" creationId="{AC828064-EDC4-4813-A205-F9F7C347F99A}"/>
-          </ac:spMkLst>
-        </pc:spChg>
-        <pc:spChg chg="add del mod">
-          <ac:chgData name="alain desombre" userId="79cdecc42f8c13b8" providerId="LiveId" clId="{E9C843FC-B124-4061-8C89-EE7FD8F3C8A3}" dt="2020-05-01T13:41:26.730" v="88" actId="21"/>
-          <ac:spMkLst>
-            <pc:docMk/>
-            <pc:sldMk cId="299401932" sldId="273"/>
-            <ac:spMk id="7" creationId="{FC717894-EC41-47E8-A786-2C75CDCD7CA8}"/>
-          </ac:spMkLst>
-        </pc:spChg>
-        <pc:spChg chg="add mod">
-          <ac:chgData name="alain desombre" userId="79cdecc42f8c13b8" providerId="LiveId" clId="{E9C843FC-B124-4061-8C89-EE7FD8F3C8A3}" dt="2020-05-01T14:01:32.581" v="313" actId="1076"/>
-          <ac:spMkLst>
-            <pc:docMk/>
-            <pc:sldMk cId="299401932" sldId="273"/>
-            <ac:spMk id="9" creationId="{9B106050-2A1A-48C6-82A6-0213372CAAE1}"/>
-          </ac:spMkLst>
-        </pc:spChg>
-        <pc:spChg chg="add mod">
-          <ac:chgData name="alain desombre" userId="79cdecc42f8c13b8" providerId="LiveId" clId="{E9C843FC-B124-4061-8C89-EE7FD8F3C8A3}" dt="2020-05-01T13:45:55.146" v="145" actId="20577"/>
-          <ac:spMkLst>
-            <pc:docMk/>
-            <pc:sldMk cId="299401932" sldId="273"/>
-            <ac:spMk id="15" creationId="{DDD91E6B-9161-4779-94F7-687C778FAC13}"/>
-          </ac:spMkLst>
-        </pc:spChg>
-      </pc:sldChg>
-      <pc:sldChg chg="new del">
-        <pc:chgData name="alain desombre" userId="79cdecc42f8c13b8" providerId="LiveId" clId="{E9C843FC-B124-4061-8C89-EE7FD8F3C8A3}" dt="2020-05-01T13:39:45.659" v="80" actId="47"/>
-        <pc:sldMkLst>
-          <pc:docMk/>
-          <pc:sldMk cId="970273458" sldId="273"/>
-        </pc:sldMkLst>
-      </pc:sldChg>
-      <pc:sldChg chg="modSp add">
-        <pc:chgData name="alain desombre" userId="79cdecc42f8c13b8" providerId="LiveId" clId="{E9C843FC-B124-4061-8C89-EE7FD8F3C8A3}" dt="2020-05-01T13:59:41.177" v="260" actId="20577"/>
-        <pc:sldMkLst>
-          <pc:docMk/>
-          <pc:sldMk cId="1361226019" sldId="274"/>
-        </pc:sldMkLst>
-        <pc:spChg chg="mod">
-          <ac:chgData name="alain desombre" userId="79cdecc42f8c13b8" providerId="LiveId" clId="{E9C843FC-B124-4061-8C89-EE7FD8F3C8A3}" dt="2020-05-01T13:57:14.521" v="223" actId="14100"/>
-          <ac:spMkLst>
-            <pc:docMk/>
-            <pc:sldMk cId="1361226019" sldId="274"/>
-            <ac:spMk id="2" creationId="{8C92AAEA-89C1-403B-B2E2-2FB9534FE3CE}"/>
-          </ac:spMkLst>
-        </pc:spChg>
-        <pc:spChg chg="mod">
-          <ac:chgData name="alain desombre" userId="79cdecc42f8c13b8" providerId="LiveId" clId="{E9C843FC-B124-4061-8C89-EE7FD8F3C8A3}" dt="2020-05-01T13:59:41.177" v="260" actId="20577"/>
-          <ac:spMkLst>
-            <pc:docMk/>
-            <pc:sldMk cId="1361226019" sldId="274"/>
-            <ac:spMk id="3" creationId="{F03A26FC-CFD0-4E6A-916B-BAB88C1B912A}"/>
-          </ac:spMkLst>
-        </pc:spChg>
-      </pc:sldChg>
-      <pc:sldChg chg="addSp delSp modSp add">
-        <pc:chgData name="alain desombre" userId="79cdecc42f8c13b8" providerId="LiveId" clId="{E9C843FC-B124-4061-8C89-EE7FD8F3C8A3}" dt="2020-05-01T14:07:31.749" v="352" actId="20577"/>
+        <pc:chgData name="alain desombre" userId="79cdecc42f8c13b8" providerId="Windows Live" clId="Web-{9EC82C7A-1810-4786-B704-C78971D90367}" dt="2020-05-03T13:45:34.120" v="6" actId="20577"/>
         <pc:sldMkLst>
           <pc:docMk/>
           <pc:sldMk cId="1004045936" sldId="275"/>
         </pc:sldMkLst>
-        <pc:spChg chg="del mod">
-          <ac:chgData name="alain desombre" userId="79cdecc42f8c13b8" providerId="LiveId" clId="{E9C843FC-B124-4061-8C89-EE7FD8F3C8A3}" dt="2020-05-01T14:04:58.276" v="316" actId="21"/>
+        <pc:spChg chg="mod">
+          <ac:chgData name="alain desombre" userId="79cdecc42f8c13b8" providerId="Windows Live" clId="Web-{9EC82C7A-1810-4786-B704-C78971D90367}" dt="2020-05-03T13:45:34.120" v="6" actId="20577"/>
           <ac:spMkLst>
             <pc:docMk/>
             <pc:sldMk cId="1004045936" sldId="275"/>
-            <ac:spMk id="2" creationId="{8C92AAEA-89C1-403B-B2E2-2FB9534FE3CE}"/>
-          </ac:spMkLst>
-        </pc:spChg>
-        <pc:spChg chg="del">
-          <ac:chgData name="alain desombre" userId="79cdecc42f8c13b8" providerId="LiveId" clId="{E9C843FC-B124-4061-8C89-EE7FD8F3C8A3}" dt="2020-05-01T14:05:15.059" v="317" actId="21"/>
-          <ac:spMkLst>
-            <pc:docMk/>
-            <pc:sldMk cId="1004045936" sldId="275"/>
-            <ac:spMk id="3" creationId="{F03A26FC-CFD0-4E6A-916B-BAB88C1B912A}"/>
-          </ac:spMkLst>
-        </pc:spChg>
-        <pc:spChg chg="add mod">
-          <ac:chgData name="alain desombre" userId="79cdecc42f8c13b8" providerId="LiveId" clId="{E9C843FC-B124-4061-8C89-EE7FD8F3C8A3}" dt="2020-05-01T14:07:31.749" v="352" actId="20577"/>
-          <ac:spMkLst>
-            <pc:docMk/>
-            <pc:sldMk cId="1004045936" sldId="275"/>
-            <ac:spMk id="5" creationId="{26BF59BB-63C4-4052-9D20-259EEA6FB44F}"/>
-          </ac:spMkLst>
-        </pc:spChg>
-        <pc:spChg chg="add mod">
-          <ac:chgData name="alain desombre" userId="79cdecc42f8c13b8" providerId="LiveId" clId="{E9C843FC-B124-4061-8C89-EE7FD8F3C8A3}" dt="2020-05-01T14:05:55.484" v="325" actId="14100"/>
-          <ac:spMkLst>
-            <pc:docMk/>
-            <pc:sldMk cId="1004045936" sldId="275"/>
-            <ac:spMk id="7" creationId="{9785E89A-3A1A-4FA0-8E59-F8EB50D9330A}"/>
+            <ac:spMk id="2" creationId="{9D69D1C0-2BCA-4B2A-9781-54DCD0D46F1D}"/>
           </ac:spMkLst>
         </pc:spChg>
       </pc:sldChg>
     </pc:docChg>
   </pc:docChgLst>
   <pc:docChgLst>
-    <pc:chgData name="alain desombre" userId="79cdecc42f8c13b8" providerId="Windows Live" clId="Web-{84B80816-FBFE-46CC-829B-7A96CA802701}"/>
+    <pc:chgData name="alain desombre" userId="79cdecc42f8c13b8" providerId="Windows Live" clId="Web-{07C2CDCF-8E69-482D-8415-D1D714FE29A3}"/>
     <pc:docChg chg="modSld">
-      <pc:chgData name="alain desombre" userId="79cdecc42f8c13b8" providerId="Windows Live" clId="Web-{84B80816-FBFE-46CC-829B-7A96CA802701}" dt="2020-05-02T09:49:27.094" v="76" actId="20577"/>
+      <pc:chgData name="alain desombre" userId="79cdecc42f8c13b8" providerId="Windows Live" clId="Web-{07C2CDCF-8E69-482D-8415-D1D714FE29A3}" dt="2020-04-29T14:33:51.385" v="22" actId="1076"/>
       <pc:docMkLst>
         <pc:docMk/>
       </pc:docMkLst>
       <pc:sldChg chg="modSp">
-        <pc:chgData name="alain desombre" userId="79cdecc42f8c13b8" providerId="Windows Live" clId="Web-{84B80816-FBFE-46CC-829B-7A96CA802701}" dt="2020-05-02T09:48:46.905" v="74" actId="20577"/>
+        <pc:chgData name="alain desombre" userId="79cdecc42f8c13b8" providerId="Windows Live" clId="Web-{07C2CDCF-8E69-482D-8415-D1D714FE29A3}" dt="2020-04-29T14:32:33.761" v="12" actId="20577"/>
         <pc:sldMkLst>
           <pc:docMk/>
-          <pc:sldMk cId="3870336645" sldId="257"/>
+          <pc:sldMk cId="2826607830" sldId="262"/>
         </pc:sldMkLst>
         <pc:spChg chg="mod">
-          <ac:chgData name="alain desombre" userId="79cdecc42f8c13b8" providerId="Windows Live" clId="Web-{84B80816-FBFE-46CC-829B-7A96CA802701}" dt="2020-05-02T09:48:46.905" v="74" actId="20577"/>
+          <ac:chgData name="alain desombre" userId="79cdecc42f8c13b8" providerId="Windows Live" clId="Web-{07C2CDCF-8E69-482D-8415-D1D714FE29A3}" dt="2020-04-29T14:32:33.761" v="12" actId="20577"/>
           <ac:spMkLst>
             <pc:docMk/>
-            <pc:sldMk cId="3870336645" sldId="257"/>
-            <ac:spMk id="5" creationId="{2C7E6AEB-2467-4509-A906-685B370C37A2}"/>
+            <pc:sldMk cId="2826607830" sldId="262"/>
+            <ac:spMk id="6" creationId="{CF3BEA61-58D5-4058-97A7-D81BE3448735}"/>
           </ac:spMkLst>
         </pc:spChg>
       </pc:sldChg>
-    </pc:docChg>
-  </pc:docChgLst>
-  <pc:docChgLst>
-    <pc:chgData name="alain desombre" userId="79cdecc42f8c13b8" providerId="Windows Live" clId="Web-{BF4C9F29-C06B-4AF1-BAEC-F39CB3D7E365}"/>
-    <pc:docChg chg="modSld">
-      <pc:chgData name="alain desombre" userId="79cdecc42f8c13b8" providerId="Windows Live" clId="Web-{BF4C9F29-C06B-4AF1-BAEC-F39CB3D7E365}" dt="2020-04-29T13:45:02.699" v="2"/>
-      <pc:docMkLst>
-        <pc:docMk/>
-      </pc:docMkLst>
-      <pc:sldChg chg="addSp delSp modSp">
-        <pc:chgData name="alain desombre" userId="79cdecc42f8c13b8" providerId="Windows Live" clId="Web-{BF4C9F29-C06B-4AF1-BAEC-F39CB3D7E365}" dt="2020-04-29T13:45:02.699" v="2"/>
+      <pc:sldChg chg="modSp">
+        <pc:chgData name="alain desombre" userId="79cdecc42f8c13b8" providerId="Windows Live" clId="Web-{07C2CDCF-8E69-482D-8415-D1D714FE29A3}" dt="2020-04-29T14:32:48.136" v="20" actId="20577"/>
         <pc:sldMkLst>
           <pc:docMk/>
-          <pc:sldMk cId="314404111" sldId="267"/>
+          <pc:sldMk cId="3131725471" sldId="263"/>
         </pc:sldMkLst>
-        <pc:spChg chg="del">
-          <ac:chgData name="alain desombre" userId="79cdecc42f8c13b8" providerId="Windows Live" clId="Web-{BF4C9F29-C06B-4AF1-BAEC-F39CB3D7E365}" dt="2020-04-29T13:44:50.370" v="0"/>
+        <pc:spChg chg="mod">
+          <ac:chgData name="alain desombre" userId="79cdecc42f8c13b8" providerId="Windows Live" clId="Web-{07C2CDCF-8E69-482D-8415-D1D714FE29A3}" dt="2020-04-29T14:32:48.136" v="20" actId="20577"/>
           <ac:spMkLst>
             <pc:docMk/>
-            <pc:sldMk cId="314404111" sldId="267"/>
-            <ac:spMk id="3" creationId="{4060353C-BA9B-4E86-BC68-0651C8557D27}"/>
+            <pc:sldMk cId="3131725471" sldId="263"/>
+            <ac:spMk id="9" creationId="{9FA4B309-846F-4687-9507-95753C86DE84}"/>
           </ac:spMkLst>
         </pc:spChg>
-        <pc:spChg chg="add mod">
-          <ac:chgData name="alain desombre" userId="79cdecc42f8c13b8" providerId="Windows Live" clId="Web-{BF4C9F29-C06B-4AF1-BAEC-F39CB3D7E365}" dt="2020-04-29T13:45:02.699" v="2"/>
-          <ac:spMkLst>
-            <pc:docMk/>
-            <pc:sldMk cId="314404111" sldId="267"/>
-            <ac:spMk id="6" creationId="{001D15C2-3E77-4173-B3A1-9B94A19EB8C4}"/>
-          </ac:spMkLst>
-        </pc:spChg>
-        <pc:picChg chg="add del mod ord">
-          <ac:chgData name="alain desombre" userId="79cdecc42f8c13b8" providerId="Windows Live" clId="Web-{BF4C9F29-C06B-4AF1-BAEC-F39CB3D7E365}" dt="2020-04-29T13:45:02.699" v="2"/>
+      </pc:sldChg>
+      <pc:sldChg chg="modSp">
+        <pc:chgData name="alain desombre" userId="79cdecc42f8c13b8" providerId="Windows Live" clId="Web-{07C2CDCF-8E69-482D-8415-D1D714FE29A3}" dt="2020-04-29T14:33:51.385" v="22" actId="1076"/>
+        <pc:sldMkLst>
+          <pc:docMk/>
+          <pc:sldMk cId="2228380559" sldId="266"/>
+        </pc:sldMkLst>
+        <pc:picChg chg="mod">
+          <ac:chgData name="alain desombre" userId="79cdecc42f8c13b8" providerId="Windows Live" clId="Web-{07C2CDCF-8E69-482D-8415-D1D714FE29A3}" dt="2020-04-29T14:33:51.385" v="22" actId="1076"/>
           <ac:picMkLst>
             <pc:docMk/>
-            <pc:sldMk cId="314404111" sldId="267"/>
-            <ac:picMk id="2" creationId="{FC562FA6-BD02-405E-94C0-A851D3BF2D88}"/>
+            <pc:sldMk cId="2228380559" sldId="266"/>
+            <ac:picMk id="9" creationId="{1DFF6F21-369B-4CC5-84EA-2E47DD0823A0}"/>
           </ac:picMkLst>
         </pc:picChg>
       </pc:sldChg>
@@ -655,60 +527,6 @@
             <ac:spMk id="2" creationId="{9D69D1C0-2BCA-4B2A-9781-54DCD0D46F1D}"/>
           </ac:spMkLst>
         </pc:spChg>
-      </pc:sldChg>
-    </pc:docChg>
-  </pc:docChgLst>
-  <pc:docChgLst>
-    <pc:chgData name="alain desombre" userId="79cdecc42f8c13b8" providerId="Windows Live" clId="Web-{07C2CDCF-8E69-482D-8415-D1D714FE29A3}"/>
-    <pc:docChg chg="modSld">
-      <pc:chgData name="alain desombre" userId="79cdecc42f8c13b8" providerId="Windows Live" clId="Web-{07C2CDCF-8E69-482D-8415-D1D714FE29A3}" dt="2020-04-29T14:33:51.385" v="22" actId="1076"/>
-      <pc:docMkLst>
-        <pc:docMk/>
-      </pc:docMkLst>
-      <pc:sldChg chg="modSp">
-        <pc:chgData name="alain desombre" userId="79cdecc42f8c13b8" providerId="Windows Live" clId="Web-{07C2CDCF-8E69-482D-8415-D1D714FE29A3}" dt="2020-04-29T14:32:33.761" v="12" actId="20577"/>
-        <pc:sldMkLst>
-          <pc:docMk/>
-          <pc:sldMk cId="2826607830" sldId="262"/>
-        </pc:sldMkLst>
-        <pc:spChg chg="mod">
-          <ac:chgData name="alain desombre" userId="79cdecc42f8c13b8" providerId="Windows Live" clId="Web-{07C2CDCF-8E69-482D-8415-D1D714FE29A3}" dt="2020-04-29T14:32:33.761" v="12" actId="20577"/>
-          <ac:spMkLst>
-            <pc:docMk/>
-            <pc:sldMk cId="2826607830" sldId="262"/>
-            <ac:spMk id="6" creationId="{CF3BEA61-58D5-4058-97A7-D81BE3448735}"/>
-          </ac:spMkLst>
-        </pc:spChg>
-      </pc:sldChg>
-      <pc:sldChg chg="modSp">
-        <pc:chgData name="alain desombre" userId="79cdecc42f8c13b8" providerId="Windows Live" clId="Web-{07C2CDCF-8E69-482D-8415-D1D714FE29A3}" dt="2020-04-29T14:32:48.136" v="20" actId="20577"/>
-        <pc:sldMkLst>
-          <pc:docMk/>
-          <pc:sldMk cId="3131725471" sldId="263"/>
-        </pc:sldMkLst>
-        <pc:spChg chg="mod">
-          <ac:chgData name="alain desombre" userId="79cdecc42f8c13b8" providerId="Windows Live" clId="Web-{07C2CDCF-8E69-482D-8415-D1D714FE29A3}" dt="2020-04-29T14:32:48.136" v="20" actId="20577"/>
-          <ac:spMkLst>
-            <pc:docMk/>
-            <pc:sldMk cId="3131725471" sldId="263"/>
-            <ac:spMk id="9" creationId="{9FA4B309-846F-4687-9507-95753C86DE84}"/>
-          </ac:spMkLst>
-        </pc:spChg>
-      </pc:sldChg>
-      <pc:sldChg chg="modSp">
-        <pc:chgData name="alain desombre" userId="79cdecc42f8c13b8" providerId="Windows Live" clId="Web-{07C2CDCF-8E69-482D-8415-D1D714FE29A3}" dt="2020-04-29T14:33:51.385" v="22" actId="1076"/>
-        <pc:sldMkLst>
-          <pc:docMk/>
-          <pc:sldMk cId="2228380559" sldId="266"/>
-        </pc:sldMkLst>
-        <pc:picChg chg="mod">
-          <ac:chgData name="alain desombre" userId="79cdecc42f8c13b8" providerId="Windows Live" clId="Web-{07C2CDCF-8E69-482D-8415-D1D714FE29A3}" dt="2020-04-29T14:33:51.385" v="22" actId="1076"/>
-          <ac:picMkLst>
-            <pc:docMk/>
-            <pc:sldMk cId="2228380559" sldId="266"/>
-            <ac:picMk id="9" creationId="{1DFF6F21-369B-4CC5-84EA-2E47DD0823A0}"/>
-          </ac:picMkLst>
-        </pc:picChg>
       </pc:sldChg>
     </pc:docChg>
   </pc:docChgLst>
@@ -1388,6 +1206,169 @@
     </pc:docChg>
   </pc:docChgLst>
   <pc:docChgLst>
+    <pc:chgData name="alain desombre" userId="79cdecc42f8c13b8" providerId="Windows Live" clId="Web-{12E29DCC-931E-4B11-8C95-297D30E1E01A}"/>
+    <pc:docChg chg="modSld">
+      <pc:chgData name="alain desombre" userId="79cdecc42f8c13b8" providerId="Windows Live" clId="Web-{12E29DCC-931E-4B11-8C95-297D30E1E01A}" dt="2020-05-03T13:43:19.265" v="101" actId="20577"/>
+      <pc:docMkLst>
+        <pc:docMk/>
+      </pc:docMkLst>
+      <pc:sldChg chg="modSp">
+        <pc:chgData name="alain desombre" userId="79cdecc42f8c13b8" providerId="Windows Live" clId="Web-{12E29DCC-931E-4B11-8C95-297D30E1E01A}" dt="2020-05-03T13:41:48.074" v="76" actId="20577"/>
+        <pc:sldMkLst>
+          <pc:docMk/>
+          <pc:sldMk cId="2836824980" sldId="264"/>
+        </pc:sldMkLst>
+        <pc:spChg chg="mod">
+          <ac:chgData name="alain desombre" userId="79cdecc42f8c13b8" providerId="Windows Live" clId="Web-{12E29DCC-931E-4B11-8C95-297D30E1E01A}" dt="2020-05-03T13:41:48.074" v="76" actId="20577"/>
+          <ac:spMkLst>
+            <pc:docMk/>
+            <pc:sldMk cId="2836824980" sldId="264"/>
+            <ac:spMk id="6" creationId="{78E802D7-10C1-4D48-9C16-6485CE61BF2A}"/>
+          </ac:spMkLst>
+        </pc:spChg>
+      </pc:sldChg>
+      <pc:sldChg chg="modSp">
+        <pc:chgData name="alain desombre" userId="79cdecc42f8c13b8" providerId="Windows Live" clId="Web-{12E29DCC-931E-4B11-8C95-297D30E1E01A}" dt="2020-05-03T13:42:02.434" v="80" actId="20577"/>
+        <pc:sldMkLst>
+          <pc:docMk/>
+          <pc:sldMk cId="2146253586" sldId="265"/>
+        </pc:sldMkLst>
+        <pc:spChg chg="mod">
+          <ac:chgData name="alain desombre" userId="79cdecc42f8c13b8" providerId="Windows Live" clId="Web-{12E29DCC-931E-4B11-8C95-297D30E1E01A}" dt="2020-05-03T13:42:02.434" v="80" actId="20577"/>
+          <ac:spMkLst>
+            <pc:docMk/>
+            <pc:sldMk cId="2146253586" sldId="265"/>
+            <ac:spMk id="6" creationId="{A9D25835-23ED-4184-8BA9-45F114B5803C}"/>
+          </ac:spMkLst>
+        </pc:spChg>
+      </pc:sldChg>
+      <pc:sldChg chg="modSp">
+        <pc:chgData name="alain desombre" userId="79cdecc42f8c13b8" providerId="Windows Live" clId="Web-{12E29DCC-931E-4B11-8C95-297D30E1E01A}" dt="2020-05-03T13:42:43.513" v="94" actId="20577"/>
+        <pc:sldMkLst>
+          <pc:docMk/>
+          <pc:sldMk cId="3048587470" sldId="268"/>
+        </pc:sldMkLst>
+        <pc:spChg chg="mod">
+          <ac:chgData name="alain desombre" userId="79cdecc42f8c13b8" providerId="Windows Live" clId="Web-{12E29DCC-931E-4B11-8C95-297D30E1E01A}" dt="2020-05-03T13:42:43.513" v="94" actId="20577"/>
+          <ac:spMkLst>
+            <pc:docMk/>
+            <pc:sldMk cId="3048587470" sldId="268"/>
+            <ac:spMk id="2" creationId="{712AD056-EC7C-4D1F-9D7E-D741D0FEE935}"/>
+          </ac:spMkLst>
+        </pc:spChg>
+      </pc:sldChg>
+      <pc:sldChg chg="modSp">
+        <pc:chgData name="alain desombre" userId="79cdecc42f8c13b8" providerId="Windows Live" clId="Web-{12E29DCC-931E-4B11-8C95-297D30E1E01A}" dt="2020-05-03T13:43:19.265" v="100" actId="20577"/>
+        <pc:sldMkLst>
+          <pc:docMk/>
+          <pc:sldMk cId="4179780907" sldId="271"/>
+        </pc:sldMkLst>
+        <pc:spChg chg="mod">
+          <ac:chgData name="alain desombre" userId="79cdecc42f8c13b8" providerId="Windows Live" clId="Web-{12E29DCC-931E-4B11-8C95-297D30E1E01A}" dt="2020-05-03T13:43:19.265" v="100" actId="20577"/>
+          <ac:spMkLst>
+            <pc:docMk/>
+            <pc:sldMk cId="4179780907" sldId="271"/>
+            <ac:spMk id="2" creationId="{9A5ECF87-F1B0-48E0-801E-0A7FDA3B7418}"/>
+          </ac:spMkLst>
+        </pc:spChg>
+      </pc:sldChg>
+      <pc:sldChg chg="modSp">
+        <pc:chgData name="alain desombre" userId="79cdecc42f8c13b8" providerId="Windows Live" clId="Web-{12E29DCC-931E-4B11-8C95-297D30E1E01A}" dt="2020-05-03T13:38:43.738" v="8" actId="20577"/>
+        <pc:sldMkLst>
+          <pc:docMk/>
+          <pc:sldMk cId="299401932" sldId="273"/>
+        </pc:sldMkLst>
+        <pc:spChg chg="mod">
+          <ac:chgData name="alain desombre" userId="79cdecc42f8c13b8" providerId="Windows Live" clId="Web-{12E29DCC-931E-4B11-8C95-297D30E1E01A}" dt="2020-05-03T13:38:43.738" v="8" actId="20577"/>
+          <ac:spMkLst>
+            <pc:docMk/>
+            <pc:sldMk cId="299401932" sldId="273"/>
+            <ac:spMk id="9" creationId="{9B106050-2A1A-48C6-82A6-0213372CAAE1}"/>
+          </ac:spMkLst>
+        </pc:spChg>
+      </pc:sldChg>
+      <pc:sldChg chg="modSp">
+        <pc:chgData name="alain desombre" userId="79cdecc42f8c13b8" providerId="Windows Live" clId="Web-{12E29DCC-931E-4B11-8C95-297D30E1E01A}" dt="2020-05-03T13:41:13.494" v="71" actId="14100"/>
+        <pc:sldMkLst>
+          <pc:docMk/>
+          <pc:sldMk cId="1004045936" sldId="275"/>
+        </pc:sldMkLst>
+        <pc:spChg chg="mod">
+          <ac:chgData name="alain desombre" userId="79cdecc42f8c13b8" providerId="Windows Live" clId="Web-{12E29DCC-931E-4B11-8C95-297D30E1E01A}" dt="2020-05-03T13:41:13.494" v="71" actId="14100"/>
+          <ac:spMkLst>
+            <pc:docMk/>
+            <pc:sldMk cId="1004045936" sldId="275"/>
+            <ac:spMk id="2" creationId="{9D69D1C0-2BCA-4B2A-9781-54DCD0D46F1D}"/>
+          </ac:spMkLst>
+        </pc:spChg>
+      </pc:sldChg>
+    </pc:docChg>
+  </pc:docChgLst>
+  <pc:docChgLst>
+    <pc:chgData name="alain desombre" userId="79cdecc42f8c13b8" providerId="Windows Live" clId="Web-{16CC47DD-5F52-45A0-9381-E5AB63C4A301}"/>
+    <pc:docChg chg="modSld">
+      <pc:chgData name="alain desombre" userId="79cdecc42f8c13b8" providerId="Windows Live" clId="Web-{16CC47DD-5F52-45A0-9381-E5AB63C4A301}" dt="2020-04-29T13:49:25.136" v="1"/>
+      <pc:docMkLst>
+        <pc:docMk/>
+      </pc:docMkLst>
+      <pc:sldChg chg="addSp delSp">
+        <pc:chgData name="alain desombre" userId="79cdecc42f8c13b8" providerId="Windows Live" clId="Web-{16CC47DD-5F52-45A0-9381-E5AB63C4A301}" dt="2020-04-29T13:49:25.136" v="1"/>
+        <pc:sldMkLst>
+          <pc:docMk/>
+          <pc:sldMk cId="314404111" sldId="267"/>
+        </pc:sldMkLst>
+        <pc:spChg chg="add del">
+          <ac:chgData name="alain desombre" userId="79cdecc42f8c13b8" providerId="Windows Live" clId="Web-{16CC47DD-5F52-45A0-9381-E5AB63C4A301}" dt="2020-04-29T13:49:25.136" v="1"/>
+          <ac:spMkLst>
+            <pc:docMk/>
+            <pc:sldMk cId="314404111" sldId="267"/>
+            <ac:spMk id="2" creationId="{B1E71ECC-7304-4463-AFD5-CAE3B9808377}"/>
+          </ac:spMkLst>
+        </pc:spChg>
+      </pc:sldChg>
+    </pc:docChg>
+  </pc:docChgLst>
+  <pc:docChgLst>
+    <pc:chgData name="alain desombre" userId="79cdecc42f8c13b8" providerId="Windows Live" clId="Web-{BF4C9F29-C06B-4AF1-BAEC-F39CB3D7E365}"/>
+    <pc:docChg chg="modSld">
+      <pc:chgData name="alain desombre" userId="79cdecc42f8c13b8" providerId="Windows Live" clId="Web-{BF4C9F29-C06B-4AF1-BAEC-F39CB3D7E365}" dt="2020-04-29T13:45:02.699" v="2"/>
+      <pc:docMkLst>
+        <pc:docMk/>
+      </pc:docMkLst>
+      <pc:sldChg chg="addSp delSp modSp">
+        <pc:chgData name="alain desombre" userId="79cdecc42f8c13b8" providerId="Windows Live" clId="Web-{BF4C9F29-C06B-4AF1-BAEC-F39CB3D7E365}" dt="2020-04-29T13:45:02.699" v="2"/>
+        <pc:sldMkLst>
+          <pc:docMk/>
+          <pc:sldMk cId="314404111" sldId="267"/>
+        </pc:sldMkLst>
+        <pc:spChg chg="del">
+          <ac:chgData name="alain desombre" userId="79cdecc42f8c13b8" providerId="Windows Live" clId="Web-{BF4C9F29-C06B-4AF1-BAEC-F39CB3D7E365}" dt="2020-04-29T13:44:50.370" v="0"/>
+          <ac:spMkLst>
+            <pc:docMk/>
+            <pc:sldMk cId="314404111" sldId="267"/>
+            <ac:spMk id="3" creationId="{4060353C-BA9B-4E86-BC68-0651C8557D27}"/>
+          </ac:spMkLst>
+        </pc:spChg>
+        <pc:spChg chg="add mod">
+          <ac:chgData name="alain desombre" userId="79cdecc42f8c13b8" providerId="Windows Live" clId="Web-{BF4C9F29-C06B-4AF1-BAEC-F39CB3D7E365}" dt="2020-04-29T13:45:02.699" v="2"/>
+          <ac:spMkLst>
+            <pc:docMk/>
+            <pc:sldMk cId="314404111" sldId="267"/>
+            <ac:spMk id="6" creationId="{001D15C2-3E77-4173-B3A1-9B94A19EB8C4}"/>
+          </ac:spMkLst>
+        </pc:spChg>
+        <pc:picChg chg="add del mod ord">
+          <ac:chgData name="alain desombre" userId="79cdecc42f8c13b8" providerId="Windows Live" clId="Web-{BF4C9F29-C06B-4AF1-BAEC-F39CB3D7E365}" dt="2020-04-29T13:45:02.699" v="2"/>
+          <ac:picMkLst>
+            <pc:docMk/>
+            <pc:sldMk cId="314404111" sldId="267"/>
+            <ac:picMk id="2" creationId="{FC562FA6-BD02-405E-94C0-A851D3BF2D88}"/>
+          </ac:picMkLst>
+        </pc:picChg>
+      </pc:sldChg>
+    </pc:docChg>
+  </pc:docChgLst>
+  <pc:docChgLst>
     <pc:chgData name="alain desombre" userId="79cdecc42f8c13b8" providerId="Windows Live" clId="Web-{4439087D-58C0-4318-950B-96C8EC222E8A}"/>
     <pc:docChg chg="addSld delSld modSld">
       <pc:chgData name="alain desombre" userId="79cdecc42f8c13b8" providerId="Windows Live" clId="Web-{4439087D-58C0-4318-950B-96C8EC222E8A}" dt="2020-04-29T14:26:25.382" v="162" actId="20577"/>
@@ -1664,24 +1645,232 @@
     </pc:docChg>
   </pc:docChgLst>
   <pc:docChgLst>
-    <pc:chgData name="alain desombre" userId="79cdecc42f8c13b8" providerId="Windows Live" clId="Web-{16CC47DD-5F52-45A0-9381-E5AB63C4A301}"/>
-    <pc:docChg chg="modSld">
-      <pc:chgData name="alain desombre" userId="79cdecc42f8c13b8" providerId="Windows Live" clId="Web-{16CC47DD-5F52-45A0-9381-E5AB63C4A301}" dt="2020-04-29T13:49:25.136" v="1"/>
+    <pc:chgData name="alain desombre" userId="79cdecc42f8c13b8" providerId="LiveId" clId="{E9C843FC-B124-4061-8C89-EE7FD8F3C8A3}"/>
+    <pc:docChg chg="custSel addSld delSld modSld sldOrd">
+      <pc:chgData name="alain desombre" userId="79cdecc42f8c13b8" providerId="LiveId" clId="{E9C843FC-B124-4061-8C89-EE7FD8F3C8A3}" dt="2020-05-18T14:15:05.564" v="361" actId="1036"/>
       <pc:docMkLst>
         <pc:docMk/>
       </pc:docMkLst>
-      <pc:sldChg chg="addSp delSp">
-        <pc:chgData name="alain desombre" userId="79cdecc42f8c13b8" providerId="Windows Live" clId="Web-{16CC47DD-5F52-45A0-9381-E5AB63C4A301}" dt="2020-04-29T13:49:25.136" v="1"/>
+      <pc:sldChg chg="ord">
+        <pc:chgData name="alain desombre" userId="79cdecc42f8c13b8" providerId="LiveId" clId="{E9C843FC-B124-4061-8C89-EE7FD8F3C8A3}" dt="2020-05-01T13:42:37.339" v="96"/>
         <pc:sldMkLst>
           <pc:docMk/>
-          <pc:sldMk cId="314404111" sldId="267"/>
+          <pc:sldMk cId="3870336645" sldId="257"/>
         </pc:sldMkLst>
-        <pc:spChg chg="add del">
-          <ac:chgData name="alain desombre" userId="79cdecc42f8c13b8" providerId="Windows Live" clId="Web-{16CC47DD-5F52-45A0-9381-E5AB63C4A301}" dt="2020-04-29T13:49:25.136" v="1"/>
+      </pc:sldChg>
+      <pc:sldChg chg="addSp modSp">
+        <pc:chgData name="alain desombre" userId="79cdecc42f8c13b8" providerId="LiveId" clId="{E9C843FC-B124-4061-8C89-EE7FD8F3C8A3}" dt="2020-05-01T14:01:12.433" v="312" actId="20577"/>
+        <pc:sldMkLst>
+          <pc:docMk/>
+          <pc:sldMk cId="2667983443" sldId="258"/>
+        </pc:sldMkLst>
+        <pc:spChg chg="add mod">
+          <ac:chgData name="alain desombre" userId="79cdecc42f8c13b8" providerId="LiveId" clId="{E9C843FC-B124-4061-8C89-EE7FD8F3C8A3}" dt="2020-05-01T14:01:12.433" v="312" actId="20577"/>
           <ac:spMkLst>
             <pc:docMk/>
-            <pc:sldMk cId="314404111" sldId="267"/>
-            <ac:spMk id="2" creationId="{B1E71ECC-7304-4463-AFD5-CAE3B9808377}"/>
+            <pc:sldMk cId="2667983443" sldId="258"/>
+            <ac:spMk id="14" creationId="{E412B0E6-09D8-476C-82D0-194AE17351B6}"/>
+          </ac:spMkLst>
+        </pc:spChg>
+      </pc:sldChg>
+      <pc:sldChg chg="modSp mod">
+        <pc:chgData name="alain desombre" userId="79cdecc42f8c13b8" providerId="LiveId" clId="{E9C843FC-B124-4061-8C89-EE7FD8F3C8A3}" dt="2020-05-18T14:15:05.564" v="361" actId="1036"/>
+        <pc:sldMkLst>
+          <pc:docMk/>
+          <pc:sldMk cId="2228380559" sldId="266"/>
+        </pc:sldMkLst>
+        <pc:spChg chg="mod">
+          <ac:chgData name="alain desombre" userId="79cdecc42f8c13b8" providerId="LiveId" clId="{E9C843FC-B124-4061-8C89-EE7FD8F3C8A3}" dt="2020-05-18T14:15:05.564" v="361" actId="1036"/>
+          <ac:spMkLst>
+            <pc:docMk/>
+            <pc:sldMk cId="2228380559" sldId="266"/>
+            <ac:spMk id="7" creationId="{84CD875F-10E8-4D3D-A5D2-35055B8AEC77}"/>
+          </ac:spMkLst>
+        </pc:spChg>
+        <pc:picChg chg="mod">
+          <ac:chgData name="alain desombre" userId="79cdecc42f8c13b8" providerId="LiveId" clId="{E9C843FC-B124-4061-8C89-EE7FD8F3C8A3}" dt="2020-05-18T14:14:58.808" v="359" actId="1038"/>
+          <ac:picMkLst>
+            <pc:docMk/>
+            <pc:sldMk cId="2228380559" sldId="266"/>
+            <ac:picMk id="9" creationId="{1DFF6F21-369B-4CC5-84EA-2E47DD0823A0}"/>
+          </ac:picMkLst>
+        </pc:picChg>
+      </pc:sldChg>
+      <pc:sldChg chg="modSp">
+        <pc:chgData name="alain desombre" userId="79cdecc42f8c13b8" providerId="LiveId" clId="{E9C843FC-B124-4061-8C89-EE7FD8F3C8A3}" dt="2020-04-29T16:35:54.631" v="78" actId="313"/>
+        <pc:sldMkLst>
+          <pc:docMk/>
+          <pc:sldMk cId="3048587470" sldId="268"/>
+        </pc:sldMkLst>
+        <pc:spChg chg="mod">
+          <ac:chgData name="alain desombre" userId="79cdecc42f8c13b8" providerId="LiveId" clId="{E9C843FC-B124-4061-8C89-EE7FD8F3C8A3}" dt="2020-04-29T16:35:54.631" v="78" actId="313"/>
+          <ac:spMkLst>
+            <pc:docMk/>
+            <pc:sldMk cId="3048587470" sldId="268"/>
+            <ac:spMk id="2" creationId="{712AD056-EC7C-4D1F-9D7E-D741D0FEE935}"/>
+          </ac:spMkLst>
+        </pc:spChg>
+      </pc:sldChg>
+      <pc:sldChg chg="modSp">
+        <pc:chgData name="alain desombre" userId="79cdecc42f8c13b8" providerId="LiveId" clId="{E9C843FC-B124-4061-8C89-EE7FD8F3C8A3}" dt="2020-04-29T16:35:07.805" v="76" actId="20577"/>
+        <pc:sldMkLst>
+          <pc:docMk/>
+          <pc:sldMk cId="1150103603" sldId="270"/>
+        </pc:sldMkLst>
+        <pc:spChg chg="mod">
+          <ac:chgData name="alain desombre" userId="79cdecc42f8c13b8" providerId="LiveId" clId="{E9C843FC-B124-4061-8C89-EE7FD8F3C8A3}" dt="2020-04-29T16:35:07.805" v="76" actId="20577"/>
+          <ac:spMkLst>
+            <pc:docMk/>
+            <pc:sldMk cId="1150103603" sldId="270"/>
+            <ac:spMk id="4" creationId="{23FF0368-5B71-4346-8EC9-170C0817FCC0}"/>
+          </ac:spMkLst>
+        </pc:spChg>
+      </pc:sldChg>
+      <pc:sldChg chg="addSp delSp modSp add">
+        <pc:chgData name="alain desombre" userId="79cdecc42f8c13b8" providerId="LiveId" clId="{E9C843FC-B124-4061-8C89-EE7FD8F3C8A3}" dt="2020-05-01T14:01:32.581" v="313" actId="1076"/>
+        <pc:sldMkLst>
+          <pc:docMk/>
+          <pc:sldMk cId="299401932" sldId="273"/>
+        </pc:sldMkLst>
+        <pc:spChg chg="del mod">
+          <ac:chgData name="alain desombre" userId="79cdecc42f8c13b8" providerId="LiveId" clId="{E9C843FC-B124-4061-8C89-EE7FD8F3C8A3}" dt="2020-05-01T13:40:30.778" v="84" actId="21"/>
+          <ac:spMkLst>
+            <pc:docMk/>
+            <pc:sldMk cId="299401932" sldId="273"/>
+            <ac:spMk id="2" creationId="{8C92AAEA-89C1-403B-B2E2-2FB9534FE3CE}"/>
+          </ac:spMkLst>
+        </pc:spChg>
+        <pc:spChg chg="del mod">
+          <ac:chgData name="alain desombre" userId="79cdecc42f8c13b8" providerId="LiveId" clId="{E9C843FC-B124-4061-8C89-EE7FD8F3C8A3}" dt="2020-05-01T13:41:13.234" v="87" actId="21"/>
+          <ac:spMkLst>
+            <pc:docMk/>
+            <pc:sldMk cId="299401932" sldId="273"/>
+            <ac:spMk id="3" creationId="{F03A26FC-CFD0-4E6A-916B-BAB88C1B912A}"/>
+          </ac:spMkLst>
+        </pc:spChg>
+        <pc:spChg chg="add del mod">
+          <ac:chgData name="alain desombre" userId="79cdecc42f8c13b8" providerId="LiveId" clId="{E9C843FC-B124-4061-8C89-EE7FD8F3C8A3}" dt="2020-05-01T13:41:07.277" v="86" actId="21"/>
+          <ac:spMkLst>
+            <pc:docMk/>
+            <pc:sldMk cId="299401932" sldId="273"/>
+            <ac:spMk id="5" creationId="{AC828064-EDC4-4813-A205-F9F7C347F99A}"/>
+          </ac:spMkLst>
+        </pc:spChg>
+        <pc:spChg chg="add del mod">
+          <ac:chgData name="alain desombre" userId="79cdecc42f8c13b8" providerId="LiveId" clId="{E9C843FC-B124-4061-8C89-EE7FD8F3C8A3}" dt="2020-05-01T13:41:26.730" v="88" actId="21"/>
+          <ac:spMkLst>
+            <pc:docMk/>
+            <pc:sldMk cId="299401932" sldId="273"/>
+            <ac:spMk id="7" creationId="{FC717894-EC41-47E8-A786-2C75CDCD7CA8}"/>
+          </ac:spMkLst>
+        </pc:spChg>
+        <pc:spChg chg="add mod">
+          <ac:chgData name="alain desombre" userId="79cdecc42f8c13b8" providerId="LiveId" clId="{E9C843FC-B124-4061-8C89-EE7FD8F3C8A3}" dt="2020-05-01T14:01:32.581" v="313" actId="1076"/>
+          <ac:spMkLst>
+            <pc:docMk/>
+            <pc:sldMk cId="299401932" sldId="273"/>
+            <ac:spMk id="9" creationId="{9B106050-2A1A-48C6-82A6-0213372CAAE1}"/>
+          </ac:spMkLst>
+        </pc:spChg>
+        <pc:spChg chg="add mod">
+          <ac:chgData name="alain desombre" userId="79cdecc42f8c13b8" providerId="LiveId" clId="{E9C843FC-B124-4061-8C89-EE7FD8F3C8A3}" dt="2020-05-01T13:45:55.146" v="145" actId="20577"/>
+          <ac:spMkLst>
+            <pc:docMk/>
+            <pc:sldMk cId="299401932" sldId="273"/>
+            <ac:spMk id="15" creationId="{DDD91E6B-9161-4779-94F7-687C778FAC13}"/>
+          </ac:spMkLst>
+        </pc:spChg>
+      </pc:sldChg>
+      <pc:sldChg chg="new del">
+        <pc:chgData name="alain desombre" userId="79cdecc42f8c13b8" providerId="LiveId" clId="{E9C843FC-B124-4061-8C89-EE7FD8F3C8A3}" dt="2020-05-01T13:39:45.659" v="80" actId="47"/>
+        <pc:sldMkLst>
+          <pc:docMk/>
+          <pc:sldMk cId="970273458" sldId="273"/>
+        </pc:sldMkLst>
+      </pc:sldChg>
+      <pc:sldChg chg="modSp add">
+        <pc:chgData name="alain desombre" userId="79cdecc42f8c13b8" providerId="LiveId" clId="{E9C843FC-B124-4061-8C89-EE7FD8F3C8A3}" dt="2020-05-01T13:59:41.177" v="260" actId="20577"/>
+        <pc:sldMkLst>
+          <pc:docMk/>
+          <pc:sldMk cId="1361226019" sldId="274"/>
+        </pc:sldMkLst>
+        <pc:spChg chg="mod">
+          <ac:chgData name="alain desombre" userId="79cdecc42f8c13b8" providerId="LiveId" clId="{E9C843FC-B124-4061-8C89-EE7FD8F3C8A3}" dt="2020-05-01T13:57:14.521" v="223" actId="14100"/>
+          <ac:spMkLst>
+            <pc:docMk/>
+            <pc:sldMk cId="1361226019" sldId="274"/>
+            <ac:spMk id="2" creationId="{8C92AAEA-89C1-403B-B2E2-2FB9534FE3CE}"/>
+          </ac:spMkLst>
+        </pc:spChg>
+        <pc:spChg chg="mod">
+          <ac:chgData name="alain desombre" userId="79cdecc42f8c13b8" providerId="LiveId" clId="{E9C843FC-B124-4061-8C89-EE7FD8F3C8A3}" dt="2020-05-01T13:59:41.177" v="260" actId="20577"/>
+          <ac:spMkLst>
+            <pc:docMk/>
+            <pc:sldMk cId="1361226019" sldId="274"/>
+            <ac:spMk id="3" creationId="{F03A26FC-CFD0-4E6A-916B-BAB88C1B912A}"/>
+          </ac:spMkLst>
+        </pc:spChg>
+      </pc:sldChg>
+      <pc:sldChg chg="addSp delSp modSp add">
+        <pc:chgData name="alain desombre" userId="79cdecc42f8c13b8" providerId="LiveId" clId="{E9C843FC-B124-4061-8C89-EE7FD8F3C8A3}" dt="2020-05-01T14:07:31.749" v="352" actId="20577"/>
+        <pc:sldMkLst>
+          <pc:docMk/>
+          <pc:sldMk cId="1004045936" sldId="275"/>
+        </pc:sldMkLst>
+        <pc:spChg chg="del mod">
+          <ac:chgData name="alain desombre" userId="79cdecc42f8c13b8" providerId="LiveId" clId="{E9C843FC-B124-4061-8C89-EE7FD8F3C8A3}" dt="2020-05-01T14:04:58.276" v="316" actId="21"/>
+          <ac:spMkLst>
+            <pc:docMk/>
+            <pc:sldMk cId="1004045936" sldId="275"/>
+            <ac:spMk id="2" creationId="{8C92AAEA-89C1-403B-B2E2-2FB9534FE3CE}"/>
+          </ac:spMkLst>
+        </pc:spChg>
+        <pc:spChg chg="del">
+          <ac:chgData name="alain desombre" userId="79cdecc42f8c13b8" providerId="LiveId" clId="{E9C843FC-B124-4061-8C89-EE7FD8F3C8A3}" dt="2020-05-01T14:05:15.059" v="317" actId="21"/>
+          <ac:spMkLst>
+            <pc:docMk/>
+            <pc:sldMk cId="1004045936" sldId="275"/>
+            <ac:spMk id="3" creationId="{F03A26FC-CFD0-4E6A-916B-BAB88C1B912A}"/>
+          </ac:spMkLst>
+        </pc:spChg>
+        <pc:spChg chg="add mod">
+          <ac:chgData name="alain desombre" userId="79cdecc42f8c13b8" providerId="LiveId" clId="{E9C843FC-B124-4061-8C89-EE7FD8F3C8A3}" dt="2020-05-01T14:07:31.749" v="352" actId="20577"/>
+          <ac:spMkLst>
+            <pc:docMk/>
+            <pc:sldMk cId="1004045936" sldId="275"/>
+            <ac:spMk id="5" creationId="{26BF59BB-63C4-4052-9D20-259EEA6FB44F}"/>
+          </ac:spMkLst>
+        </pc:spChg>
+        <pc:spChg chg="add mod">
+          <ac:chgData name="alain desombre" userId="79cdecc42f8c13b8" providerId="LiveId" clId="{E9C843FC-B124-4061-8C89-EE7FD8F3C8A3}" dt="2020-05-01T14:05:55.484" v="325" actId="14100"/>
+          <ac:spMkLst>
+            <pc:docMk/>
+            <pc:sldMk cId="1004045936" sldId="275"/>
+            <ac:spMk id="7" creationId="{9785E89A-3A1A-4FA0-8E59-F8EB50D9330A}"/>
+          </ac:spMkLst>
+        </pc:spChg>
+      </pc:sldChg>
+    </pc:docChg>
+  </pc:docChgLst>
+  <pc:docChgLst>
+    <pc:chgData name="alain desombre" userId="79cdecc42f8c13b8" providerId="Windows Live" clId="Web-{84B80816-FBFE-46CC-829B-7A96CA802701}"/>
+    <pc:docChg chg="modSld">
+      <pc:chgData name="alain desombre" userId="79cdecc42f8c13b8" providerId="Windows Live" clId="Web-{84B80816-FBFE-46CC-829B-7A96CA802701}" dt="2020-05-02T09:49:27.094" v="76" actId="20577"/>
+      <pc:docMkLst>
+        <pc:docMk/>
+      </pc:docMkLst>
+      <pc:sldChg chg="modSp">
+        <pc:chgData name="alain desombre" userId="79cdecc42f8c13b8" providerId="Windows Live" clId="Web-{84B80816-FBFE-46CC-829B-7A96CA802701}" dt="2020-05-02T09:48:46.905" v="74" actId="20577"/>
+        <pc:sldMkLst>
+          <pc:docMk/>
+          <pc:sldMk cId="3870336645" sldId="257"/>
+        </pc:sldMkLst>
+        <pc:spChg chg="mod">
+          <ac:chgData name="alain desombre" userId="79cdecc42f8c13b8" providerId="Windows Live" clId="Web-{84B80816-FBFE-46CC-829B-7A96CA802701}" dt="2020-05-02T09:48:46.905" v="74" actId="20577"/>
+          <ac:spMkLst>
+            <pc:docMk/>
+            <pc:sldMk cId="3870336645" sldId="257"/>
+            <ac:spMk id="5" creationId="{2C7E6AEB-2467-4509-A906-685B370C37A2}"/>
           </ac:spMkLst>
         </pc:spChg>
       </pc:sldChg>
@@ -1691,6 +1880,70 @@
 </file>
 
 <file path=ppt/ink/ink1.xml><?xml version="1.0" encoding="utf-8"?>
+<inkml:ink xmlns:inkml="http://www.w3.org/2003/InkML">
+  <inkml:definitions>
+    <inkml:context xml:id="ctx0">
+      <inkml:inkSource xml:id="inkSrc0">
+        <inkml:traceFormat>
+          <inkml:channel name="X" type="integer" min="-2.14748E9" max="2.14748E9" units="cm"/>
+          <inkml:channel name="Y" type="integer" min="-2.14748E9" max="2.14748E9" units="cm"/>
+          <inkml:channel name="F" type="integer" max="32767" units="dev"/>
+          <inkml:channel name="OA" type="integer" max="360" units="deg"/>
+          <inkml:channel name="OE" type="integer" max="90" units="deg"/>
+        </inkml:traceFormat>
+        <inkml:channelProperties>
+          <inkml:channelProperty channel="X" name="resolution" value="1000" units="1/cm"/>
+          <inkml:channelProperty channel="Y" name="resolution" value="1000" units="1/cm"/>
+          <inkml:channelProperty channel="F" name="resolution" value="0" units="1/dev"/>
+          <inkml:channelProperty channel="OA" name="resolution" value="1000" units="1/deg"/>
+          <inkml:channelProperty channel="OE" name="resolution" value="1000" units="1/deg"/>
+        </inkml:channelProperties>
+      </inkml:inkSource>
+      <inkml:timestamp xml:id="ts0" timeString="2020-04-29T14:22:21.337"/>
+    </inkml:context>
+    <inkml:brush xml:id="br0">
+      <inkml:brushProperty name="width" value="0.1" units="cm"/>
+      <inkml:brushProperty name="height" value="0.1" units="cm"/>
+      <inkml:brushProperty name="color" value="#E71224"/>
+    </inkml:brush>
+  </inkml:definitions>
+  <inkml:trace contextRef="#ctx0" brushRef="#br0">6000 11212 11999 0 0,'-27'-27'992'0'0,"27"0"-1888"0"0,-27-27-96 0 0,0 54 416 0 0,0-26 320 0 0,1 26-672 0 0,26-27-960 0 0,-27 54 1088 0 0,0-27 384 0 0,54 0-864 0 0,-27 26 128 0 0,27-26 32 0 0,-1 0 192 0 0,1 0-32 0 0,0 27 161 0 0,0-27 799 0 0,0 0 0 0 0,-27 0 0 0 0</inkml:trace>
+</inkml:ink>
+</file>
+
+<file path=ppt/ink/ink10.xml><?xml version="1.0" encoding="utf-8"?>
+<inkml:ink xmlns:inkml="http://www.w3.org/2003/InkML">
+  <inkml:definitions>
+    <inkml:context xml:id="ctx0">
+      <inkml:inkSource xml:id="inkSrc0">
+        <inkml:traceFormat>
+          <inkml:channel name="X" type="integer" min="-2.14748E9" max="2.14748E9" units="cm"/>
+          <inkml:channel name="Y" type="integer" min="-2.14748E9" max="2.14748E9" units="cm"/>
+          <inkml:channel name="F" type="integer" max="32767" units="dev"/>
+          <inkml:channel name="OA" type="integer" max="360" units="deg"/>
+          <inkml:channel name="OE" type="integer" max="90" units="deg"/>
+        </inkml:traceFormat>
+        <inkml:channelProperties>
+          <inkml:channelProperty channel="X" name="resolution" value="1000" units="1/cm"/>
+          <inkml:channelProperty channel="Y" name="resolution" value="1000" units="1/cm"/>
+          <inkml:channelProperty channel="F" name="resolution" value="0" units="1/dev"/>
+          <inkml:channelProperty channel="OA" name="resolution" value="1000" units="1/deg"/>
+          <inkml:channelProperty channel="OE" name="resolution" value="1000" units="1/deg"/>
+        </inkml:channelProperties>
+      </inkml:inkSource>
+      <inkml:timestamp xml:id="ts0" timeString="2020-04-29T14:22:21.337"/>
+    </inkml:context>
+    <inkml:brush xml:id="br0">
+      <inkml:brushProperty name="width" value="0.1" units="cm"/>
+      <inkml:brushProperty name="height" value="0.1" units="cm"/>
+      <inkml:brushProperty name="color" value="#E71224"/>
+    </inkml:brush>
+  </inkml:definitions>
+  <inkml:trace contextRef="#ctx0" brushRef="#br0">6000 11212 11999 0 0,'-27'-27'992'0'0,"27"0"-1888"0"0,-27-27-96 0 0,0 54 416 0 0,0-26 320 0 0,1 26-672 0 0,26-27-960 0 0,-27 54 1088 0 0,0-27 384 0 0,54 0-864 0 0,-27 26 128 0 0,27-26 32 0 0,-1 0 192 0 0,1 0-32 0 0,0 27 161 0 0,0-27 799 0 0,0 0 0 0 0,-27 0 0 0 0</inkml:trace>
+</inkml:ink>
+</file>
+
+<file path=ppt/ink/ink11.xml><?xml version="1.0" encoding="utf-8"?>
 <inkml:ink xmlns:inkml="http://www.w3.org/2003/InkML">
   <inkml:definitions>
     <inkml:context xml:id="ctx0">
@@ -1742,19 +1995,142 @@
           <inkml:channelProperty channel="OE" name="resolution" value="1000" units="1/deg"/>
         </inkml:channelProperties>
       </inkml:inkSource>
-      <inkml:timestamp xml:id="ts0" timeString="2020-04-29T14:22:21.337"/>
+      <inkml:timestamp xml:id="ts0" timeString="2020-05-03T13:48:35.169"/>
     </inkml:context>
     <inkml:brush xml:id="br0">
-      <inkml:brushProperty name="width" value="0.1" units="cm"/>
-      <inkml:brushProperty name="height" value="0.1" units="cm"/>
-      <inkml:brushProperty name="color" value="#E71224"/>
+      <inkml:brushProperty name="width" value="0.025" units="cm"/>
+      <inkml:brushProperty name="height" value="0.025" units="cm"/>
     </inkml:brush>
   </inkml:definitions>
-  <inkml:trace contextRef="#ctx0" brushRef="#br0">6000 11212 11999 0 0,'-27'-27'992'0'0,"27"0"-1888"0"0,-27-27-96 0 0,0 54 416 0 0,0-26 320 0 0,1 26-672 0 0,26-27-960 0 0,-27 54 1088 0 0,0-27 384 0 0,54 0-864 0 0,-27 26 128 0 0,27-26 32 0 0,-1 0 192 0 0,1 0-32 0 0,0 27 161 0 0,0-27 799 0 0,0 0 0 0 0,-27 0 0 0 0</inkml:trace>
+  <inkml:trace contextRef="#ctx0" brushRef="#br0">20546 12056 0 0 0,'0'20'0'0'0,"19"-20"3647"0"0,-19-20-3551 0 0,0 40 1248 0 0,0-1 256 0 0,0 0-1056 0 0,-19-19-256 0 0,19 20 0 0 0,0 19 448 0 0,0-20-576 0 0,0 1-32 0 0,-20-20-32 0 0,20 19-32 0 0,0 0 32 0 0,-19 1-64 0 0,19-1 0 0 0,0 1 32 0 0,-19-20-32 0 0,19 19-64 0 0,0 0 32 0 0,0 1-64 0 0,19-20 64 0 0,-19 19-32 0 0,0 1 32 0 0,0-1 0 0 0,0 1 64 0 0,0-1 64 0 0,0 0-128 0 0,0-38-64 0 0,0 38 32 0 0,0-38 0 0 0,0 38 0 0 0,0-38 32 0 0,19 38 0 0 0,-19 1 32 0 0,20-20-64 0 0,-20 19 64 0 0,19 1 0 0 0,-19-1 64 0 0,-19 0-64 0 0,19 1 0 0 0,0-1 0 0 0,0 1-32 0 0,0-1 0 0 0,0 1-32 0 0,0-1 96 0 0,0 0 0 0 0,0 1-32 0 0,19-1-32 0 0,-19 1 32 0 0,0-1 0 0 0,0 1-32 0 0,0-1 0 0 0,0 0 32 0 0,0 1-32 0 0,0-1 32 0 0,0 1-32 0 0,0-1 32 0 0,0 0 64 0 0,20-19-96 0 0,-40 0 32 0 0,20 20 0 0 0,20-20 0 0 0,-40 0 0 0 0,20 19-32 0 0,0 1 96 0 0,0-1 0 0 0,0 1-128 0 0,0-1 64 0 0,0 0 32 0 0,0 1 0 0 0,0-1-64 0 0,0 1 96 0 0,0-1-64 0 0,0 0 32 0 0,0 1-96 0 0,0-1 128 0 0,0 1-128 0 0,0-1 128 0 0,0 1 32 0 0,0-1 32 0 0,-19-19-160 0 0,19 19 32 0 0,0-38-64 0 0,19 19-288 0 0,-19-19-2976 0 0,-19-20-3935 0 0,19 39 7231 0 0</inkml:trace>
 </inkml:ink>
 </file>
 
 <file path=ppt/ink/ink3.xml><?xml version="1.0" encoding="utf-8"?>
+<inkml:ink xmlns:inkml="http://www.w3.org/2003/InkML">
+  <inkml:definitions>
+    <inkml:context xml:id="ctx0">
+      <inkml:inkSource xml:id="inkSrc0">
+        <inkml:traceFormat>
+          <inkml:channel name="X" type="integer" min="-2.14748E9" max="2.14748E9" units="cm"/>
+          <inkml:channel name="Y" type="integer" min="-2.14748E9" max="2.14748E9" units="cm"/>
+          <inkml:channel name="F" type="integer" max="32767" units="dev"/>
+          <inkml:channel name="OA" type="integer" max="360" units="deg"/>
+          <inkml:channel name="OE" type="integer" max="90" units="deg"/>
+        </inkml:traceFormat>
+        <inkml:channelProperties>
+          <inkml:channelProperty channel="X" name="resolution" value="1000" units="1/cm"/>
+          <inkml:channelProperty channel="Y" name="resolution" value="1000" units="1/cm"/>
+          <inkml:channelProperty channel="F" name="resolution" value="0" units="1/dev"/>
+          <inkml:channelProperty channel="OA" name="resolution" value="1000" units="1/deg"/>
+          <inkml:channelProperty channel="OE" name="resolution" value="1000" units="1/deg"/>
+        </inkml:channelProperties>
+      </inkml:inkSource>
+      <inkml:timestamp xml:id="ts0" timeString="2020-05-03T13:48:35.170"/>
+    </inkml:context>
+    <inkml:brush xml:id="br0">
+      <inkml:brushProperty name="width" value="0.025" units="cm"/>
+      <inkml:brushProperty name="height" value="0.025" units="cm"/>
+    </inkml:brush>
+  </inkml:definitions>
+  <inkml:trace contextRef="#ctx0" brushRef="#br0">20472 13750 0 0 0,'0'-19'127'0'0,"0"38"161"0"0,0 1-192 0 0,-20-20-128 0 0,20-20 96 0 0,20 20-64 0 0,-20-19 64 0 0,0 38 3328 0 0,0-38-2528 0 0,19 19-832 0 0,-19-20 256 0 0,20 40 3552 0 0,-20-1-3424 0 0,19-19-416 0 0,-19-19 64 0 0,19 19 192 0 0,1 0-128 0 0,-20-20-96 0 0,19 1 64 0 0,-19-1 0 0 0,0 1 32 0 0,20 19-128 0 0,-20-19-32 0 0,0-1-64 0 0,0 1 64 0 0,19 19 32 0 0,-19-20 64 0 0,-19 20-64 0 0,19-19-32 0 0,0 0-96 0 0,19 19 0 0 0,-19-20-32 0 0,0 1 0 0 0,19 19 128 0 0,-19-20 64 0 0,0 1-32 0 0,0-1 0 0 0,20 20-32 0 0,-20-19 32 0 0,0 0 0 0 0,0-1 0 0 0,0 1 0 0 0,19 19 0 0 0,-19-20 0 0 0,0 1-32 0 0,0 0 32 0 0,0-1 32 0 0,0 1-64 0 0,20 19 32 0 0,-40 0 32 0 0,20-20 64 0 0,0 1-96 0 0,0-1 32 0 0,-19 20 0 0 0,19-19 0 0 0,-20 38 96 0 0,20-38-160 0 0,0 0-256 0 0,20 19 192 0 0,-20-20 96 0 0,0 1 160 0 0,19 19 32 0 0,-38-20-128 0 0,19 1 32 0 0,-20 19 480 0 0,20-20-704 0 0,20 1-96 0 0,-20 0 224 0 0,0-1 288 0 0,0 40-192 0 0,-20-20-96 0 0,1 0 64 0 0,19 19-64 0 0,-19-19 0 0 0,19-19-448 0 0,19 19 192 0 0,-19-20-64 0 0,19 1-4768 0 0,-19-1 2080 0 0,0 20 1537 0 0</inkml:trace>
+</inkml:ink>
+</file>
+
+<file path=ppt/ink/ink4.xml><?xml version="1.0" encoding="utf-8"?>
+<inkml:ink xmlns:inkml="http://www.w3.org/2003/InkML">
+  <inkml:definitions>
+    <inkml:context xml:id="ctx0">
+      <inkml:inkSource xml:id="inkSrc0">
+        <inkml:traceFormat>
+          <inkml:channel name="X" type="integer" min="-2.14748E9" max="2.14748E9" units="cm"/>
+          <inkml:channel name="Y" type="integer" min="-2.14748E9" max="2.14748E9" units="cm"/>
+          <inkml:channel name="F" type="integer" max="32767" units="dev"/>
+          <inkml:channel name="OA" type="integer" max="360" units="deg"/>
+          <inkml:channel name="OE" type="integer" max="90" units="deg"/>
+        </inkml:traceFormat>
+        <inkml:channelProperties>
+          <inkml:channelProperty channel="X" name="resolution" value="1000" units="1/cm"/>
+          <inkml:channelProperty channel="Y" name="resolution" value="1000" units="1/cm"/>
+          <inkml:channelProperty channel="F" name="resolution" value="0" units="1/dev"/>
+          <inkml:channelProperty channel="OA" name="resolution" value="1000" units="1/deg"/>
+          <inkml:channelProperty channel="OE" name="resolution" value="1000" units="1/deg"/>
+        </inkml:channelProperties>
+      </inkml:inkSource>
+      <inkml:timestamp xml:id="ts0" timeString="2020-05-03T13:48:35.171"/>
+    </inkml:context>
+    <inkml:brush xml:id="br0">
+      <inkml:brushProperty name="width" value="0.025" units="cm"/>
+      <inkml:brushProperty name="height" value="0.025" units="cm"/>
+    </inkml:brush>
+  </inkml:definitions>
+  <inkml:trace contextRef="#ctx0" brushRef="#br0">20405 14092 0 0 0,'-20'0'415'0'0,"20"20"-287"0"0,-19-20-96 0 0,19 19 0 0 0,0 1 0 0 0,0-40-32 0 0,-20 20 160 0 0,40 0-160 0 0,-1 0 1440 0 0,-19-19-1152 0 0,20 19-192 0 0,-1 0 928 0 0,-19-20-576 0 0,20 20 480 0 0,-1 0 32 0 0,-19-19-768 0 0,19 19-160 0 0,-19 19 96 0 0,0-38-64 0 0,20 19 96 0 0,-20-20 64 0 0,19 20-160 0 0,-19-19 32 0 0,20 19-64 0 0,-20-19 64 0 0,19 19-32 0 0,-19-20 0 0 0,0 1-32 0 0,19 19-32 0 0,-19-20 96 0 0,20 20-96 0 0,-20-19-32 0 0,19-1-32 0 0,-19 1 96 0 0,20 19 0 0 0,-20-19-64 0 0,0-1 256 0 0,0 1-256 0 0,19 19-32 0 0,-19-20 32 0 0,0 1 32 0 0,20 19 0 0 0,-20-19-32 0 0,19 19 32 0 0,-19-20 0 0 0,0 1 64 0 0,0-1-64 0 0,0 1 64 0 0,0-1-64 0 0,0 1 32 0 0,0 0-96 0 0,0-1 128 0 0,0 1 96 0 0,0-1-192 0 0,0 1-32 0 0,0 0-64 0 0,19 19 288 0 0,-38 0-96 0 0,19-20 288 0 0,-19 20 352 0 0,19-19-768 0 0,-20 19 160 0 0,20-20-224 0 0,20 20-1568 0 0,-20-19 1376 0 0,0-1-3808 0 0,19 20 2464 0 0,-19-19 1440 0 0,0 38-351 0 0,0-19 575 0 0</inkml:trace>
+</inkml:ink>
+</file>
+
+<file path=ppt/ink/ink5.xml><?xml version="1.0" encoding="utf-8"?>
+<inkml:ink xmlns:inkml="http://www.w3.org/2003/InkML">
+  <inkml:definitions>
+    <inkml:context xml:id="ctx0">
+      <inkml:inkSource xml:id="inkSrc0">
+        <inkml:traceFormat>
+          <inkml:channel name="X" type="integer" min="-2.14748E9" max="2.14748E9" units="cm"/>
+          <inkml:channel name="Y" type="integer" min="-2.14748E9" max="2.14748E9" units="cm"/>
+          <inkml:channel name="F" type="integer" max="32767" units="dev"/>
+          <inkml:channel name="OA" type="integer" max="360" units="deg"/>
+          <inkml:channel name="OE" type="integer" max="90" units="deg"/>
+        </inkml:traceFormat>
+        <inkml:channelProperties>
+          <inkml:channelProperty channel="X" name="resolution" value="1000" units="1/cm"/>
+          <inkml:channelProperty channel="Y" name="resolution" value="1000" units="1/cm"/>
+          <inkml:channelProperty channel="F" name="resolution" value="0" units="1/dev"/>
+          <inkml:channelProperty channel="OA" name="resolution" value="1000" units="1/deg"/>
+          <inkml:channelProperty channel="OE" name="resolution" value="1000" units="1/deg"/>
+        </inkml:channelProperties>
+      </inkml:inkSource>
+      <inkml:timestamp xml:id="ts0" timeString="2020-05-03T13:48:35.172"/>
+    </inkml:context>
+    <inkml:brush xml:id="br0">
+      <inkml:brushProperty name="width" value="0.025" units="cm"/>
+      <inkml:brushProperty name="height" value="0.025" units="cm"/>
+    </inkml:brush>
+  </inkml:definitions>
+  <inkml:trace contextRef="#ctx0" brushRef="#br0">20470 12197 0 0 0,'19'0'735'0'0,"-19"-19"-511"0"0,20 19-224 0 0,-20-19 0 0 0,0-1 0 0 0,19 20 0 0 0,-19-19 0 0 0,20 19 96 0 0,-20-20-32 0 0,19 20 480 0 0,-38 0-544 0 0,38 0 32 0 0,-38 0-32 0 0,38 0 32 0 0,-38 0-64 0 0,38 0 32 0 0,-19-19 0 0 0,-19 19 160 0 0,19-19-256 0 0,0 38 224 0 0,0-38-256 0 0,0-1-160 0 0,19 20 256 0 0,-19-19 0 0 0,0-1 96 0 0,0 40 0 0 0,0-1-64 0 0,-19-19-384 0 0,19 20 288 0 0,0-20-959 0 0</inkml:trace>
+</inkml:ink>
+</file>
+
+<file path=ppt/ink/ink6.xml><?xml version="1.0" encoding="utf-8"?>
+<inkml:ink xmlns:inkml="http://www.w3.org/2003/InkML">
+  <inkml:definitions>
+    <inkml:context xml:id="ctx0">
+      <inkml:inkSource xml:id="inkSrc0">
+        <inkml:traceFormat>
+          <inkml:channel name="X" type="integer" min="-2.14748E9" max="2.14748E9" units="cm"/>
+          <inkml:channel name="Y" type="integer" min="-2.14748E9" max="2.14748E9" units="cm"/>
+          <inkml:channel name="F" type="integer" max="32767" units="dev"/>
+          <inkml:channel name="OA" type="integer" max="360" units="deg"/>
+          <inkml:channel name="OE" type="integer" max="90" units="deg"/>
+        </inkml:traceFormat>
+        <inkml:channelProperties>
+          <inkml:channelProperty channel="X" name="resolution" value="1000" units="1/cm"/>
+          <inkml:channelProperty channel="Y" name="resolution" value="1000" units="1/cm"/>
+          <inkml:channelProperty channel="F" name="resolution" value="0" units="1/dev"/>
+          <inkml:channelProperty channel="OA" name="resolution" value="1000" units="1/deg"/>
+          <inkml:channelProperty channel="OE" name="resolution" value="1000" units="1/deg"/>
+        </inkml:channelProperties>
+      </inkml:inkSource>
+      <inkml:timestamp xml:id="ts0" timeString="2020-05-03T13:48:35.173"/>
+    </inkml:context>
+    <inkml:brush xml:id="br0">
+      <inkml:brushProperty name="width" value="0.025" units="cm"/>
+      <inkml:brushProperty name="height" value="0.025" units="cm"/>
+    </inkml:brush>
+  </inkml:definitions>
+  <inkml:trace contextRef="#ctx0" brushRef="#br0">20489 12145 0 0 0,'0'19'575'0'0,"-19"-19"-543"0"0,19 19 32 0 0,0-38-32 0 0,19 19-32 0 0,-19-19 320 0 0,0-1-256 0 0,20 20 0 0 0,-20-19-96 0 0,19 19 64 0 0,-19-20 0 0 0,20 20 64 0 0,-20-19-64 0 0,0-1 32 0 0,19 20 192 0 0,-19-19-160 0 0,0 0 544 0 0,-19 19-448 0 0,38 0-288 0 0,-38 0 160 0 0,19 19 352 0 0,0-38-1152 0 0,0-1-192 0 0,0 1 992 0 0,0-1-96 0 0,0 40 192 0 0,0-1-256 0 0,0 1-320 0 0,-20-40-543 0 0,20 20 959 0 0</inkml:trace>
+</inkml:ink>
+</file>
+
+<file path=ppt/ink/ink7.xml><?xml version="1.0" encoding="utf-8"?>
 <inkml:ink xmlns:inkml="http://www.w3.org/2003/InkML">
   <inkml:definitions>
     <inkml:context xml:id="ctx0">
@@ -1786,7 +2162,7 @@
 </inkml:ink>
 </file>
 
-<file path=ppt/ink/ink4.xml><?xml version="1.0" encoding="utf-8"?>
+<file path=ppt/ink/ink8.xml><?xml version="1.0" encoding="utf-8"?>
 <inkml:ink xmlns:inkml="http://www.w3.org/2003/InkML">
   <inkml:definitions>
     <inkml:context xml:id="ctx0">
@@ -1818,39 +2194,7 @@
 </inkml:ink>
 </file>
 
-<file path=ppt/ink/ink5.xml><?xml version="1.0" encoding="utf-8"?>
-<inkml:ink xmlns:inkml="http://www.w3.org/2003/InkML">
-  <inkml:definitions>
-    <inkml:context xml:id="ctx0">
-      <inkml:inkSource xml:id="inkSrc0">
-        <inkml:traceFormat>
-          <inkml:channel name="X" type="integer" min="-2.14748E9" max="2.14748E9" units="cm"/>
-          <inkml:channel name="Y" type="integer" min="-2.14748E9" max="2.14748E9" units="cm"/>
-          <inkml:channel name="F" type="integer" max="32767" units="dev"/>
-          <inkml:channel name="OA" type="integer" max="360" units="deg"/>
-          <inkml:channel name="OE" type="integer" max="90" units="deg"/>
-        </inkml:traceFormat>
-        <inkml:channelProperties>
-          <inkml:channelProperty channel="X" name="resolution" value="1000" units="1/cm"/>
-          <inkml:channelProperty channel="Y" name="resolution" value="1000" units="1/cm"/>
-          <inkml:channelProperty channel="F" name="resolution" value="0" units="1/dev"/>
-          <inkml:channelProperty channel="OA" name="resolution" value="1000" units="1/deg"/>
-          <inkml:channelProperty channel="OE" name="resolution" value="1000" units="1/deg"/>
-        </inkml:channelProperties>
-      </inkml:inkSource>
-      <inkml:timestamp xml:id="ts0" timeString="2020-04-29T14:22:21.337"/>
-    </inkml:context>
-    <inkml:brush xml:id="br0">
-      <inkml:brushProperty name="width" value="0.1" units="cm"/>
-      <inkml:brushProperty name="height" value="0.1" units="cm"/>
-      <inkml:brushProperty name="color" value="#E71224"/>
-    </inkml:brush>
-  </inkml:definitions>
-  <inkml:trace contextRef="#ctx0" brushRef="#br0">6000 11212 11999 0 0,'-27'-27'992'0'0,"27"0"-1888"0"0,-27-27-96 0 0,0 54 416 0 0,0-26 320 0 0,1 26-672 0 0,26-27-960 0 0,-27 54 1088 0 0,0-27 384 0 0,54 0-864 0 0,-27 26 128 0 0,27-26 32 0 0,-1 0 192 0 0,1 0-32 0 0,0 27 161 0 0,0-27 799 0 0,0 0 0 0 0,-27 0 0 0 0</inkml:trace>
-</inkml:ink>
-</file>
-
-<file path=ppt/ink/ink6.xml><?xml version="1.0" encoding="utf-8"?>
+<file path=ppt/ink/ink9.xml><?xml version="1.0" encoding="utf-8"?>
 <inkml:ink xmlns:inkml="http://www.w3.org/2003/InkML">
   <inkml:definitions>
     <inkml:context xml:id="ctx0">
@@ -2029,7 +2373,7 @@
           <a:p>
             <a:fld id="{DFEF7640-E7CA-41C6-BF35-DCCB2ED5DC60}" type="datetimeFigureOut">
               <a:rPr lang="fr-FR" smtClean="0"/>
-              <a:t>02/05/2020</a:t>
+              <a:t>18/05/2020</a:t>
             </a:fld>
             <a:endParaRPr lang="fr-FR"/>
           </a:p>
@@ -2227,7 +2571,7 @@
           <a:p>
             <a:fld id="{DFEF7640-E7CA-41C6-BF35-DCCB2ED5DC60}" type="datetimeFigureOut">
               <a:rPr lang="fr-FR" smtClean="0"/>
-              <a:t>02/05/2020</a:t>
+              <a:t>18/05/2020</a:t>
             </a:fld>
             <a:endParaRPr lang="fr-FR"/>
           </a:p>
@@ -2435,7 +2779,7 @@
           <a:p>
             <a:fld id="{DFEF7640-E7CA-41C6-BF35-DCCB2ED5DC60}" type="datetimeFigureOut">
               <a:rPr lang="fr-FR" smtClean="0"/>
-              <a:t>02/05/2020</a:t>
+              <a:t>18/05/2020</a:t>
             </a:fld>
             <a:endParaRPr lang="fr-FR"/>
           </a:p>
@@ -2633,7 +2977,7 @@
           <a:p>
             <a:fld id="{DFEF7640-E7CA-41C6-BF35-DCCB2ED5DC60}" type="datetimeFigureOut">
               <a:rPr lang="fr-FR" smtClean="0"/>
-              <a:t>02/05/2020</a:t>
+              <a:t>18/05/2020</a:t>
             </a:fld>
             <a:endParaRPr lang="fr-FR"/>
           </a:p>
@@ -2908,7 +3252,7 @@
           <a:p>
             <a:fld id="{DFEF7640-E7CA-41C6-BF35-DCCB2ED5DC60}" type="datetimeFigureOut">
               <a:rPr lang="fr-FR" smtClean="0"/>
-              <a:t>02/05/2020</a:t>
+              <a:t>18/05/2020</a:t>
             </a:fld>
             <a:endParaRPr lang="fr-FR"/>
           </a:p>
@@ -3173,7 +3517,7 @@
           <a:p>
             <a:fld id="{DFEF7640-E7CA-41C6-BF35-DCCB2ED5DC60}" type="datetimeFigureOut">
               <a:rPr lang="fr-FR" smtClean="0"/>
-              <a:t>02/05/2020</a:t>
+              <a:t>18/05/2020</a:t>
             </a:fld>
             <a:endParaRPr lang="fr-FR"/>
           </a:p>
@@ -3585,7 +3929,7 @@
           <a:p>
             <a:fld id="{DFEF7640-E7CA-41C6-BF35-DCCB2ED5DC60}" type="datetimeFigureOut">
               <a:rPr lang="fr-FR" smtClean="0"/>
-              <a:t>02/05/2020</a:t>
+              <a:t>18/05/2020</a:t>
             </a:fld>
             <a:endParaRPr lang="fr-FR"/>
           </a:p>
@@ -3726,7 +4070,7 @@
           <a:p>
             <a:fld id="{DFEF7640-E7CA-41C6-BF35-DCCB2ED5DC60}" type="datetimeFigureOut">
               <a:rPr lang="fr-FR" smtClean="0"/>
-              <a:t>02/05/2020</a:t>
+              <a:t>18/05/2020</a:t>
             </a:fld>
             <a:endParaRPr lang="fr-FR"/>
           </a:p>
@@ -3839,7 +4183,7 @@
           <a:p>
             <a:fld id="{DFEF7640-E7CA-41C6-BF35-DCCB2ED5DC60}" type="datetimeFigureOut">
               <a:rPr lang="fr-FR" smtClean="0"/>
-              <a:t>02/05/2020</a:t>
+              <a:t>18/05/2020</a:t>
             </a:fld>
             <a:endParaRPr lang="fr-FR"/>
           </a:p>
@@ -4150,7 +4494,7 @@
           <a:p>
             <a:fld id="{DFEF7640-E7CA-41C6-BF35-DCCB2ED5DC60}" type="datetimeFigureOut">
               <a:rPr lang="fr-FR" smtClean="0"/>
-              <a:t>02/05/2020</a:t>
+              <a:t>18/05/2020</a:t>
             </a:fld>
             <a:endParaRPr lang="fr-FR"/>
           </a:p>
@@ -4438,7 +4782,7 @@
           <a:p>
             <a:fld id="{DFEF7640-E7CA-41C6-BF35-DCCB2ED5DC60}" type="datetimeFigureOut">
               <a:rPr lang="fr-FR" smtClean="0"/>
-              <a:t>02/05/2020</a:t>
+              <a:t>18/05/2020</a:t>
             </a:fld>
             <a:endParaRPr lang="fr-FR"/>
           </a:p>
@@ -4679,7 +5023,7 @@
           <a:p>
             <a:fld id="{DFEF7640-E7CA-41C6-BF35-DCCB2ED5DC60}" type="datetimeFigureOut">
               <a:rPr lang="fr-FR" smtClean="0"/>
-              <a:t>02/05/2020</a:t>
+              <a:t>18/05/2020</a:t>
             </a:fld>
             <a:endParaRPr lang="fr-FR"/>
           </a:p>
@@ -5390,7 +5734,7 @@
           <a:p>
             <a:pPr algn="l"/>
             <a:r>
-              <a:rPr lang="fr-FR" sz="8000"/>
+              <a:rPr lang="fr-FR" sz="8000" dirty="0"/>
               <a:t>Soutenance python</a:t>
             </a:r>
           </a:p>
@@ -7089,28 +7433,15 @@
           <a:noFill/>
         </p:spPr>
         <p:txBody>
-          <a:bodyPr wrap="square" rtlCol="0">
+          <a:bodyPr wrap="square" rtlCol="0" anchor="t">
             <a:spAutoFit/>
           </a:bodyPr>
           <a:lstStyle/>
           <a:p>
             <a:r>
               <a:rPr lang="fr-FR"/>
-              <a:t>Ceci est la fin du jeu  quand vous avez  </a:t>
-            </a:r>
-            <a:r>
-              <a:rPr lang="fr-FR" err="1"/>
-              <a:t>recupere</a:t>
-            </a:r>
-            <a:r>
-              <a:rPr lang="fr-FR"/>
-              <a:t> les 3 objets plus le gardien votre objectif est </a:t>
-            </a:r>
-            <a:r>
-              <a:rPr lang="fr-FR" err="1"/>
-              <a:t>atteind</a:t>
-            </a:r>
-            <a:endParaRPr lang="fr-FR"/>
+              <a:t>Ceci est la fin du jeu  quand vous avez  récupère les 3 objets plus le gardien votre objectif est atteint</a:t>
+            </a:r>
           </a:p>
         </p:txBody>
       </p:sp>
@@ -7615,20 +7946,15 @@
           <a:noFill/>
         </p:spPr>
         <p:txBody>
-          <a:bodyPr wrap="square" rtlCol="0">
+          <a:bodyPr wrap="square" rtlCol="0" anchor="t">
             <a:spAutoFit/>
           </a:bodyPr>
           <a:lstStyle/>
           <a:p>
             <a:r>
               <a:rPr lang="fr-FR"/>
-              <a:t>Ceci est la fin du jeu quand vous tuer directement le gardien sans les </a:t>
-            </a:r>
-            <a:r>
-              <a:rPr lang="fr-FR" err="1"/>
-              <a:t>objects</a:t>
-            </a:r>
-            <a:endParaRPr lang="fr-FR"/>
+              <a:t>Ceci est la fin du jeu quand vous tuer directement le gardien sans les objets</a:t>
+            </a:r>
           </a:p>
         </p:txBody>
       </p:sp>
@@ -8140,7 +8466,7 @@
         </p:nvSpPr>
         <p:spPr>
           <a:xfrm>
-            <a:off x="921391" y="844492"/>
+            <a:off x="930916" y="854017"/>
             <a:ext cx="9734025" cy="369332"/>
           </a:xfrm>
           <a:prstGeom prst="rect">
@@ -8188,7 +8514,7 @@
         </p:blipFill>
         <p:spPr>
           <a:xfrm>
-            <a:off x="551129" y="2139653"/>
+            <a:off x="-4938878" y="2165453"/>
             <a:ext cx="10893706" cy="3791883"/>
           </a:xfrm>
           <a:prstGeom prst="rect">
@@ -8196,6 +8522,261 @@
           </a:prstGeom>
         </p:spPr>
       </p:pic>
+      <mc:AlternateContent xmlns:mc="http://schemas.openxmlformats.org/markup-compatibility/2006" xmlns:p14="http://schemas.microsoft.com/office/powerpoint/2010/main">
+        <mc:Choice Requires="p14">
+          <p:contentPart p14:bwMode="auto" r:id="rId5">
+            <p14:nvContentPartPr>
+              <p14:cNvPr id="2" name="Encre 1">
+                <a:extLst>
+                  <a:ext uri="{FF2B5EF4-FFF2-40B4-BE49-F238E27FC236}">
+                    <a16:creationId xmlns:a16="http://schemas.microsoft.com/office/drawing/2014/main" id="{78CB88BC-A410-47B1-885B-E7223FD2E23D}"/>
+                  </a:ext>
+                </a:extLst>
+              </p14:cNvPr>
+              <p14:cNvContentPartPr/>
+              <p14:nvPr/>
+            </p14:nvContentPartPr>
+            <p14:xfrm>
+              <a:off x="8025468" y="4369266"/>
+              <a:ext cx="38099" cy="457199"/>
+            </p14:xfrm>
+          </p:contentPart>
+        </mc:Choice>
+        <mc:Fallback xmlns="">
+          <p:pic>
+            <p:nvPicPr>
+              <p:cNvPr id="2" name="Encre 1">
+                <a:extLst>
+                  <a:ext uri="{FF2B5EF4-FFF2-40B4-BE49-F238E27FC236}">
+                    <a16:creationId xmlns:a16="http://schemas.microsoft.com/office/drawing/2014/main" id="{78CB88BC-A410-47B1-885B-E7223FD2E23D}"/>
+                  </a:ext>
+                </a:extLst>
+              </p:cNvPr>
+              <p:cNvPicPr/>
+              <p:nvPr/>
+            </p:nvPicPr>
+            <p:blipFill>
+              <a:blip r:embed="rId6"/>
+              <a:stretch>
+                <a:fillRect/>
+              </a:stretch>
+            </p:blipFill>
+            <p:spPr>
+              <a:xfrm>
+                <a:off x="8020803" y="4364922"/>
+                <a:ext cx="47429" cy="465887"/>
+              </a:xfrm>
+              <a:prstGeom prst="rect">
+                <a:avLst/>
+              </a:prstGeom>
+            </p:spPr>
+          </p:pic>
+        </mc:Fallback>
+      </mc:AlternateContent>
+      <mc:AlternateContent xmlns:mc="http://schemas.openxmlformats.org/markup-compatibility/2006" xmlns:p14="http://schemas.microsoft.com/office/powerpoint/2010/main">
+        <mc:Choice Requires="p14">
+          <p:contentPart p14:bwMode="auto" r:id="rId7">
+            <p14:nvContentPartPr>
+              <p14:cNvPr id="4" name="Encre 3">
+                <a:extLst>
+                  <a:ext uri="{FF2B5EF4-FFF2-40B4-BE49-F238E27FC236}">
+                    <a16:creationId xmlns:a16="http://schemas.microsoft.com/office/drawing/2014/main" id="{DCF8C50D-4E13-4AE2-956A-57D0A23D62FE}"/>
+                  </a:ext>
+                </a:extLst>
+              </p14:cNvPr>
+              <p14:cNvContentPartPr/>
+              <p14:nvPr/>
+            </p14:nvContentPartPr>
+            <p14:xfrm>
+              <a:off x="8011486" y="4732789"/>
+              <a:ext cx="95250" cy="285749"/>
+            </p14:xfrm>
+          </p:contentPart>
+        </mc:Choice>
+        <mc:Fallback xmlns="">
+          <p:pic>
+            <p:nvPicPr>
+              <p:cNvPr id="4" name="Encre 3">
+                <a:extLst>
+                  <a:ext uri="{FF2B5EF4-FFF2-40B4-BE49-F238E27FC236}">
+                    <a16:creationId xmlns:a16="http://schemas.microsoft.com/office/drawing/2014/main" id="{DCF8C50D-4E13-4AE2-956A-57D0A23D62FE}"/>
+                  </a:ext>
+                </a:extLst>
+              </p:cNvPr>
+              <p:cNvPicPr/>
+              <p:nvPr/>
+            </p:nvPicPr>
+            <p:blipFill>
+              <a:blip r:embed="rId8"/>
+              <a:stretch>
+                <a:fillRect/>
+              </a:stretch>
+            </p:blipFill>
+            <p:spPr>
+              <a:xfrm>
+                <a:off x="8006986" y="4728492"/>
+                <a:ext cx="104250" cy="294343"/>
+              </a:xfrm>
+              <a:prstGeom prst="rect">
+                <a:avLst/>
+              </a:prstGeom>
+            </p:spPr>
+          </p:pic>
+        </mc:Fallback>
+      </mc:AlternateContent>
+      <mc:AlternateContent xmlns:mc="http://schemas.openxmlformats.org/markup-compatibility/2006" xmlns:p14="http://schemas.microsoft.com/office/powerpoint/2010/main">
+        <mc:Choice Requires="p14">
+          <p:contentPart p14:bwMode="auto" r:id="rId9">
+            <p14:nvContentPartPr>
+              <p14:cNvPr id="5" name="Encre 4">
+                <a:extLst>
+                  <a:ext uri="{FF2B5EF4-FFF2-40B4-BE49-F238E27FC236}">
+                    <a16:creationId xmlns:a16="http://schemas.microsoft.com/office/drawing/2014/main" id="{C79B4073-5079-4793-85E7-94233C1423E2}"/>
+                  </a:ext>
+                </a:extLst>
+              </p14:cNvPr>
+              <p14:cNvContentPartPr/>
+              <p14:nvPr/>
+            </p14:nvContentPartPr>
+            <p14:xfrm>
+              <a:off x="7969541" y="4914551"/>
+              <a:ext cx="133350" cy="257174"/>
+            </p14:xfrm>
+          </p:contentPart>
+        </mc:Choice>
+        <mc:Fallback xmlns="">
+          <p:pic>
+            <p:nvPicPr>
+              <p:cNvPr id="5" name="Encre 4">
+                <a:extLst>
+                  <a:ext uri="{FF2B5EF4-FFF2-40B4-BE49-F238E27FC236}">
+                    <a16:creationId xmlns:a16="http://schemas.microsoft.com/office/drawing/2014/main" id="{C79B4073-5079-4793-85E7-94233C1423E2}"/>
+                  </a:ext>
+                </a:extLst>
+              </p:cNvPr>
+              <p:cNvPicPr/>
+              <p:nvPr/>
+            </p:nvPicPr>
+            <p:blipFill>
+              <a:blip r:embed="rId10"/>
+              <a:stretch>
+                <a:fillRect/>
+              </a:stretch>
+            </p:blipFill>
+            <p:spPr>
+              <a:xfrm>
+                <a:off x="7965216" y="4910265"/>
+                <a:ext cx="142000" cy="265746"/>
+              </a:xfrm>
+              <a:prstGeom prst="rect">
+                <a:avLst/>
+              </a:prstGeom>
+            </p:spPr>
+          </p:pic>
+        </mc:Fallback>
+      </mc:AlternateContent>
+      <mc:AlternateContent xmlns:mc="http://schemas.openxmlformats.org/markup-compatibility/2006" xmlns:p14="http://schemas.microsoft.com/office/powerpoint/2010/main">
+        <mc:Choice Requires="p14">
+          <p:contentPart p14:bwMode="auto" r:id="rId11">
+            <p14:nvContentPartPr>
+              <p14:cNvPr id="6" name="Encre 5">
+                <a:extLst>
+                  <a:ext uri="{FF2B5EF4-FFF2-40B4-BE49-F238E27FC236}">
+                    <a16:creationId xmlns:a16="http://schemas.microsoft.com/office/drawing/2014/main" id="{9A08BE55-1E38-409A-99E7-5C9A082CD9A7}"/>
+                  </a:ext>
+                </a:extLst>
+              </p14:cNvPr>
+              <p14:cNvContentPartPr/>
+              <p14:nvPr/>
+            </p14:nvContentPartPr>
+            <p14:xfrm>
+              <a:off x="8018478" y="4348293"/>
+              <a:ext cx="38099" cy="66675"/>
+            </p14:xfrm>
+          </p:contentPart>
+        </mc:Choice>
+        <mc:Fallback xmlns="">
+          <p:pic>
+            <p:nvPicPr>
+              <p:cNvPr id="6" name="Encre 5">
+                <a:extLst>
+                  <a:ext uri="{FF2B5EF4-FFF2-40B4-BE49-F238E27FC236}">
+                    <a16:creationId xmlns:a16="http://schemas.microsoft.com/office/drawing/2014/main" id="{9A08BE55-1E38-409A-99E7-5C9A082CD9A7}"/>
+                  </a:ext>
+                </a:extLst>
+              </p:cNvPr>
+              <p:cNvPicPr/>
+              <p:nvPr/>
+            </p:nvPicPr>
+            <p:blipFill>
+              <a:blip r:embed="rId12"/>
+              <a:stretch>
+                <a:fillRect/>
+              </a:stretch>
+            </p:blipFill>
+            <p:spPr>
+              <a:xfrm>
+                <a:off x="8013813" y="4344190"/>
+                <a:ext cx="47429" cy="74881"/>
+              </a:xfrm>
+              <a:prstGeom prst="rect">
+                <a:avLst/>
+              </a:prstGeom>
+            </p:spPr>
+          </p:pic>
+        </mc:Fallback>
+      </mc:AlternateContent>
+      <mc:AlternateContent xmlns:mc="http://schemas.openxmlformats.org/markup-compatibility/2006" xmlns:p14="http://schemas.microsoft.com/office/powerpoint/2010/main">
+        <mc:Choice Requires="p14">
+          <p:contentPart p14:bwMode="auto" r:id="rId13">
+            <p14:nvContentPartPr>
+              <p14:cNvPr id="14" name="Encre 13">
+                <a:extLst>
+                  <a:ext uri="{FF2B5EF4-FFF2-40B4-BE49-F238E27FC236}">
+                    <a16:creationId xmlns:a16="http://schemas.microsoft.com/office/drawing/2014/main" id="{F4F1187F-B6E4-4453-845D-F5D8369F3909}"/>
+                  </a:ext>
+                </a:extLst>
+              </p14:cNvPr>
+              <p14:cNvContentPartPr/>
+              <p14:nvPr/>
+            </p14:nvContentPartPr>
+            <p14:xfrm>
+              <a:off x="8018478" y="4327320"/>
+              <a:ext cx="38099" cy="85725"/>
+            </p14:xfrm>
+          </p:contentPart>
+        </mc:Choice>
+        <mc:Fallback xmlns="">
+          <p:pic>
+            <p:nvPicPr>
+              <p:cNvPr id="14" name="Encre 13">
+                <a:extLst>
+                  <a:ext uri="{FF2B5EF4-FFF2-40B4-BE49-F238E27FC236}">
+                    <a16:creationId xmlns:a16="http://schemas.microsoft.com/office/drawing/2014/main" id="{F4F1187F-B6E4-4453-845D-F5D8369F3909}"/>
+                  </a:ext>
+                </a:extLst>
+              </p:cNvPr>
+              <p:cNvPicPr/>
+              <p:nvPr/>
+            </p:nvPicPr>
+            <p:blipFill>
+              <a:blip r:embed="rId14"/>
+              <a:stretch>
+                <a:fillRect/>
+              </a:stretch>
+            </p:blipFill>
+            <p:spPr>
+              <a:xfrm>
+                <a:off x="8013813" y="4322924"/>
+                <a:ext cx="47429" cy="94517"/>
+              </a:xfrm>
+              <a:prstGeom prst="rect">
+                <a:avLst/>
+              </a:prstGeom>
+            </p:spPr>
+          </p:pic>
+        </mc:Fallback>
+      </mc:AlternateContent>
     </p:spTree>
     <p:extLst>
       <p:ext uri="{BB962C8B-B14F-4D97-AF65-F5344CB8AC3E}">
@@ -8720,7 +9301,7 @@
           <a:p>
             <a:r>
               <a:rPr lang="fr-FR"/>
-              <a:t>Quand je lance le jeu au départ je vais crée une classe labyrinthe qui se chargeras de crée le labyrinthe</a:t>
+              <a:t>Quand je lance le jeu au départ je vais créer une classe labyrinthe qui se chargeras de crée le labyrinthe</a:t>
             </a:r>
           </a:p>
           <a:p>
@@ -8728,17 +9309,23 @@
               <a:rPr lang="fr-FR"/>
               <a:t>Je vais chercher mon joueur et pouvoir lancer le jeu pour pouvoir lancer l’affichage</a:t>
             </a:r>
+            <a:endParaRPr lang="fr-FR">
+              <a:cs typeface="Calibri"/>
+            </a:endParaRPr>
           </a:p>
           <a:p>
             <a:r>
               <a:rPr lang="fr-FR"/>
-              <a:t>La classe labyrinthe  elle crée un tableau  pour charger celui-ci</a:t>
-            </a:r>
+              <a:t>La classe labyrinthe  elle crée un tableau  pour charger celui-ci</a:t>
+            </a:r>
+            <a:endParaRPr lang="fr-FR">
+              <a:cs typeface="Calibri"/>
+            </a:endParaRPr>
           </a:p>
           <a:p>
             <a:r>
               <a:rPr lang="fr-FR"/>
-              <a:t>Puis elle vas le charger dans la fonction  </a:t>
+              <a:t>Puis elle vas le charger dans la fonction  </a:t>
             </a:r>
             <a:r>
               <a:rPr lang="fr-FR" err="1"/>
@@ -8755,24 +9342,36 @@
               <a:rPr lang="fr-FR"/>
               <a:t> prend en paramètre l’adresse du fichier map.txt puis va parcourir toute les lignes </a:t>
             </a:r>
+            <a:endParaRPr lang="fr-FR">
+              <a:cs typeface="Calibri"/>
+            </a:endParaRPr>
           </a:p>
           <a:p>
             <a:r>
               <a:rPr lang="fr-FR"/>
-              <a:t>De celui-ci. Chaque caractere de chaque ligne et verifie si ce n’’est pas  un saut de ligne</a:t>
-            </a:r>
+              <a:t>De celui-ci. Chaque caractère de chaque ligne et vérifie si ce n’’est pas  un saut de ligne</a:t>
+            </a:r>
+            <a:endParaRPr lang="fr-FR">
+              <a:cs typeface="Calibri"/>
+            </a:endParaRPr>
           </a:p>
           <a:p>
             <a:r>
               <a:rPr lang="fr-FR"/>
-              <a:t>Si le caractere n’est pas un saut de ligne donc il ajoute le caractere # a la ligne du labyrinthe</a:t>
-            </a:r>
+              <a:t>Si le caractère n’est pas un saut de ligne donc il ajoute le caractère # a la ligne du labyrinthe</a:t>
+            </a:r>
+            <a:endParaRPr lang="fr-FR">
+              <a:cs typeface="Calibri"/>
+            </a:endParaRPr>
           </a:p>
           <a:p>
             <a:r>
               <a:rPr lang="fr-FR"/>
               <a:t>Puis on ajoute la ligne au labyrinthe.</a:t>
             </a:r>
+            <a:endParaRPr lang="fr-FR">
+              <a:cs typeface="Calibri"/>
+            </a:endParaRPr>
           </a:p>
           <a:p>
             <a:endParaRPr lang="fr-FR"/>
@@ -10593,14 +11192,14 @@
           <a:noFill/>
         </p:spPr>
         <p:txBody>
-          <a:bodyPr wrap="square" rtlCol="0">
+          <a:bodyPr wrap="square" rtlCol="0" anchor="t">
             <a:spAutoFit/>
           </a:bodyPr>
           <a:lstStyle/>
           <a:p>
             <a:r>
               <a:rPr lang="fr-FR"/>
-              <a:t>je rentre dans la boucle du jeu </a:t>
+              <a:t>je rentre dans la boucle du jeu </a:t>
             </a:r>
           </a:p>
           <a:p>
@@ -10608,12 +11207,18 @@
               <a:rPr lang="fr-FR"/>
               <a:t>Si c’est un élément de type QUIT je quitte le jeu</a:t>
             </a:r>
+            <a:endParaRPr lang="fr-FR">
+              <a:cs typeface="Calibri"/>
+            </a:endParaRPr>
           </a:p>
           <a:p>
             <a:r>
               <a:rPr lang="fr-FR"/>
-              <a:t>Sinon je verifi si correspondance au touche directionnel</a:t>
-            </a:r>
+              <a:t>Sinon je vérifie si correspondance au touche directionnel</a:t>
+            </a:r>
+            <a:endParaRPr lang="fr-FR">
+              <a:cs typeface="Calibri"/>
+            </a:endParaRPr>
           </a:p>
           <a:p>
             <a:r>
@@ -10626,13 +11231,24 @@
             </a:r>
             <a:r>
               <a:rPr lang="fr-FR"/>
-              <a:t> si le personnage a bouger et si il ne percute pas un mur</a:t>
-            </a:r>
-          </a:p>
-          <a:p>
+              <a:t> si le personnage </a:t>
+            </a:r>
+            <a:r>
+              <a:rPr lang="fr-FR" err="1"/>
+              <a:t>a</a:t>
+            </a:r>
             <a:r>
               <a:rPr lang="fr-FR"/>
-              <a:t>Verifi avec </a:t>
+              <a:t> bouger et si il ne percute pas un mur</a:t>
+            </a:r>
+            <a:endParaRPr lang="fr-FR">
+              <a:cs typeface="Calibri"/>
+            </a:endParaRPr>
+          </a:p>
+          <a:p>
+            <a:r>
+              <a:rPr lang="fr-FR"/>
+              <a:t>Vérifie avec </a:t>
             </a:r>
             <a:r>
               <a:rPr lang="fr-FR" err="1"/>
@@ -10640,7 +11256,7 @@
             </a:r>
             <a:r>
               <a:rPr lang="fr-FR"/>
-              <a:t>  la collision avec les </a:t>
+              <a:t>  la collision avec les </a:t>
             </a:r>
             <a:r>
               <a:rPr lang="fr-FR" err="1"/>
@@ -10648,14 +11264,20 @@
             </a:r>
             <a:r>
               <a:rPr lang="fr-FR"/>
-              <a:t> et le gardien  pour donner des points</a:t>
-            </a:r>
+              <a:t> et le gardien  pour donner des points</a:t>
+            </a:r>
+            <a:endParaRPr lang="fr-FR">
+              <a:cs typeface="Calibri"/>
+            </a:endParaRPr>
           </a:p>
           <a:p>
             <a:r>
               <a:rPr lang="fr-FR"/>
               <a:t>Et gère la fin du jeu</a:t>
             </a:r>
+            <a:endParaRPr lang="fr-FR">
+              <a:cs typeface="Calibri"/>
+            </a:endParaRPr>
           </a:p>
           <a:p>
             <a:r>
@@ -10664,19 +11286,25 @@
             </a:r>
             <a:r>
               <a:rPr lang="fr-FR"/>
-              <a:t>  met ajour la position de ‘m’</a:t>
-            </a:r>
+              <a:t>  met ajour la position de ‘m’</a:t>
+            </a:r>
+            <a:endParaRPr lang="fr-FR">
+              <a:cs typeface="Calibri"/>
+            </a:endParaRPr>
           </a:p>
           <a:p>
             <a:r>
               <a:rPr lang="fr-FR"/>
               <a:t>Le fait bouger d’une case vers la position souhaité</a:t>
             </a:r>
+            <a:endParaRPr lang="fr-FR">
+              <a:cs typeface="Calibri"/>
+            </a:endParaRPr>
           </a:p>
           <a:p>
             <a:r>
               <a:rPr lang="fr-FR"/>
-              <a:t>Et après je rafraichit l’affichage du labyrinthe  avec les nouvelles informations(position de ‘m’ , </a:t>
+              <a:t>Et après je rafraichit l’affichage du labyrinthe  avec les nouvelles informations(position de ‘m’ , </a:t>
             </a:r>
             <a:r>
               <a:rPr lang="fr-FR" err="1"/>
@@ -10686,6 +11314,9 @@
               <a:rPr lang="fr-FR"/>
               <a:t> pris ,gardien prit )</a:t>
             </a:r>
+            <a:endParaRPr lang="fr-FR">
+              <a:cs typeface="Calibri"/>
+            </a:endParaRPr>
           </a:p>
           <a:p>
             <a:br>
@@ -10695,6 +11326,9 @@
               <a:rPr lang="fr-FR"/>
               <a:t> </a:t>
             </a:r>
+            <a:endParaRPr lang="fr-FR">
+              <a:cs typeface="Calibri"/>
+            </a:endParaRPr>
           </a:p>
         </p:txBody>
       </p:sp>
@@ -11840,11 +12474,7 @@
             </a:pPr>
             <a:r>
               <a:rPr lang="fr-FR" sz="2000"/>
-              <a:t> je m’appelle monsieur Desombre </a:t>
-            </a:r>
-            <a:r>
-              <a:rPr lang="fr-FR" sz="2000" dirty="0"/>
-              <a:t>Alain je suis un employé de la logistique INTERMARCHE depuis 30 ans et 8 année dans un  magasin cora.</a:t>
+              <a:t> je m’appelle monsieur Desombre Alain je suis un employé de la logistique INTERMARCHE depuis 30 ans et 8 année dans un  magasin cora.</a:t>
             </a:r>
             <a:endParaRPr lang="fr-FR">
               <a:cs typeface="Calibri" panose="020F0502020204030204"/>
@@ -11855,10 +12485,10 @@
               <a:buNone/>
             </a:pPr>
             <a:r>
-              <a:rPr lang="fr-FR" sz="2000" dirty="0"/>
+              <a:rPr lang="fr-FR" sz="2000"/>
               <a:t>Depuis le 9 avril 2014 j’étudie vos cours.</a:t>
             </a:r>
-            <a:endParaRPr lang="fr-FR" sz="2000" dirty="0">
+            <a:endParaRPr lang="fr-FR" sz="2000">
               <a:cs typeface="Calibri"/>
             </a:endParaRPr>
           </a:p>
@@ -11867,10 +12497,10 @@
               <a:buNone/>
             </a:pPr>
             <a:r>
-              <a:rPr lang="fr-FR" sz="2000" dirty="0"/>
+              <a:rPr lang="fr-FR" sz="2000"/>
               <a:t>En espérant un jour pouvoir me diplôme chez vous.</a:t>
             </a:r>
-            <a:endParaRPr lang="fr-FR" sz="2000" dirty="0">
+            <a:endParaRPr lang="fr-FR" sz="2000">
               <a:cs typeface="Calibri"/>
             </a:endParaRPr>
           </a:p>
@@ -11879,10 +12509,10 @@
               <a:buNone/>
             </a:pPr>
             <a:r>
-              <a:rPr lang="fr-FR" sz="2000" dirty="0"/>
+              <a:rPr lang="fr-FR" sz="2000"/>
               <a:t> J’ai profité de mes points CPF pour faire cette formation.</a:t>
             </a:r>
-            <a:endParaRPr lang="fr-FR" sz="2000" dirty="0">
+            <a:endParaRPr lang="fr-FR" sz="2000">
               <a:cs typeface="Calibri"/>
             </a:endParaRPr>
           </a:p>
@@ -12289,7 +12919,7 @@
           <a:noFill/>
         </p:spPr>
         <p:txBody>
-          <a:bodyPr wrap="square" rtlCol="0">
+          <a:bodyPr wrap="square" rtlCol="0" anchor="t">
             <a:spAutoFit/>
           </a:bodyPr>
           <a:lstStyle/>
@@ -12304,38 +12934,61 @@
             </a:r>
             <a:r>
               <a:rPr lang="fr-FR"/>
-              <a:t> python </a:t>
+              <a:t> python </a:t>
             </a:r>
           </a:p>
           <a:p>
             <a:r>
               <a:rPr lang="fr-FR"/>
-              <a:t>j'ai crée un environnement virtuelle</a:t>
-            </a:r>
+              <a:t>j'ai </a:t>
+            </a:r>
+            <a:r>
+              <a:rPr lang="fr-FR" err="1"/>
+              <a:t>crée</a:t>
+            </a:r>
+            <a:r>
+              <a:rPr lang="fr-FR"/>
+              <a:t> un environnement virtuelle</a:t>
+            </a:r>
+            <a:endParaRPr lang="fr-FR">
+              <a:cs typeface="Calibri"/>
+            </a:endParaRPr>
           </a:p>
           <a:p>
             <a:r>
               <a:rPr lang="fr-FR"/>
               <a:t>avec le logiciel Virtual environnement</a:t>
             </a:r>
+            <a:endParaRPr lang="fr-FR">
+              <a:cs typeface="Calibri"/>
+            </a:endParaRPr>
           </a:p>
           <a:p>
             <a:r>
               <a:rPr lang="fr-FR"/>
               <a:t>ceci me permet de tester mon Project</a:t>
             </a:r>
+            <a:endParaRPr lang="fr-FR">
+              <a:cs typeface="Calibri"/>
+            </a:endParaRPr>
           </a:p>
           <a:p>
             <a:r>
               <a:rPr lang="fr-FR"/>
               <a:t>avec plusieurs version de python.</a:t>
             </a:r>
+            <a:endParaRPr lang="fr-FR">
+              <a:cs typeface="Calibri"/>
+            </a:endParaRPr>
           </a:p>
           <a:p>
             <a:r>
               <a:rPr lang="fr-FR"/>
-              <a:t>et de stocker mon travail  dans un endroit sur de mon pc</a:t>
-            </a:r>
+              <a:t>et de stocker mon travail  dans un endroit sure de mon pc</a:t>
+            </a:r>
+            <a:endParaRPr lang="fr-FR">
+              <a:cs typeface="Calibri"/>
+            </a:endParaRPr>
           </a:p>
         </p:txBody>
       </p:sp>
@@ -13288,8 +13941,8 @@
         </p:nvSpPr>
         <p:spPr>
           <a:xfrm>
-            <a:off x="6507060" y="1389776"/>
-            <a:ext cx="4742576" cy="3888244"/>
+            <a:off x="6842619" y="1389776"/>
+            <a:ext cx="4407017" cy="3760004"/>
           </a:xfrm>
           <a:prstGeom prst="rect">
             <a:avLst/>
@@ -13438,23 +14091,7 @@
               <a:rPr lang="fr-FR">
                 <a:cs typeface="Calibri"/>
               </a:rPr>
-              <a:t>          Mes variables sont en minuscule si il y        a deux mot .</a:t>
-            </a:r>
-          </a:p>
-          <a:p>
-            <a:pPr algn="ctr">
-              <a:lnSpc>
-                <a:spcPct val="90000"/>
-              </a:lnSpc>
-              <a:spcBef>
-                <a:spcPts val="1000"/>
-              </a:spcBef>
-            </a:pPr>
-            <a:r>
-              <a:rPr lang="fr-FR">
-                <a:cs typeface="Calibri"/>
-              </a:rPr>
-              <a:t>Je mets un tiret du bas centre .</a:t>
+              <a:t>         Mes variables sont en minuscule si il y a plus de un  mot .Je mets un tiret du bas au centre .</a:t>
             </a:r>
           </a:p>
           <a:p>
